--- a/abordagems_autoadaptativas.pptx
+++ b/abordagems_autoadaptativas.pptx
@@ -5,13 +5,17 @@
     <p:sldMasterId id="2147483648" r:id="rId1"/>
   </p:sldMasterIdLst>
   <p:notesMasterIdLst>
-    <p:notesMasterId r:id="rId4"/>
+    <p:notesMasterId r:id="rId8"/>
   </p:notesMasterIdLst>
   <p:handoutMasterIdLst>
-    <p:handoutMasterId r:id="rId5"/>
+    <p:handoutMasterId r:id="rId9"/>
   </p:handoutMasterIdLst>
   <p:sldIdLst>
     <p:sldId id="257" r:id="rId3"/>
+    <p:sldId id="259" r:id="rId4"/>
+    <p:sldId id="260" r:id="rId5"/>
+    <p:sldId id="261" r:id="rId6"/>
+    <p:sldId id="258" r:id="rId7"/>
   </p:sldIdLst>
   <p:sldSz cx="12192000" cy="6858000"/>
   <p:notesSz cx="7103745" cy="10234295"/>
@@ -4786,6 +4790,3834 @@
 </p:sld>
 </file>
 
+<file path=ppt/slides/slide2.xml><?xml version="1.0" encoding="utf-8"?>
+<p:sld xmlns:a="http://schemas.openxmlformats.org/drawingml/2006/main" xmlns:r="http://schemas.openxmlformats.org/officeDocument/2006/relationships" xmlns:p="http://schemas.openxmlformats.org/presentationml/2006/main">
+  <p:cSld>
+    <p:spTree>
+      <p:nvGrpSpPr>
+        <p:cNvPr id="1" name=""/>
+        <p:cNvGrpSpPr/>
+        <p:nvPr/>
+      </p:nvGrpSpPr>
+      <p:grpSpPr/>
+      <p:grpSp>
+        <p:nvGrpSpPr>
+          <p:cNvPr id="5" name="Group 4"/>
+          <p:cNvGrpSpPr/>
+          <p:nvPr/>
+        </p:nvGrpSpPr>
+        <p:grpSpPr>
+          <a:xfrm>
+            <a:off x="2988310" y="286385"/>
+            <a:ext cx="6216015" cy="2600325"/>
+            <a:chOff x="4706" y="451"/>
+            <a:chExt cx="9789" cy="4095"/>
+          </a:xfrm>
+        </p:grpSpPr>
+        <mc:AlternateContent xmlns:mc="http://schemas.openxmlformats.org/markup-compatibility/2006">
+          <mc:Choice xmlns:a14="http://schemas.microsoft.com/office/drawing/2010/main" Requires="a14">
+            <p:sp>
+              <p:nvSpPr>
+                <p:cNvPr id="27" name="Text Box 26"/>
+                <p:cNvSpPr txBox="1"/>
+                <p:nvPr/>
+              </p:nvSpPr>
+              <p:spPr>
+                <a:xfrm>
+                  <a:off x="4706" y="1322"/>
+                  <a:ext cx="9789" cy="3224"/>
+                </a:xfrm>
+                <a:prstGeom prst="rect">
+                  <a:avLst/>
+                </a:prstGeom>
+                <a:noFill/>
+              </p:spPr>
+              <p:txBody>
+                <a:bodyPr wrap="square" rtlCol="0">
+                  <a:spAutoFit/>
+                </a:bodyPr>
+                <a:p>
+                  <a:pPr lvl="0" indent="0" algn="just">
+                    <a:lnSpc>
+                      <a:spcPct val="150000"/>
+                    </a:lnSpc>
+                    <a:buFont typeface="Arial" panose="020B0604020202020204" pitchFamily="34" charset="0"/>
+                    <a:buNone/>
+                  </a:pPr>
+                  <a:r>
+                    <a:rPr lang="pt-PT" altLang="en-US" sz="1600">
+                      <a:solidFill>
+                        <a:srgbClr val="C00000"/>
+                      </a:solidFill>
+                      <a:cs typeface="+mn-lt"/>
+                      <a:sym typeface="+mn-ea"/>
+                    </a:rPr>
+                    <a:t>Para calcular a adaptabilidade do </a:t>
+                  </a:r>
+                  <a14:m>
+                    <m:oMath xmlns:m="http://schemas.openxmlformats.org/officeDocument/2006/math">
+                      <m:sSup>
+                        <m:sSupPr>
+                          <m:ctrlPr>
+                            <a:rPr lang="en-US" sz="1600" i="1">
+                              <a:solidFill>
+                                <a:srgbClr val="C00000"/>
+                              </a:solidFill>
+                              <a:latin typeface="DejaVu Math TeX Gyre" panose="02000503000000000000" charset="0"/>
+                              <a:cs typeface="DejaVu Math TeX Gyre" panose="02000503000000000000" charset="0"/>
+                            </a:rPr>
+                          </m:ctrlPr>
+                        </m:sSupPr>
+                        <m:e>
+                          <m:r>
+                            <a:rPr lang="en-US" sz="1600" i="1">
+                              <a:solidFill>
+                                <a:srgbClr val="C00000"/>
+                              </a:solidFill>
+                              <a:latin typeface="DejaVu Math TeX Gyre" panose="02000503000000000000" charset="0"/>
+                              <a:ea typeface="MS Mincho" charset="0"/>
+                              <a:cs typeface="DejaVu Math TeX Gyre" panose="02000503000000000000" charset="0"/>
+                            </a:rPr>
+                            <m:t>𝜎</m:t>
+                          </m:r>
+                        </m:e>
+                        <m:sup>
+                          <m:r>
+                            <a:rPr lang="en-US" sz="1600" i="1">
+                              <a:solidFill>
+                                <a:srgbClr val="C00000"/>
+                              </a:solidFill>
+                              <a:latin typeface="DejaVu Math TeX Gyre" panose="02000503000000000000" charset="0"/>
+                              <a:ea typeface="MS Mincho" charset="0"/>
+                              <a:cs typeface="DejaVu Math TeX Gyre" panose="02000503000000000000" charset="0"/>
+                            </a:rPr>
+                            <m:t>’</m:t>
+                          </m:r>
+                        </m:sup>
+                      </m:sSup>
+                    </m:oMath>
+                  </a14:m>
+                  <a:r>
+                    <a:rPr lang="pt-PT" altLang="en-US" sz="1600">
+                      <a:solidFill>
+                        <a:srgbClr val="C00000"/>
+                      </a:solidFill>
+                      <a:cs typeface="+mn-lt"/>
+                      <a:sym typeface="+mn-ea"/>
+                    </a:rPr>
+                    <a:t>, perturba todas as variáveis de uma só vez com </a:t>
+                  </a:r>
+                  <a14:m>
+                    <m:oMath xmlns:m="http://schemas.openxmlformats.org/officeDocument/2006/math">
+                      <m:sSubSup>
+                        <m:sSubSupPr>
+                          <m:ctrlPr>
+                            <a:rPr lang="en-US" sz="1600" i="1">
+                              <a:solidFill>
+                                <a:srgbClr val="C00000"/>
+                              </a:solidFill>
+                              <a:latin typeface="DejaVu Math TeX Gyre" panose="02000503000000000000" charset="0"/>
+                              <a:cs typeface="DejaVu Math TeX Gyre" panose="02000503000000000000" charset="0"/>
+                            </a:rPr>
+                          </m:ctrlPr>
+                        </m:sSubSupPr>
+                        <m:e>
+                          <m:r>
+                            <a:rPr lang="en-US" sz="1600" i="1">
+                              <a:solidFill>
+                                <a:srgbClr val="C00000"/>
+                              </a:solidFill>
+                              <a:latin typeface="DejaVu Math TeX Gyre" panose="02000503000000000000" charset="0"/>
+                              <a:cs typeface="DejaVu Math TeX Gyre" panose="02000503000000000000" charset="0"/>
+                            </a:rPr>
+                            <m:t>𝑥</m:t>
+                          </m:r>
+                        </m:e>
+                        <m:sub>
+                          <m:r>
+                            <a:rPr lang="en-US" sz="1600" i="1">
+                              <a:solidFill>
+                                <a:srgbClr val="C00000"/>
+                              </a:solidFill>
+                              <a:latin typeface="DejaVu Math TeX Gyre" panose="02000503000000000000" charset="0"/>
+                              <a:cs typeface="DejaVu Math TeX Gyre" panose="02000503000000000000" charset="0"/>
+                            </a:rPr>
+                            <m:t>𝑖</m:t>
+                          </m:r>
+                        </m:sub>
+                        <m:sup>
+                          <m:r>
+                            <a:rPr lang="en-US" sz="1600" i="1">
+                              <a:solidFill>
+                                <a:srgbClr val="C00000"/>
+                              </a:solidFill>
+                              <a:latin typeface="DejaVu Math TeX Gyre" panose="02000503000000000000" charset="0"/>
+                              <a:ea typeface="MS Mincho" charset="0"/>
+                              <a:cs typeface="DejaVu Math TeX Gyre" panose="02000503000000000000" charset="0"/>
+                            </a:rPr>
+                            <m:t>’</m:t>
+                          </m:r>
+                        </m:sup>
+                      </m:sSubSup>
+                      <m:r>
+                        <a:rPr lang="en-US" sz="1600" i="1">
+                          <a:solidFill>
+                            <a:srgbClr val="C00000"/>
+                          </a:solidFill>
+                          <a:latin typeface="DejaVu Math TeX Gyre" panose="02000503000000000000" charset="0"/>
+                          <a:ea typeface="MS Mincho" charset="0"/>
+                          <a:cs typeface="DejaVu Math TeX Gyre" panose="02000503000000000000" charset="0"/>
+                        </a:rPr>
+                        <m:t>=</m:t>
+                      </m:r>
+                      <m:sSub>
+                        <m:sSubPr>
+                          <m:ctrlPr>
+                            <a:rPr lang="en-US" sz="1600" i="1">
+                              <a:solidFill>
+                                <a:srgbClr val="C00000"/>
+                              </a:solidFill>
+                              <a:latin typeface="DejaVu Math TeX Gyre" panose="02000503000000000000" charset="0"/>
+                              <a:cs typeface="DejaVu Math TeX Gyre" panose="02000503000000000000" charset="0"/>
+                            </a:rPr>
+                          </m:ctrlPr>
+                        </m:sSubPr>
+                        <m:e>
+                          <m:r>
+                            <a:rPr lang="en-US" sz="1600" i="1">
+                              <a:solidFill>
+                                <a:srgbClr val="C00000"/>
+                              </a:solidFill>
+                              <a:latin typeface="DejaVu Math TeX Gyre" panose="02000503000000000000" charset="0"/>
+                              <a:cs typeface="DejaVu Math TeX Gyre" panose="02000503000000000000" charset="0"/>
+                            </a:rPr>
+                            <m:t>𝑥</m:t>
+                          </m:r>
+                        </m:e>
+                        <m:sub>
+                          <m:r>
+                            <a:rPr lang="en-US" sz="1600" i="1">
+                              <a:solidFill>
+                                <a:srgbClr val="C00000"/>
+                              </a:solidFill>
+                              <a:latin typeface="DejaVu Math TeX Gyre" panose="02000503000000000000" charset="0"/>
+                              <a:cs typeface="DejaVu Math TeX Gyre" panose="02000503000000000000" charset="0"/>
+                            </a:rPr>
+                            <m:t>𝑖</m:t>
+                          </m:r>
+                        </m:sub>
+                      </m:sSub>
+                      <m:r>
+                        <a:rPr lang="en-US" sz="1600" i="1">
+                          <a:solidFill>
+                            <a:srgbClr val="C00000"/>
+                          </a:solidFill>
+                          <a:latin typeface="DejaVu Math TeX Gyre" panose="02000503000000000000" charset="0"/>
+                          <a:ea typeface="MS Mincho" charset="0"/>
+                          <a:cs typeface="DejaVu Math TeX Gyre" panose="02000503000000000000" charset="0"/>
+                        </a:rPr>
+                        <m:t>+</m:t>
+                      </m:r>
+                      <m:r>
+                        <a:rPr lang="en-US" sz="1600" i="1">
+                          <a:solidFill>
+                            <a:srgbClr val="C00000"/>
+                          </a:solidFill>
+                          <a:latin typeface="DejaVu Math TeX Gyre" panose="02000503000000000000" charset="0"/>
+                          <a:cs typeface="DejaVu Math TeX Gyre" panose="02000503000000000000" charset="0"/>
+                        </a:rPr>
+                        <m:t>𝑁</m:t>
+                      </m:r>
+                      <m:r>
+                        <a:rPr lang="en-US" sz="1600" i="1">
+                          <a:solidFill>
+                            <a:srgbClr val="C00000"/>
+                          </a:solidFill>
+                          <a:latin typeface="DejaVu Math TeX Gyre" panose="02000503000000000000" charset="0"/>
+                          <a:ea typeface="MS Mincho" charset="0"/>
+                          <a:cs typeface="DejaVu Math TeX Gyre" panose="02000503000000000000" charset="0"/>
+                        </a:rPr>
+                        <m:t>(</m:t>
+                      </m:r>
+                      <m:r>
+                        <a:rPr lang="en-US" sz="1600" i="1">
+                          <a:solidFill>
+                            <a:srgbClr val="C00000"/>
+                          </a:solidFill>
+                          <a:latin typeface="DejaVu Math TeX Gyre" panose="02000503000000000000" charset="0"/>
+                          <a:ea typeface="MS Mincho" charset="0"/>
+                          <a:cs typeface="DejaVu Math TeX Gyre" panose="02000503000000000000" charset="0"/>
+                        </a:rPr>
+                        <m:t>0</m:t>
+                      </m:r>
+                      <m:r>
+                        <a:rPr lang="en-US" sz="1600" i="1">
+                          <a:solidFill>
+                            <a:srgbClr val="C00000"/>
+                          </a:solidFill>
+                          <a:latin typeface="DejaVu Math TeX Gyre" panose="02000503000000000000" charset="0"/>
+                          <a:ea typeface="MS Mincho" charset="0"/>
+                          <a:cs typeface="DejaVu Math TeX Gyre" panose="02000503000000000000" charset="0"/>
+                        </a:rPr>
+                        <m:t>,</m:t>
+                      </m:r>
+                      <m:sSup>
+                        <m:sSupPr>
+                          <m:ctrlPr>
+                            <a:rPr lang="en-US" sz="1600" i="1">
+                              <a:solidFill>
+                                <a:srgbClr val="C00000"/>
+                              </a:solidFill>
+                              <a:latin typeface="DejaVu Math TeX Gyre" panose="02000503000000000000" charset="0"/>
+                              <a:cs typeface="DejaVu Math TeX Gyre" panose="02000503000000000000" charset="0"/>
+                            </a:rPr>
+                          </m:ctrlPr>
+                        </m:sSupPr>
+                        <m:e>
+                          <m:r>
+                            <a:rPr lang="en-US" sz="1600" i="1">
+                              <a:solidFill>
+                                <a:srgbClr val="C00000"/>
+                              </a:solidFill>
+                              <a:latin typeface="DejaVu Math TeX Gyre" panose="02000503000000000000" charset="0"/>
+                              <a:ea typeface="MS Mincho" charset="0"/>
+                              <a:cs typeface="DejaVu Math TeX Gyre" panose="02000503000000000000" charset="0"/>
+                            </a:rPr>
+                            <m:t>𝜎</m:t>
+                          </m:r>
+                        </m:e>
+                        <m:sup>
+                          <m:r>
+                            <a:rPr lang="en-US" sz="1600" i="1">
+                              <a:solidFill>
+                                <a:srgbClr val="C00000"/>
+                              </a:solidFill>
+                              <a:latin typeface="DejaVu Math TeX Gyre" panose="02000503000000000000" charset="0"/>
+                              <a:ea typeface="MS Mincho" charset="0"/>
+                              <a:cs typeface="DejaVu Math TeX Gyre" panose="02000503000000000000" charset="0"/>
+                            </a:rPr>
+                            <m:t>’</m:t>
+                          </m:r>
+                        </m:sup>
+                      </m:sSup>
+                      <m:r>
+                        <a:rPr lang="en-US" sz="1600" i="1">
+                          <a:solidFill>
+                            <a:srgbClr val="C00000"/>
+                          </a:solidFill>
+                          <a:latin typeface="DejaVu Math TeX Gyre" panose="02000503000000000000" charset="0"/>
+                          <a:ea typeface="MS Mincho" charset="0"/>
+                          <a:cs typeface="DejaVu Math TeX Gyre" panose="02000503000000000000" charset="0"/>
+                        </a:rPr>
+                        <m:t>)</m:t>
+                      </m:r>
+                    </m:oMath>
+                  </a14:m>
+                  <a:r>
+                    <a:rPr lang="pt-PT" altLang="en-US" sz="1600">
+                      <a:solidFill>
+                        <a:srgbClr val="C00000"/>
+                      </a:solidFill>
+                      <a:cs typeface="+mn-lt"/>
+                      <a:sym typeface="+mn-ea"/>
+                    </a:rPr>
+                    <a:t> e calcula o valor de f(x).</a:t>
+                  </a:r>
+                  <a:endParaRPr lang="pt-PT" altLang="en-US" sz="1600">
+                    <a:solidFill>
+                      <a:srgbClr val="C00000"/>
+                    </a:solidFill>
+                    <a:cs typeface="+mn-lt"/>
+                    <a:sym typeface="+mn-ea"/>
+                  </a:endParaRPr>
+                </a:p>
+                <a:p>
+                  <a:pPr marL="285750" lvl="0" indent="-285750" algn="just">
+                    <a:lnSpc>
+                      <a:spcPct val="150000"/>
+                    </a:lnSpc>
+                    <a:buFont typeface="Arial" panose="020B0604020202020204" pitchFamily="34" charset="0"/>
+                    <a:buChar char="•"/>
+                  </a:pPr>
+                  <a:endParaRPr lang="pt-PT" altLang="en-US" sz="1600">
+                    <a:cs typeface="+mn-lt"/>
+                    <a:sym typeface="+mn-ea"/>
+                  </a:endParaRPr>
+                </a:p>
+                <a:p>
+                  <a:pPr lvl="0" indent="0" algn="just">
+                    <a:lnSpc>
+                      <a:spcPct val="150000"/>
+                    </a:lnSpc>
+                    <a:buFont typeface="Arial" panose="020B0604020202020204" pitchFamily="34" charset="0"/>
+                    <a:buNone/>
+                  </a:pPr>
+                  <a:r>
+                    <a:rPr lang="pt-PT" altLang="en-US" sz="1600">
+                      <a:cs typeface="+mn-lt"/>
+                      <a:sym typeface="+mn-ea"/>
+                    </a:rPr>
+                    <a:t>Em problemas onde os intervalos de variação das variáveis são diferentes, o sigma é diferente, pois </a:t>
+                  </a:r>
+                  <a14:m>
+                    <m:oMath xmlns:m="http://schemas.openxmlformats.org/officeDocument/2006/math">
+                      <m:r>
+                        <a:rPr lang="en-US" altLang="pt-PT" sz="1600" i="1">
+                          <a:latin typeface="DejaVu Math TeX Gyre" panose="02000503000000000000" charset="0"/>
+                          <a:ea typeface="MS Mincho" charset="0"/>
+                          <a:cs typeface="DejaVu Math TeX Gyre" panose="02000503000000000000" charset="0"/>
+                          <a:sym typeface="+mn-ea"/>
+                        </a:rPr>
+                        <m:t>𝜎</m:t>
+                      </m:r>
+                      <m:r>
+                        <a:rPr lang="en-US" altLang="pt-PT" sz="1600" i="1">
+                          <a:latin typeface="DejaVu Math TeX Gyre" panose="02000503000000000000" charset="0"/>
+                          <a:ea typeface="MS Mincho" charset="0"/>
+                          <a:cs typeface="DejaVu Math TeX Gyre" panose="02000503000000000000" charset="0"/>
+                          <a:sym typeface="+mn-ea"/>
+                        </a:rPr>
+                        <m:t>=</m:t>
+                      </m:r>
+                      <m:r>
+                        <a:rPr lang="en-US" altLang="pt-PT" sz="1600" i="1">
+                          <a:latin typeface="DejaVu Math TeX Gyre" panose="02000503000000000000" charset="0"/>
+                          <a:ea typeface="MS Mincho" charset="0"/>
+                          <a:cs typeface="DejaVu Math TeX Gyre" panose="02000503000000000000" charset="0"/>
+                          <a:sym typeface="+mn-ea"/>
+                        </a:rPr>
+                        <m:t>𝜌</m:t>
+                      </m:r>
+                      <m:r>
+                        <a:rPr lang="en-US" altLang="pt-PT" sz="1600" i="1">
+                          <a:latin typeface="DejaVu Math TeX Gyre" panose="02000503000000000000" charset="0"/>
+                          <a:ea typeface="MS Mincho" charset="0"/>
+                          <a:cs typeface="DejaVu Math TeX Gyre" panose="02000503000000000000" charset="0"/>
+                          <a:sym typeface="+mn-ea"/>
+                        </a:rPr>
+                        <m:t>∙(</m:t>
+                      </m:r>
+                      <m:sSup>
+                        <m:sSupPr>
+                          <m:ctrlPr>
+                            <a:rPr lang="en-US" altLang="pt-PT" sz="1600" i="1">
+                              <a:latin typeface="DejaVu Math TeX Gyre" panose="02000503000000000000" charset="0"/>
+                              <a:cs typeface="DejaVu Math TeX Gyre" panose="02000503000000000000" charset="0"/>
+                              <a:sym typeface="+mn-ea"/>
+                            </a:rPr>
+                          </m:ctrlPr>
+                        </m:sSupPr>
+                        <m:e>
+                          <m:r>
+                            <a:rPr lang="en-US" altLang="pt-PT" sz="1600" i="1">
+                              <a:latin typeface="DejaVu Math TeX Gyre" panose="02000503000000000000" charset="0"/>
+                              <a:cs typeface="DejaVu Math TeX Gyre" panose="02000503000000000000" charset="0"/>
+                              <a:sym typeface="+mn-ea"/>
+                            </a:rPr>
+                            <m:t>𝑥</m:t>
+                          </m:r>
+                        </m:e>
+                        <m:sup>
+                          <m:r>
+                            <a:rPr lang="en-US" altLang="pt-PT" sz="1600" i="1">
+                              <a:latin typeface="DejaVu Math TeX Gyre" panose="02000503000000000000" charset="0"/>
+                              <a:cs typeface="DejaVu Math TeX Gyre" panose="02000503000000000000" charset="0"/>
+                              <a:sym typeface="+mn-ea"/>
+                            </a:rPr>
+                            <m:t>𝑈</m:t>
+                          </m:r>
+                        </m:sup>
+                      </m:sSup>
+                      <m:r>
+                        <a:rPr lang="en-US" altLang="pt-PT" sz="1600" i="1">
+                          <a:latin typeface="DejaVu Math TeX Gyre" panose="02000503000000000000" charset="0"/>
+                          <a:cs typeface="DejaVu Math TeX Gyre" panose="02000503000000000000" charset="0"/>
+                          <a:sym typeface="+mn-ea"/>
+                        </a:rPr>
+                        <m:t>−</m:t>
+                      </m:r>
+                      <m:sSup>
+                        <m:sSupPr>
+                          <m:ctrlPr>
+                            <a:rPr lang="en-US" altLang="pt-PT" sz="1600" i="1">
+                              <a:latin typeface="DejaVu Math TeX Gyre" panose="02000503000000000000" charset="0"/>
+                              <a:cs typeface="DejaVu Math TeX Gyre" panose="02000503000000000000" charset="0"/>
+                              <a:sym typeface="+mn-ea"/>
+                            </a:rPr>
+                          </m:ctrlPr>
+                        </m:sSupPr>
+                        <m:e>
+                          <m:r>
+                            <a:rPr lang="en-US" altLang="pt-PT" sz="1600" i="1">
+                              <a:latin typeface="DejaVu Math TeX Gyre" panose="02000503000000000000" charset="0"/>
+                              <a:cs typeface="DejaVu Math TeX Gyre" panose="02000503000000000000" charset="0"/>
+                              <a:sym typeface="+mn-ea"/>
+                            </a:rPr>
+                            <m:t>𝑥</m:t>
+                          </m:r>
+                        </m:e>
+                        <m:sup>
+                          <m:r>
+                            <a:rPr lang="en-US" altLang="pt-PT" sz="1600" i="1">
+                              <a:latin typeface="DejaVu Math TeX Gyre" panose="02000503000000000000" charset="0"/>
+                              <a:cs typeface="DejaVu Math TeX Gyre" panose="02000503000000000000" charset="0"/>
+                              <a:sym typeface="+mn-ea"/>
+                            </a:rPr>
+                            <m:t>𝐿</m:t>
+                          </m:r>
+                        </m:sup>
+                      </m:sSup>
+                      <m:r>
+                        <a:rPr lang="en-US" altLang="pt-PT" sz="1600" i="1">
+                          <a:latin typeface="DejaVu Math TeX Gyre" panose="02000503000000000000" charset="0"/>
+                          <a:ea typeface="MS Mincho" charset="0"/>
+                          <a:cs typeface="DejaVu Math TeX Gyre" panose="02000503000000000000" charset="0"/>
+                          <a:sym typeface="+mn-ea"/>
+                        </a:rPr>
+                        <m:t>)</m:t>
+                      </m:r>
+                    </m:oMath>
+                  </a14:m>
+                  <a:endParaRPr lang="en-US" altLang="pt-PT" sz="1600" i="1">
+                    <a:cs typeface="+mn-lt"/>
+                    <a:sym typeface="+mn-ea"/>
+                  </a:endParaRPr>
+                </a:p>
+              </p:txBody>
+            </p:sp>
+          </mc:Choice>
+          <mc:Fallback>
+            <p:sp>
+              <p:nvSpPr>
+                <p:cNvPr id="27" name="Text Box 26"/>
+                <p:cNvSpPr txBox="1">
+                  <a:spLocks noRot="1" noChangeAspect="1" noMove="1" noResize="1" noEditPoints="1" noAdjustHandles="1" noChangeArrowheads="1" noChangeShapeType="1" noTextEdit="1"/>
+                </p:cNvSpPr>
+                <p:nvPr/>
+              </p:nvSpPr>
+              <p:spPr>
+                <a:xfrm>
+                  <a:off x="4706" y="1322"/>
+                  <a:ext cx="9789" cy="3224"/>
+                </a:xfrm>
+                <a:prstGeom prst="rect">
+                  <a:avLst/>
+                </a:prstGeom>
+                <a:blipFill rotWithShape="1">
+                  <a:blip r:embed="rId1"/>
+                </a:blipFill>
+              </p:spPr>
+              <p:txBody>
+                <a:bodyPr/>
+                <a:lstStyle/>
+                <a:p>
+                  <a:r>
+                    <a:rPr lang="en-US" altLang="en-US">
+                      <a:noFill/>
+                    </a:rPr>
+                    <a:t> </a:t>
+                  </a:r>
+                </a:p>
+              </p:txBody>
+            </p:sp>
+          </mc:Fallback>
+        </mc:AlternateContent>
+        <p:sp>
+          <p:nvSpPr>
+            <p:cNvPr id="2" name="Text Box 1"/>
+            <p:cNvSpPr txBox="1"/>
+            <p:nvPr/>
+          </p:nvSpPr>
+          <p:spPr>
+            <a:xfrm>
+              <a:off x="6814" y="451"/>
+              <a:ext cx="5574" cy="871"/>
+            </a:xfrm>
+            <a:prstGeom prst="rect">
+              <a:avLst/>
+            </a:prstGeom>
+            <a:noFill/>
+          </p:spPr>
+          <p:txBody>
+            <a:bodyPr wrap="square" rtlCol="0">
+              <a:spAutoFit/>
+            </a:bodyPr>
+            <a:p>
+              <a:pPr lvl="0" indent="0" algn="ctr">
+                <a:lnSpc>
+                  <a:spcPct val="150000"/>
+                </a:lnSpc>
+                <a:buFont typeface="Arial" panose="020B0604020202020204" pitchFamily="34" charset="0"/>
+                <a:buNone/>
+              </a:pPr>
+              <a:r>
+                <a:rPr lang="pt-PT" sz="2000" b="1">
+                  <a:solidFill>
+                    <a:schemeClr val="accent2"/>
+                  </a:solidFill>
+                </a:rPr>
+                <a:t>PROBLEMA</a:t>
+              </a:r>
+              <a:endParaRPr lang="pt-PT" sz="2000" b="1">
+                <a:solidFill>
+                  <a:schemeClr val="accent2"/>
+                </a:solidFill>
+              </a:endParaRPr>
+            </a:p>
+          </p:txBody>
+        </p:sp>
+      </p:grpSp>
+      <p:grpSp>
+        <p:nvGrpSpPr>
+          <p:cNvPr id="6" name="Group 5"/>
+          <p:cNvGrpSpPr/>
+          <p:nvPr/>
+        </p:nvGrpSpPr>
+        <p:grpSpPr>
+          <a:xfrm>
+            <a:off x="2988310" y="3723005"/>
+            <a:ext cx="6771640" cy="1856740"/>
+            <a:chOff x="4706" y="451"/>
+            <a:chExt cx="10664" cy="2924"/>
+          </a:xfrm>
+        </p:grpSpPr>
+        <mc:AlternateContent xmlns:mc="http://schemas.openxmlformats.org/markup-compatibility/2006">
+          <mc:Choice xmlns:a14="http://schemas.microsoft.com/office/drawing/2010/main" Requires="a14">
+            <p:sp>
+              <p:nvSpPr>
+                <p:cNvPr id="8" name="Text Box 7"/>
+                <p:cNvSpPr txBox="1"/>
+                <p:nvPr/>
+              </p:nvSpPr>
+              <p:spPr>
+                <a:xfrm>
+                  <a:off x="4706" y="1322"/>
+                  <a:ext cx="10664" cy="2053"/>
+                </a:xfrm>
+                <a:prstGeom prst="rect">
+                  <a:avLst/>
+                </a:prstGeom>
+                <a:noFill/>
+              </p:spPr>
+              <p:txBody>
+                <a:bodyPr wrap="square" rtlCol="0">
+                  <a:spAutoFit/>
+                </a:bodyPr>
+                <a:p>
+                  <a:pPr lvl="0" indent="0" algn="just">
+                    <a:lnSpc>
+                      <a:spcPct val="150000"/>
+                    </a:lnSpc>
+                    <a:buFont typeface="Arial" panose="020B0604020202020204" pitchFamily="34" charset="0"/>
+                    <a:buNone/>
+                  </a:pPr>
+                  <a:r>
+                    <a:rPr lang="pt-PT" altLang="en-US" sz="1600">
+                      <a:cs typeface="+mn-lt"/>
+                      <a:sym typeface="+mn-ea"/>
+                    </a:rPr>
+                    <a:t>Ao invés de sempre perturbar o </a:t>
+                  </a:r>
+                  <a14:m>
+                    <m:oMath xmlns:m="http://schemas.openxmlformats.org/officeDocument/2006/math">
+                      <m:r>
+                        <a:rPr lang="en-US" sz="1600">
+                          <a:solidFill>
+                            <a:schemeClr val="tx1"/>
+                          </a:solidFill>
+                          <a:latin typeface="DejaVu Math TeX Gyre" panose="02000503000000000000" charset="0"/>
+                          <a:ea typeface="MS Mincho" charset="0"/>
+                          <a:cs typeface="DejaVu Math TeX Gyre" panose="02000503000000000000" charset="0"/>
+                        </a:rPr>
+                        <m:t>𝜎</m:t>
+                      </m:r>
+                    </m:oMath>
+                  </a14:m>
+                  <a:r>
+                    <a:rPr lang="pt-PT" altLang="en-US" sz="1600">
+                      <a:cs typeface="+mn-lt"/>
+                      <a:sym typeface="+mn-ea"/>
+                    </a:rPr>
+                    <a:t> gerand</a:t>
+                  </a:r>
+                  <a:r>
+                    <a:rPr lang="pt-PT" altLang="en-US" sz="1600">
+                      <a:solidFill>
+                        <a:schemeClr val="tx1"/>
+                      </a:solidFill>
+                      <a:cs typeface="+mn-lt"/>
+                      <a:sym typeface="+mn-ea"/>
+                    </a:rPr>
+                    <a:t>o o </a:t>
+                  </a:r>
+                  <a14:m>
+                    <m:oMath xmlns:m="http://schemas.openxmlformats.org/officeDocument/2006/math">
+                      <m:sSup>
+                        <m:sSupPr>
+                          <m:ctrlPr>
+                            <a:rPr lang="en-US" sz="1600">
+                              <a:solidFill>
+                                <a:schemeClr val="tx1"/>
+                              </a:solidFill>
+                              <a:latin typeface="DejaVu Math TeX Gyre" panose="02000503000000000000" charset="0"/>
+                              <a:cs typeface="DejaVu Math TeX Gyre" panose="02000503000000000000" charset="0"/>
+                            </a:rPr>
+                          </m:ctrlPr>
+                        </m:sSupPr>
+                        <m:e>
+                          <m:r>
+                            <a:rPr lang="en-US" sz="1600">
+                              <a:solidFill>
+                                <a:schemeClr val="tx1"/>
+                              </a:solidFill>
+                              <a:latin typeface="DejaVu Math TeX Gyre" panose="02000503000000000000" charset="0"/>
+                              <a:ea typeface="MS Mincho" charset="0"/>
+                              <a:cs typeface="DejaVu Math TeX Gyre" panose="02000503000000000000" charset="0"/>
+                            </a:rPr>
+                            <m:t>𝜎</m:t>
+                          </m:r>
+                        </m:e>
+                        <m:sup>
+                          <m:r>
+                            <a:rPr lang="en-US" sz="1600">
+                              <a:solidFill>
+                                <a:schemeClr val="tx1"/>
+                              </a:solidFill>
+                              <a:latin typeface="DejaVu Math TeX Gyre" panose="02000503000000000000" charset="0"/>
+                              <a:ea typeface="MS Mincho" charset="0"/>
+                              <a:cs typeface="DejaVu Math TeX Gyre" panose="02000503000000000000" charset="0"/>
+                            </a:rPr>
+                            <m:t>’</m:t>
+                          </m:r>
+                        </m:sup>
+                      </m:sSup>
+                    </m:oMath>
+                  </a14:m>
+                  <a:r>
+                    <a:rPr lang="pt-PT" altLang="en-US" sz="1600">
+                      <a:cs typeface="+mn-lt"/>
+                      <a:sym typeface="+mn-ea"/>
+                    </a:rPr>
+                    <a:t>, poderia perturbar diretamente o </a:t>
+                  </a:r>
+                  <a14:m>
+                    <m:oMath xmlns:m="http://schemas.openxmlformats.org/officeDocument/2006/math">
+                      <m:r>
+                        <a:rPr lang="en-US" altLang="pt-PT" sz="1600">
+                          <a:latin typeface="DejaVu Math TeX Gyre" panose="02000503000000000000" charset="0"/>
+                          <a:ea typeface="MS Mincho" charset="0"/>
+                          <a:cs typeface="DejaVu Math TeX Gyre" panose="02000503000000000000" charset="0"/>
+                          <a:sym typeface="+mn-ea"/>
+                        </a:rPr>
+                        <m:t>𝜌</m:t>
+                      </m:r>
+                    </m:oMath>
+                  </a14:m>
+                  <a:r>
+                    <a:rPr lang="pt-PT" altLang="en-US" sz="1600">
+                      <a:cs typeface="+mn-lt"/>
+                      <a:sym typeface="+mn-ea"/>
+                    </a:rPr>
+                    <a:t> gerando o </a:t>
+                  </a:r>
+                  <a14:m>
+                    <m:oMath xmlns:m="http://schemas.openxmlformats.org/officeDocument/2006/math">
+                      <m:sSup>
+                        <m:sSupPr>
+                          <m:ctrlPr>
+                            <a:rPr lang="en-US" sz="1600">
+                              <a:solidFill>
+                                <a:schemeClr val="tx1"/>
+                              </a:solidFill>
+                              <a:latin typeface="DejaVu Math TeX Gyre" panose="02000503000000000000" charset="0"/>
+                              <a:cs typeface="DejaVu Math TeX Gyre" panose="02000503000000000000" charset="0"/>
+                            </a:rPr>
+                          </m:ctrlPr>
+                        </m:sSupPr>
+                        <m:e>
+                          <m:r>
+                            <a:rPr lang="en-US" sz="1600">
+                              <a:solidFill>
+                                <a:schemeClr val="tx1"/>
+                              </a:solidFill>
+                              <a:latin typeface="DejaVu Math TeX Gyre" panose="02000503000000000000" charset="0"/>
+                              <a:ea typeface="MS Mincho" charset="0"/>
+                              <a:cs typeface="DejaVu Math TeX Gyre" panose="02000503000000000000" charset="0"/>
+                            </a:rPr>
+                            <m:t>𝜌</m:t>
+                          </m:r>
+                        </m:e>
+                        <m:sup>
+                          <m:r>
+                            <a:rPr lang="en-US" sz="1600">
+                              <a:solidFill>
+                                <a:schemeClr val="tx1"/>
+                              </a:solidFill>
+                              <a:latin typeface="DejaVu Math TeX Gyre" panose="02000503000000000000" charset="0"/>
+                              <a:ea typeface="MS Mincho" charset="0"/>
+                              <a:cs typeface="DejaVu Math TeX Gyre" panose="02000503000000000000" charset="0"/>
+                            </a:rPr>
+                            <m:t>’</m:t>
+                          </m:r>
+                        </m:sup>
+                      </m:sSup>
+                    </m:oMath>
+                  </a14:m>
+                  <a:r>
+                    <a:rPr lang="pt-PT" altLang="en-US" sz="1600">
+                      <a:solidFill>
+                        <a:schemeClr val="tx1"/>
+                      </a:solidFill>
+                      <a:cs typeface="+mn-lt"/>
+                    </a:rPr>
+                    <a:t>, </a:t>
+                  </a:r>
+                  <a:r>
+                    <a:rPr lang="pt-PT" altLang="en-US" sz="1600">
+                      <a:cs typeface="+mn-lt"/>
+                      <a:sym typeface="+mn-ea"/>
+                    </a:rPr>
+                    <a:t>com a mesma metodologia. No momento da perturbação nas variáveis, perturba com </a:t>
+                  </a:r>
+                  <a14:m>
+                    <m:oMath xmlns:m="http://schemas.openxmlformats.org/officeDocument/2006/math">
+                      <m:r>
+                        <a:rPr lang="en-US" altLang="pt-PT" sz="1600" i="1">
+                          <a:latin typeface="DejaVu Math TeX Gyre" panose="02000503000000000000" charset="0"/>
+                          <a:ea typeface="MS Mincho" charset="0"/>
+                          <a:cs typeface="DejaVu Math TeX Gyre" panose="02000503000000000000" charset="0"/>
+                          <a:sym typeface="+mn-ea"/>
+                        </a:rPr>
+                        <m:t>𝜎</m:t>
+                      </m:r>
+                      <m:r>
+                        <a:rPr lang="en-US" altLang="pt-PT" sz="1600" i="1">
+                          <a:latin typeface="DejaVu Math TeX Gyre" panose="02000503000000000000" charset="0"/>
+                          <a:ea typeface="MS Mincho" charset="0"/>
+                          <a:cs typeface="DejaVu Math TeX Gyre" panose="02000503000000000000" charset="0"/>
+                          <a:sym typeface="+mn-ea"/>
+                        </a:rPr>
+                        <m:t>=</m:t>
+                      </m:r>
+                      <m:r>
+                        <a:rPr lang="en-US" altLang="pt-PT" sz="1600" i="1">
+                          <a:latin typeface="DejaVu Math TeX Gyre" panose="02000503000000000000" charset="0"/>
+                          <a:ea typeface="MS Mincho" charset="0"/>
+                          <a:cs typeface="DejaVu Math TeX Gyre" panose="02000503000000000000" charset="0"/>
+                          <a:sym typeface="+mn-ea"/>
+                        </a:rPr>
+                        <m:t>𝜌</m:t>
+                      </m:r>
+                      <m:r>
+                        <a:rPr lang="en-US" altLang="pt-PT" sz="1600" i="1">
+                          <a:latin typeface="DejaVu Math TeX Gyre" panose="02000503000000000000" charset="0"/>
+                          <a:ea typeface="MS Mincho" charset="0"/>
+                          <a:cs typeface="DejaVu Math TeX Gyre" panose="02000503000000000000" charset="0"/>
+                          <a:sym typeface="+mn-ea"/>
+                        </a:rPr>
+                        <m:t>’</m:t>
+                      </m:r>
+                      <m:r>
+                        <a:rPr lang="en-US" altLang="pt-PT" sz="1600" i="1">
+                          <a:latin typeface="DejaVu Math TeX Gyre" panose="02000503000000000000" charset="0"/>
+                          <a:ea typeface="MS Mincho" charset="0"/>
+                          <a:cs typeface="DejaVu Math TeX Gyre" panose="02000503000000000000" charset="0"/>
+                          <a:sym typeface="+mn-ea"/>
+                        </a:rPr>
+                        <m:t>∙(</m:t>
+                      </m:r>
+                      <m:sSup>
+                        <m:sSupPr>
+                          <m:ctrlPr>
+                            <a:rPr lang="en-US" altLang="pt-PT" sz="1600" i="1">
+                              <a:latin typeface="DejaVu Math TeX Gyre" panose="02000503000000000000" charset="0"/>
+                              <a:cs typeface="DejaVu Math TeX Gyre" panose="02000503000000000000" charset="0"/>
+                              <a:sym typeface="+mn-ea"/>
+                            </a:rPr>
+                          </m:ctrlPr>
+                        </m:sSupPr>
+                        <m:e>
+                          <m:r>
+                            <a:rPr lang="en-US" altLang="pt-PT" sz="1600" i="1">
+                              <a:latin typeface="DejaVu Math TeX Gyre" panose="02000503000000000000" charset="0"/>
+                              <a:cs typeface="DejaVu Math TeX Gyre" panose="02000503000000000000" charset="0"/>
+                              <a:sym typeface="+mn-ea"/>
+                            </a:rPr>
+                            <m:t>𝑥</m:t>
+                          </m:r>
+                        </m:e>
+                        <m:sup>
+                          <m:r>
+                            <a:rPr lang="en-US" altLang="pt-PT" sz="1600" i="1">
+                              <a:latin typeface="DejaVu Math TeX Gyre" panose="02000503000000000000" charset="0"/>
+                              <a:cs typeface="DejaVu Math TeX Gyre" panose="02000503000000000000" charset="0"/>
+                              <a:sym typeface="+mn-ea"/>
+                            </a:rPr>
+                            <m:t>𝑈</m:t>
+                          </m:r>
+                        </m:sup>
+                      </m:sSup>
+                      <m:r>
+                        <a:rPr lang="en-US" altLang="pt-PT" sz="1600" i="1">
+                          <a:latin typeface="DejaVu Math TeX Gyre" panose="02000503000000000000" charset="0"/>
+                          <a:cs typeface="DejaVu Math TeX Gyre" panose="02000503000000000000" charset="0"/>
+                          <a:sym typeface="+mn-ea"/>
+                        </a:rPr>
+                        <m:t>−</m:t>
+                      </m:r>
+                      <m:sSup>
+                        <m:sSupPr>
+                          <m:ctrlPr>
+                            <a:rPr lang="en-US" altLang="pt-PT" sz="1600" i="1">
+                              <a:latin typeface="DejaVu Math TeX Gyre" panose="02000503000000000000" charset="0"/>
+                              <a:cs typeface="DejaVu Math TeX Gyre" panose="02000503000000000000" charset="0"/>
+                              <a:sym typeface="+mn-ea"/>
+                            </a:rPr>
+                          </m:ctrlPr>
+                        </m:sSupPr>
+                        <m:e>
+                          <m:r>
+                            <a:rPr lang="en-US" altLang="pt-PT" sz="1600" i="1">
+                              <a:latin typeface="DejaVu Math TeX Gyre" panose="02000503000000000000" charset="0"/>
+                              <a:cs typeface="DejaVu Math TeX Gyre" panose="02000503000000000000" charset="0"/>
+                              <a:sym typeface="+mn-ea"/>
+                            </a:rPr>
+                            <m:t>𝑥</m:t>
+                          </m:r>
+                        </m:e>
+                        <m:sup>
+                          <m:r>
+                            <a:rPr lang="en-US" altLang="pt-PT" sz="1600" i="1">
+                              <a:latin typeface="DejaVu Math TeX Gyre" panose="02000503000000000000" charset="0"/>
+                              <a:cs typeface="DejaVu Math TeX Gyre" panose="02000503000000000000" charset="0"/>
+                              <a:sym typeface="+mn-ea"/>
+                            </a:rPr>
+                            <m:t>𝐿</m:t>
+                          </m:r>
+                        </m:sup>
+                      </m:sSup>
+                      <m:r>
+                        <a:rPr lang="en-US" altLang="pt-PT" sz="1600" i="1">
+                          <a:latin typeface="DejaVu Math TeX Gyre" panose="02000503000000000000" charset="0"/>
+                          <a:ea typeface="MS Mincho" charset="0"/>
+                          <a:cs typeface="DejaVu Math TeX Gyre" panose="02000503000000000000" charset="0"/>
+                          <a:sym typeface="+mn-ea"/>
+                        </a:rPr>
+                        <m:t>)</m:t>
+                      </m:r>
+                    </m:oMath>
+                  </a14:m>
+                  <a:endParaRPr lang="pt-PT" altLang="en-US" sz="1600">
+                    <a:cs typeface="+mn-lt"/>
+                    <a:sym typeface="+mn-ea"/>
+                  </a:endParaRPr>
+                </a:p>
+              </p:txBody>
+            </p:sp>
+          </mc:Choice>
+          <mc:Fallback>
+            <p:sp>
+              <p:nvSpPr>
+                <p:cNvPr id="8" name="Text Box 7"/>
+                <p:cNvSpPr txBox="1">
+                  <a:spLocks noRot="1" noChangeAspect="1" noMove="1" noResize="1" noEditPoints="1" noAdjustHandles="1" noChangeArrowheads="1" noChangeShapeType="1" noTextEdit="1"/>
+                </p:cNvSpPr>
+                <p:nvPr/>
+              </p:nvSpPr>
+              <p:spPr>
+                <a:xfrm>
+                  <a:off x="4706" y="1322"/>
+                  <a:ext cx="10664" cy="2053"/>
+                </a:xfrm>
+                <a:prstGeom prst="rect">
+                  <a:avLst/>
+                </a:prstGeom>
+                <a:blipFill rotWithShape="1">
+                  <a:blip r:embed="rId2"/>
+                </a:blipFill>
+              </p:spPr>
+              <p:txBody>
+                <a:bodyPr/>
+                <a:lstStyle/>
+                <a:p>
+                  <a:r>
+                    <a:rPr lang="en-US" altLang="en-US">
+                      <a:noFill/>
+                    </a:rPr>
+                    <a:t> </a:t>
+                  </a:r>
+                </a:p>
+              </p:txBody>
+            </p:sp>
+          </mc:Fallback>
+        </mc:AlternateContent>
+        <p:sp>
+          <p:nvSpPr>
+            <p:cNvPr id="9" name="Text Box 8"/>
+            <p:cNvSpPr txBox="1"/>
+            <p:nvPr/>
+          </p:nvSpPr>
+          <p:spPr>
+            <a:xfrm>
+              <a:off x="6814" y="451"/>
+              <a:ext cx="5574" cy="871"/>
+            </a:xfrm>
+            <a:prstGeom prst="rect">
+              <a:avLst/>
+            </a:prstGeom>
+            <a:noFill/>
+          </p:spPr>
+          <p:txBody>
+            <a:bodyPr wrap="square" rtlCol="0">
+              <a:spAutoFit/>
+            </a:bodyPr>
+            <a:p>
+              <a:pPr lvl="0" indent="0" algn="ctr">
+                <a:lnSpc>
+                  <a:spcPct val="150000"/>
+                </a:lnSpc>
+                <a:buFont typeface="Arial" panose="020B0604020202020204" pitchFamily="34" charset="0"/>
+                <a:buNone/>
+              </a:pPr>
+              <a:r>
+                <a:rPr lang="pt-PT" sz="2000" b="1">
+                  <a:solidFill>
+                    <a:schemeClr val="accent2"/>
+                  </a:solidFill>
+                </a:rPr>
+                <a:t>SUGESTÃO</a:t>
+              </a:r>
+              <a:endParaRPr lang="pt-PT" sz="2000" b="1">
+                <a:solidFill>
+                  <a:schemeClr val="accent2"/>
+                </a:solidFill>
+              </a:endParaRPr>
+            </a:p>
+          </p:txBody>
+        </p:sp>
+      </p:grpSp>
+    </p:spTree>
+  </p:cSld>
+  <p:clrMapOvr>
+    <a:masterClrMapping/>
+  </p:clrMapOvr>
+</p:sld>
+</file>
+
+<file path=ppt/slides/slide3.xml><?xml version="1.0" encoding="utf-8"?>
+<p:sld xmlns:a="http://schemas.openxmlformats.org/drawingml/2006/main" xmlns:r="http://schemas.openxmlformats.org/officeDocument/2006/relationships" xmlns:p="http://schemas.openxmlformats.org/presentationml/2006/main">
+  <p:cSld>
+    <p:spTree>
+      <p:nvGrpSpPr>
+        <p:cNvPr id="1" name=""/>
+        <p:cNvGrpSpPr/>
+        <p:nvPr/>
+      </p:nvGrpSpPr>
+      <p:grpSpPr/>
+      <mc:AlternateContent xmlns:mc="http://schemas.openxmlformats.org/markup-compatibility/2006">
+        <mc:Choice xmlns:a14="http://schemas.microsoft.com/office/drawing/2010/main" Requires="a14">
+          <p:sp>
+            <p:nvSpPr>
+              <p:cNvPr id="27" name="Text Box 26"/>
+              <p:cNvSpPr txBox="1"/>
+              <p:nvPr/>
+            </p:nvSpPr>
+            <p:spPr>
+              <a:xfrm>
+                <a:off x="2619375" y="906780"/>
+                <a:ext cx="6953250" cy="5044440"/>
+              </a:xfrm>
+              <a:prstGeom prst="rect">
+                <a:avLst/>
+              </a:prstGeom>
+              <a:noFill/>
+            </p:spPr>
+            <p:txBody>
+              <a:bodyPr wrap="square" rtlCol="0">
+                <a:spAutoFit/>
+              </a:bodyPr>
+              <a:p>
+                <a:pPr lvl="0" indent="0" algn="just">
+                  <a:lnSpc>
+                    <a:spcPct val="150000"/>
+                  </a:lnSpc>
+                  <a:buFont typeface="Arial" panose="020B0604020202020204" pitchFamily="34" charset="0"/>
+                  <a:buNone/>
+                </a:pPr>
+                <a:r>
+                  <a:rPr lang="pt-PT" altLang="en-US" sz="1600" b="1">
+                    <a:sym typeface="+mn-ea"/>
+                  </a:rPr>
+                  <a:t>ALTERNATIVA 1:</a:t>
+                </a:r>
+                <a:endParaRPr lang="pt-PT" altLang="en-US" sz="1600" b="1"/>
+              </a:p>
+              <a:p>
+                <a:pPr marL="285750" lvl="0" indent="-285750" algn="just">
+                  <a:lnSpc>
+                    <a:spcPct val="150000"/>
+                  </a:lnSpc>
+                  <a:buFont typeface="Arial" panose="020B0604020202020204" pitchFamily="34" charset="0"/>
+                  <a:buChar char="•"/>
+                </a:pPr>
+                <a:r>
+                  <a:rPr lang="pt-PT" altLang="en-US" sz="1600"/>
+                  <a:t>FOR cada variável:</a:t>
+                </a:r>
+                <a:endParaRPr lang="pt-PT" altLang="en-US" sz="1600"/>
+              </a:p>
+              <a:p>
+                <a:pPr marL="742950" lvl="1" indent="-285750" algn="just">
+                  <a:lnSpc>
+                    <a:spcPct val="150000"/>
+                  </a:lnSpc>
+                  <a:buFont typeface="Arial" panose="020B0604020202020204" pitchFamily="34" charset="0"/>
+                  <a:buChar char="•"/>
+                </a:pPr>
+                <a:r>
+                  <a:rPr lang="pt-PT" altLang="en-US" sz="1600">
+                    <a:sym typeface="+mn-ea"/>
+                  </a:rPr>
+                  <a:t>Perturba com </a:t>
+                </a:r>
+                <a14:m>
+                  <m:oMath xmlns:m="http://schemas.openxmlformats.org/officeDocument/2006/math">
+                    <m:sSubSup>
+                      <m:sSubSupPr>
+                        <m:ctrlPr>
+                          <a:rPr lang="en-US" sz="1600" i="1">
+                            <a:latin typeface="DejaVu Math TeX Gyre" panose="02000503000000000000" charset="0"/>
+                            <a:cs typeface="DejaVu Math TeX Gyre" panose="02000503000000000000" charset="0"/>
+                          </a:rPr>
+                        </m:ctrlPr>
+                      </m:sSubSupPr>
+                      <m:e>
+                        <m:r>
+                          <a:rPr lang="en-US" sz="1600" i="1">
+                            <a:latin typeface="DejaVu Math TeX Gyre" panose="02000503000000000000" charset="0"/>
+                            <a:cs typeface="DejaVu Math TeX Gyre" panose="02000503000000000000" charset="0"/>
+                          </a:rPr>
+                          <m:t>𝑥</m:t>
+                        </m:r>
+                      </m:e>
+                      <m:sub>
+                        <m:r>
+                          <a:rPr lang="en-US" sz="1600" i="1">
+                            <a:latin typeface="DejaVu Math TeX Gyre" panose="02000503000000000000" charset="0"/>
+                            <a:cs typeface="DejaVu Math TeX Gyre" panose="02000503000000000000" charset="0"/>
+                          </a:rPr>
+                          <m:t>𝑖</m:t>
+                        </m:r>
+                      </m:sub>
+                      <m:sup>
+                        <m:r>
+                          <a:rPr lang="en-US" sz="1600" i="1">
+                            <a:latin typeface="DejaVu Math TeX Gyre" panose="02000503000000000000" charset="0"/>
+                            <a:cs typeface="DejaVu Math TeX Gyre" panose="02000503000000000000" charset="0"/>
+                          </a:rPr>
+                          <m:t>’</m:t>
+                        </m:r>
+                      </m:sup>
+                    </m:sSubSup>
+                    <m:r>
+                      <a:rPr lang="en-US" sz="1600" i="1">
+                        <a:latin typeface="DejaVu Math TeX Gyre" panose="02000503000000000000" charset="0"/>
+                        <a:cs typeface="DejaVu Math TeX Gyre" panose="02000503000000000000" charset="0"/>
+                      </a:rPr>
+                      <m:t>=</m:t>
+                    </m:r>
+                    <m:sSub>
+                      <m:sSubPr>
+                        <m:ctrlPr>
+                          <a:rPr lang="en-US" sz="1600" i="1">
+                            <a:latin typeface="DejaVu Math TeX Gyre" panose="02000503000000000000" charset="0"/>
+                            <a:cs typeface="DejaVu Math TeX Gyre" panose="02000503000000000000" charset="0"/>
+                          </a:rPr>
+                        </m:ctrlPr>
+                      </m:sSubPr>
+                      <m:e>
+                        <m:r>
+                          <a:rPr lang="en-US" sz="1600" i="1">
+                            <a:latin typeface="DejaVu Math TeX Gyre" panose="02000503000000000000" charset="0"/>
+                            <a:cs typeface="DejaVu Math TeX Gyre" panose="02000503000000000000" charset="0"/>
+                          </a:rPr>
+                          <m:t>𝑥</m:t>
+                        </m:r>
+                      </m:e>
+                      <m:sub>
+                        <m:r>
+                          <a:rPr lang="en-US" sz="1600" i="1">
+                            <a:latin typeface="DejaVu Math TeX Gyre" panose="02000503000000000000" charset="0"/>
+                            <a:cs typeface="DejaVu Math TeX Gyre" panose="02000503000000000000" charset="0"/>
+                          </a:rPr>
+                          <m:t>𝑖</m:t>
+                        </m:r>
+                      </m:sub>
+                    </m:sSub>
+                    <m:r>
+                      <a:rPr lang="en-US" sz="1600" i="1">
+                        <a:latin typeface="DejaVu Math TeX Gyre" panose="02000503000000000000" charset="0"/>
+                        <a:cs typeface="DejaVu Math TeX Gyre" panose="02000503000000000000" charset="0"/>
+                      </a:rPr>
+                      <m:t>+</m:t>
+                    </m:r>
+                    <m:r>
+                      <a:rPr lang="en-US" sz="1600" i="1">
+                        <a:latin typeface="DejaVu Math TeX Gyre" panose="02000503000000000000" charset="0"/>
+                        <a:cs typeface="DejaVu Math TeX Gyre" panose="02000503000000000000" charset="0"/>
+                      </a:rPr>
+                      <m:t>𝑁</m:t>
+                    </m:r>
+                    <m:r>
+                      <a:rPr lang="en-US" sz="1600" i="1">
+                        <a:latin typeface="DejaVu Math TeX Gyre" panose="02000503000000000000" charset="0"/>
+                        <a:cs typeface="DejaVu Math TeX Gyre" panose="02000503000000000000" charset="0"/>
+                      </a:rPr>
+                      <m:t>(</m:t>
+                    </m:r>
+                    <m:r>
+                      <a:rPr lang="en-US" sz="1600" i="1">
+                        <a:latin typeface="DejaVu Math TeX Gyre" panose="02000503000000000000" charset="0"/>
+                        <a:cs typeface="DejaVu Math TeX Gyre" panose="02000503000000000000" charset="0"/>
+                      </a:rPr>
+                      <m:t>0</m:t>
+                    </m:r>
+                    <m:r>
+                      <a:rPr lang="en-US" sz="1600" i="1">
+                        <a:latin typeface="DejaVu Math TeX Gyre" panose="02000503000000000000" charset="0"/>
+                        <a:cs typeface="DejaVu Math TeX Gyre" panose="02000503000000000000" charset="0"/>
+                      </a:rPr>
+                      <m:t>,</m:t>
+                    </m:r>
+                    <m:r>
+                      <a:rPr lang="en-US" sz="1600" i="1">
+                        <a:latin typeface="DejaVu Math TeX Gyre" panose="02000503000000000000" charset="0"/>
+                        <a:cs typeface="DejaVu Math TeX Gyre" panose="02000503000000000000" charset="0"/>
+                      </a:rPr>
+                      <m:t>𝜎</m:t>
+                    </m:r>
+                    <m:r>
+                      <a:rPr lang="en-US" sz="1600" i="1">
+                        <a:latin typeface="DejaVu Math TeX Gyre" panose="02000503000000000000" charset="0"/>
+                        <a:cs typeface="DejaVu Math TeX Gyre" panose="02000503000000000000" charset="0"/>
+                      </a:rPr>
+                      <m:t>)</m:t>
+                    </m:r>
+                  </m:oMath>
+                </a14:m>
+                <a:r>
+                  <a:rPr lang="pt-PT" altLang="en-US" sz="1600">
+                    <a:latin typeface="DejaVu Math TeX Gyre" panose="02000503000000000000" charset="0"/>
+                    <a:cs typeface="DejaVu Math TeX Gyre" panose="02000503000000000000" charset="0"/>
+                  </a:rPr>
+                  <a:t>, </a:t>
+                </a:r>
+                <a:r>
+                  <a:rPr lang="pt-PT" altLang="en-US" sz="1600">
+                    <a:sym typeface="+mn-ea"/>
+                  </a:rPr>
+                  <a:t>onde </a:t>
+                </a:r>
+                <a14:m>
+                  <m:oMath xmlns:m="http://schemas.openxmlformats.org/officeDocument/2006/math">
+                    <m:r>
+                      <a:rPr lang="en-US" altLang="pt-PT" sz="1600" i="1">
+                        <a:latin typeface="DejaVu Math TeX Gyre" panose="02000503000000000000" charset="0"/>
+                        <a:cs typeface="DejaVu Math TeX Gyre" panose="02000503000000000000" charset="0"/>
+                        <a:sym typeface="+mn-ea"/>
+                      </a:rPr>
+                      <m:t>𝜎</m:t>
+                    </m:r>
+                    <m:r>
+                      <a:rPr lang="en-US" altLang="pt-PT" sz="1600" i="1">
+                        <a:latin typeface="DejaVu Math TeX Gyre" panose="02000503000000000000" charset="0"/>
+                        <a:cs typeface="DejaVu Math TeX Gyre" panose="02000503000000000000" charset="0"/>
+                        <a:sym typeface="+mn-ea"/>
+                      </a:rPr>
+                      <m:t>=</m:t>
+                    </m:r>
+                    <m:r>
+                      <a:rPr lang="en-US" altLang="pt-PT" sz="1600" i="1">
+                        <a:latin typeface="DejaVu Math TeX Gyre" panose="02000503000000000000" charset="0"/>
+                        <a:cs typeface="DejaVu Math TeX Gyre" panose="02000503000000000000" charset="0"/>
+                        <a:sym typeface="+mn-ea"/>
+                      </a:rPr>
+                      <m:t>𝜌</m:t>
+                    </m:r>
+                    <m:r>
+                      <a:rPr lang="en-US" altLang="pt-PT" sz="1600" i="1">
+                        <a:latin typeface="DejaVu Math TeX Gyre" panose="02000503000000000000" charset="0"/>
+                        <a:cs typeface="DejaVu Math TeX Gyre" panose="02000503000000000000" charset="0"/>
+                        <a:sym typeface="+mn-ea"/>
+                      </a:rPr>
+                      <m:t>∙∆</m:t>
+                    </m:r>
+                    <m:r>
+                      <a:rPr lang="en-US" altLang="pt-PT" sz="1600" i="1">
+                        <a:latin typeface="DejaVu Math TeX Gyre" panose="02000503000000000000" charset="0"/>
+                        <a:cs typeface="DejaVu Math TeX Gyre" panose="02000503000000000000" charset="0"/>
+                        <a:sym typeface="+mn-ea"/>
+                      </a:rPr>
+                      <m:t>𝑥</m:t>
+                    </m:r>
+                    <m:r>
+                      <a:rPr lang="en-US" altLang="pt-PT" sz="1600" i="1" baseline="-25000">
+                        <a:latin typeface="DejaVu Math TeX Gyre" panose="02000503000000000000" charset="0"/>
+                        <a:cs typeface="DejaVu Math TeX Gyre" panose="02000503000000000000" charset="0"/>
+                        <a:sym typeface="+mn-ea"/>
+                      </a:rPr>
+                      <m:t>𝑖</m:t>
+                    </m:r>
+                  </m:oMath>
+                </a14:m>
+                <a:r>
+                  <a:rPr lang="pt-PT" altLang="en-US" sz="1600">
+                    <a:latin typeface="DejaVu Math TeX Gyre" panose="02000503000000000000" charset="0"/>
+                    <a:cs typeface="DejaVu Math TeX Gyre" panose="02000503000000000000" charset="0"/>
+                  </a:rPr>
+                  <a:t> </a:t>
+                </a:r>
+                <a:endParaRPr lang="pt-PT" altLang="en-US" sz="1600">
+                  <a:sym typeface="+mn-ea"/>
+                </a:endParaRPr>
+              </a:p>
+              <a:p>
+                <a:pPr marL="742950" lvl="1" indent="-285750" algn="just">
+                  <a:lnSpc>
+                    <a:spcPct val="150000"/>
+                  </a:lnSpc>
+                  <a:buFont typeface="Arial" panose="020B0604020202020204" pitchFamily="34" charset="0"/>
+                  <a:buChar char="•"/>
+                </a:pPr>
+                <a:r>
+                  <a:rPr lang="pt-PT" altLang="en-US" sz="1600">
+                    <a:sym typeface="+mn-ea"/>
+                  </a:rPr>
+                  <a:t>Calcula o valor de f(x) só com essa variável perturbada. Esse será o valor da adaptabilidade dessa variável.</a:t>
+                </a:r>
+                <a:endParaRPr lang="pt-PT" altLang="en-US" sz="1600">
+                  <a:sym typeface="+mn-ea"/>
+                </a:endParaRPr>
+              </a:p>
+              <a:p>
+                <a:pPr marL="285750" lvl="0" indent="-285750" algn="just">
+                  <a:lnSpc>
+                    <a:spcPct val="150000"/>
+                  </a:lnSpc>
+                  <a:buFont typeface="Arial" panose="020B0604020202020204" pitchFamily="34" charset="0"/>
+                  <a:buChar char="•"/>
+                </a:pPr>
+                <a:r>
+                  <a:rPr lang="pt-PT" altLang="en-US" sz="1600">
+                    <a:sym typeface="+mn-ea"/>
+                  </a:rPr>
+                  <a:t>ENDFOR</a:t>
+                </a:r>
+                <a:endParaRPr lang="pt-PT" altLang="en-US" sz="1600">
+                  <a:sym typeface="+mn-ea"/>
+                </a:endParaRPr>
+              </a:p>
+              <a:p>
+                <a:pPr marL="285750" lvl="0" indent="-285750" algn="just">
+                  <a:lnSpc>
+                    <a:spcPct val="150000"/>
+                  </a:lnSpc>
+                  <a:buFont typeface="Arial" panose="020B0604020202020204" pitchFamily="34" charset="0"/>
+                  <a:buChar char="•"/>
+                </a:pPr>
+                <a:r>
+                  <a:rPr lang="pt-PT" altLang="en-US" sz="1600">
+                    <a:solidFill>
+                      <a:srgbClr val="FF0000"/>
+                    </a:solidFill>
+                    <a:sym typeface="+mn-ea"/>
+                  </a:rPr>
+                  <a:t>Perturba a porcentagem com </a:t>
+                </a:r>
+                <a14:m>
+                  <m:oMath xmlns:m="http://schemas.openxmlformats.org/officeDocument/2006/math">
+                    <m:sSup>
+                      <m:sSupPr>
+                        <m:ctrlPr>
+                          <a:rPr lang="en-US" sz="1600" i="1">
+                            <a:solidFill>
+                              <a:srgbClr val="FF0000"/>
+                            </a:solidFill>
+                            <a:latin typeface="DejaVu Math TeX Gyre" panose="02000503000000000000" charset="0"/>
+                            <a:cs typeface="DejaVu Math TeX Gyre" panose="02000503000000000000" charset="0"/>
+                          </a:rPr>
+                        </m:ctrlPr>
+                      </m:sSupPr>
+                      <m:e>
+                        <m:r>
+                          <a:rPr lang="en-US" sz="1600" i="1">
+                            <a:solidFill>
+                              <a:srgbClr val="FF0000"/>
+                            </a:solidFill>
+                            <a:latin typeface="DejaVu Math TeX Gyre" panose="02000503000000000000" charset="0"/>
+                            <a:cs typeface="DejaVu Math TeX Gyre" panose="02000503000000000000" charset="0"/>
+                          </a:rPr>
+                          <m:t>𝜌</m:t>
+                        </m:r>
+                      </m:e>
+                      <m:sup>
+                        <m:r>
+                          <a:rPr lang="en-US" sz="1600" i="1">
+                            <a:solidFill>
+                              <a:srgbClr val="FF0000"/>
+                            </a:solidFill>
+                            <a:latin typeface="DejaVu Math TeX Gyre" panose="02000503000000000000" charset="0"/>
+                            <a:cs typeface="DejaVu Math TeX Gyre" panose="02000503000000000000" charset="0"/>
+                          </a:rPr>
+                          <m:t>’</m:t>
+                        </m:r>
+                      </m:sup>
+                    </m:sSup>
+                    <m:r>
+                      <a:rPr lang="en-US" sz="1600" i="1">
+                        <a:solidFill>
+                          <a:srgbClr val="FF0000"/>
+                        </a:solidFill>
+                        <a:latin typeface="DejaVu Math TeX Gyre" panose="02000503000000000000" charset="0"/>
+                        <a:cs typeface="DejaVu Math TeX Gyre" panose="02000503000000000000" charset="0"/>
+                      </a:rPr>
+                      <m:t>=</m:t>
+                    </m:r>
+                    <m:r>
+                      <a:rPr lang="en-US" sz="1600" i="1">
+                        <a:solidFill>
+                          <a:srgbClr val="FF0000"/>
+                        </a:solidFill>
+                        <a:latin typeface="DejaVu Math TeX Gyre" panose="02000503000000000000" charset="0"/>
+                        <a:cs typeface="DejaVu Math TeX Gyre" panose="02000503000000000000" charset="0"/>
+                      </a:rPr>
+                      <m:t>𝜌</m:t>
+                    </m:r>
+                    <m:r>
+                      <a:rPr lang="en-US" sz="1600" i="1">
+                        <a:solidFill>
+                          <a:srgbClr val="FF0000"/>
+                        </a:solidFill>
+                        <a:latin typeface="DejaVu Math TeX Gyre" panose="02000503000000000000" charset="0"/>
+                        <a:cs typeface="DejaVu Math TeX Gyre" panose="02000503000000000000" charset="0"/>
+                      </a:rPr>
+                      <m:t>∙</m:t>
+                    </m:r>
+                    <m:r>
+                      <a:rPr lang="en-US" sz="1600" i="1">
+                        <a:solidFill>
+                          <a:srgbClr val="FF0000"/>
+                        </a:solidFill>
+                        <a:latin typeface="DejaVu Math TeX Gyre" panose="02000503000000000000" charset="0"/>
+                        <a:cs typeface="DejaVu Math TeX Gyre" panose="02000503000000000000" charset="0"/>
+                      </a:rPr>
+                      <m:t>𝐿𝑜𝑔𝑁𝑜𝑟𝑚𝑎𝑙</m:t>
+                    </m:r>
+                    <m:r>
+                      <a:rPr lang="en-US" sz="1600" i="1">
+                        <a:solidFill>
+                          <a:srgbClr val="FF0000"/>
+                        </a:solidFill>
+                        <a:latin typeface="DejaVu Math TeX Gyre" panose="02000503000000000000" charset="0"/>
+                        <a:cs typeface="DejaVu Math TeX Gyre" panose="02000503000000000000" charset="0"/>
+                      </a:rPr>
+                      <m:t>(</m:t>
+                    </m:r>
+                    <m:r>
+                      <a:rPr lang="en-US" sz="1600" i="1">
+                        <a:solidFill>
+                          <a:srgbClr val="FF0000"/>
+                        </a:solidFill>
+                        <a:latin typeface="DejaVu Math TeX Gyre" panose="02000503000000000000" charset="0"/>
+                        <a:cs typeface="DejaVu Math TeX Gyre" panose="02000503000000000000" charset="0"/>
+                      </a:rPr>
+                      <m:t>0</m:t>
+                    </m:r>
+                    <m:r>
+                      <a:rPr lang="en-US" sz="1600" i="1">
+                        <a:solidFill>
+                          <a:srgbClr val="FF0000"/>
+                        </a:solidFill>
+                        <a:latin typeface="DejaVu Math TeX Gyre" panose="02000503000000000000" charset="0"/>
+                        <a:cs typeface="DejaVu Math TeX Gyre" panose="02000503000000000000" charset="0"/>
+                      </a:rPr>
+                      <m:t>,</m:t>
+                    </m:r>
+                    <m:r>
+                      <a:rPr lang="en-US" sz="1600" i="1">
+                        <a:solidFill>
+                          <a:srgbClr val="FF0000"/>
+                        </a:solidFill>
+                        <a:latin typeface="DejaVu Math TeX Gyre" panose="02000503000000000000" charset="0"/>
+                        <a:cs typeface="DejaVu Math TeX Gyre" panose="02000503000000000000" charset="0"/>
+                      </a:rPr>
+                      <m:t>𝛼</m:t>
+                    </m:r>
+                    <m:r>
+                      <a:rPr lang="en-US" sz="1600" i="1">
+                        <a:solidFill>
+                          <a:srgbClr val="FF0000"/>
+                        </a:solidFill>
+                        <a:latin typeface="DejaVu Math TeX Gyre" panose="02000503000000000000" charset="0"/>
+                        <a:ea typeface="MS Mincho" charset="0"/>
+                        <a:cs typeface="DejaVu Math TeX Gyre" panose="02000503000000000000" charset="0"/>
+                      </a:rPr>
+                      <m:t>)</m:t>
+                    </m:r>
+                  </m:oMath>
+                </a14:m>
+                <a:r>
+                  <a:rPr lang="pt-PT" altLang="en-US" sz="1600">
+                    <a:solidFill>
+                      <a:srgbClr val="FF0000"/>
+                    </a:solidFill>
+                    <a:latin typeface="DejaVu Math TeX Gyre" panose="02000503000000000000" charset="0"/>
+                    <a:ea typeface="MS Mincho" charset="0"/>
+                    <a:cs typeface="DejaVu Math TeX Gyre" panose="02000503000000000000" charset="0"/>
+                  </a:rPr>
+                  <a:t>, </a:t>
+                </a:r>
+                <a:r>
+                  <a:rPr lang="pt-PT" altLang="en-US" sz="1600">
+                    <a:solidFill>
+                      <a:srgbClr val="FF0000"/>
+                    </a:solidFill>
+                    <a:sym typeface="+mn-ea"/>
+                  </a:rPr>
+                  <a:t>onde </a:t>
+                </a:r>
+                <a14:m>
+                  <m:oMath xmlns:m="http://schemas.openxmlformats.org/officeDocument/2006/math">
+                    <m:r>
+                      <a:rPr lang="en-US" altLang="pt-PT" sz="1600" i="1">
+                        <a:solidFill>
+                          <a:srgbClr val="FF0000"/>
+                        </a:solidFill>
+                        <a:latin typeface="DejaVu Math TeX Gyre" panose="02000503000000000000" charset="0"/>
+                        <a:cs typeface="DejaVu Math TeX Gyre" panose="02000503000000000000" charset="0"/>
+                        <a:sym typeface="+mn-ea"/>
+                      </a:rPr>
+                      <m:t>𝛼</m:t>
+                    </m:r>
+                    <m:r>
+                      <a:rPr lang="en-US" altLang="pt-PT" sz="1600" i="1">
+                        <a:solidFill>
+                          <a:srgbClr val="FF0000"/>
+                        </a:solidFill>
+                        <a:latin typeface="DejaVu Math TeX Gyre" panose="02000503000000000000" charset="0"/>
+                        <a:cs typeface="DejaVu Math TeX Gyre" panose="02000503000000000000" charset="0"/>
+                        <a:sym typeface="+mn-ea"/>
+                      </a:rPr>
+                      <m:t>=</m:t>
+                    </m:r>
+                    <m:f>
+                      <m:fPr>
+                        <m:type m:val="lin"/>
+                        <m:ctrlPr>
+                          <a:rPr lang="en-US" altLang="pt-PT" sz="1600" i="1">
+                            <a:solidFill>
+                              <a:srgbClr val="FF0000"/>
+                            </a:solidFill>
+                            <a:latin typeface="DejaVu Math TeX Gyre" panose="02000503000000000000" charset="0"/>
+                            <a:cs typeface="DejaVu Math TeX Gyre" panose="02000503000000000000" charset="0"/>
+                            <a:sym typeface="+mn-ea"/>
+                          </a:rPr>
+                        </m:ctrlPr>
+                      </m:fPr>
+                      <m:num>
+                        <m:r>
+                          <a:rPr lang="en-US" altLang="pt-PT" sz="1600" i="1">
+                            <a:solidFill>
+                              <a:srgbClr val="FF0000"/>
+                            </a:solidFill>
+                            <a:latin typeface="DejaVu Math TeX Gyre" panose="02000503000000000000" charset="0"/>
+                            <a:cs typeface="DejaVu Math TeX Gyre" panose="02000503000000000000" charset="0"/>
+                            <a:sym typeface="+mn-ea"/>
+                          </a:rPr>
+                          <m:t>1</m:t>
+                        </m:r>
+                      </m:num>
+                      <m:den>
+                        <m:rad>
+                          <m:radPr>
+                            <m:ctrlPr>
+                              <a:rPr lang="en-US" altLang="pt-PT" sz="1600" i="1">
+                                <a:solidFill>
+                                  <a:srgbClr val="FF0000"/>
+                                </a:solidFill>
+                                <a:latin typeface="DejaVu Math TeX Gyre" panose="02000503000000000000" charset="0"/>
+                                <a:cs typeface="DejaVu Math TeX Gyre" panose="02000503000000000000" charset="0"/>
+                                <a:sym typeface="+mn-ea"/>
+                              </a:rPr>
+                            </m:ctrlPr>
+                          </m:radPr>
+                          <m:deg>
+                            <m:r>
+                              <a:rPr lang="en-US" altLang="pt-PT" sz="1600" i="1">
+                                <a:solidFill>
+                                  <a:srgbClr val="FF0000"/>
+                                </a:solidFill>
+                                <a:latin typeface="DejaVu Math TeX Gyre" panose="02000503000000000000" charset="0"/>
+                                <a:cs typeface="DejaVu Math TeX Gyre" panose="02000503000000000000" charset="0"/>
+                                <a:sym typeface="+mn-ea"/>
+                              </a:rPr>
+                              <m:t>2</m:t>
+                            </m:r>
+                          </m:deg>
+                          <m:e>
+                            <m:r>
+                              <a:rPr lang="en-US" altLang="pt-PT" sz="1600" i="1">
+                                <a:solidFill>
+                                  <a:srgbClr val="FF0000"/>
+                                </a:solidFill>
+                                <a:latin typeface="DejaVu Math TeX Gyre" panose="02000503000000000000" charset="0"/>
+                                <a:cs typeface="DejaVu Math TeX Gyre" panose="02000503000000000000" charset="0"/>
+                                <a:sym typeface="+mn-ea"/>
+                              </a:rPr>
+                              <m:t>𝑁</m:t>
+                            </m:r>
+                          </m:e>
+                        </m:rad>
+                      </m:den>
+                    </m:f>
+                  </m:oMath>
+                </a14:m>
+                <a:endParaRPr lang="en-US" sz="1600" i="1">
+                  <a:solidFill>
+                    <a:srgbClr val="FF0000"/>
+                  </a:solidFill>
+                  <a:latin typeface="DejaVu Math TeX Gyre" panose="02000503000000000000" charset="0"/>
+                  <a:cs typeface="DejaVu Math TeX Gyre" panose="02000503000000000000" charset="0"/>
+                </a:endParaRPr>
+              </a:p>
+              <a:p>
+                <a:pPr marL="285750" lvl="0" indent="-285750" algn="just">
+                  <a:lnSpc>
+                    <a:spcPct val="150000"/>
+                  </a:lnSpc>
+                  <a:buFont typeface="Arial" panose="020B0604020202020204" pitchFamily="34" charset="0"/>
+                  <a:buChar char="•"/>
+                </a:pPr>
+                <a:r>
+                  <a:rPr lang="pt-PT" altLang="en-US" sz="1600">
+                    <a:solidFill>
+                      <a:srgbClr val="FF0000"/>
+                    </a:solidFill>
+                    <a:sym typeface="+mn-ea"/>
+                  </a:rPr>
+                  <a:t> Para calcular a adaptabilidade do </a:t>
+                </a:r>
+                <a14:m>
+                  <m:oMath xmlns:m="http://schemas.openxmlformats.org/officeDocument/2006/math">
+                    <m:sSup>
+                      <m:sSupPr>
+                        <m:ctrlPr>
+                          <a:rPr lang="en-US" sz="1600" i="1">
+                            <a:solidFill>
+                              <a:srgbClr val="FF0000"/>
+                            </a:solidFill>
+                            <a:latin typeface="DejaVu Math TeX Gyre" panose="02000503000000000000" charset="0"/>
+                            <a:cs typeface="DejaVu Math TeX Gyre" panose="02000503000000000000" charset="0"/>
+                          </a:rPr>
+                        </m:ctrlPr>
+                      </m:sSupPr>
+                      <m:e>
+                        <m:r>
+                          <a:rPr lang="en-US" sz="1600" i="1">
+                            <a:solidFill>
+                              <a:srgbClr val="FF0000"/>
+                            </a:solidFill>
+                            <a:latin typeface="DejaVu Math TeX Gyre" panose="02000503000000000000" charset="0"/>
+                            <a:cs typeface="DejaVu Math TeX Gyre" panose="02000503000000000000" charset="0"/>
+                          </a:rPr>
+                          <m:t>𝜌</m:t>
+                        </m:r>
+                      </m:e>
+                      <m:sup>
+                        <m:r>
+                          <a:rPr lang="en-US" sz="1600" i="1">
+                            <a:solidFill>
+                              <a:srgbClr val="FF0000"/>
+                            </a:solidFill>
+                            <a:latin typeface="DejaVu Math TeX Gyre" panose="02000503000000000000" charset="0"/>
+                            <a:cs typeface="DejaVu Math TeX Gyre" panose="02000503000000000000" charset="0"/>
+                          </a:rPr>
+                          <m:t>’</m:t>
+                        </m:r>
+                      </m:sup>
+                    </m:sSup>
+                  </m:oMath>
+                </a14:m>
+                <a:r>
+                  <a:rPr lang="pt-PT" altLang="en-US" sz="1600">
+                    <a:solidFill>
+                      <a:srgbClr val="FF0000"/>
+                    </a:solidFill>
+                    <a:sym typeface="+mn-ea"/>
+                  </a:rPr>
+                  <a:t>, perturba todas as variáveis de uma só vez com </a:t>
+                </a:r>
+                <a14:m>
+                  <m:oMath xmlns:m="http://schemas.openxmlformats.org/officeDocument/2006/math">
+                    <m:sSubSup>
+                      <m:sSubSupPr>
+                        <m:ctrlPr>
+                          <a:rPr lang="en-US" sz="1600" i="1">
+                            <a:solidFill>
+                              <a:srgbClr val="FF0000"/>
+                            </a:solidFill>
+                            <a:latin typeface="DejaVu Math TeX Gyre" panose="02000503000000000000" charset="0"/>
+                            <a:cs typeface="DejaVu Math TeX Gyre" panose="02000503000000000000" charset="0"/>
+                          </a:rPr>
+                        </m:ctrlPr>
+                      </m:sSubSupPr>
+                      <m:e>
+                        <m:r>
+                          <a:rPr lang="en-US" sz="1600" i="1">
+                            <a:solidFill>
+                              <a:srgbClr val="FF0000"/>
+                            </a:solidFill>
+                            <a:latin typeface="DejaVu Math TeX Gyre" panose="02000503000000000000" charset="0"/>
+                            <a:cs typeface="DejaVu Math TeX Gyre" panose="02000503000000000000" charset="0"/>
+                          </a:rPr>
+                          <m:t>𝑥</m:t>
+                        </m:r>
+                      </m:e>
+                      <m:sub>
+                        <m:r>
+                          <a:rPr lang="en-US" sz="1600" i="1">
+                            <a:solidFill>
+                              <a:srgbClr val="FF0000"/>
+                            </a:solidFill>
+                            <a:latin typeface="DejaVu Math TeX Gyre" panose="02000503000000000000" charset="0"/>
+                            <a:cs typeface="DejaVu Math TeX Gyre" panose="02000503000000000000" charset="0"/>
+                          </a:rPr>
+                          <m:t>𝑖</m:t>
+                        </m:r>
+                      </m:sub>
+                      <m:sup>
+                        <m:r>
+                          <a:rPr lang="en-US" sz="1600" i="1">
+                            <a:solidFill>
+                              <a:srgbClr val="FF0000"/>
+                            </a:solidFill>
+                            <a:latin typeface="DejaVu Math TeX Gyre" panose="02000503000000000000" charset="0"/>
+                            <a:cs typeface="DejaVu Math TeX Gyre" panose="02000503000000000000" charset="0"/>
+                          </a:rPr>
+                          <m:t>’</m:t>
+                        </m:r>
+                      </m:sup>
+                    </m:sSubSup>
+                    <m:r>
+                      <a:rPr lang="en-US" sz="1600" i="1">
+                        <a:solidFill>
+                          <a:srgbClr val="FF0000"/>
+                        </a:solidFill>
+                        <a:latin typeface="DejaVu Math TeX Gyre" panose="02000503000000000000" charset="0"/>
+                        <a:cs typeface="DejaVu Math TeX Gyre" panose="02000503000000000000" charset="0"/>
+                      </a:rPr>
+                      <m:t>=</m:t>
+                    </m:r>
+                    <m:sSub>
+                      <m:sSubPr>
+                        <m:ctrlPr>
+                          <a:rPr lang="en-US" sz="1600" i="1">
+                            <a:solidFill>
+                              <a:srgbClr val="FF0000"/>
+                            </a:solidFill>
+                            <a:latin typeface="DejaVu Math TeX Gyre" panose="02000503000000000000" charset="0"/>
+                            <a:cs typeface="DejaVu Math TeX Gyre" panose="02000503000000000000" charset="0"/>
+                          </a:rPr>
+                        </m:ctrlPr>
+                      </m:sSubPr>
+                      <m:e>
+                        <m:r>
+                          <a:rPr lang="en-US" sz="1600" i="1">
+                            <a:solidFill>
+                              <a:srgbClr val="FF0000"/>
+                            </a:solidFill>
+                            <a:latin typeface="DejaVu Math TeX Gyre" panose="02000503000000000000" charset="0"/>
+                            <a:cs typeface="DejaVu Math TeX Gyre" panose="02000503000000000000" charset="0"/>
+                          </a:rPr>
+                          <m:t>𝑥</m:t>
+                        </m:r>
+                      </m:e>
+                      <m:sub>
+                        <m:r>
+                          <a:rPr lang="en-US" sz="1600" i="1">
+                            <a:solidFill>
+                              <a:srgbClr val="FF0000"/>
+                            </a:solidFill>
+                            <a:latin typeface="DejaVu Math TeX Gyre" panose="02000503000000000000" charset="0"/>
+                            <a:cs typeface="DejaVu Math TeX Gyre" panose="02000503000000000000" charset="0"/>
+                          </a:rPr>
+                          <m:t>𝑖</m:t>
+                        </m:r>
+                      </m:sub>
+                    </m:sSub>
+                    <m:r>
+                      <a:rPr lang="en-US" sz="1600" i="1">
+                        <a:solidFill>
+                          <a:srgbClr val="FF0000"/>
+                        </a:solidFill>
+                        <a:latin typeface="DejaVu Math TeX Gyre" panose="02000503000000000000" charset="0"/>
+                        <a:cs typeface="DejaVu Math TeX Gyre" panose="02000503000000000000" charset="0"/>
+                      </a:rPr>
+                      <m:t>+</m:t>
+                    </m:r>
+                    <m:r>
+                      <a:rPr lang="en-US" sz="1600" i="1">
+                        <a:solidFill>
+                          <a:srgbClr val="FF0000"/>
+                        </a:solidFill>
+                        <a:latin typeface="DejaVu Math TeX Gyre" panose="02000503000000000000" charset="0"/>
+                        <a:cs typeface="DejaVu Math TeX Gyre" panose="02000503000000000000" charset="0"/>
+                      </a:rPr>
+                      <m:t>𝑁</m:t>
+                    </m:r>
+                    <m:r>
+                      <a:rPr lang="en-US" sz="1600" i="1">
+                        <a:solidFill>
+                          <a:srgbClr val="FF0000"/>
+                        </a:solidFill>
+                        <a:latin typeface="DejaVu Math TeX Gyre" panose="02000503000000000000" charset="0"/>
+                        <a:cs typeface="DejaVu Math TeX Gyre" panose="02000503000000000000" charset="0"/>
+                      </a:rPr>
+                      <m:t>(</m:t>
+                    </m:r>
+                    <m:r>
+                      <a:rPr lang="en-US" sz="1600" i="1">
+                        <a:solidFill>
+                          <a:srgbClr val="FF0000"/>
+                        </a:solidFill>
+                        <a:latin typeface="DejaVu Math TeX Gyre" panose="02000503000000000000" charset="0"/>
+                        <a:cs typeface="DejaVu Math TeX Gyre" panose="02000503000000000000" charset="0"/>
+                      </a:rPr>
+                      <m:t>0</m:t>
+                    </m:r>
+                    <m:r>
+                      <a:rPr lang="en-US" sz="1600" i="1">
+                        <a:solidFill>
+                          <a:srgbClr val="FF0000"/>
+                        </a:solidFill>
+                        <a:latin typeface="DejaVu Math TeX Gyre" panose="02000503000000000000" charset="0"/>
+                        <a:cs typeface="DejaVu Math TeX Gyre" panose="02000503000000000000" charset="0"/>
+                      </a:rPr>
+                      <m:t>,</m:t>
+                    </m:r>
+                    <m:r>
+                      <a:rPr lang="en-US" sz="1600" i="1">
+                        <a:solidFill>
+                          <a:srgbClr val="FF0000"/>
+                        </a:solidFill>
+                        <a:latin typeface="DejaVu Math TeX Gyre" panose="02000503000000000000" charset="0"/>
+                        <a:cs typeface="DejaVu Math TeX Gyre" panose="02000503000000000000" charset="0"/>
+                      </a:rPr>
+                      <m:t>𝜎</m:t>
+                    </m:r>
+                    <m:r>
+                      <a:rPr lang="en-US" sz="1600" i="1">
+                        <a:solidFill>
+                          <a:srgbClr val="FF0000"/>
+                        </a:solidFill>
+                        <a:latin typeface="DejaVu Math TeX Gyre" panose="02000503000000000000" charset="0"/>
+                        <a:ea typeface="MS Mincho" charset="0"/>
+                        <a:cs typeface="DejaVu Math TeX Gyre" panose="02000503000000000000" charset="0"/>
+                      </a:rPr>
+                      <m:t>)</m:t>
+                    </m:r>
+                  </m:oMath>
+                </a14:m>
+                <a:r>
+                  <a:rPr lang="pt-PT" altLang="en-US" sz="1600">
+                    <a:solidFill>
+                      <a:srgbClr val="FF0000"/>
+                    </a:solidFill>
+                    <a:latin typeface="DejaVu Math TeX Gyre" panose="02000503000000000000" charset="0"/>
+                    <a:ea typeface="MS Mincho" charset="0"/>
+                    <a:cs typeface="DejaVu Math TeX Gyre" panose="02000503000000000000" charset="0"/>
+                  </a:rPr>
+                  <a:t>, </a:t>
+                </a:r>
+                <a:r>
+                  <a:rPr lang="pt-PT" altLang="en-US" sz="1600">
+                    <a:solidFill>
+                      <a:srgbClr val="FF0000"/>
+                    </a:solidFill>
+                    <a:sym typeface="+mn-ea"/>
+                  </a:rPr>
+                  <a:t>onde </a:t>
+                </a:r>
+                <a14:m>
+                  <m:oMath xmlns:m="http://schemas.openxmlformats.org/officeDocument/2006/math">
+                    <m:r>
+                      <a:rPr lang="en-US" altLang="pt-PT" sz="1600" i="1">
+                        <a:solidFill>
+                          <a:srgbClr val="FF0000"/>
+                        </a:solidFill>
+                        <a:latin typeface="DejaVu Math TeX Gyre" panose="02000503000000000000" charset="0"/>
+                        <a:cs typeface="DejaVu Math TeX Gyre" panose="02000503000000000000" charset="0"/>
+                        <a:sym typeface="+mn-ea"/>
+                      </a:rPr>
+                      <m:t>𝜎</m:t>
+                    </m:r>
+                    <m:r>
+                      <a:rPr lang="en-US" altLang="pt-PT" sz="1600" i="1">
+                        <a:solidFill>
+                          <a:srgbClr val="FF0000"/>
+                        </a:solidFill>
+                        <a:latin typeface="DejaVu Math TeX Gyre" panose="02000503000000000000" charset="0"/>
+                        <a:cs typeface="DejaVu Math TeX Gyre" panose="02000503000000000000" charset="0"/>
+                        <a:sym typeface="+mn-ea"/>
+                      </a:rPr>
+                      <m:t>=</m:t>
+                    </m:r>
+                    <m:r>
+                      <a:rPr lang="en-US" altLang="pt-PT" sz="1600" i="1">
+                        <a:solidFill>
+                          <a:srgbClr val="FF0000"/>
+                        </a:solidFill>
+                        <a:latin typeface="DejaVu Math TeX Gyre" panose="02000503000000000000" charset="0"/>
+                        <a:cs typeface="DejaVu Math TeX Gyre" panose="02000503000000000000" charset="0"/>
+                        <a:sym typeface="+mn-ea"/>
+                      </a:rPr>
+                      <m:t>𝜌</m:t>
+                    </m:r>
+                    <m:r>
+                      <a:rPr lang="en-US" altLang="pt-PT" sz="1600" i="1">
+                        <a:solidFill>
+                          <a:srgbClr val="FF0000"/>
+                        </a:solidFill>
+                        <a:latin typeface="DejaVu Math TeX Gyre" panose="02000503000000000000" charset="0"/>
+                        <a:cs typeface="DejaVu Math TeX Gyre" panose="02000503000000000000" charset="0"/>
+                        <a:sym typeface="+mn-ea"/>
+                      </a:rPr>
+                      <m:t>’∙∆</m:t>
+                    </m:r>
+                    <m:r>
+                      <a:rPr lang="en-US" altLang="pt-PT" sz="1600" i="1">
+                        <a:solidFill>
+                          <a:srgbClr val="FF0000"/>
+                        </a:solidFill>
+                        <a:latin typeface="DejaVu Math TeX Gyre" panose="02000503000000000000" charset="0"/>
+                        <a:cs typeface="DejaVu Math TeX Gyre" panose="02000503000000000000" charset="0"/>
+                        <a:sym typeface="+mn-ea"/>
+                      </a:rPr>
+                      <m:t>𝑥</m:t>
+                    </m:r>
+                    <m:r>
+                      <a:rPr lang="en-US" altLang="pt-PT" sz="1600" i="1" baseline="-25000">
+                        <a:solidFill>
+                          <a:srgbClr val="FF0000"/>
+                        </a:solidFill>
+                        <a:latin typeface="DejaVu Math TeX Gyre" panose="02000503000000000000" charset="0"/>
+                        <a:cs typeface="DejaVu Math TeX Gyre" panose="02000503000000000000" charset="0"/>
+                        <a:sym typeface="+mn-ea"/>
+                      </a:rPr>
+                      <m:t>𝑖</m:t>
+                    </m:r>
+                  </m:oMath>
+                </a14:m>
+                <a:r>
+                  <a:rPr lang="pt-PT" altLang="en-US" sz="1600">
+                    <a:solidFill>
+                      <a:srgbClr val="FF0000"/>
+                    </a:solidFill>
+                    <a:sym typeface="+mn-ea"/>
+                  </a:rPr>
+                  <a:t>, e calcula o valor de f(x).</a:t>
+                </a:r>
+                <a:endParaRPr lang="pt-PT" altLang="en-US" sz="1600">
+                  <a:solidFill>
+                    <a:srgbClr val="FF0000"/>
+                  </a:solidFill>
+                  <a:sym typeface="+mn-ea"/>
+                </a:endParaRPr>
+              </a:p>
+              <a:p>
+                <a:pPr marL="285750" lvl="0" indent="-285750" algn="just">
+                  <a:lnSpc>
+                    <a:spcPct val="150000"/>
+                  </a:lnSpc>
+                  <a:buFont typeface="Arial" panose="020B0604020202020204" pitchFamily="34" charset="0"/>
+                  <a:buChar char="•"/>
+                </a:pPr>
+                <a:r>
+                  <a:rPr lang="pt-PT" altLang="en-US" sz="1600">
+                    <a:sym typeface="+mn-ea"/>
+                  </a:rPr>
+                  <a:t>Foram geradas</a:t>
+                </a:r>
+                <a:r>
+                  <a:rPr lang="pt-PT" altLang="en-US" sz="1600">
+                    <a:solidFill>
+                      <a:schemeClr val="accent5"/>
+                    </a:solidFill>
+                    <a:sym typeface="+mn-ea"/>
+                  </a:rPr>
+                  <a:t> N+1 </a:t>
+                </a:r>
+                <a:r>
+                  <a:rPr lang="pt-PT" altLang="en-US" sz="1600">
+                    <a:sym typeface="+mn-ea"/>
+                  </a:rPr>
+                  <a:t>perturbações para serem escolhidas.</a:t>
+                </a:r>
+                <a:endParaRPr lang="pt-PT" altLang="en-US" sz="1600"/>
+              </a:p>
+              <a:p>
+                <a:pPr marL="285750" indent="-285750" algn="just">
+                  <a:lnSpc>
+                    <a:spcPct val="150000"/>
+                  </a:lnSpc>
+                  <a:buFont typeface="Arial" panose="020B0604020202020204" pitchFamily="34" charset="0"/>
+                  <a:buChar char="•"/>
+                </a:pPr>
+                <a:r>
+                  <a:rPr lang="pt-PT" altLang="en-US" sz="1600">
+                    <a:sym typeface="+mn-ea"/>
+                  </a:rPr>
+                  <a:t>Ordena pelo f(x) e escolhe uma perturbação para ser confirmada.</a:t>
+                </a:r>
+                <a:endParaRPr lang="pt-PT" altLang="en-US" sz="1600">
+                  <a:sym typeface="+mn-ea"/>
+                </a:endParaRPr>
+              </a:p>
+            </p:txBody>
+          </p:sp>
+        </mc:Choice>
+        <mc:Fallback>
+          <p:sp>
+            <p:nvSpPr>
+              <p:cNvPr id="27" name="Text Box 26"/>
+              <p:cNvSpPr txBox="1">
+                <a:spLocks noRot="1" noChangeAspect="1" noMove="1" noResize="1" noEditPoints="1" noAdjustHandles="1" noChangeArrowheads="1" noChangeShapeType="1" noTextEdit="1"/>
+              </p:cNvSpPr>
+              <p:nvPr/>
+            </p:nvSpPr>
+            <p:spPr>
+              <a:xfrm>
+                <a:off x="2619375" y="906780"/>
+                <a:ext cx="6953250" cy="5044440"/>
+              </a:xfrm>
+              <a:prstGeom prst="rect">
+                <a:avLst/>
+              </a:prstGeom>
+              <a:blipFill rotWithShape="1">
+                <a:blip r:embed="rId1"/>
+                <a:stretch>
+                  <a:fillRect/>
+                </a:stretch>
+              </a:blipFill>
+            </p:spPr>
+            <p:txBody>
+              <a:bodyPr/>
+              <a:lstStyle/>
+              <a:p>
+                <a:r>
+                  <a:rPr lang="en-US" altLang="en-US">
+                    <a:noFill/>
+                  </a:rPr>
+                  <a:t> </a:t>
+                </a:r>
+              </a:p>
+            </p:txBody>
+          </p:sp>
+        </mc:Fallback>
+      </mc:AlternateContent>
+      <p:sp>
+        <p:nvSpPr>
+          <p:cNvPr id="2" name="Text Box 1"/>
+          <p:cNvSpPr txBox="1"/>
+          <p:nvPr/>
+        </p:nvSpPr>
+        <p:spPr>
+          <a:xfrm>
+            <a:off x="485775" y="27940"/>
+            <a:ext cx="11220450" cy="414020"/>
+          </a:xfrm>
+          <a:prstGeom prst="rect">
+            <a:avLst/>
+          </a:prstGeom>
+          <a:noFill/>
+        </p:spPr>
+        <p:txBody>
+          <a:bodyPr wrap="square" rtlCol="0">
+            <a:spAutoFit/>
+          </a:bodyPr>
+          <a:p>
+            <a:pPr lvl="0" indent="0" algn="ctr">
+              <a:lnSpc>
+                <a:spcPct val="150000"/>
+              </a:lnSpc>
+              <a:buFont typeface="Arial" panose="020B0604020202020204" pitchFamily="34" charset="0"/>
+              <a:buNone/>
+            </a:pPr>
+            <a:r>
+              <a:rPr lang="pt-PT" sz="1400" b="1">
+                <a:solidFill>
+                  <a:schemeClr val="accent2"/>
+                </a:solidFill>
+              </a:rPr>
+              <a:t>ALTERNATIVA 1</a:t>
+            </a:r>
+            <a:endParaRPr lang="pt-PT" sz="1400" b="1">
+              <a:solidFill>
+                <a:schemeClr val="accent2"/>
+              </a:solidFill>
+            </a:endParaRPr>
+          </a:p>
+        </p:txBody>
+      </p:sp>
+    </p:spTree>
+  </p:cSld>
+  <p:clrMapOvr>
+    <a:masterClrMapping/>
+  </p:clrMapOvr>
+</p:sld>
+</file>
+
+<file path=ppt/slides/slide4.xml><?xml version="1.0" encoding="utf-8"?>
+<p:sld xmlns:a="http://schemas.openxmlformats.org/drawingml/2006/main" xmlns:r="http://schemas.openxmlformats.org/officeDocument/2006/relationships" xmlns:p="http://schemas.openxmlformats.org/presentationml/2006/main">
+  <p:cSld>
+    <p:spTree>
+      <p:nvGrpSpPr>
+        <p:cNvPr id="1" name=""/>
+        <p:cNvGrpSpPr/>
+        <p:nvPr/>
+      </p:nvGrpSpPr>
+      <p:grpSpPr/>
+      <p:pic>
+        <p:nvPicPr>
+          <p:cNvPr id="3" name="Picture 2"/>
+          <p:cNvPicPr>
+            <a:picLocks noChangeAspect="1"/>
+          </p:cNvPicPr>
+          <p:nvPr/>
+        </p:nvPicPr>
+        <p:blipFill>
+          <a:blip r:embed="rId1"/>
+          <a:stretch>
+            <a:fillRect/>
+          </a:stretch>
+        </p:blipFill>
+        <p:spPr>
+          <a:xfrm>
+            <a:off x="1583055" y="1727200"/>
+            <a:ext cx="8360410" cy="3629025"/>
+          </a:xfrm>
+          <a:prstGeom prst="rect">
+            <a:avLst/>
+          </a:prstGeom>
+        </p:spPr>
+      </p:pic>
+      <mc:AlternateContent xmlns:mc="http://schemas.openxmlformats.org/markup-compatibility/2006">
+        <mc:Choice xmlns:a14="http://schemas.microsoft.com/office/drawing/2010/main" Requires="a14">
+          <p:sp>
+            <p:nvSpPr>
+              <p:cNvPr id="4" name="Text Box 3"/>
+              <p:cNvSpPr txBox="1"/>
+              <p:nvPr/>
+            </p:nvSpPr>
+            <p:spPr>
+              <a:xfrm>
+                <a:off x="1046480" y="763270"/>
+                <a:ext cx="3221355" cy="376555"/>
+              </a:xfrm>
+              <a:prstGeom prst="rect">
+                <a:avLst/>
+              </a:prstGeom>
+              <a:noFill/>
+            </p:spPr>
+            <p:txBody>
+              <a:bodyPr wrap="none" rtlCol="0" anchor="t">
+                <a:spAutoFit/>
+              </a:bodyPr>
+              <a:p>
+                <a14:m>
+                  <m:oMathPara xmlns:m="http://schemas.openxmlformats.org/officeDocument/2006/math">
+                    <m:oMathParaPr>
+                      <m:jc m:val="centerGroup"/>
+                    </m:oMathParaPr>
+                    <m:oMath xmlns:m="http://schemas.openxmlformats.org/officeDocument/2006/math">
+                      <m:sSup>
+                        <m:sSupPr>
+                          <m:ctrlPr>
+                            <a:rPr lang="en-US" i="1">
+                              <a:solidFill>
+                                <a:schemeClr val="tx1"/>
+                              </a:solidFill>
+                              <a:latin typeface="DejaVu Math TeX Gyre" panose="02000503000000000000" charset="0"/>
+                              <a:cs typeface="DejaVu Math TeX Gyre" panose="02000503000000000000" charset="0"/>
+                            </a:rPr>
+                          </m:ctrlPr>
+                        </m:sSupPr>
+                        <m:e>
+                          <m:r>
+                            <a:rPr lang="en-US" i="1">
+                              <a:solidFill>
+                                <a:schemeClr val="tx1"/>
+                              </a:solidFill>
+                              <a:latin typeface="DejaVu Math TeX Gyre" panose="02000503000000000000" charset="0"/>
+                              <a:cs typeface="DejaVu Math TeX Gyre" panose="02000503000000000000" charset="0"/>
+                            </a:rPr>
+                            <m:t>𝜌</m:t>
+                          </m:r>
+                        </m:e>
+                        <m:sup>
+                          <m:r>
+                            <a:rPr lang="en-US" i="1">
+                              <a:solidFill>
+                                <a:schemeClr val="tx1"/>
+                              </a:solidFill>
+                              <a:latin typeface="DejaVu Math TeX Gyre" panose="02000503000000000000" charset="0"/>
+                              <a:cs typeface="DejaVu Math TeX Gyre" panose="02000503000000000000" charset="0"/>
+                            </a:rPr>
+                            <m:t>’</m:t>
+                          </m:r>
+                        </m:sup>
+                      </m:sSup>
+                      <m:r>
+                        <a:rPr lang="en-US" i="1">
+                          <a:solidFill>
+                            <a:schemeClr val="tx1"/>
+                          </a:solidFill>
+                          <a:latin typeface="DejaVu Math TeX Gyre" panose="02000503000000000000" charset="0"/>
+                          <a:cs typeface="DejaVu Math TeX Gyre" panose="02000503000000000000" charset="0"/>
+                        </a:rPr>
+                        <m:t>=</m:t>
+                      </m:r>
+                      <m:r>
+                        <a:rPr lang="en-US" i="1">
+                          <a:solidFill>
+                            <a:schemeClr val="tx1"/>
+                          </a:solidFill>
+                          <a:latin typeface="DejaVu Math TeX Gyre" panose="02000503000000000000" charset="0"/>
+                          <a:cs typeface="DejaVu Math TeX Gyre" panose="02000503000000000000" charset="0"/>
+                        </a:rPr>
+                        <m:t>𝜌</m:t>
+                      </m:r>
+                      <m:r>
+                        <a:rPr lang="en-US" i="1">
+                          <a:solidFill>
+                            <a:schemeClr val="tx1"/>
+                          </a:solidFill>
+                          <a:latin typeface="DejaVu Math TeX Gyre" panose="02000503000000000000" charset="0"/>
+                          <a:cs typeface="DejaVu Math TeX Gyre" panose="02000503000000000000" charset="0"/>
+                        </a:rPr>
+                        <m:t>∙</m:t>
+                      </m:r>
+                      <m:r>
+                        <a:rPr lang="en-US" i="1">
+                          <a:solidFill>
+                            <a:schemeClr val="tx1"/>
+                          </a:solidFill>
+                          <a:latin typeface="DejaVu Math TeX Gyre" panose="02000503000000000000" charset="0"/>
+                          <a:cs typeface="DejaVu Math TeX Gyre" panose="02000503000000000000" charset="0"/>
+                        </a:rPr>
+                        <m:t>𝐿𝑜𝑔𝑁𝑜𝑟𝑚𝑎𝑙</m:t>
+                      </m:r>
+                      <m:r>
+                        <a:rPr lang="en-US" i="1">
+                          <a:solidFill>
+                            <a:schemeClr val="tx1"/>
+                          </a:solidFill>
+                          <a:latin typeface="DejaVu Math TeX Gyre" panose="02000503000000000000" charset="0"/>
+                          <a:cs typeface="DejaVu Math TeX Gyre" panose="02000503000000000000" charset="0"/>
+                        </a:rPr>
+                        <m:t>(</m:t>
+                      </m:r>
+                      <m:r>
+                        <a:rPr lang="en-US" i="1">
+                          <a:solidFill>
+                            <a:schemeClr val="tx1"/>
+                          </a:solidFill>
+                          <a:latin typeface="DejaVu Math TeX Gyre" panose="02000503000000000000" charset="0"/>
+                          <a:cs typeface="DejaVu Math TeX Gyre" panose="02000503000000000000" charset="0"/>
+                        </a:rPr>
+                        <m:t>0</m:t>
+                      </m:r>
+                      <m:r>
+                        <a:rPr lang="en-US" i="1">
+                          <a:solidFill>
+                            <a:schemeClr val="tx1"/>
+                          </a:solidFill>
+                          <a:latin typeface="DejaVu Math TeX Gyre" panose="02000503000000000000" charset="0"/>
+                          <a:cs typeface="DejaVu Math TeX Gyre" panose="02000503000000000000" charset="0"/>
+                        </a:rPr>
+                        <m:t>,</m:t>
+                      </m:r>
+                      <m:r>
+                        <a:rPr lang="en-US" i="1">
+                          <a:solidFill>
+                            <a:schemeClr val="tx1"/>
+                          </a:solidFill>
+                          <a:latin typeface="DejaVu Math TeX Gyre" panose="02000503000000000000" charset="0"/>
+                          <a:cs typeface="DejaVu Math TeX Gyre" panose="02000503000000000000" charset="0"/>
+                        </a:rPr>
+                        <m:t>𝛼</m:t>
+                      </m:r>
+                      <m:r>
+                        <a:rPr lang="en-US" i="1">
+                          <a:solidFill>
+                            <a:schemeClr val="tx1"/>
+                          </a:solidFill>
+                          <a:latin typeface="DejaVu Math TeX Gyre" panose="02000503000000000000" charset="0"/>
+                          <a:ea typeface="MS Mincho" charset="0"/>
+                          <a:cs typeface="DejaVu Math TeX Gyre" panose="02000503000000000000" charset="0"/>
+                        </a:rPr>
+                        <m:t>)</m:t>
+                      </m:r>
+                    </m:oMath>
+                  </m:oMathPara>
+                </a14:m>
+                <a:endParaRPr lang="en-US" i="1">
+                  <a:solidFill>
+                    <a:schemeClr val="tx1"/>
+                  </a:solidFill>
+                  <a:latin typeface="DejaVu Math TeX Gyre" panose="02000503000000000000" charset="0"/>
+                  <a:ea typeface="MS Mincho" charset="0"/>
+                  <a:cs typeface="DejaVu Math TeX Gyre" panose="02000503000000000000" charset="0"/>
+                </a:endParaRPr>
+              </a:p>
+            </p:txBody>
+          </p:sp>
+        </mc:Choice>
+        <mc:Fallback>
+          <p:sp>
+            <p:nvSpPr>
+              <p:cNvPr id="4" name="Text Box 3"/>
+              <p:cNvSpPr txBox="1">
+                <a:spLocks noRot="1" noChangeAspect="1" noMove="1" noResize="1" noEditPoints="1" noAdjustHandles="1" noChangeArrowheads="1" noChangeShapeType="1" noTextEdit="1"/>
+              </p:cNvSpPr>
+              <p:nvPr/>
+            </p:nvSpPr>
+            <p:spPr>
+              <a:xfrm>
+                <a:off x="1046480" y="763270"/>
+                <a:ext cx="3221355" cy="376555"/>
+              </a:xfrm>
+              <a:prstGeom prst="rect">
+                <a:avLst/>
+              </a:prstGeom>
+              <a:blipFill rotWithShape="1">
+                <a:blip r:embed="rId2"/>
+                <a:stretch>
+                  <a:fillRect/>
+                </a:stretch>
+              </a:blipFill>
+            </p:spPr>
+            <p:txBody>
+              <a:bodyPr/>
+              <a:lstStyle/>
+              <a:p>
+                <a:r>
+                  <a:rPr lang="en-US" altLang="en-US">
+                    <a:noFill/>
+                  </a:rPr>
+                  <a:t> </a:t>
+                </a:r>
+              </a:p>
+            </p:txBody>
+          </p:sp>
+        </mc:Fallback>
+      </mc:AlternateContent>
+      <mc:AlternateContent xmlns:mc="http://schemas.openxmlformats.org/markup-compatibility/2006">
+        <mc:Choice xmlns:a14="http://schemas.microsoft.com/office/drawing/2010/main" Requires="a14">
+          <p:sp>
+            <p:nvSpPr>
+              <p:cNvPr id="5" name="Text Box 4"/>
+              <p:cNvSpPr txBox="1"/>
+              <p:nvPr/>
+            </p:nvSpPr>
+            <p:spPr>
+              <a:xfrm>
+                <a:off x="7291705" y="1131570"/>
+                <a:ext cx="3216275" cy="376555"/>
+              </a:xfrm>
+              <a:prstGeom prst="rect">
+                <a:avLst/>
+              </a:prstGeom>
+              <a:noFill/>
+            </p:spPr>
+            <p:txBody>
+              <a:bodyPr wrap="none" rtlCol="0" anchor="t">
+                <a:spAutoFit/>
+              </a:bodyPr>
+              <a:p>
+                <a14:m>
+                  <m:oMathPara xmlns:m="http://schemas.openxmlformats.org/officeDocument/2006/math">
+                    <m:oMathParaPr>
+                      <m:jc m:val="centerGroup"/>
+                    </m:oMathParaPr>
+                    <m:oMath xmlns:m="http://schemas.openxmlformats.org/officeDocument/2006/math">
+                      <m:sSup>
+                        <m:sSupPr>
+                          <m:ctrlPr>
+                            <a:rPr lang="en-US" i="1">
+                              <a:solidFill>
+                                <a:schemeClr val="tx1"/>
+                              </a:solidFill>
+                              <a:latin typeface="DejaVu Math TeX Gyre" panose="02000503000000000000" charset="0"/>
+                              <a:cs typeface="DejaVu Math TeX Gyre" panose="02000503000000000000" charset="0"/>
+                            </a:rPr>
+                          </m:ctrlPr>
+                        </m:sSupPr>
+                        <m:e>
+                          <m:r>
+                            <a:rPr lang="en-US" i="1">
+                              <a:solidFill>
+                                <a:schemeClr val="tx1"/>
+                              </a:solidFill>
+                              <a:latin typeface="DejaVu Math TeX Gyre" panose="02000503000000000000" charset="0"/>
+                              <a:cs typeface="DejaVu Math TeX Gyre" panose="02000503000000000000" charset="0"/>
+                            </a:rPr>
+                            <m:t>𝜌</m:t>
+                          </m:r>
+                        </m:e>
+                        <m:sup>
+                          <m:r>
+                            <a:rPr lang="en-US" i="1">
+                              <a:solidFill>
+                                <a:schemeClr val="tx1"/>
+                              </a:solidFill>
+                              <a:latin typeface="DejaVu Math TeX Gyre" panose="02000503000000000000" charset="0"/>
+                              <a:cs typeface="DejaVu Math TeX Gyre" panose="02000503000000000000" charset="0"/>
+                            </a:rPr>
+                            <m:t>’</m:t>
+                          </m:r>
+                        </m:sup>
+                      </m:sSup>
+                      <m:r>
+                        <a:rPr lang="en-US" i="1">
+                          <a:solidFill>
+                            <a:schemeClr val="tx1"/>
+                          </a:solidFill>
+                          <a:latin typeface="DejaVu Math TeX Gyre" panose="02000503000000000000" charset="0"/>
+                          <a:cs typeface="DejaVu Math TeX Gyre" panose="02000503000000000000" charset="0"/>
+                        </a:rPr>
+                        <m:t>=</m:t>
+                      </m:r>
+                      <m:r>
+                        <a:rPr lang="en-US" i="1">
+                          <a:solidFill>
+                            <a:schemeClr val="tx1"/>
+                          </a:solidFill>
+                          <a:latin typeface="DejaVu Math TeX Gyre" panose="02000503000000000000" charset="0"/>
+                          <a:cs typeface="DejaVu Math TeX Gyre" panose="02000503000000000000" charset="0"/>
+                        </a:rPr>
+                        <m:t>𝐿𝑜𝑔𝑁𝑜𝑟𝑚𝑎𝑙</m:t>
+                      </m:r>
+                      <m:r>
+                        <a:rPr lang="en-US" i="1">
+                          <a:solidFill>
+                            <a:schemeClr val="tx1"/>
+                          </a:solidFill>
+                          <a:latin typeface="DejaVu Math TeX Gyre" panose="02000503000000000000" charset="0"/>
+                          <a:cs typeface="DejaVu Math TeX Gyre" panose="02000503000000000000" charset="0"/>
+                        </a:rPr>
+                        <m:t>(</m:t>
+                      </m:r>
+                      <m:r>
+                        <a:rPr lang="en-US" i="1">
+                          <a:solidFill>
+                            <a:schemeClr val="tx1"/>
+                          </a:solidFill>
+                          <a:latin typeface="DejaVu Math TeX Gyre" panose="02000503000000000000" charset="0"/>
+                          <a:cs typeface="DejaVu Math TeX Gyre" panose="02000503000000000000" charset="0"/>
+                        </a:rPr>
+                        <m:t>1</m:t>
+                      </m:r>
+                      <m:r>
+                        <a:rPr lang="en-US" i="1">
+                          <a:solidFill>
+                            <a:schemeClr val="tx1"/>
+                          </a:solidFill>
+                          <a:latin typeface="DejaVu Math TeX Gyre" panose="02000503000000000000" charset="0"/>
+                          <a:cs typeface="DejaVu Math TeX Gyre" panose="02000503000000000000" charset="0"/>
+                        </a:rPr>
+                        <m:t>, </m:t>
+                      </m:r>
+                      <m:r>
+                        <a:rPr lang="en-US" i="1">
+                          <a:solidFill>
+                            <a:schemeClr val="tx1"/>
+                          </a:solidFill>
+                          <a:latin typeface="DejaVu Math TeX Gyre" panose="02000503000000000000" charset="0"/>
+                          <a:cs typeface="DejaVu Math TeX Gyre" panose="02000503000000000000" charset="0"/>
+                        </a:rPr>
+                        <m:t>0</m:t>
+                      </m:r>
+                      <m:r>
+                        <a:rPr lang="en-US" i="1">
+                          <a:solidFill>
+                            <a:schemeClr val="tx1"/>
+                          </a:solidFill>
+                          <a:latin typeface="DejaVu Math TeX Gyre" panose="02000503000000000000" charset="0"/>
+                          <a:cs typeface="DejaVu Math TeX Gyre" panose="02000503000000000000" charset="0"/>
+                        </a:rPr>
+                        <m:t>.</m:t>
+                      </m:r>
+                      <m:r>
+                        <a:rPr lang="en-US" i="1">
+                          <a:solidFill>
+                            <a:schemeClr val="tx1"/>
+                          </a:solidFill>
+                          <a:latin typeface="DejaVu Math TeX Gyre" panose="02000503000000000000" charset="0"/>
+                          <a:cs typeface="DejaVu Math TeX Gyre" panose="02000503000000000000" charset="0"/>
+                        </a:rPr>
+                        <m:t>67</m:t>
+                      </m:r>
+                      <m:r>
+                        <a:rPr lang="en-US" i="1">
+                          <a:solidFill>
+                            <a:schemeClr val="tx1"/>
+                          </a:solidFill>
+                          <a:latin typeface="DejaVu Math TeX Gyre" panose="02000503000000000000" charset="0"/>
+                          <a:ea typeface="MS Mincho" charset="0"/>
+                          <a:cs typeface="DejaVu Math TeX Gyre" panose="02000503000000000000" charset="0"/>
+                        </a:rPr>
+                        <m:t>)</m:t>
+                      </m:r>
+                    </m:oMath>
+                  </m:oMathPara>
+                </a14:m>
+                <a:endParaRPr lang="en-US" i="1">
+                  <a:solidFill>
+                    <a:schemeClr val="tx1"/>
+                  </a:solidFill>
+                  <a:latin typeface="DejaVu Math TeX Gyre" panose="02000503000000000000" charset="0"/>
+                  <a:ea typeface="MS Mincho" charset="0"/>
+                  <a:cs typeface="DejaVu Math TeX Gyre" panose="02000503000000000000" charset="0"/>
+                </a:endParaRPr>
+              </a:p>
+            </p:txBody>
+          </p:sp>
+        </mc:Choice>
+        <mc:Fallback>
+          <p:sp>
+            <p:nvSpPr>
+              <p:cNvPr id="5" name="Text Box 4"/>
+              <p:cNvSpPr txBox="1">
+                <a:spLocks noRot="1" noChangeAspect="1" noMove="1" noResize="1" noEditPoints="1" noAdjustHandles="1" noChangeArrowheads="1" noChangeShapeType="1" noTextEdit="1"/>
+              </p:cNvSpPr>
+              <p:nvPr/>
+            </p:nvSpPr>
+            <p:spPr>
+              <a:xfrm>
+                <a:off x="7291705" y="1131570"/>
+                <a:ext cx="3216275" cy="376555"/>
+              </a:xfrm>
+              <a:prstGeom prst="rect">
+                <a:avLst/>
+              </a:prstGeom>
+              <a:blipFill rotWithShape="1">
+                <a:blip r:embed="rId3"/>
+                <a:stretch>
+                  <a:fillRect/>
+                </a:stretch>
+              </a:blipFill>
+            </p:spPr>
+            <p:txBody>
+              <a:bodyPr/>
+              <a:lstStyle/>
+              <a:p>
+                <a:r>
+                  <a:rPr lang="en-US" altLang="en-US">
+                    <a:noFill/>
+                  </a:rPr>
+                  <a:t> </a:t>
+                </a:r>
+              </a:p>
+            </p:txBody>
+          </p:sp>
+        </mc:Fallback>
+      </mc:AlternateContent>
+      <mc:AlternateContent xmlns:mc="http://schemas.openxmlformats.org/markup-compatibility/2006">
+        <mc:Choice xmlns:a14="http://schemas.microsoft.com/office/drawing/2010/main" Requires="a14">
+          <p:sp>
+            <p:nvSpPr>
+              <p:cNvPr id="6" name="Text Box 5"/>
+              <p:cNvSpPr txBox="1"/>
+              <p:nvPr/>
+            </p:nvSpPr>
+            <p:spPr>
+              <a:xfrm>
+                <a:off x="6157595" y="885825"/>
+                <a:ext cx="1134110" cy="368300"/>
+              </a:xfrm>
+              <a:prstGeom prst="rect">
+                <a:avLst/>
+              </a:prstGeom>
+              <a:noFill/>
+            </p:spPr>
+            <p:txBody>
+              <a:bodyPr wrap="none" rtlCol="0" anchor="t">
+                <a:spAutoFit/>
+              </a:bodyPr>
+              <a:p>
+                <a14:m>
+                  <m:oMathPara xmlns:m="http://schemas.openxmlformats.org/officeDocument/2006/math">
+                    <m:oMathParaPr>
+                      <m:jc m:val="centerGroup"/>
+                    </m:oMathParaPr>
+                    <m:oMath xmlns:m="http://schemas.openxmlformats.org/officeDocument/2006/math">
+                      <m:r>
+                        <a:rPr lang="en-US" i="1">
+                          <a:solidFill>
+                            <a:schemeClr val="tx1"/>
+                          </a:solidFill>
+                          <a:latin typeface="DejaVu Math TeX Gyre" panose="02000503000000000000" charset="0"/>
+                          <a:cs typeface="DejaVu Math TeX Gyre" panose="02000503000000000000" charset="0"/>
+                        </a:rPr>
+                        <m:t>𝑜𝑢</m:t>
+                      </m:r>
+                    </m:oMath>
+                  </m:oMathPara>
+                </a14:m>
+                <a:endParaRPr lang="en-US" i="1">
+                  <a:solidFill>
+                    <a:schemeClr val="tx1"/>
+                  </a:solidFill>
+                  <a:latin typeface="DejaVu Math TeX Gyre" panose="02000503000000000000" charset="0"/>
+                  <a:cs typeface="DejaVu Math TeX Gyre" panose="02000503000000000000" charset="0"/>
+                </a:endParaRPr>
+              </a:p>
+            </p:txBody>
+          </p:sp>
+        </mc:Choice>
+        <mc:Fallback>
+          <p:sp>
+            <p:nvSpPr>
+              <p:cNvPr id="6" name="Text Box 5"/>
+              <p:cNvSpPr txBox="1">
+                <a:spLocks noRot="1" noChangeAspect="1" noMove="1" noResize="1" noEditPoints="1" noAdjustHandles="1" noChangeArrowheads="1" noChangeShapeType="1" noTextEdit="1"/>
+              </p:cNvSpPr>
+              <p:nvPr/>
+            </p:nvSpPr>
+            <p:spPr>
+              <a:xfrm>
+                <a:off x="6157595" y="885825"/>
+                <a:ext cx="1134110" cy="368300"/>
+              </a:xfrm>
+              <a:prstGeom prst="rect">
+                <a:avLst/>
+              </a:prstGeom>
+              <a:blipFill rotWithShape="1">
+                <a:blip r:embed="rId4"/>
+                <a:stretch>
+                  <a:fillRect/>
+                </a:stretch>
+              </a:blipFill>
+            </p:spPr>
+            <p:txBody>
+              <a:bodyPr/>
+              <a:lstStyle/>
+              <a:p>
+                <a:r>
+                  <a:rPr lang="en-US" altLang="en-US">
+                    <a:noFill/>
+                  </a:rPr>
+                  <a:t> </a:t>
+                </a:r>
+              </a:p>
+            </p:txBody>
+          </p:sp>
+        </mc:Fallback>
+      </mc:AlternateContent>
+      <p:sp>
+        <p:nvSpPr>
+          <p:cNvPr id="7" name="Text Box 6"/>
+          <p:cNvSpPr txBox="1"/>
+          <p:nvPr/>
+        </p:nvSpPr>
+        <p:spPr>
+          <a:xfrm>
+            <a:off x="1988185" y="5889625"/>
+            <a:ext cx="7550150" cy="337185"/>
+          </a:xfrm>
+          <a:prstGeom prst="rect">
+            <a:avLst/>
+          </a:prstGeom>
+          <a:noFill/>
+        </p:spPr>
+        <p:txBody>
+          <a:bodyPr wrap="none" rtlCol="0" anchor="t">
+            <a:spAutoFit/>
+          </a:bodyPr>
+          <a:p>
+            <a:r>
+              <a:rPr lang="pt-PT" altLang="en-US" sz="1600" i="1">
+                <a:solidFill>
+                  <a:schemeClr val="tx1"/>
+                </a:solidFill>
+                <a:latin typeface="DejaVu Math TeX Gyre" panose="02000503000000000000" charset="0"/>
+                <a:ea typeface="MS Mincho" charset="0"/>
+                <a:cs typeface="DejaVu Math TeX Gyre" panose="02000503000000000000" charset="0"/>
+              </a:rPr>
+              <a:t>p só diminui se for &lt;0.  Talvez valores teriam que variar entre 0.5 e 1.5</a:t>
+            </a:r>
+            <a:endParaRPr lang="pt-PT" altLang="en-US" sz="1600" i="1">
+              <a:solidFill>
+                <a:schemeClr val="tx1"/>
+              </a:solidFill>
+              <a:latin typeface="DejaVu Math TeX Gyre" panose="02000503000000000000" charset="0"/>
+              <a:ea typeface="MS Mincho" charset="0"/>
+              <a:cs typeface="DejaVu Math TeX Gyre" panose="02000503000000000000" charset="0"/>
+            </a:endParaRPr>
+          </a:p>
+        </p:txBody>
+      </p:sp>
+      <mc:AlternateContent xmlns:mc="http://schemas.openxmlformats.org/markup-compatibility/2006">
+        <mc:Choice xmlns:a14="http://schemas.microsoft.com/office/drawing/2010/main" Requires="a14">
+          <p:sp>
+            <p:nvSpPr>
+              <p:cNvPr id="2" name="Text Box 1"/>
+              <p:cNvSpPr txBox="1"/>
+              <p:nvPr/>
+            </p:nvSpPr>
+            <p:spPr>
+              <a:xfrm>
+                <a:off x="1065530" y="1350645"/>
+                <a:ext cx="3828415" cy="376555"/>
+              </a:xfrm>
+              <a:prstGeom prst="rect">
+                <a:avLst/>
+              </a:prstGeom>
+              <a:noFill/>
+            </p:spPr>
+            <p:txBody>
+              <a:bodyPr wrap="none" rtlCol="0" anchor="t">
+                <a:spAutoFit/>
+              </a:bodyPr>
+              <a:p>
+                <a14:m>
+                  <m:oMathPara xmlns:m="http://schemas.openxmlformats.org/officeDocument/2006/math">
+                    <m:oMathParaPr>
+                      <m:jc m:val="centerGroup"/>
+                    </m:oMathParaPr>
+                    <m:oMath xmlns:m="http://schemas.openxmlformats.org/officeDocument/2006/math">
+                      <m:sSup>
+                        <m:sSupPr>
+                          <m:ctrlPr>
+                            <a:rPr lang="en-US" i="1">
+                              <a:solidFill>
+                                <a:schemeClr val="tx1"/>
+                              </a:solidFill>
+                              <a:latin typeface="DejaVu Math TeX Gyre" panose="02000503000000000000" charset="0"/>
+                              <a:cs typeface="DejaVu Math TeX Gyre" panose="02000503000000000000" charset="0"/>
+                            </a:rPr>
+                          </m:ctrlPr>
+                        </m:sSupPr>
+                        <m:e>
+                          <m:r>
+                            <a:rPr lang="en-US" i="1">
+                              <a:solidFill>
+                                <a:schemeClr val="tx1"/>
+                              </a:solidFill>
+                              <a:latin typeface="DejaVu Math TeX Gyre" panose="02000503000000000000" charset="0"/>
+                              <a:cs typeface="DejaVu Math TeX Gyre" panose="02000503000000000000" charset="0"/>
+                            </a:rPr>
+                            <m:t>𝜌</m:t>
+                          </m:r>
+                        </m:e>
+                        <m:sup>
+                          <m:r>
+                            <a:rPr lang="en-US" i="1">
+                              <a:solidFill>
+                                <a:schemeClr val="tx1"/>
+                              </a:solidFill>
+                              <a:latin typeface="DejaVu Math TeX Gyre" panose="02000503000000000000" charset="0"/>
+                              <a:cs typeface="DejaVu Math TeX Gyre" panose="02000503000000000000" charset="0"/>
+                            </a:rPr>
+                            <m:t>’</m:t>
+                          </m:r>
+                        </m:sup>
+                      </m:sSup>
+                      <m:r>
+                        <a:rPr lang="en-US" i="1">
+                          <a:solidFill>
+                            <a:schemeClr val="tx1"/>
+                          </a:solidFill>
+                          <a:latin typeface="DejaVu Math TeX Gyre" panose="02000503000000000000" charset="0"/>
+                          <a:cs typeface="DejaVu Math TeX Gyre" panose="02000503000000000000" charset="0"/>
+                        </a:rPr>
+                        <m:t>=</m:t>
+                      </m:r>
+                      <m:r>
+                        <a:rPr lang="en-US" i="1">
+                          <a:solidFill>
+                            <a:schemeClr val="tx1"/>
+                          </a:solidFill>
+                          <a:latin typeface="DejaVu Math TeX Gyre" panose="02000503000000000000" charset="0"/>
+                          <a:cs typeface="DejaVu Math TeX Gyre" panose="02000503000000000000" charset="0"/>
+                        </a:rPr>
+                        <m:t>𝐿𝑜𝑔𝑁𝑜𝑟𝑚𝑎𝑙</m:t>
+                      </m:r>
+                      <m:r>
+                        <a:rPr lang="en-US" i="1">
+                          <a:solidFill>
+                            <a:schemeClr val="tx1"/>
+                          </a:solidFill>
+                          <a:latin typeface="DejaVu Math TeX Gyre" panose="02000503000000000000" charset="0"/>
+                          <a:cs typeface="DejaVu Math TeX Gyre" panose="02000503000000000000" charset="0"/>
+                        </a:rPr>
+                        <m:t>(</m:t>
+                      </m:r>
+                      <m:r>
+                        <a:rPr lang="en-US" i="1">
+                          <a:solidFill>
+                            <a:schemeClr val="tx1"/>
+                          </a:solidFill>
+                          <a:latin typeface="DejaVu Math TeX Gyre" panose="02000503000000000000" charset="0"/>
+                          <a:cs typeface="DejaVu Math TeX Gyre" panose="02000503000000000000" charset="0"/>
+                        </a:rPr>
+                        <m:t>1</m:t>
+                      </m:r>
+                      <m:r>
+                        <a:rPr lang="en-US" i="1">
+                          <a:solidFill>
+                            <a:schemeClr val="tx1"/>
+                          </a:solidFill>
+                          <a:latin typeface="DejaVu Math TeX Gyre" panose="02000503000000000000" charset="0"/>
+                          <a:cs typeface="DejaVu Math TeX Gyre" panose="02000503000000000000" charset="0"/>
+                        </a:rPr>
+                        <m:t>,</m:t>
+                      </m:r>
+                      <m:r>
+                        <a:rPr lang="en-US" i="1">
+                          <a:solidFill>
+                            <a:schemeClr val="tx1"/>
+                          </a:solidFill>
+                          <a:latin typeface="DejaVu Math TeX Gyre" panose="02000503000000000000" charset="0"/>
+                          <a:cs typeface="DejaVu Math TeX Gyre" panose="02000503000000000000" charset="0"/>
+                        </a:rPr>
+                        <m:t>0</m:t>
+                      </m:r>
+                      <m:r>
+                        <a:rPr lang="en-US" i="1">
+                          <a:solidFill>
+                            <a:schemeClr val="tx1"/>
+                          </a:solidFill>
+                          <a:latin typeface="DejaVu Math TeX Gyre" panose="02000503000000000000" charset="0"/>
+                          <a:cs typeface="DejaVu Math TeX Gyre" panose="02000503000000000000" charset="0"/>
+                        </a:rPr>
+                        <m:t>.</m:t>
+                      </m:r>
+                      <m:r>
+                        <a:rPr lang="en-US" i="1">
+                          <a:solidFill>
+                            <a:schemeClr val="tx1"/>
+                          </a:solidFill>
+                          <a:latin typeface="DejaVu Math TeX Gyre" panose="02000503000000000000" charset="0"/>
+                          <a:cs typeface="DejaVu Math TeX Gyre" panose="02000503000000000000" charset="0"/>
+                        </a:rPr>
+                        <m:t>67</m:t>
+                      </m:r>
+                      <m:r>
+                        <a:rPr lang="en-US" i="1">
+                          <a:solidFill>
+                            <a:schemeClr val="tx1"/>
+                          </a:solidFill>
+                          <a:latin typeface="DejaVu Math TeX Gyre" panose="02000503000000000000" charset="0"/>
+                          <a:ea typeface="MS Mincho" charset="0"/>
+                          <a:cs typeface="DejaVu Math TeX Gyre" panose="02000503000000000000" charset="0"/>
+                        </a:rPr>
+                        <m:t>) / </m:t>
+                      </m:r>
+                      <m:r>
+                        <a:rPr lang="en-US" i="1">
+                          <a:solidFill>
+                            <a:schemeClr val="tx1"/>
+                          </a:solidFill>
+                          <a:latin typeface="DejaVu Math TeX Gyre" panose="02000503000000000000" charset="0"/>
+                          <a:ea typeface="MS Mincho" charset="0"/>
+                          <a:cs typeface="DejaVu Math TeX Gyre" panose="02000503000000000000" charset="0"/>
+                        </a:rPr>
+                        <m:t>100</m:t>
+                      </m:r>
+                    </m:oMath>
+                  </m:oMathPara>
+                </a14:m>
+                <a:endParaRPr lang="en-US" i="1">
+                  <a:solidFill>
+                    <a:schemeClr val="tx1"/>
+                  </a:solidFill>
+                  <a:latin typeface="DejaVu Math TeX Gyre" panose="02000503000000000000" charset="0"/>
+                  <a:ea typeface="MS Mincho" charset="0"/>
+                  <a:cs typeface="DejaVu Math TeX Gyre" panose="02000503000000000000" charset="0"/>
+                </a:endParaRPr>
+              </a:p>
+            </p:txBody>
+          </p:sp>
+        </mc:Choice>
+        <mc:Fallback>
+          <p:sp>
+            <p:nvSpPr>
+              <p:cNvPr id="2" name="Text Box 1"/>
+              <p:cNvSpPr txBox="1">
+                <a:spLocks noRot="1" noChangeAspect="1" noMove="1" noResize="1" noEditPoints="1" noAdjustHandles="1" noChangeArrowheads="1" noChangeShapeType="1" noTextEdit="1"/>
+              </p:cNvSpPr>
+              <p:nvPr/>
+            </p:nvSpPr>
+            <p:spPr>
+              <a:xfrm>
+                <a:off x="1065530" y="1350645"/>
+                <a:ext cx="3828415" cy="376555"/>
+              </a:xfrm>
+              <a:prstGeom prst="rect">
+                <a:avLst/>
+              </a:prstGeom>
+              <a:blipFill rotWithShape="1">
+                <a:blip r:embed="rId5"/>
+                <a:stretch>
+                  <a:fillRect/>
+                </a:stretch>
+              </a:blipFill>
+            </p:spPr>
+            <p:txBody>
+              <a:bodyPr/>
+              <a:lstStyle/>
+              <a:p>
+                <a:r>
+                  <a:rPr lang="en-US" altLang="en-US">
+                    <a:noFill/>
+                  </a:rPr>
+                  <a:t> </a:t>
+                </a:r>
+              </a:p>
+            </p:txBody>
+          </p:sp>
+        </mc:Fallback>
+      </mc:AlternateContent>
+    </p:spTree>
+  </p:cSld>
+  <p:clrMapOvr>
+    <a:masterClrMapping/>
+  </p:clrMapOvr>
+</p:sld>
+</file>
+
+<file path=ppt/slides/slide5.xml><?xml version="1.0" encoding="utf-8"?>
+<p:sld xmlns:a="http://schemas.openxmlformats.org/drawingml/2006/main" xmlns:r="http://schemas.openxmlformats.org/officeDocument/2006/relationships" xmlns:p="http://schemas.openxmlformats.org/presentationml/2006/main">
+  <p:cSld>
+    <p:spTree>
+      <p:nvGrpSpPr>
+        <p:cNvPr id="1" name=""/>
+        <p:cNvGrpSpPr/>
+        <p:nvPr/>
+      </p:nvGrpSpPr>
+      <p:grpSpPr/>
+      <mc:AlternateContent xmlns:mc="http://schemas.openxmlformats.org/markup-compatibility/2006">
+        <mc:Choice xmlns:a14="http://schemas.microsoft.com/office/drawing/2010/main" Requires="a14">
+          <p:sp>
+            <p:nvSpPr>
+              <p:cNvPr id="27" name="Text Box 26"/>
+              <p:cNvSpPr txBox="1"/>
+              <p:nvPr/>
+            </p:nvSpPr>
+            <p:spPr>
+              <a:xfrm>
+                <a:off x="2606675" y="705485"/>
+                <a:ext cx="6978650" cy="5447665"/>
+              </a:xfrm>
+              <a:prstGeom prst="rect">
+                <a:avLst/>
+              </a:prstGeom>
+              <a:noFill/>
+            </p:spPr>
+            <p:txBody>
+              <a:bodyPr wrap="square" rtlCol="0">
+                <a:spAutoFit/>
+              </a:bodyPr>
+              <a:p>
+                <a:pPr lvl="0" indent="0" algn="just">
+                  <a:lnSpc>
+                    <a:spcPct val="150000"/>
+                  </a:lnSpc>
+                  <a:buFont typeface="Arial" panose="020B0604020202020204" pitchFamily="34" charset="0"/>
+                  <a:buNone/>
+                </a:pPr>
+                <a:r>
+                  <a:rPr lang="pt-PT" altLang="en-US" sz="1600" b="1">
+                    <a:sym typeface="+mn-ea"/>
+                  </a:rPr>
+                  <a:t>ALTERNATIVA 2 com mais perturbações:</a:t>
+                </a:r>
+                <a:endParaRPr lang="pt-PT" altLang="en-US" sz="1600" b="1">
+                  <a:sym typeface="+mn-ea"/>
+                </a:endParaRPr>
+              </a:p>
+              <a:p>
+                <a:pPr marL="285750" lvl="0" indent="-285750" algn="just">
+                  <a:lnSpc>
+                    <a:spcPct val="150000"/>
+                  </a:lnSpc>
+                  <a:buFont typeface="Arial" panose="020B0604020202020204" pitchFamily="34" charset="0"/>
+                  <a:buChar char="•"/>
+                </a:pPr>
+                <a:r>
+                  <a:rPr lang="pt-PT" altLang="en-US" sz="1600"/>
+                  <a:t>FOR cada variável:</a:t>
+                </a:r>
+                <a:endParaRPr lang="pt-PT" altLang="en-US" sz="1600"/>
+              </a:p>
+              <a:p>
+                <a:pPr marL="742950" lvl="1" indent="-285750" algn="just">
+                  <a:lnSpc>
+                    <a:spcPct val="150000"/>
+                  </a:lnSpc>
+                  <a:buFont typeface="Arial" panose="020B0604020202020204" pitchFamily="34" charset="0"/>
+                  <a:buChar char="•"/>
+                </a:pPr>
+                <a:r>
+                  <a:rPr lang="pt-PT" altLang="en-US" sz="1600">
+                    <a:sym typeface="+mn-ea"/>
+                  </a:rPr>
+                  <a:t>Perturba com </a:t>
+                </a:r>
+                <a14:m>
+                  <m:oMath xmlns:m="http://schemas.openxmlformats.org/officeDocument/2006/math">
+                    <m:sSubSup>
+                      <m:sSubSupPr>
+                        <m:ctrlPr>
+                          <a:rPr lang="en-US" sz="1600" i="1">
+                            <a:latin typeface="DejaVu Math TeX Gyre" panose="02000503000000000000" charset="0"/>
+                            <a:cs typeface="DejaVu Math TeX Gyre" panose="02000503000000000000" charset="0"/>
+                          </a:rPr>
+                        </m:ctrlPr>
+                      </m:sSubSupPr>
+                      <m:e>
+                        <m:r>
+                          <a:rPr lang="en-US" sz="1600" i="1">
+                            <a:latin typeface="DejaVu Math TeX Gyre" panose="02000503000000000000" charset="0"/>
+                            <a:cs typeface="DejaVu Math TeX Gyre" panose="02000503000000000000" charset="0"/>
+                          </a:rPr>
+                          <m:t>𝑥</m:t>
+                        </m:r>
+                      </m:e>
+                      <m:sub>
+                        <m:r>
+                          <a:rPr lang="en-US" sz="1600" i="1">
+                            <a:latin typeface="DejaVu Math TeX Gyre" panose="02000503000000000000" charset="0"/>
+                            <a:cs typeface="DejaVu Math TeX Gyre" panose="02000503000000000000" charset="0"/>
+                          </a:rPr>
+                          <m:t>𝑖</m:t>
+                        </m:r>
+                      </m:sub>
+                      <m:sup>
+                        <m:r>
+                          <a:rPr lang="en-US" sz="1600" i="1">
+                            <a:latin typeface="DejaVu Math TeX Gyre" panose="02000503000000000000" charset="0"/>
+                            <a:cs typeface="DejaVu Math TeX Gyre" panose="02000503000000000000" charset="0"/>
+                          </a:rPr>
+                          <m:t>’</m:t>
+                        </m:r>
+                      </m:sup>
+                    </m:sSubSup>
+                    <m:r>
+                      <a:rPr lang="en-US" sz="1600" i="1">
+                        <a:latin typeface="DejaVu Math TeX Gyre" panose="02000503000000000000" charset="0"/>
+                        <a:cs typeface="DejaVu Math TeX Gyre" panose="02000503000000000000" charset="0"/>
+                      </a:rPr>
+                      <m:t>=</m:t>
+                    </m:r>
+                    <m:sSub>
+                      <m:sSubPr>
+                        <m:ctrlPr>
+                          <a:rPr lang="en-US" sz="1600" i="1">
+                            <a:latin typeface="DejaVu Math TeX Gyre" panose="02000503000000000000" charset="0"/>
+                            <a:cs typeface="DejaVu Math TeX Gyre" panose="02000503000000000000" charset="0"/>
+                          </a:rPr>
+                        </m:ctrlPr>
+                      </m:sSubPr>
+                      <m:e>
+                        <m:r>
+                          <a:rPr lang="en-US" sz="1600" i="1">
+                            <a:latin typeface="DejaVu Math TeX Gyre" panose="02000503000000000000" charset="0"/>
+                            <a:cs typeface="DejaVu Math TeX Gyre" panose="02000503000000000000" charset="0"/>
+                          </a:rPr>
+                          <m:t>𝑥</m:t>
+                        </m:r>
+                      </m:e>
+                      <m:sub>
+                        <m:r>
+                          <a:rPr lang="en-US" sz="1600" i="1">
+                            <a:latin typeface="DejaVu Math TeX Gyre" panose="02000503000000000000" charset="0"/>
+                            <a:cs typeface="DejaVu Math TeX Gyre" panose="02000503000000000000" charset="0"/>
+                          </a:rPr>
+                          <m:t>𝑖</m:t>
+                        </m:r>
+                      </m:sub>
+                    </m:sSub>
+                    <m:r>
+                      <a:rPr lang="en-US" sz="1600" i="1">
+                        <a:latin typeface="DejaVu Math TeX Gyre" panose="02000503000000000000" charset="0"/>
+                        <a:cs typeface="DejaVu Math TeX Gyre" panose="02000503000000000000" charset="0"/>
+                      </a:rPr>
+                      <m:t>+</m:t>
+                    </m:r>
+                    <m:r>
+                      <a:rPr lang="en-US" sz="1600" i="1">
+                        <a:latin typeface="DejaVu Math TeX Gyre" panose="02000503000000000000" charset="0"/>
+                        <a:cs typeface="DejaVu Math TeX Gyre" panose="02000503000000000000" charset="0"/>
+                      </a:rPr>
+                      <m:t>𝑁</m:t>
+                    </m:r>
+                    <m:r>
+                      <a:rPr lang="en-US" sz="1600" i="1">
+                        <a:latin typeface="DejaVu Math TeX Gyre" panose="02000503000000000000" charset="0"/>
+                        <a:cs typeface="DejaVu Math TeX Gyre" panose="02000503000000000000" charset="0"/>
+                      </a:rPr>
+                      <m:t>(</m:t>
+                    </m:r>
+                    <m:r>
+                      <a:rPr lang="en-US" sz="1600" i="1">
+                        <a:latin typeface="DejaVu Math TeX Gyre" panose="02000503000000000000" charset="0"/>
+                        <a:cs typeface="DejaVu Math TeX Gyre" panose="02000503000000000000" charset="0"/>
+                      </a:rPr>
+                      <m:t>0</m:t>
+                    </m:r>
+                    <m:r>
+                      <a:rPr lang="en-US" sz="1600" i="1">
+                        <a:latin typeface="DejaVu Math TeX Gyre" panose="02000503000000000000" charset="0"/>
+                        <a:cs typeface="DejaVu Math TeX Gyre" panose="02000503000000000000" charset="0"/>
+                      </a:rPr>
+                      <m:t>,</m:t>
+                    </m:r>
+                    <m:r>
+                      <a:rPr lang="en-US" sz="1600" i="1">
+                        <a:latin typeface="DejaVu Math TeX Gyre" panose="02000503000000000000" charset="0"/>
+                        <a:cs typeface="DejaVu Math TeX Gyre" panose="02000503000000000000" charset="0"/>
+                      </a:rPr>
+                      <m:t>𝜎</m:t>
+                    </m:r>
+                    <m:r>
+                      <a:rPr lang="en-US" sz="1600" i="1">
+                        <a:latin typeface="DejaVu Math TeX Gyre" panose="02000503000000000000" charset="0"/>
+                        <a:cs typeface="DejaVu Math TeX Gyre" panose="02000503000000000000" charset="0"/>
+                      </a:rPr>
+                      <m:t>)</m:t>
+                    </m:r>
+                  </m:oMath>
+                </a14:m>
+                <a:r>
+                  <a:rPr lang="pt-PT" altLang="en-US" sz="1600">
+                    <a:sym typeface="+mn-ea"/>
+                  </a:rPr>
+                  <a:t> </a:t>
+                </a:r>
+                <a:endParaRPr lang="pt-PT" altLang="en-US" sz="1600">
+                  <a:sym typeface="+mn-ea"/>
+                </a:endParaRPr>
+              </a:p>
+              <a:p>
+                <a:pPr marL="742950" lvl="1" indent="-285750" algn="just">
+                  <a:lnSpc>
+                    <a:spcPct val="150000"/>
+                  </a:lnSpc>
+                  <a:buFont typeface="Arial" panose="020B0604020202020204" pitchFamily="34" charset="0"/>
+                  <a:buChar char="•"/>
+                </a:pPr>
+                <a:r>
+                  <a:rPr lang="pt-PT" altLang="en-US" sz="1600">
+                    <a:sym typeface="+mn-ea"/>
+                  </a:rPr>
+                  <a:t>Calcula o valor de f(x) só com essa variável perturbada. Esse será o valor da adaptabilidade dessa variável.</a:t>
+                </a:r>
+                <a:endParaRPr lang="pt-PT" altLang="en-US" sz="1600">
+                  <a:sym typeface="+mn-ea"/>
+                </a:endParaRPr>
+              </a:p>
+              <a:p>
+                <a:pPr marL="285750" lvl="0" indent="-285750" algn="just">
+                  <a:lnSpc>
+                    <a:spcPct val="150000"/>
+                  </a:lnSpc>
+                  <a:buFont typeface="Arial" panose="020B0604020202020204" pitchFamily="34" charset="0"/>
+                  <a:buChar char="•"/>
+                </a:pPr>
+                <a:r>
+                  <a:rPr lang="pt-PT" altLang="en-US" sz="1600">
+                    <a:sym typeface="+mn-ea"/>
+                  </a:rPr>
+                  <a:t>ENDFOR</a:t>
+                </a:r>
+                <a:endParaRPr lang="pt-PT" altLang="en-US" sz="1600">
+                  <a:sym typeface="+mn-ea"/>
+                </a:endParaRPr>
+              </a:p>
+              <a:p>
+                <a:pPr marL="285750" lvl="0" indent="-285750" algn="just">
+                  <a:lnSpc>
+                    <a:spcPct val="150000"/>
+                  </a:lnSpc>
+                  <a:buFont typeface="Arial" panose="020B0604020202020204" pitchFamily="34" charset="0"/>
+                  <a:buChar char="•"/>
+                </a:pPr>
+                <a:r>
+                  <a:rPr lang="pt-PT" altLang="en-US" sz="1600">
+                    <a:solidFill>
+                      <a:schemeClr val="accent5"/>
+                    </a:solidFill>
+                    <a:sym typeface="+mn-ea"/>
+                  </a:rPr>
+                  <a:t>Perturba o sigma com </a:t>
+                </a:r>
+                <a14:m>
+                  <m:oMath xmlns:m="http://schemas.openxmlformats.org/officeDocument/2006/math">
+                    <m:sSup>
+                      <m:sSupPr>
+                        <m:ctrlPr>
+                          <a:rPr lang="en-US" sz="1600" i="1">
+                            <a:solidFill>
+                              <a:schemeClr val="accent5"/>
+                            </a:solidFill>
+                            <a:latin typeface="DejaVu Math TeX Gyre" panose="02000503000000000000" charset="0"/>
+                            <a:cs typeface="DejaVu Math TeX Gyre" panose="02000503000000000000" charset="0"/>
+                          </a:rPr>
+                        </m:ctrlPr>
+                      </m:sSupPr>
+                      <m:e>
+                        <m:r>
+                          <a:rPr lang="en-US" sz="1600" i="1">
+                            <a:solidFill>
+                              <a:schemeClr val="accent5"/>
+                            </a:solidFill>
+                            <a:latin typeface="DejaVu Math TeX Gyre" panose="02000503000000000000" charset="0"/>
+                            <a:cs typeface="DejaVu Math TeX Gyre" panose="02000503000000000000" charset="0"/>
+                          </a:rPr>
+                          <m:t>𝜎</m:t>
+                        </m:r>
+                      </m:e>
+                      <m:sup>
+                        <m:r>
+                          <a:rPr lang="en-US" sz="1600" i="1">
+                            <a:solidFill>
+                              <a:schemeClr val="accent5"/>
+                            </a:solidFill>
+                            <a:latin typeface="DejaVu Math TeX Gyre" panose="02000503000000000000" charset="0"/>
+                            <a:cs typeface="DejaVu Math TeX Gyre" panose="02000503000000000000" charset="0"/>
+                          </a:rPr>
+                          <m:t>’</m:t>
+                        </m:r>
+                      </m:sup>
+                    </m:sSup>
+                    <m:r>
+                      <a:rPr lang="en-US" sz="1600" i="1">
+                        <a:solidFill>
+                          <a:schemeClr val="accent5"/>
+                        </a:solidFill>
+                        <a:latin typeface="DejaVu Math TeX Gyre" panose="02000503000000000000" charset="0"/>
+                        <a:cs typeface="DejaVu Math TeX Gyre" panose="02000503000000000000" charset="0"/>
+                      </a:rPr>
+                      <m:t>=</m:t>
+                    </m:r>
+                    <m:r>
+                      <a:rPr lang="en-US" sz="1600" i="1">
+                        <a:solidFill>
+                          <a:schemeClr val="accent5"/>
+                        </a:solidFill>
+                        <a:latin typeface="DejaVu Math TeX Gyre" panose="02000503000000000000" charset="0"/>
+                        <a:cs typeface="DejaVu Math TeX Gyre" panose="02000503000000000000" charset="0"/>
+                      </a:rPr>
+                      <m:t>𝜎</m:t>
+                    </m:r>
+                    <m:r>
+                      <a:rPr lang="en-US" sz="1600" i="1">
+                        <a:solidFill>
+                          <a:schemeClr val="accent5"/>
+                        </a:solidFill>
+                        <a:latin typeface="DejaVu Math TeX Gyre" panose="02000503000000000000" charset="0"/>
+                        <a:cs typeface="DejaVu Math TeX Gyre" panose="02000503000000000000" charset="0"/>
+                      </a:rPr>
+                      <m:t>∙</m:t>
+                    </m:r>
+                    <m:r>
+                      <a:rPr lang="en-US" sz="1600" i="1">
+                        <a:solidFill>
+                          <a:schemeClr val="accent5"/>
+                        </a:solidFill>
+                        <a:latin typeface="DejaVu Math TeX Gyre" panose="02000503000000000000" charset="0"/>
+                        <a:cs typeface="DejaVu Math TeX Gyre" panose="02000503000000000000" charset="0"/>
+                      </a:rPr>
+                      <m:t>𝐿𝑜𝑔𝑁𝑜𝑟𝑚𝑎𝑙</m:t>
+                    </m:r>
+                    <m:r>
+                      <a:rPr lang="en-US" sz="1600" i="1">
+                        <a:solidFill>
+                          <a:schemeClr val="accent5"/>
+                        </a:solidFill>
+                        <a:latin typeface="DejaVu Math TeX Gyre" panose="02000503000000000000" charset="0"/>
+                        <a:cs typeface="DejaVu Math TeX Gyre" panose="02000503000000000000" charset="0"/>
+                      </a:rPr>
+                      <m:t>(</m:t>
+                    </m:r>
+                    <m:r>
+                      <a:rPr lang="en-US" sz="1600" i="1">
+                        <a:solidFill>
+                          <a:schemeClr val="accent5"/>
+                        </a:solidFill>
+                        <a:latin typeface="DejaVu Math TeX Gyre" panose="02000503000000000000" charset="0"/>
+                        <a:cs typeface="DejaVu Math TeX Gyre" panose="02000503000000000000" charset="0"/>
+                      </a:rPr>
+                      <m:t>0</m:t>
+                    </m:r>
+                    <m:r>
+                      <a:rPr lang="en-US" sz="1600" i="1">
+                        <a:solidFill>
+                          <a:schemeClr val="accent5"/>
+                        </a:solidFill>
+                        <a:latin typeface="DejaVu Math TeX Gyre" panose="02000503000000000000" charset="0"/>
+                        <a:cs typeface="DejaVu Math TeX Gyre" panose="02000503000000000000" charset="0"/>
+                      </a:rPr>
+                      <m:t>,</m:t>
+                    </m:r>
+                    <m:r>
+                      <a:rPr lang="en-US" sz="1600" i="1">
+                        <a:solidFill>
+                          <a:schemeClr val="accent5"/>
+                        </a:solidFill>
+                        <a:latin typeface="DejaVu Math TeX Gyre" panose="02000503000000000000" charset="0"/>
+                        <a:cs typeface="DejaVu Math TeX Gyre" panose="02000503000000000000" charset="0"/>
+                      </a:rPr>
+                      <m:t>𝛼</m:t>
+                    </m:r>
+                    <m:r>
+                      <a:rPr lang="en-US" sz="1600" i="1">
+                        <a:solidFill>
+                          <a:schemeClr val="accent5"/>
+                        </a:solidFill>
+                        <a:latin typeface="DejaVu Math TeX Gyre" panose="02000503000000000000" charset="0"/>
+                        <a:ea typeface="MS Mincho" charset="0"/>
+                        <a:cs typeface="DejaVu Math TeX Gyre" panose="02000503000000000000" charset="0"/>
+                      </a:rPr>
+                      <m:t>)</m:t>
+                    </m:r>
+                  </m:oMath>
+                </a14:m>
+                <a:r>
+                  <a:rPr lang="pt-PT" altLang="en-US" sz="1600">
+                    <a:solidFill>
+                      <a:schemeClr val="accent5"/>
+                    </a:solidFill>
+                    <a:latin typeface="DejaVu Math TeX Gyre" panose="02000503000000000000" charset="0"/>
+                    <a:ea typeface="MS Mincho" charset="0"/>
+                    <a:cs typeface="DejaVu Math TeX Gyre" panose="02000503000000000000" charset="0"/>
+                  </a:rPr>
+                  <a:t>, </a:t>
+                </a:r>
+                <a:r>
+                  <a:rPr lang="pt-PT" altLang="en-US" sz="1600">
+                    <a:solidFill>
+                      <a:schemeClr val="accent5"/>
+                    </a:solidFill>
+                    <a:sym typeface="+mn-ea"/>
+                  </a:rPr>
+                  <a:t>onde </a:t>
+                </a:r>
+                <a14:m>
+                  <m:oMath xmlns:m="http://schemas.openxmlformats.org/officeDocument/2006/math">
+                    <m:r>
+                      <a:rPr lang="en-US" altLang="pt-PT" sz="1600" i="1">
+                        <a:solidFill>
+                          <a:schemeClr val="accent5"/>
+                        </a:solidFill>
+                        <a:latin typeface="DejaVu Math TeX Gyre" panose="02000503000000000000" charset="0"/>
+                        <a:cs typeface="DejaVu Math TeX Gyre" panose="02000503000000000000" charset="0"/>
+                        <a:sym typeface="+mn-ea"/>
+                      </a:rPr>
+                      <m:t>𝛼</m:t>
+                    </m:r>
+                    <m:r>
+                      <a:rPr lang="en-US" altLang="pt-PT" sz="1600" i="1">
+                        <a:solidFill>
+                          <a:schemeClr val="accent5"/>
+                        </a:solidFill>
+                        <a:latin typeface="DejaVu Math TeX Gyre" panose="02000503000000000000" charset="0"/>
+                        <a:cs typeface="DejaVu Math TeX Gyre" panose="02000503000000000000" charset="0"/>
+                        <a:sym typeface="+mn-ea"/>
+                      </a:rPr>
+                      <m:t>=</m:t>
+                    </m:r>
+                    <m:f>
+                      <m:fPr>
+                        <m:type m:val="lin"/>
+                        <m:ctrlPr>
+                          <a:rPr lang="en-US" altLang="pt-PT" sz="1600" i="1">
+                            <a:solidFill>
+                              <a:schemeClr val="accent5"/>
+                            </a:solidFill>
+                            <a:latin typeface="DejaVu Math TeX Gyre" panose="02000503000000000000" charset="0"/>
+                            <a:cs typeface="DejaVu Math TeX Gyre" panose="02000503000000000000" charset="0"/>
+                            <a:sym typeface="+mn-ea"/>
+                          </a:rPr>
+                        </m:ctrlPr>
+                      </m:fPr>
+                      <m:num>
+                        <m:r>
+                          <a:rPr lang="en-US" altLang="pt-PT" sz="1600" i="1">
+                            <a:solidFill>
+                              <a:schemeClr val="accent5"/>
+                            </a:solidFill>
+                            <a:latin typeface="DejaVu Math TeX Gyre" panose="02000503000000000000" charset="0"/>
+                            <a:cs typeface="DejaVu Math TeX Gyre" panose="02000503000000000000" charset="0"/>
+                            <a:sym typeface="+mn-ea"/>
+                          </a:rPr>
+                          <m:t>1</m:t>
+                        </m:r>
+                      </m:num>
+                      <m:den>
+                        <m:rad>
+                          <m:radPr>
+                            <m:ctrlPr>
+                              <a:rPr lang="en-US" altLang="pt-PT" sz="1600" i="1">
+                                <a:solidFill>
+                                  <a:schemeClr val="accent5"/>
+                                </a:solidFill>
+                                <a:latin typeface="DejaVu Math TeX Gyre" panose="02000503000000000000" charset="0"/>
+                                <a:cs typeface="DejaVu Math TeX Gyre" panose="02000503000000000000" charset="0"/>
+                                <a:sym typeface="+mn-ea"/>
+                              </a:rPr>
+                            </m:ctrlPr>
+                          </m:radPr>
+                          <m:deg>
+                            <m:r>
+                              <a:rPr lang="en-US" altLang="pt-PT" sz="1600" i="1">
+                                <a:solidFill>
+                                  <a:schemeClr val="accent5"/>
+                                </a:solidFill>
+                                <a:latin typeface="DejaVu Math TeX Gyre" panose="02000503000000000000" charset="0"/>
+                                <a:cs typeface="DejaVu Math TeX Gyre" panose="02000503000000000000" charset="0"/>
+                                <a:sym typeface="+mn-ea"/>
+                              </a:rPr>
+                              <m:t>2</m:t>
+                            </m:r>
+                          </m:deg>
+                          <m:e>
+                            <m:r>
+                              <a:rPr lang="en-US" altLang="pt-PT" sz="1600" i="1">
+                                <a:solidFill>
+                                  <a:schemeClr val="accent5"/>
+                                </a:solidFill>
+                                <a:latin typeface="DejaVu Math TeX Gyre" panose="02000503000000000000" charset="0"/>
+                                <a:cs typeface="DejaVu Math TeX Gyre" panose="02000503000000000000" charset="0"/>
+                                <a:sym typeface="+mn-ea"/>
+                              </a:rPr>
+                              <m:t>𝑁</m:t>
+                            </m:r>
+                          </m:e>
+                        </m:rad>
+                      </m:den>
+                    </m:f>
+                  </m:oMath>
+                </a14:m>
+                <a:endParaRPr lang="en-US" sz="1600" i="1">
+                  <a:solidFill>
+                    <a:schemeClr val="accent5"/>
+                  </a:solidFill>
+                  <a:latin typeface="DejaVu Math TeX Gyre" panose="02000503000000000000" charset="0"/>
+                  <a:cs typeface="DejaVu Math TeX Gyre" panose="02000503000000000000" charset="0"/>
+                </a:endParaRPr>
+              </a:p>
+              <a:p>
+                <a:pPr marL="285750" lvl="0" indent="-285750" algn="just">
+                  <a:lnSpc>
+                    <a:spcPct val="150000"/>
+                  </a:lnSpc>
+                  <a:buFont typeface="Arial" panose="020B0604020202020204" pitchFamily="34" charset="0"/>
+                  <a:buChar char="•"/>
+                </a:pPr>
+                <a:r>
+                  <a:rPr lang="pt-PT" altLang="en-US" sz="1600">
+                    <a:solidFill>
+                      <a:schemeClr val="accent5"/>
+                    </a:solidFill>
+                    <a:sym typeface="+mn-ea"/>
+                  </a:rPr>
+                  <a:t> </a:t>
+                </a:r>
+                <a:r>
+                  <a:rPr lang="pt-PT" altLang="en-US" sz="1600">
+                    <a:solidFill>
+                      <a:srgbClr val="FF0000"/>
+                    </a:solidFill>
+                    <a:sym typeface="+mn-ea"/>
+                  </a:rPr>
+                  <a:t>Perturba cada variável por vez com o </a:t>
+                </a:r>
+                <a14:m>
+                  <m:oMath xmlns:m="http://schemas.openxmlformats.org/officeDocument/2006/math">
+                    <m:sSup>
+                      <m:sSupPr>
+                        <m:ctrlPr>
+                          <a:rPr lang="en-US" sz="1600" i="1">
+                            <a:solidFill>
+                              <a:srgbClr val="FF0000"/>
+                            </a:solidFill>
+                            <a:latin typeface="DejaVu Math TeX Gyre" panose="02000503000000000000" charset="0"/>
+                            <a:cs typeface="DejaVu Math TeX Gyre" panose="02000503000000000000" charset="0"/>
+                          </a:rPr>
+                        </m:ctrlPr>
+                      </m:sSupPr>
+                      <m:e>
+                        <m:r>
+                          <a:rPr lang="en-US" sz="1600" i="1">
+                            <a:solidFill>
+                              <a:srgbClr val="FF0000"/>
+                            </a:solidFill>
+                            <a:latin typeface="DejaVu Math TeX Gyre" panose="02000503000000000000" charset="0"/>
+                            <a:cs typeface="DejaVu Math TeX Gyre" panose="02000503000000000000" charset="0"/>
+                          </a:rPr>
+                          <m:t>𝜎</m:t>
+                        </m:r>
+                      </m:e>
+                      <m:sup>
+                        <m:r>
+                          <a:rPr lang="en-US" sz="1600" i="1">
+                            <a:solidFill>
+                              <a:srgbClr val="FF0000"/>
+                            </a:solidFill>
+                            <a:latin typeface="DejaVu Math TeX Gyre" panose="02000503000000000000" charset="0"/>
+                            <a:cs typeface="DejaVu Math TeX Gyre" panose="02000503000000000000" charset="0"/>
+                          </a:rPr>
+                          <m:t>’</m:t>
+                        </m:r>
+                      </m:sup>
+                    </m:sSup>
+                  </m:oMath>
+                </a14:m>
+                <a:r>
+                  <a:rPr lang="pt-PT" altLang="en-US" sz="1600">
+                    <a:solidFill>
+                      <a:srgbClr val="FF0000"/>
+                    </a:solidFill>
+                    <a:sym typeface="+mn-ea"/>
+                  </a:rPr>
+                  <a:t> e calcula a adaptabilidade delas de novo. Então cada variável terá 2 adaptabailidades, uma com </a:t>
+                </a:r>
+                <a14:m>
+                  <m:oMath xmlns:m="http://schemas.openxmlformats.org/officeDocument/2006/math">
+                    <m:r>
+                      <a:rPr lang="en-US" sz="1600" i="1">
+                        <a:solidFill>
+                          <a:srgbClr val="FF0000"/>
+                        </a:solidFill>
+                        <a:latin typeface="DejaVu Math TeX Gyre" panose="02000503000000000000" charset="0"/>
+                        <a:cs typeface="DejaVu Math TeX Gyre" panose="02000503000000000000" charset="0"/>
+                      </a:rPr>
+                      <m:t>𝜎</m:t>
+                    </m:r>
+                  </m:oMath>
+                </a14:m>
+                <a:r>
+                  <a:rPr lang="pt-PT" altLang="en-US" sz="1600">
+                    <a:solidFill>
+                      <a:srgbClr val="FF0000"/>
+                    </a:solidFill>
+                    <a:sym typeface="+mn-ea"/>
+                  </a:rPr>
+                  <a:t> e outra com </a:t>
+                </a:r>
+                <a14:m>
+                  <m:oMath xmlns:m="http://schemas.openxmlformats.org/officeDocument/2006/math">
+                    <m:sSup>
+                      <m:sSupPr>
+                        <m:ctrlPr>
+                          <a:rPr lang="en-US" sz="1600" i="1">
+                            <a:solidFill>
+                              <a:srgbClr val="FF0000"/>
+                            </a:solidFill>
+                            <a:latin typeface="DejaVu Math TeX Gyre" panose="02000503000000000000" charset="0"/>
+                            <a:cs typeface="DejaVu Math TeX Gyre" panose="02000503000000000000" charset="0"/>
+                          </a:rPr>
+                        </m:ctrlPr>
+                      </m:sSupPr>
+                      <m:e>
+                        <m:r>
+                          <a:rPr lang="en-US" sz="1600" i="1">
+                            <a:solidFill>
+                              <a:srgbClr val="FF0000"/>
+                            </a:solidFill>
+                            <a:latin typeface="DejaVu Math TeX Gyre" panose="02000503000000000000" charset="0"/>
+                            <a:cs typeface="DejaVu Math TeX Gyre" panose="02000503000000000000" charset="0"/>
+                          </a:rPr>
+                          <m:t>𝜎</m:t>
+                        </m:r>
+                      </m:e>
+                      <m:sup>
+                        <m:r>
+                          <a:rPr lang="en-US" sz="1600" i="1">
+                            <a:solidFill>
+                              <a:srgbClr val="FF0000"/>
+                            </a:solidFill>
+                            <a:latin typeface="DejaVu Math TeX Gyre" panose="02000503000000000000" charset="0"/>
+                            <a:cs typeface="DejaVu Math TeX Gyre" panose="02000503000000000000" charset="0"/>
+                          </a:rPr>
+                          <m:t>’</m:t>
+                        </m:r>
+                      </m:sup>
+                    </m:sSup>
+                  </m:oMath>
+                </a14:m>
+                <a:r>
+                  <a:rPr lang="pt-PT" altLang="en-US" sz="1600">
+                    <a:solidFill>
+                      <a:srgbClr val="FF0000"/>
+                    </a:solidFill>
+                    <a:sym typeface="+mn-ea"/>
+                  </a:rPr>
+                  <a:t>. </a:t>
+                </a:r>
+                <a:endParaRPr lang="pt-PT" altLang="en-US" sz="1600">
+                  <a:solidFill>
+                    <a:srgbClr val="FF0000"/>
+                  </a:solidFill>
+                  <a:sym typeface="+mn-ea"/>
+                </a:endParaRPr>
+              </a:p>
+              <a:p>
+                <a:pPr marL="285750" lvl="0" indent="-285750" algn="just">
+                  <a:lnSpc>
+                    <a:spcPct val="150000"/>
+                  </a:lnSpc>
+                  <a:buFont typeface="Arial" panose="020B0604020202020204" pitchFamily="34" charset="0"/>
+                  <a:buChar char="•"/>
+                </a:pPr>
+                <a:r>
+                  <a:rPr lang="pt-PT" altLang="en-US" sz="1600">
+                    <a:solidFill>
+                      <a:srgbClr val="FF0000"/>
+                    </a:solidFill>
+                    <a:sym typeface="+mn-ea"/>
+                  </a:rPr>
+                  <a:t>Foram geradas 2N+1 perturbações</a:t>
+                </a:r>
+                <a:endParaRPr lang="pt-PT" altLang="en-US" sz="1600">
+                  <a:solidFill>
+                    <a:srgbClr val="FF0000"/>
+                  </a:solidFill>
+                  <a:sym typeface="+mn-ea"/>
+                </a:endParaRPr>
+              </a:p>
+              <a:p>
+                <a:pPr marL="285750" lvl="0" indent="-285750" algn="just">
+                  <a:lnSpc>
+                    <a:spcPct val="150000"/>
+                  </a:lnSpc>
+                  <a:buFont typeface="Arial" panose="020B0604020202020204" pitchFamily="34" charset="0"/>
+                  <a:buChar char="•"/>
+                </a:pPr>
+                <a:r>
+                  <a:rPr lang="pt-PT" altLang="en-US" sz="1600">
+                    <a:solidFill>
+                      <a:srgbClr val="FF0000"/>
+                    </a:solidFill>
+                    <a:sym typeface="+mn-ea"/>
+                  </a:rPr>
+                  <a:t>Na hora de ordenar pelo f(x) e escolher uma perturbação, se a perturbação que utilizou o </a:t>
+                </a:r>
+                <a14:m>
+                  <m:oMath xmlns:m="http://schemas.openxmlformats.org/officeDocument/2006/math">
+                    <m:sSup>
+                      <m:sSupPr>
+                        <m:ctrlPr>
+                          <a:rPr lang="en-US" sz="1600" i="1">
+                            <a:solidFill>
+                              <a:srgbClr val="FF0000"/>
+                            </a:solidFill>
+                            <a:latin typeface="DejaVu Math TeX Gyre" panose="02000503000000000000" charset="0"/>
+                            <a:cs typeface="DejaVu Math TeX Gyre" panose="02000503000000000000" charset="0"/>
+                          </a:rPr>
+                        </m:ctrlPr>
+                      </m:sSupPr>
+                      <m:e>
+                        <m:r>
+                          <a:rPr lang="en-US" sz="1600" i="1">
+                            <a:solidFill>
+                              <a:srgbClr val="FF0000"/>
+                            </a:solidFill>
+                            <a:latin typeface="DejaVu Math TeX Gyre" panose="02000503000000000000" charset="0"/>
+                            <a:cs typeface="DejaVu Math TeX Gyre" panose="02000503000000000000" charset="0"/>
+                          </a:rPr>
+                          <m:t>𝜎</m:t>
+                        </m:r>
+                      </m:e>
+                      <m:sup>
+                        <m:r>
+                          <a:rPr lang="en-US" sz="1600" i="1">
+                            <a:solidFill>
+                              <a:srgbClr val="FF0000"/>
+                            </a:solidFill>
+                            <a:latin typeface="DejaVu Math TeX Gyre" panose="02000503000000000000" charset="0"/>
+                            <a:cs typeface="DejaVu Math TeX Gyre" panose="02000503000000000000" charset="0"/>
+                          </a:rPr>
+                          <m:t>’</m:t>
+                        </m:r>
+                      </m:sup>
+                    </m:sSup>
+                  </m:oMath>
+                </a14:m>
+                <a:r>
+                  <a:rPr lang="pt-PT" altLang="en-US" sz="1600">
+                    <a:solidFill>
+                      <a:srgbClr val="FF0000"/>
+                    </a:solidFill>
+                    <a:sym typeface="+mn-ea"/>
+                  </a:rPr>
+                  <a:t> for a escolhida, confirma o </a:t>
+                </a:r>
+                <a14:m>
+                  <m:oMath xmlns:m="http://schemas.openxmlformats.org/officeDocument/2006/math">
+                    <m:sSup>
+                      <m:sSupPr>
+                        <m:ctrlPr>
+                          <a:rPr lang="en-US" sz="1600" i="1">
+                            <a:solidFill>
+                              <a:srgbClr val="FF0000"/>
+                            </a:solidFill>
+                            <a:latin typeface="DejaVu Math TeX Gyre" panose="02000503000000000000" charset="0"/>
+                            <a:cs typeface="DejaVu Math TeX Gyre" panose="02000503000000000000" charset="0"/>
+                          </a:rPr>
+                        </m:ctrlPr>
+                      </m:sSupPr>
+                      <m:e>
+                        <m:r>
+                          <a:rPr lang="en-US" sz="1600" i="1">
+                            <a:solidFill>
+                              <a:srgbClr val="FF0000"/>
+                            </a:solidFill>
+                            <a:latin typeface="DejaVu Math TeX Gyre" panose="02000503000000000000" charset="0"/>
+                            <a:cs typeface="DejaVu Math TeX Gyre" panose="02000503000000000000" charset="0"/>
+                          </a:rPr>
+                          <m:t>𝜎</m:t>
+                        </m:r>
+                      </m:e>
+                      <m:sup>
+                        <m:r>
+                          <a:rPr lang="en-US" sz="1600" i="1">
+                            <a:solidFill>
+                              <a:srgbClr val="FF0000"/>
+                            </a:solidFill>
+                            <a:latin typeface="DejaVu Math TeX Gyre" panose="02000503000000000000" charset="0"/>
+                            <a:cs typeface="DejaVu Math TeX Gyre" panose="02000503000000000000" charset="0"/>
+                          </a:rPr>
+                          <m:t>’</m:t>
+                        </m:r>
+                      </m:sup>
+                    </m:sSup>
+                  </m:oMath>
+                </a14:m>
+                <a:r>
+                  <a:rPr lang="pt-PT" altLang="en-US" sz="1600">
+                    <a:solidFill>
+                      <a:srgbClr val="FF0000"/>
+                    </a:solidFill>
+                    <a:sym typeface="+mn-ea"/>
+                  </a:rPr>
+                  <a:t> junto para ser alterado.</a:t>
+                </a:r>
+                <a:endParaRPr lang="pt-PT" altLang="en-US" sz="1600">
+                  <a:solidFill>
+                    <a:srgbClr val="FF0000"/>
+                  </a:solidFill>
+                  <a:sym typeface="+mn-ea"/>
+                </a:endParaRPr>
+              </a:p>
+            </p:txBody>
+          </p:sp>
+        </mc:Choice>
+        <mc:Fallback>
+          <p:sp>
+            <p:nvSpPr>
+              <p:cNvPr id="27" name="Text Box 26"/>
+              <p:cNvSpPr txBox="1">
+                <a:spLocks noRot="1" noChangeAspect="1" noMove="1" noResize="1" noEditPoints="1" noAdjustHandles="1" noChangeArrowheads="1" noChangeShapeType="1" noTextEdit="1"/>
+              </p:cNvSpPr>
+              <p:nvPr/>
+            </p:nvSpPr>
+            <p:spPr>
+              <a:xfrm>
+                <a:off x="2606675" y="705485"/>
+                <a:ext cx="6978650" cy="5447665"/>
+              </a:xfrm>
+              <a:prstGeom prst="rect">
+                <a:avLst/>
+              </a:prstGeom>
+              <a:blipFill rotWithShape="1">
+                <a:blip r:embed="rId1"/>
+                <a:stretch>
+                  <a:fillRect/>
+                </a:stretch>
+              </a:blipFill>
+            </p:spPr>
+            <p:txBody>
+              <a:bodyPr/>
+              <a:lstStyle/>
+              <a:p>
+                <a:r>
+                  <a:rPr lang="en-US" altLang="en-US">
+                    <a:noFill/>
+                  </a:rPr>
+                  <a:t> </a:t>
+                </a:r>
+              </a:p>
+            </p:txBody>
+          </p:sp>
+        </mc:Fallback>
+      </mc:AlternateContent>
+      <p:sp>
+        <p:nvSpPr>
+          <p:cNvPr id="2" name="Text Box 1"/>
+          <p:cNvSpPr txBox="1"/>
+          <p:nvPr/>
+        </p:nvSpPr>
+        <p:spPr>
+          <a:xfrm>
+            <a:off x="485775" y="27940"/>
+            <a:ext cx="11220450" cy="414020"/>
+          </a:xfrm>
+          <a:prstGeom prst="rect">
+            <a:avLst/>
+          </a:prstGeom>
+          <a:noFill/>
+        </p:spPr>
+        <p:txBody>
+          <a:bodyPr wrap="square" rtlCol="0">
+            <a:spAutoFit/>
+          </a:bodyPr>
+          <a:p>
+            <a:pPr lvl="0" indent="0" algn="ctr">
+              <a:lnSpc>
+                <a:spcPct val="150000"/>
+              </a:lnSpc>
+              <a:buFont typeface="Arial" panose="020B0604020202020204" pitchFamily="34" charset="0"/>
+              <a:buNone/>
+            </a:pPr>
+            <a:r>
+              <a:rPr lang="pt-PT" sz="1400" b="1">
+                <a:solidFill>
+                  <a:schemeClr val="accent2"/>
+                </a:solidFill>
+              </a:rPr>
+              <a:t>ALTERNATIVA 2</a:t>
+            </a:r>
+            <a:endParaRPr lang="pt-PT" sz="1400" b="1">
+              <a:solidFill>
+                <a:schemeClr val="accent2"/>
+              </a:solidFill>
+            </a:endParaRPr>
+          </a:p>
+        </p:txBody>
+      </p:sp>
+    </p:spTree>
+  </p:cSld>
+  <p:clrMapOvr>
+    <a:masterClrMapping/>
+  </p:clrMapOvr>
+</p:sld>
+</file>
+
 <file path=ppt/theme/theme1.xml><?xml version="1.0" encoding="utf-8"?>
 <a:theme xmlns:a="http://schemas.openxmlformats.org/drawingml/2006/main" name="Office Theme">
   <a:themeElements>

--- a/abordagems_autoadaptativas.pptx
+++ b/abordagems_autoadaptativas.pptx
@@ -5,17 +5,21 @@
     <p:sldMasterId id="2147483648" r:id="rId1"/>
   </p:sldMasterIdLst>
   <p:notesMasterIdLst>
-    <p:notesMasterId r:id="rId8"/>
+    <p:notesMasterId r:id="rId12"/>
   </p:notesMasterIdLst>
   <p:handoutMasterIdLst>
-    <p:handoutMasterId r:id="rId9"/>
+    <p:handoutMasterId r:id="rId13"/>
   </p:handoutMasterIdLst>
   <p:sldIdLst>
-    <p:sldId id="257" r:id="rId3"/>
-    <p:sldId id="259" r:id="rId4"/>
-    <p:sldId id="260" r:id="rId5"/>
-    <p:sldId id="261" r:id="rId6"/>
-    <p:sldId id="258" r:id="rId7"/>
+    <p:sldId id="261" r:id="rId3"/>
+    <p:sldId id="266" r:id="rId4"/>
+    <p:sldId id="267" r:id="rId5"/>
+    <p:sldId id="260" r:id="rId6"/>
+    <p:sldId id="270" r:id="rId7"/>
+    <p:sldId id="272" r:id="rId8"/>
+    <p:sldId id="269" r:id="rId9"/>
+    <p:sldId id="275" r:id="rId10"/>
+    <p:sldId id="264" r:id="rId11"/>
   </p:sldIdLst>
   <p:sldSz cx="12192000" cy="6858000"/>
   <p:notesSz cx="7103745" cy="10234295"/>
@@ -3533,3360 +3537,6 @@
         <p:nvPr/>
       </p:nvGrpSpPr>
       <p:grpSpPr/>
-      <mc:AlternateContent xmlns:mc="http://schemas.openxmlformats.org/markup-compatibility/2006">
-        <mc:Choice xmlns:a14="http://schemas.microsoft.com/office/drawing/2010/main" Requires="a14">
-          <p:sp>
-            <p:nvSpPr>
-              <p:cNvPr id="7" name="Text Box 6"/>
-              <p:cNvSpPr txBox="1"/>
-              <p:nvPr/>
-            </p:nvSpPr>
-            <p:spPr>
-              <a:xfrm>
-                <a:off x="504190" y="924560"/>
-                <a:ext cx="4783455" cy="3678555"/>
-              </a:xfrm>
-              <a:prstGeom prst="rect">
-                <a:avLst/>
-              </a:prstGeom>
-              <a:noFill/>
-            </p:spPr>
-            <p:txBody>
-              <a:bodyPr wrap="square" rtlCol="0">
-                <a:spAutoFit/>
-              </a:bodyPr>
-              <a:p>
-                <a:pPr lvl="0" indent="0" algn="just">
-                  <a:lnSpc>
-                    <a:spcPct val="150000"/>
-                  </a:lnSpc>
-                  <a:buFont typeface="Arial" panose="020B0604020202020204" pitchFamily="34" charset="0"/>
-                  <a:buNone/>
-                </a:pPr>
-                <a:r>
-                  <a:rPr lang="pt-PT" altLang="en-US" sz="1400" b="1">
-                    <a:sym typeface="+mn-ea"/>
-                  </a:rPr>
-                  <a:t>COMO ERA:</a:t>
-                </a:r>
-                <a:endParaRPr lang="pt-PT" altLang="en-US" sz="1400" b="1"/>
-              </a:p>
-              <a:p>
-                <a:pPr marL="285750" lvl="0" indent="-285750" algn="just">
-                  <a:lnSpc>
-                    <a:spcPct val="150000"/>
-                  </a:lnSpc>
-                  <a:buFont typeface="Arial" panose="020B0604020202020204" pitchFamily="34" charset="0"/>
-                  <a:buChar char="•"/>
-                </a:pPr>
-                <a:r>
-                  <a:rPr lang="pt-PT" altLang="en-US" sz="1400">
-                    <a:sym typeface="+mn-ea"/>
-                  </a:rPr>
-                  <a:t>FOR cada variável:</a:t>
-                </a:r>
-                <a:endParaRPr lang="pt-PT" altLang="en-US" sz="1400"/>
-              </a:p>
-              <a:p>
-                <a:pPr marL="742950" lvl="1" indent="-285750" algn="just">
-                  <a:lnSpc>
-                    <a:spcPct val="150000"/>
-                  </a:lnSpc>
-                  <a:buFont typeface="Arial" panose="020B0604020202020204" pitchFamily="34" charset="0"/>
-                  <a:buChar char="•"/>
-                </a:pPr>
-                <a:r>
-                  <a:rPr lang="pt-PT" altLang="en-US" sz="1400">
-                    <a:sym typeface="+mn-ea"/>
-                  </a:rPr>
-                  <a:t>Perturba com </a:t>
-                </a:r>
-                <a14:m>
-                  <m:oMath xmlns:m="http://schemas.openxmlformats.org/officeDocument/2006/math">
-                    <m:sSubSup>
-                      <m:sSubSupPr>
-                        <m:ctrlPr>
-                          <a:rPr lang="en-US" sz="1400" i="1">
-                            <a:latin typeface="DejaVu Math TeX Gyre" panose="02000503000000000000" charset="0"/>
-                            <a:cs typeface="DejaVu Math TeX Gyre" panose="02000503000000000000" charset="0"/>
-                          </a:rPr>
-                        </m:ctrlPr>
-                      </m:sSubSupPr>
-                      <m:e>
-                        <m:r>
-                          <a:rPr lang="en-US" sz="1400" i="1">
-                            <a:latin typeface="DejaVu Math TeX Gyre" panose="02000503000000000000" charset="0"/>
-                            <a:cs typeface="DejaVu Math TeX Gyre" panose="02000503000000000000" charset="0"/>
-                          </a:rPr>
-                          <m:t>𝑥</m:t>
-                        </m:r>
-                      </m:e>
-                      <m:sub>
-                        <m:r>
-                          <a:rPr lang="en-US" sz="1400" i="1">
-                            <a:latin typeface="DejaVu Math TeX Gyre" panose="02000503000000000000" charset="0"/>
-                            <a:cs typeface="DejaVu Math TeX Gyre" panose="02000503000000000000" charset="0"/>
-                          </a:rPr>
-                          <m:t>𝑖</m:t>
-                        </m:r>
-                      </m:sub>
-                      <m:sup>
-                        <m:r>
-                          <a:rPr lang="en-US" sz="1400" i="1">
-                            <a:latin typeface="DejaVu Math TeX Gyre" panose="02000503000000000000" charset="0"/>
-                            <a:cs typeface="DejaVu Math TeX Gyre" panose="02000503000000000000" charset="0"/>
-                          </a:rPr>
-                          <m:t>’</m:t>
-                        </m:r>
-                      </m:sup>
-                    </m:sSubSup>
-                    <m:r>
-                      <a:rPr lang="en-US" sz="1400" i="1">
-                        <a:latin typeface="DejaVu Math TeX Gyre" panose="02000503000000000000" charset="0"/>
-                        <a:cs typeface="DejaVu Math TeX Gyre" panose="02000503000000000000" charset="0"/>
-                      </a:rPr>
-                      <m:t>=</m:t>
-                    </m:r>
-                    <m:sSub>
-                      <m:sSubPr>
-                        <m:ctrlPr>
-                          <a:rPr lang="en-US" sz="1400" i="1">
-                            <a:latin typeface="DejaVu Math TeX Gyre" panose="02000503000000000000" charset="0"/>
-                            <a:cs typeface="DejaVu Math TeX Gyre" panose="02000503000000000000" charset="0"/>
-                          </a:rPr>
-                        </m:ctrlPr>
-                      </m:sSubPr>
-                      <m:e>
-                        <m:r>
-                          <a:rPr lang="en-US" sz="1400" i="1">
-                            <a:latin typeface="DejaVu Math TeX Gyre" panose="02000503000000000000" charset="0"/>
-                            <a:cs typeface="DejaVu Math TeX Gyre" panose="02000503000000000000" charset="0"/>
-                          </a:rPr>
-                          <m:t>𝑥</m:t>
-                        </m:r>
-                      </m:e>
-                      <m:sub>
-                        <m:r>
-                          <a:rPr lang="en-US" sz="1400" i="1">
-                            <a:latin typeface="DejaVu Math TeX Gyre" panose="02000503000000000000" charset="0"/>
-                            <a:cs typeface="DejaVu Math TeX Gyre" panose="02000503000000000000" charset="0"/>
-                          </a:rPr>
-                          <m:t>𝑖</m:t>
-                        </m:r>
-                      </m:sub>
-                    </m:sSub>
-                    <m:r>
-                      <a:rPr lang="en-US" sz="1400" i="1">
-                        <a:latin typeface="DejaVu Math TeX Gyre" panose="02000503000000000000" charset="0"/>
-                        <a:cs typeface="DejaVu Math TeX Gyre" panose="02000503000000000000" charset="0"/>
-                      </a:rPr>
-                      <m:t>+</m:t>
-                    </m:r>
-                    <m:r>
-                      <a:rPr lang="en-US" sz="1400" i="1">
-                        <a:latin typeface="DejaVu Math TeX Gyre" panose="02000503000000000000" charset="0"/>
-                        <a:cs typeface="DejaVu Math TeX Gyre" panose="02000503000000000000" charset="0"/>
-                      </a:rPr>
-                      <m:t>𝑁</m:t>
-                    </m:r>
-                    <m:r>
-                      <a:rPr lang="en-US" sz="1400" i="1">
-                        <a:latin typeface="DejaVu Math TeX Gyre" panose="02000503000000000000" charset="0"/>
-                        <a:cs typeface="DejaVu Math TeX Gyre" panose="02000503000000000000" charset="0"/>
-                      </a:rPr>
-                      <m:t>(</m:t>
-                    </m:r>
-                    <m:r>
-                      <a:rPr lang="en-US" sz="1400" i="1">
-                        <a:latin typeface="DejaVu Math TeX Gyre" panose="02000503000000000000" charset="0"/>
-                        <a:cs typeface="DejaVu Math TeX Gyre" panose="02000503000000000000" charset="0"/>
-                      </a:rPr>
-                      <m:t>0</m:t>
-                    </m:r>
-                    <m:r>
-                      <a:rPr lang="en-US" sz="1400" i="1">
-                        <a:latin typeface="DejaVu Math TeX Gyre" panose="02000503000000000000" charset="0"/>
-                        <a:cs typeface="DejaVu Math TeX Gyre" panose="02000503000000000000" charset="0"/>
-                      </a:rPr>
-                      <m:t>,</m:t>
-                    </m:r>
-                    <m:r>
-                      <a:rPr lang="en-US" sz="1400" i="1">
-                        <a:latin typeface="DejaVu Math TeX Gyre" panose="02000503000000000000" charset="0"/>
-                        <a:cs typeface="DejaVu Math TeX Gyre" panose="02000503000000000000" charset="0"/>
-                      </a:rPr>
-                      <m:t>𝜎</m:t>
-                    </m:r>
-                    <m:r>
-                      <a:rPr lang="en-US" sz="1400" i="1">
-                        <a:latin typeface="DejaVu Math TeX Gyre" panose="02000503000000000000" charset="0"/>
-                        <a:cs typeface="DejaVu Math TeX Gyre" panose="02000503000000000000" charset="0"/>
-                      </a:rPr>
-                      <m:t>)</m:t>
-                    </m:r>
-                  </m:oMath>
-                </a14:m>
-                <a:r>
-                  <a:rPr lang="pt-PT" altLang="en-US" sz="1400">
-                    <a:sym typeface="+mn-ea"/>
-                  </a:rPr>
-                  <a:t> </a:t>
-                </a:r>
-                <a:endParaRPr lang="pt-PT" altLang="en-US" sz="1400">
-                  <a:sym typeface="+mn-ea"/>
-                </a:endParaRPr>
-              </a:p>
-              <a:p>
-                <a:pPr marL="742950" lvl="1" indent="-285750" algn="just">
-                  <a:lnSpc>
-                    <a:spcPct val="150000"/>
-                  </a:lnSpc>
-                  <a:buFont typeface="Arial" panose="020B0604020202020204" pitchFamily="34" charset="0"/>
-                  <a:buChar char="•"/>
-                </a:pPr>
-                <a:r>
-                  <a:rPr lang="pt-PT" altLang="en-US" sz="1400">
-                    <a:sym typeface="+mn-ea"/>
-                  </a:rPr>
-                  <a:t>Calcula o valor de f(x) só com essa variável perturbada. Esse será o valor da adaptabilidade dessa variável.</a:t>
-                </a:r>
-                <a:endParaRPr lang="pt-PT" altLang="en-US" sz="1400">
-                  <a:sym typeface="+mn-ea"/>
-                </a:endParaRPr>
-              </a:p>
-              <a:p>
-                <a:pPr marL="285750" indent="-285750" algn="just">
-                  <a:lnSpc>
-                    <a:spcPct val="150000"/>
-                  </a:lnSpc>
-                  <a:buFont typeface="Arial" panose="020B0604020202020204" pitchFamily="34" charset="0"/>
-                  <a:buChar char="•"/>
-                </a:pPr>
-                <a:r>
-                  <a:rPr lang="pt-PT" altLang="en-US" sz="1400">
-                    <a:sym typeface="+mn-ea"/>
-                  </a:rPr>
-                  <a:t>ENDFOR</a:t>
-                </a:r>
-                <a:endParaRPr lang="pt-PT" altLang="en-US" sz="1400">
-                  <a:sym typeface="+mn-ea"/>
-                </a:endParaRPr>
-              </a:p>
-              <a:p>
-                <a:pPr marL="285750" indent="-285750" algn="just">
-                  <a:lnSpc>
-                    <a:spcPct val="150000"/>
-                  </a:lnSpc>
-                  <a:buFont typeface="Arial" panose="020B0604020202020204" pitchFamily="34" charset="0"/>
-                  <a:buChar char="•"/>
-                </a:pPr>
-                <a:r>
-                  <a:rPr lang="pt-PT" altLang="en-US" sz="1400">
-                    <a:sym typeface="+mn-ea"/>
-                  </a:rPr>
-                  <a:t>Foram geradas N perturbações para serem escolhidas</a:t>
-                </a:r>
-                <a:endParaRPr lang="pt-PT" altLang="en-US" sz="1400"/>
-              </a:p>
-              <a:p>
-                <a:pPr marL="285750" indent="-285750" algn="just">
-                  <a:lnSpc>
-                    <a:spcPct val="150000"/>
-                  </a:lnSpc>
-                  <a:buFont typeface="Arial" panose="020B0604020202020204" pitchFamily="34" charset="0"/>
-                  <a:buChar char="•"/>
-                </a:pPr>
-                <a:r>
-                  <a:rPr lang="pt-PT" altLang="en-US" sz="1400">
-                    <a:sym typeface="+mn-ea"/>
-                  </a:rPr>
-                  <a:t>Ordena pelo f(x) e escolhe uma perturbação para ser confirmada.</a:t>
-                </a:r>
-                <a:endParaRPr lang="pt-PT" altLang="en-US" sz="1400"/>
-              </a:p>
-              <a:p>
-                <a:pPr marL="285750" lvl="0" indent="-285750" algn="just">
-                  <a:lnSpc>
-                    <a:spcPct val="150000"/>
-                  </a:lnSpc>
-                  <a:buFont typeface="Arial" panose="020B0604020202020204" pitchFamily="34" charset="0"/>
-                  <a:buChar char="•"/>
-                </a:pPr>
-                <a:endParaRPr lang="pt-PT" altLang="en-US" sz="1400"/>
-              </a:p>
-            </p:txBody>
-          </p:sp>
-        </mc:Choice>
-        <mc:Fallback>
-          <p:sp>
-            <p:nvSpPr>
-              <p:cNvPr id="7" name="Text Box 6"/>
-              <p:cNvSpPr txBox="1">
-                <a:spLocks noRot="1" noChangeAspect="1" noMove="1" noResize="1" noEditPoints="1" noAdjustHandles="1" noChangeArrowheads="1" noChangeShapeType="1" noTextEdit="1"/>
-              </p:cNvSpPr>
-              <p:nvPr/>
-            </p:nvSpPr>
-            <p:spPr>
-              <a:xfrm>
-                <a:off x="504190" y="924560"/>
-                <a:ext cx="4783455" cy="3678555"/>
-              </a:xfrm>
-              <a:prstGeom prst="rect">
-                <a:avLst/>
-              </a:prstGeom>
-              <a:blipFill rotWithShape="1">
-                <a:blip r:embed="rId1"/>
-                <a:stretch>
-                  <a:fillRect/>
-                </a:stretch>
-              </a:blipFill>
-            </p:spPr>
-            <p:txBody>
-              <a:bodyPr/>
-              <a:lstStyle/>
-              <a:p>
-                <a:r>
-                  <a:rPr lang="en-US" altLang="en-US">
-                    <a:noFill/>
-                  </a:rPr>
-                  <a:t> </a:t>
-                </a:r>
-              </a:p>
-            </p:txBody>
-          </p:sp>
-        </mc:Fallback>
-      </mc:AlternateContent>
-      <mc:AlternateContent xmlns:mc="http://schemas.openxmlformats.org/markup-compatibility/2006">
-        <mc:Choice xmlns:a14="http://schemas.microsoft.com/office/drawing/2010/main" Requires="a14">
-          <p:sp>
-            <p:nvSpPr>
-              <p:cNvPr id="27" name="Text Box 26"/>
-              <p:cNvSpPr txBox="1"/>
-              <p:nvPr/>
-            </p:nvSpPr>
-            <p:spPr>
-              <a:xfrm>
-                <a:off x="6288405" y="924560"/>
-                <a:ext cx="5505450" cy="4740910"/>
-              </a:xfrm>
-              <a:prstGeom prst="rect">
-                <a:avLst/>
-              </a:prstGeom>
-              <a:noFill/>
-            </p:spPr>
-            <p:txBody>
-              <a:bodyPr wrap="square" rtlCol="0">
-                <a:spAutoFit/>
-              </a:bodyPr>
-              <a:p>
-                <a:pPr lvl="0" indent="0" algn="just">
-                  <a:lnSpc>
-                    <a:spcPct val="150000"/>
-                  </a:lnSpc>
-                  <a:buFont typeface="Arial" panose="020B0604020202020204" pitchFamily="34" charset="0"/>
-                  <a:buNone/>
-                </a:pPr>
-                <a:r>
-                  <a:rPr lang="pt-PT" altLang="en-US" sz="1400" b="1">
-                    <a:sym typeface="+mn-ea"/>
-                  </a:rPr>
-                  <a:t>COMO FICOU:</a:t>
-                </a:r>
-                <a:endParaRPr lang="pt-PT" altLang="en-US" sz="1400" b="1"/>
-              </a:p>
-              <a:p>
-                <a:pPr marL="285750" lvl="0" indent="-285750" algn="just">
-                  <a:lnSpc>
-                    <a:spcPct val="150000"/>
-                  </a:lnSpc>
-                  <a:buFont typeface="Arial" panose="020B0604020202020204" pitchFamily="34" charset="0"/>
-                  <a:buChar char="•"/>
-                </a:pPr>
-                <a:r>
-                  <a:rPr lang="pt-PT" altLang="en-US" sz="1400"/>
-                  <a:t>FOR cada variável:</a:t>
-                </a:r>
-                <a:endParaRPr lang="pt-PT" altLang="en-US" sz="1400"/>
-              </a:p>
-              <a:p>
-                <a:pPr marL="742950" lvl="1" indent="-285750" algn="just">
-                  <a:lnSpc>
-                    <a:spcPct val="150000"/>
-                  </a:lnSpc>
-                  <a:buFont typeface="Arial" panose="020B0604020202020204" pitchFamily="34" charset="0"/>
-                  <a:buChar char="•"/>
-                </a:pPr>
-                <a:r>
-                  <a:rPr lang="pt-PT" altLang="en-US" sz="1400">
-                    <a:sym typeface="+mn-ea"/>
-                  </a:rPr>
-                  <a:t>Perturba com </a:t>
-                </a:r>
-                <a14:m>
-                  <m:oMath xmlns:m="http://schemas.openxmlformats.org/officeDocument/2006/math">
-                    <m:sSubSup>
-                      <m:sSubSupPr>
-                        <m:ctrlPr>
-                          <a:rPr lang="en-US" sz="1400" i="1">
-                            <a:latin typeface="DejaVu Math TeX Gyre" panose="02000503000000000000" charset="0"/>
-                            <a:cs typeface="DejaVu Math TeX Gyre" panose="02000503000000000000" charset="0"/>
-                          </a:rPr>
-                        </m:ctrlPr>
-                      </m:sSubSupPr>
-                      <m:e>
-                        <m:r>
-                          <a:rPr lang="en-US" sz="1400" i="1">
-                            <a:latin typeface="DejaVu Math TeX Gyre" panose="02000503000000000000" charset="0"/>
-                            <a:cs typeface="DejaVu Math TeX Gyre" panose="02000503000000000000" charset="0"/>
-                          </a:rPr>
-                          <m:t>𝑥</m:t>
-                        </m:r>
-                      </m:e>
-                      <m:sub>
-                        <m:r>
-                          <a:rPr lang="en-US" sz="1400" i="1">
-                            <a:latin typeface="DejaVu Math TeX Gyre" panose="02000503000000000000" charset="0"/>
-                            <a:cs typeface="DejaVu Math TeX Gyre" panose="02000503000000000000" charset="0"/>
-                          </a:rPr>
-                          <m:t>𝑖</m:t>
-                        </m:r>
-                      </m:sub>
-                      <m:sup>
-                        <m:r>
-                          <a:rPr lang="en-US" sz="1400" i="1">
-                            <a:latin typeface="DejaVu Math TeX Gyre" panose="02000503000000000000" charset="0"/>
-                            <a:cs typeface="DejaVu Math TeX Gyre" panose="02000503000000000000" charset="0"/>
-                          </a:rPr>
-                          <m:t>’</m:t>
-                        </m:r>
-                      </m:sup>
-                    </m:sSubSup>
-                    <m:r>
-                      <a:rPr lang="en-US" sz="1400" i="1">
-                        <a:latin typeface="DejaVu Math TeX Gyre" panose="02000503000000000000" charset="0"/>
-                        <a:cs typeface="DejaVu Math TeX Gyre" panose="02000503000000000000" charset="0"/>
-                      </a:rPr>
-                      <m:t>=</m:t>
-                    </m:r>
-                    <m:sSub>
-                      <m:sSubPr>
-                        <m:ctrlPr>
-                          <a:rPr lang="en-US" sz="1400" i="1">
-                            <a:latin typeface="DejaVu Math TeX Gyre" panose="02000503000000000000" charset="0"/>
-                            <a:cs typeface="DejaVu Math TeX Gyre" panose="02000503000000000000" charset="0"/>
-                          </a:rPr>
-                        </m:ctrlPr>
-                      </m:sSubPr>
-                      <m:e>
-                        <m:r>
-                          <a:rPr lang="en-US" sz="1400" i="1">
-                            <a:latin typeface="DejaVu Math TeX Gyre" panose="02000503000000000000" charset="0"/>
-                            <a:cs typeface="DejaVu Math TeX Gyre" panose="02000503000000000000" charset="0"/>
-                          </a:rPr>
-                          <m:t>𝑥</m:t>
-                        </m:r>
-                      </m:e>
-                      <m:sub>
-                        <m:r>
-                          <a:rPr lang="en-US" sz="1400" i="1">
-                            <a:latin typeface="DejaVu Math TeX Gyre" panose="02000503000000000000" charset="0"/>
-                            <a:cs typeface="DejaVu Math TeX Gyre" panose="02000503000000000000" charset="0"/>
-                          </a:rPr>
-                          <m:t>𝑖</m:t>
-                        </m:r>
-                      </m:sub>
-                    </m:sSub>
-                    <m:r>
-                      <a:rPr lang="en-US" sz="1400" i="1">
-                        <a:latin typeface="DejaVu Math TeX Gyre" panose="02000503000000000000" charset="0"/>
-                        <a:cs typeface="DejaVu Math TeX Gyre" panose="02000503000000000000" charset="0"/>
-                      </a:rPr>
-                      <m:t>+</m:t>
-                    </m:r>
-                    <m:r>
-                      <a:rPr lang="en-US" sz="1400" i="1">
-                        <a:latin typeface="DejaVu Math TeX Gyre" panose="02000503000000000000" charset="0"/>
-                        <a:cs typeface="DejaVu Math TeX Gyre" panose="02000503000000000000" charset="0"/>
-                      </a:rPr>
-                      <m:t>𝑁</m:t>
-                    </m:r>
-                    <m:r>
-                      <a:rPr lang="en-US" sz="1400" i="1">
-                        <a:latin typeface="DejaVu Math TeX Gyre" panose="02000503000000000000" charset="0"/>
-                        <a:cs typeface="DejaVu Math TeX Gyre" panose="02000503000000000000" charset="0"/>
-                      </a:rPr>
-                      <m:t>(</m:t>
-                    </m:r>
-                    <m:r>
-                      <a:rPr lang="en-US" sz="1400" i="1">
-                        <a:latin typeface="DejaVu Math TeX Gyre" panose="02000503000000000000" charset="0"/>
-                        <a:cs typeface="DejaVu Math TeX Gyre" panose="02000503000000000000" charset="0"/>
-                      </a:rPr>
-                      <m:t>0</m:t>
-                    </m:r>
-                    <m:r>
-                      <a:rPr lang="en-US" sz="1400" i="1">
-                        <a:latin typeface="DejaVu Math TeX Gyre" panose="02000503000000000000" charset="0"/>
-                        <a:cs typeface="DejaVu Math TeX Gyre" panose="02000503000000000000" charset="0"/>
-                      </a:rPr>
-                      <m:t>,</m:t>
-                    </m:r>
-                    <m:r>
-                      <a:rPr lang="en-US" sz="1400" i="1">
-                        <a:latin typeface="DejaVu Math TeX Gyre" panose="02000503000000000000" charset="0"/>
-                        <a:cs typeface="DejaVu Math TeX Gyre" panose="02000503000000000000" charset="0"/>
-                      </a:rPr>
-                      <m:t>𝜎</m:t>
-                    </m:r>
-                    <m:r>
-                      <a:rPr lang="en-US" sz="1400" i="1">
-                        <a:latin typeface="DejaVu Math TeX Gyre" panose="02000503000000000000" charset="0"/>
-                        <a:cs typeface="DejaVu Math TeX Gyre" panose="02000503000000000000" charset="0"/>
-                      </a:rPr>
-                      <m:t>)</m:t>
-                    </m:r>
-                  </m:oMath>
-                </a14:m>
-                <a:r>
-                  <a:rPr lang="pt-PT" altLang="en-US" sz="1400">
-                    <a:sym typeface="+mn-ea"/>
-                  </a:rPr>
-                  <a:t> </a:t>
-                </a:r>
-                <a:endParaRPr lang="pt-PT" altLang="en-US" sz="1400">
-                  <a:sym typeface="+mn-ea"/>
-                </a:endParaRPr>
-              </a:p>
-              <a:p>
-                <a:pPr marL="742950" lvl="1" indent="-285750" algn="just">
-                  <a:lnSpc>
-                    <a:spcPct val="150000"/>
-                  </a:lnSpc>
-                  <a:buFont typeface="Arial" panose="020B0604020202020204" pitchFamily="34" charset="0"/>
-                  <a:buChar char="•"/>
-                </a:pPr>
-                <a:r>
-                  <a:rPr lang="pt-PT" altLang="en-US" sz="1400">
-                    <a:sym typeface="+mn-ea"/>
-                  </a:rPr>
-                  <a:t>Calcula o valor de f(x) só com essa variável perturbada. Esse será o valor da adaptabilidade dessa variável.</a:t>
-                </a:r>
-                <a:endParaRPr lang="pt-PT" altLang="en-US" sz="1400">
-                  <a:sym typeface="+mn-ea"/>
-                </a:endParaRPr>
-              </a:p>
-              <a:p>
-                <a:pPr marL="285750" lvl="0" indent="-285750" algn="just">
-                  <a:lnSpc>
-                    <a:spcPct val="150000"/>
-                  </a:lnSpc>
-                  <a:buFont typeface="Arial" panose="020B0604020202020204" pitchFamily="34" charset="0"/>
-                  <a:buChar char="•"/>
-                </a:pPr>
-                <a:r>
-                  <a:rPr lang="pt-PT" altLang="en-US" sz="1400">
-                    <a:sym typeface="+mn-ea"/>
-                  </a:rPr>
-                  <a:t>ENDFOR</a:t>
-                </a:r>
-                <a:endParaRPr lang="pt-PT" altLang="en-US" sz="1400">
-                  <a:sym typeface="+mn-ea"/>
-                </a:endParaRPr>
-              </a:p>
-              <a:p>
-                <a:pPr marL="285750" lvl="0" indent="-285750" algn="just">
-                  <a:lnSpc>
-                    <a:spcPct val="150000"/>
-                  </a:lnSpc>
-                  <a:buFont typeface="Arial" panose="020B0604020202020204" pitchFamily="34" charset="0"/>
-                  <a:buChar char="•"/>
-                </a:pPr>
-                <a:r>
-                  <a:rPr lang="pt-PT" altLang="en-US" sz="1400">
-                    <a:solidFill>
-                      <a:schemeClr val="accent5"/>
-                    </a:solidFill>
-                    <a:sym typeface="+mn-ea"/>
-                  </a:rPr>
-                  <a:t>Perturba o sigma com </a:t>
-                </a:r>
-                <a14:m>
-                  <m:oMath xmlns:m="http://schemas.openxmlformats.org/officeDocument/2006/math">
-                    <m:sSup>
-                      <m:sSupPr>
-                        <m:ctrlPr>
-                          <a:rPr lang="en-US" sz="1400" i="1">
-                            <a:solidFill>
-                              <a:schemeClr val="accent5"/>
-                            </a:solidFill>
-                            <a:latin typeface="DejaVu Math TeX Gyre" panose="02000503000000000000" charset="0"/>
-                            <a:cs typeface="DejaVu Math TeX Gyre" panose="02000503000000000000" charset="0"/>
-                          </a:rPr>
-                        </m:ctrlPr>
-                      </m:sSupPr>
-                      <m:e>
-                        <m:r>
-                          <a:rPr lang="en-US" sz="1400" i="1">
-                            <a:solidFill>
-                              <a:schemeClr val="accent5"/>
-                            </a:solidFill>
-                            <a:latin typeface="DejaVu Math TeX Gyre" panose="02000503000000000000" charset="0"/>
-                            <a:cs typeface="DejaVu Math TeX Gyre" panose="02000503000000000000" charset="0"/>
-                          </a:rPr>
-                          <m:t>𝜎</m:t>
-                        </m:r>
-                      </m:e>
-                      <m:sup>
-                        <m:r>
-                          <a:rPr lang="en-US" sz="1400" i="1">
-                            <a:solidFill>
-                              <a:schemeClr val="accent5"/>
-                            </a:solidFill>
-                            <a:latin typeface="DejaVu Math TeX Gyre" panose="02000503000000000000" charset="0"/>
-                            <a:cs typeface="DejaVu Math TeX Gyre" panose="02000503000000000000" charset="0"/>
-                          </a:rPr>
-                          <m:t>’</m:t>
-                        </m:r>
-                      </m:sup>
-                    </m:sSup>
-                    <m:r>
-                      <a:rPr lang="en-US" sz="1400" i="1">
-                        <a:solidFill>
-                          <a:schemeClr val="accent5"/>
-                        </a:solidFill>
-                        <a:latin typeface="DejaVu Math TeX Gyre" panose="02000503000000000000" charset="0"/>
-                        <a:cs typeface="DejaVu Math TeX Gyre" panose="02000503000000000000" charset="0"/>
-                      </a:rPr>
-                      <m:t>=</m:t>
-                    </m:r>
-                    <m:r>
-                      <a:rPr lang="en-US" sz="1400" i="1">
-                        <a:solidFill>
-                          <a:schemeClr val="accent5"/>
-                        </a:solidFill>
-                        <a:latin typeface="DejaVu Math TeX Gyre" panose="02000503000000000000" charset="0"/>
-                        <a:cs typeface="DejaVu Math TeX Gyre" panose="02000503000000000000" charset="0"/>
-                      </a:rPr>
-                      <m:t>𝜎</m:t>
-                    </m:r>
-                    <m:r>
-                      <a:rPr lang="en-US" sz="1400" i="1">
-                        <a:solidFill>
-                          <a:schemeClr val="accent5"/>
-                        </a:solidFill>
-                        <a:latin typeface="DejaVu Math TeX Gyre" panose="02000503000000000000" charset="0"/>
-                        <a:cs typeface="DejaVu Math TeX Gyre" panose="02000503000000000000" charset="0"/>
-                      </a:rPr>
-                      <m:t>∙</m:t>
-                    </m:r>
-                    <m:r>
-                      <a:rPr lang="en-US" sz="1400" i="1">
-                        <a:solidFill>
-                          <a:schemeClr val="accent5"/>
-                        </a:solidFill>
-                        <a:latin typeface="DejaVu Math TeX Gyre" panose="02000503000000000000" charset="0"/>
-                        <a:cs typeface="DejaVu Math TeX Gyre" panose="02000503000000000000" charset="0"/>
-                      </a:rPr>
-                      <m:t>𝐿𝑜𝑔𝑁𝑜𝑟𝑚𝑎𝑙</m:t>
-                    </m:r>
-                    <m:r>
-                      <a:rPr lang="en-US" sz="1400" i="1">
-                        <a:solidFill>
-                          <a:schemeClr val="accent5"/>
-                        </a:solidFill>
-                        <a:latin typeface="DejaVu Math TeX Gyre" panose="02000503000000000000" charset="0"/>
-                        <a:cs typeface="DejaVu Math TeX Gyre" panose="02000503000000000000" charset="0"/>
-                      </a:rPr>
-                      <m:t>(</m:t>
-                    </m:r>
-                    <m:r>
-                      <a:rPr lang="en-US" sz="1400" i="1">
-                        <a:solidFill>
-                          <a:schemeClr val="accent5"/>
-                        </a:solidFill>
-                        <a:latin typeface="DejaVu Math TeX Gyre" panose="02000503000000000000" charset="0"/>
-                        <a:cs typeface="DejaVu Math TeX Gyre" panose="02000503000000000000" charset="0"/>
-                      </a:rPr>
-                      <m:t>0</m:t>
-                    </m:r>
-                    <m:r>
-                      <a:rPr lang="en-US" sz="1400" i="1">
-                        <a:solidFill>
-                          <a:schemeClr val="accent5"/>
-                        </a:solidFill>
-                        <a:latin typeface="DejaVu Math TeX Gyre" panose="02000503000000000000" charset="0"/>
-                        <a:cs typeface="DejaVu Math TeX Gyre" panose="02000503000000000000" charset="0"/>
-                      </a:rPr>
-                      <m:t>,</m:t>
-                    </m:r>
-                    <m:r>
-                      <a:rPr lang="en-US" sz="1400" i="1">
-                        <a:solidFill>
-                          <a:schemeClr val="accent5"/>
-                        </a:solidFill>
-                        <a:latin typeface="DejaVu Math TeX Gyre" panose="02000503000000000000" charset="0"/>
-                        <a:cs typeface="DejaVu Math TeX Gyre" panose="02000503000000000000" charset="0"/>
-                      </a:rPr>
-                      <m:t>𝛼</m:t>
-                    </m:r>
-                    <m:r>
-                      <a:rPr lang="en-US" sz="1400" i="1">
-                        <a:solidFill>
-                          <a:schemeClr val="accent5"/>
-                        </a:solidFill>
-                        <a:latin typeface="DejaVu Math TeX Gyre" panose="02000503000000000000" charset="0"/>
-                        <a:ea typeface="MS Mincho" charset="0"/>
-                        <a:cs typeface="DejaVu Math TeX Gyre" panose="02000503000000000000" charset="0"/>
-                      </a:rPr>
-                      <m:t>)</m:t>
-                    </m:r>
-                  </m:oMath>
-                </a14:m>
-                <a:r>
-                  <a:rPr lang="pt-PT" altLang="en-US" sz="1400">
-                    <a:solidFill>
-                      <a:schemeClr val="accent5"/>
-                    </a:solidFill>
-                    <a:latin typeface="DejaVu Math TeX Gyre" panose="02000503000000000000" charset="0"/>
-                    <a:ea typeface="MS Mincho" charset="0"/>
-                    <a:cs typeface="DejaVu Math TeX Gyre" panose="02000503000000000000" charset="0"/>
-                  </a:rPr>
-                  <a:t>, </a:t>
-                </a:r>
-                <a:r>
-                  <a:rPr lang="pt-PT" altLang="en-US" sz="1400">
-                    <a:solidFill>
-                      <a:schemeClr val="accent5"/>
-                    </a:solidFill>
-                    <a:sym typeface="+mn-ea"/>
-                  </a:rPr>
-                  <a:t>onde </a:t>
-                </a:r>
-                <a14:m>
-                  <m:oMath xmlns:m="http://schemas.openxmlformats.org/officeDocument/2006/math">
-                    <m:r>
-                      <a:rPr lang="en-US" altLang="pt-PT" sz="1400" i="1">
-                        <a:solidFill>
-                          <a:schemeClr val="accent5"/>
-                        </a:solidFill>
-                        <a:latin typeface="DejaVu Math TeX Gyre" panose="02000503000000000000" charset="0"/>
-                        <a:cs typeface="DejaVu Math TeX Gyre" panose="02000503000000000000" charset="0"/>
-                        <a:sym typeface="+mn-ea"/>
-                      </a:rPr>
-                      <m:t>𝛼</m:t>
-                    </m:r>
-                    <m:r>
-                      <a:rPr lang="en-US" altLang="pt-PT" sz="1400" i="1">
-                        <a:solidFill>
-                          <a:schemeClr val="accent5"/>
-                        </a:solidFill>
-                        <a:latin typeface="DejaVu Math TeX Gyre" panose="02000503000000000000" charset="0"/>
-                        <a:cs typeface="DejaVu Math TeX Gyre" panose="02000503000000000000" charset="0"/>
-                        <a:sym typeface="+mn-ea"/>
-                      </a:rPr>
-                      <m:t>=</m:t>
-                    </m:r>
-                    <m:f>
-                      <m:fPr>
-                        <m:type m:val="lin"/>
-                        <m:ctrlPr>
-                          <a:rPr lang="en-US" altLang="pt-PT" sz="1400" i="1">
-                            <a:solidFill>
-                              <a:schemeClr val="accent5"/>
-                            </a:solidFill>
-                            <a:latin typeface="DejaVu Math TeX Gyre" panose="02000503000000000000" charset="0"/>
-                            <a:cs typeface="DejaVu Math TeX Gyre" panose="02000503000000000000" charset="0"/>
-                            <a:sym typeface="+mn-ea"/>
-                          </a:rPr>
-                        </m:ctrlPr>
-                      </m:fPr>
-                      <m:num>
-                        <m:r>
-                          <a:rPr lang="en-US" altLang="pt-PT" sz="1400" i="1">
-                            <a:solidFill>
-                              <a:schemeClr val="accent5"/>
-                            </a:solidFill>
-                            <a:latin typeface="DejaVu Math TeX Gyre" panose="02000503000000000000" charset="0"/>
-                            <a:cs typeface="DejaVu Math TeX Gyre" panose="02000503000000000000" charset="0"/>
-                            <a:sym typeface="+mn-ea"/>
-                          </a:rPr>
-                          <m:t>1</m:t>
-                        </m:r>
-                      </m:num>
-                      <m:den>
-                        <m:rad>
-                          <m:radPr>
-                            <m:ctrlPr>
-                              <a:rPr lang="en-US" altLang="pt-PT" sz="1400" i="1">
-                                <a:solidFill>
-                                  <a:schemeClr val="accent5"/>
-                                </a:solidFill>
-                                <a:latin typeface="DejaVu Math TeX Gyre" panose="02000503000000000000" charset="0"/>
-                                <a:cs typeface="DejaVu Math TeX Gyre" panose="02000503000000000000" charset="0"/>
-                                <a:sym typeface="+mn-ea"/>
-                              </a:rPr>
-                            </m:ctrlPr>
-                          </m:radPr>
-                          <m:deg>
-                            <m:r>
-                              <a:rPr lang="en-US" altLang="pt-PT" sz="1400" i="1">
-                                <a:solidFill>
-                                  <a:schemeClr val="accent5"/>
-                                </a:solidFill>
-                                <a:latin typeface="DejaVu Math TeX Gyre" panose="02000503000000000000" charset="0"/>
-                                <a:cs typeface="DejaVu Math TeX Gyre" panose="02000503000000000000" charset="0"/>
-                                <a:sym typeface="+mn-ea"/>
-                              </a:rPr>
-                              <m:t>2</m:t>
-                            </m:r>
-                          </m:deg>
-                          <m:e>
-                            <m:r>
-                              <a:rPr lang="en-US" altLang="pt-PT" sz="1400" i="1">
-                                <a:solidFill>
-                                  <a:schemeClr val="accent5"/>
-                                </a:solidFill>
-                                <a:latin typeface="DejaVu Math TeX Gyre" panose="02000503000000000000" charset="0"/>
-                                <a:cs typeface="DejaVu Math TeX Gyre" panose="02000503000000000000" charset="0"/>
-                                <a:sym typeface="+mn-ea"/>
-                              </a:rPr>
-                              <m:t>𝑁</m:t>
-                            </m:r>
-                          </m:e>
-                        </m:rad>
-                      </m:den>
-                    </m:f>
-                  </m:oMath>
-                </a14:m>
-                <a:endParaRPr lang="en-US" sz="1400" i="1">
-                  <a:solidFill>
-                    <a:schemeClr val="accent5"/>
-                  </a:solidFill>
-                  <a:latin typeface="DejaVu Math TeX Gyre" panose="02000503000000000000" charset="0"/>
-                  <a:cs typeface="DejaVu Math TeX Gyre" panose="02000503000000000000" charset="0"/>
-                </a:endParaRPr>
-              </a:p>
-              <a:p>
-                <a:pPr marL="285750" lvl="0" indent="-285750" algn="just">
-                  <a:lnSpc>
-                    <a:spcPct val="150000"/>
-                  </a:lnSpc>
-                  <a:buFont typeface="Arial" panose="020B0604020202020204" pitchFamily="34" charset="0"/>
-                  <a:buChar char="•"/>
-                </a:pPr>
-                <a:r>
-                  <a:rPr lang="pt-PT" altLang="en-US" sz="1400">
-                    <a:solidFill>
-                      <a:schemeClr val="accent5"/>
-                    </a:solidFill>
-                    <a:sym typeface="+mn-ea"/>
-                  </a:rPr>
-                  <a:t> Para calcular a adaptabilidade do </a:t>
-                </a:r>
-                <a14:m>
-                  <m:oMath xmlns:m="http://schemas.openxmlformats.org/officeDocument/2006/math">
-                    <m:sSup>
-                      <m:sSupPr>
-                        <m:ctrlPr>
-                          <a:rPr lang="en-US" sz="1400" i="1">
-                            <a:solidFill>
-                              <a:schemeClr val="accent5"/>
-                            </a:solidFill>
-                            <a:latin typeface="DejaVu Math TeX Gyre" panose="02000503000000000000" charset="0"/>
-                            <a:cs typeface="DejaVu Math TeX Gyre" panose="02000503000000000000" charset="0"/>
-                          </a:rPr>
-                        </m:ctrlPr>
-                      </m:sSupPr>
-                      <m:e>
-                        <m:r>
-                          <a:rPr lang="en-US" sz="1400" i="1">
-                            <a:solidFill>
-                              <a:schemeClr val="accent5"/>
-                            </a:solidFill>
-                            <a:latin typeface="DejaVu Math TeX Gyre" panose="02000503000000000000" charset="0"/>
-                            <a:cs typeface="DejaVu Math TeX Gyre" panose="02000503000000000000" charset="0"/>
-                          </a:rPr>
-                          <m:t>𝜎</m:t>
-                        </m:r>
-                      </m:e>
-                      <m:sup>
-                        <m:r>
-                          <a:rPr lang="en-US" sz="1400" i="1">
-                            <a:solidFill>
-                              <a:schemeClr val="accent5"/>
-                            </a:solidFill>
-                            <a:latin typeface="DejaVu Math TeX Gyre" panose="02000503000000000000" charset="0"/>
-                            <a:cs typeface="DejaVu Math TeX Gyre" panose="02000503000000000000" charset="0"/>
-                          </a:rPr>
-                          <m:t>’</m:t>
-                        </m:r>
-                      </m:sup>
-                    </m:sSup>
-                  </m:oMath>
-                </a14:m>
-                <a:r>
-                  <a:rPr lang="pt-PT" altLang="en-US" sz="1400">
-                    <a:solidFill>
-                      <a:schemeClr val="accent5"/>
-                    </a:solidFill>
-                    <a:sym typeface="+mn-ea"/>
-                  </a:rPr>
-                  <a:t>, perturba todas as variáveis de uma só vez com </a:t>
-                </a:r>
-                <a14:m>
-                  <m:oMath xmlns:m="http://schemas.openxmlformats.org/officeDocument/2006/math">
-                    <m:sSubSup>
-                      <m:sSubSupPr>
-                        <m:ctrlPr>
-                          <a:rPr lang="en-US" sz="1400" i="1">
-                            <a:solidFill>
-                              <a:schemeClr val="accent5"/>
-                            </a:solidFill>
-                            <a:latin typeface="DejaVu Math TeX Gyre" panose="02000503000000000000" charset="0"/>
-                            <a:cs typeface="DejaVu Math TeX Gyre" panose="02000503000000000000" charset="0"/>
-                          </a:rPr>
-                        </m:ctrlPr>
-                      </m:sSubSupPr>
-                      <m:e>
-                        <m:r>
-                          <a:rPr lang="en-US" sz="1400" i="1">
-                            <a:solidFill>
-                              <a:schemeClr val="accent5"/>
-                            </a:solidFill>
-                            <a:latin typeface="DejaVu Math TeX Gyre" panose="02000503000000000000" charset="0"/>
-                            <a:cs typeface="DejaVu Math TeX Gyre" panose="02000503000000000000" charset="0"/>
-                          </a:rPr>
-                          <m:t>𝑥</m:t>
-                        </m:r>
-                      </m:e>
-                      <m:sub>
-                        <m:r>
-                          <a:rPr lang="en-US" sz="1400" i="1">
-                            <a:solidFill>
-                              <a:schemeClr val="accent5"/>
-                            </a:solidFill>
-                            <a:latin typeface="DejaVu Math TeX Gyre" panose="02000503000000000000" charset="0"/>
-                            <a:cs typeface="DejaVu Math TeX Gyre" panose="02000503000000000000" charset="0"/>
-                          </a:rPr>
-                          <m:t>𝑖</m:t>
-                        </m:r>
-                      </m:sub>
-                      <m:sup>
-                        <m:r>
-                          <a:rPr lang="en-US" sz="1400" i="1">
-                            <a:solidFill>
-                              <a:schemeClr val="accent5"/>
-                            </a:solidFill>
-                            <a:latin typeface="DejaVu Math TeX Gyre" panose="02000503000000000000" charset="0"/>
-                            <a:cs typeface="DejaVu Math TeX Gyre" panose="02000503000000000000" charset="0"/>
-                          </a:rPr>
-                          <m:t>’</m:t>
-                        </m:r>
-                      </m:sup>
-                    </m:sSubSup>
-                    <m:r>
-                      <a:rPr lang="en-US" sz="1400" i="1">
-                        <a:solidFill>
-                          <a:schemeClr val="accent5"/>
-                        </a:solidFill>
-                        <a:latin typeface="DejaVu Math TeX Gyre" panose="02000503000000000000" charset="0"/>
-                        <a:cs typeface="DejaVu Math TeX Gyre" panose="02000503000000000000" charset="0"/>
-                      </a:rPr>
-                      <m:t>=</m:t>
-                    </m:r>
-                    <m:sSub>
-                      <m:sSubPr>
-                        <m:ctrlPr>
-                          <a:rPr lang="en-US" sz="1400" i="1">
-                            <a:solidFill>
-                              <a:schemeClr val="accent5"/>
-                            </a:solidFill>
-                            <a:latin typeface="DejaVu Math TeX Gyre" panose="02000503000000000000" charset="0"/>
-                            <a:cs typeface="DejaVu Math TeX Gyre" panose="02000503000000000000" charset="0"/>
-                          </a:rPr>
-                        </m:ctrlPr>
-                      </m:sSubPr>
-                      <m:e>
-                        <m:r>
-                          <a:rPr lang="en-US" sz="1400" i="1">
-                            <a:solidFill>
-                              <a:schemeClr val="accent5"/>
-                            </a:solidFill>
-                            <a:latin typeface="DejaVu Math TeX Gyre" panose="02000503000000000000" charset="0"/>
-                            <a:cs typeface="DejaVu Math TeX Gyre" panose="02000503000000000000" charset="0"/>
-                          </a:rPr>
-                          <m:t>𝑥</m:t>
-                        </m:r>
-                      </m:e>
-                      <m:sub>
-                        <m:r>
-                          <a:rPr lang="en-US" sz="1400" i="1">
-                            <a:solidFill>
-                              <a:schemeClr val="accent5"/>
-                            </a:solidFill>
-                            <a:latin typeface="DejaVu Math TeX Gyre" panose="02000503000000000000" charset="0"/>
-                            <a:cs typeface="DejaVu Math TeX Gyre" panose="02000503000000000000" charset="0"/>
-                          </a:rPr>
-                          <m:t>𝑖</m:t>
-                        </m:r>
-                      </m:sub>
-                    </m:sSub>
-                    <m:r>
-                      <a:rPr lang="en-US" sz="1400" i="1">
-                        <a:solidFill>
-                          <a:schemeClr val="accent5"/>
-                        </a:solidFill>
-                        <a:latin typeface="DejaVu Math TeX Gyre" panose="02000503000000000000" charset="0"/>
-                        <a:cs typeface="DejaVu Math TeX Gyre" panose="02000503000000000000" charset="0"/>
-                      </a:rPr>
-                      <m:t>+</m:t>
-                    </m:r>
-                    <m:r>
-                      <a:rPr lang="en-US" sz="1400" i="1">
-                        <a:solidFill>
-                          <a:schemeClr val="accent5"/>
-                        </a:solidFill>
-                        <a:latin typeface="DejaVu Math TeX Gyre" panose="02000503000000000000" charset="0"/>
-                        <a:cs typeface="DejaVu Math TeX Gyre" panose="02000503000000000000" charset="0"/>
-                      </a:rPr>
-                      <m:t>𝑁</m:t>
-                    </m:r>
-                    <m:r>
-                      <a:rPr lang="en-US" sz="1400" i="1">
-                        <a:solidFill>
-                          <a:schemeClr val="accent5"/>
-                        </a:solidFill>
-                        <a:latin typeface="DejaVu Math TeX Gyre" panose="02000503000000000000" charset="0"/>
-                        <a:cs typeface="DejaVu Math TeX Gyre" panose="02000503000000000000" charset="0"/>
-                      </a:rPr>
-                      <m:t>(</m:t>
-                    </m:r>
-                    <m:r>
-                      <a:rPr lang="en-US" sz="1400" i="1">
-                        <a:solidFill>
-                          <a:schemeClr val="accent5"/>
-                        </a:solidFill>
-                        <a:latin typeface="DejaVu Math TeX Gyre" panose="02000503000000000000" charset="0"/>
-                        <a:cs typeface="DejaVu Math TeX Gyre" panose="02000503000000000000" charset="0"/>
-                      </a:rPr>
-                      <m:t>0</m:t>
-                    </m:r>
-                    <m:r>
-                      <a:rPr lang="en-US" sz="1400" i="1">
-                        <a:solidFill>
-                          <a:schemeClr val="accent5"/>
-                        </a:solidFill>
-                        <a:latin typeface="DejaVu Math TeX Gyre" panose="02000503000000000000" charset="0"/>
-                        <a:cs typeface="DejaVu Math TeX Gyre" panose="02000503000000000000" charset="0"/>
-                      </a:rPr>
-                      <m:t>,</m:t>
-                    </m:r>
-                    <m:sSup>
-                      <m:sSupPr>
-                        <m:ctrlPr>
-                          <a:rPr lang="en-US" sz="1400" i="1">
-                            <a:solidFill>
-                              <a:schemeClr val="accent5"/>
-                            </a:solidFill>
-                            <a:latin typeface="DejaVu Math TeX Gyre" panose="02000503000000000000" charset="0"/>
-                            <a:cs typeface="DejaVu Math TeX Gyre" panose="02000503000000000000" charset="0"/>
-                          </a:rPr>
-                        </m:ctrlPr>
-                      </m:sSupPr>
-                      <m:e>
-                        <m:r>
-                          <a:rPr lang="en-US" sz="1400" i="1">
-                            <a:solidFill>
-                              <a:schemeClr val="accent5"/>
-                            </a:solidFill>
-                            <a:latin typeface="DejaVu Math TeX Gyre" panose="02000503000000000000" charset="0"/>
-                            <a:cs typeface="DejaVu Math TeX Gyre" panose="02000503000000000000" charset="0"/>
-                          </a:rPr>
-                          <m:t>𝜎</m:t>
-                        </m:r>
-                      </m:e>
-                      <m:sup>
-                        <m:r>
-                          <a:rPr lang="en-US" sz="1400" i="1">
-                            <a:solidFill>
-                              <a:schemeClr val="accent5"/>
-                            </a:solidFill>
-                            <a:latin typeface="DejaVu Math TeX Gyre" panose="02000503000000000000" charset="0"/>
-                            <a:cs typeface="DejaVu Math TeX Gyre" panose="02000503000000000000" charset="0"/>
-                          </a:rPr>
-                          <m:t>’</m:t>
-                        </m:r>
-                      </m:sup>
-                    </m:sSup>
-                    <m:r>
-                      <a:rPr lang="en-US" sz="1400" i="1">
-                        <a:solidFill>
-                          <a:schemeClr val="accent5"/>
-                        </a:solidFill>
-                        <a:latin typeface="DejaVu Math TeX Gyre" panose="02000503000000000000" charset="0"/>
-                        <a:ea typeface="MS Mincho" charset="0"/>
-                        <a:cs typeface="DejaVu Math TeX Gyre" panose="02000503000000000000" charset="0"/>
-                      </a:rPr>
-                      <m:t>)</m:t>
-                    </m:r>
-                  </m:oMath>
-                </a14:m>
-                <a:r>
-                  <a:rPr lang="pt-PT" altLang="en-US" sz="1400">
-                    <a:solidFill>
-                      <a:schemeClr val="accent5"/>
-                    </a:solidFill>
-                    <a:sym typeface="+mn-ea"/>
-                  </a:rPr>
-                  <a:t> e calcula o valor de f(x).</a:t>
-                </a:r>
-                <a:endParaRPr lang="pt-PT" altLang="en-US" sz="1400">
-                  <a:solidFill>
-                    <a:schemeClr val="accent5"/>
-                  </a:solidFill>
-                  <a:sym typeface="+mn-ea"/>
-                </a:endParaRPr>
-              </a:p>
-              <a:p>
-                <a:pPr marL="285750" lvl="0" indent="-285750" algn="just">
-                  <a:lnSpc>
-                    <a:spcPct val="150000"/>
-                  </a:lnSpc>
-                  <a:buFont typeface="Arial" panose="020B0604020202020204" pitchFamily="34" charset="0"/>
-                  <a:buChar char="•"/>
-                </a:pPr>
-                <a:r>
-                  <a:rPr lang="pt-PT" altLang="en-US" sz="1400">
-                    <a:sym typeface="+mn-ea"/>
-                  </a:rPr>
-                  <a:t>Foram geradas</a:t>
-                </a:r>
-                <a:r>
-                  <a:rPr lang="pt-PT" altLang="en-US" sz="1400">
-                    <a:solidFill>
-                      <a:schemeClr val="accent5"/>
-                    </a:solidFill>
-                    <a:sym typeface="+mn-ea"/>
-                  </a:rPr>
-                  <a:t> N+1 </a:t>
-                </a:r>
-                <a:r>
-                  <a:rPr lang="pt-PT" altLang="en-US" sz="1400">
-                    <a:sym typeface="+mn-ea"/>
-                  </a:rPr>
-                  <a:t>perturbações para serem escolhidas.</a:t>
-                </a:r>
-                <a:endParaRPr lang="pt-PT" altLang="en-US" sz="1400"/>
-              </a:p>
-              <a:p>
-                <a:pPr marL="285750" indent="-285750" algn="just">
-                  <a:lnSpc>
-                    <a:spcPct val="150000"/>
-                  </a:lnSpc>
-                  <a:buFont typeface="Arial" panose="020B0604020202020204" pitchFamily="34" charset="0"/>
-                  <a:buChar char="•"/>
-                </a:pPr>
-                <a:r>
-                  <a:rPr lang="pt-PT" altLang="en-US" sz="1400">
-                    <a:sym typeface="+mn-ea"/>
-                  </a:rPr>
-                  <a:t>Ordena pelo f(x) e escolhe uma perturbação para ser confirmada.</a:t>
-                </a:r>
-                <a:endParaRPr lang="pt-PT" altLang="en-US" sz="1400">
-                  <a:sym typeface="+mn-ea"/>
-                </a:endParaRPr>
-              </a:p>
-            </p:txBody>
-          </p:sp>
-        </mc:Choice>
-        <mc:Fallback>
-          <p:sp>
-            <p:nvSpPr>
-              <p:cNvPr id="27" name="Text Box 26"/>
-              <p:cNvSpPr txBox="1">
-                <a:spLocks noRot="1" noChangeAspect="1" noMove="1" noResize="1" noEditPoints="1" noAdjustHandles="1" noChangeArrowheads="1" noChangeShapeType="1" noTextEdit="1"/>
-              </p:cNvSpPr>
-              <p:nvPr/>
-            </p:nvSpPr>
-            <p:spPr>
-              <a:xfrm>
-                <a:off x="6288405" y="924560"/>
-                <a:ext cx="5505450" cy="4740910"/>
-              </a:xfrm>
-              <a:prstGeom prst="rect">
-                <a:avLst/>
-              </a:prstGeom>
-              <a:blipFill rotWithShape="1">
-                <a:blip r:embed="rId2"/>
-                <a:stretch>
-                  <a:fillRect/>
-                </a:stretch>
-              </a:blipFill>
-            </p:spPr>
-            <p:txBody>
-              <a:bodyPr/>
-              <a:lstStyle/>
-              <a:p>
-                <a:r>
-                  <a:rPr lang="en-US" altLang="en-US">
-                    <a:noFill/>
-                  </a:rPr>
-                  <a:t> </a:t>
-                </a:r>
-              </a:p>
-            </p:txBody>
-          </p:sp>
-        </mc:Fallback>
-      </mc:AlternateContent>
-      <p:sp>
-        <p:nvSpPr>
-          <p:cNvPr id="2" name="Text Box 1"/>
-          <p:cNvSpPr txBox="1"/>
-          <p:nvPr/>
-        </p:nvSpPr>
-        <p:spPr>
-          <a:xfrm>
-            <a:off x="485775" y="27940"/>
-            <a:ext cx="11220450" cy="414020"/>
-          </a:xfrm>
-          <a:prstGeom prst="rect">
-            <a:avLst/>
-          </a:prstGeom>
-          <a:noFill/>
-        </p:spPr>
-        <p:txBody>
-          <a:bodyPr wrap="square" rtlCol="0">
-            <a:spAutoFit/>
-          </a:bodyPr>
-          <a:p>
-            <a:pPr lvl="0" indent="0" algn="ctr">
-              <a:lnSpc>
-                <a:spcPct val="150000"/>
-              </a:lnSpc>
-              <a:buFont typeface="Arial" panose="020B0604020202020204" pitchFamily="34" charset="0"/>
-              <a:buNone/>
-            </a:pPr>
-            <a:r>
-              <a:rPr lang="pt-PT" sz="1400" b="1">
-                <a:solidFill>
-                  <a:schemeClr val="accent2"/>
-                </a:solidFill>
-              </a:rPr>
-              <a:t>ABORDAGEM AUTO-ADAPTATIVA INICIAL PROPOSTA INICIALMENTE</a:t>
-            </a:r>
-            <a:endParaRPr lang="pt-PT" sz="1400" b="1">
-              <a:solidFill>
-                <a:schemeClr val="accent2"/>
-              </a:solidFill>
-            </a:endParaRPr>
-          </a:p>
-        </p:txBody>
-      </p:sp>
-    </p:spTree>
-  </p:cSld>
-  <p:clrMapOvr>
-    <a:masterClrMapping/>
-  </p:clrMapOvr>
-</p:sld>
-</file>
-
-<file path=ppt/slides/slide2.xml><?xml version="1.0" encoding="utf-8"?>
-<p:sld xmlns:a="http://schemas.openxmlformats.org/drawingml/2006/main" xmlns:r="http://schemas.openxmlformats.org/officeDocument/2006/relationships" xmlns:p="http://schemas.openxmlformats.org/presentationml/2006/main">
-  <p:cSld>
-    <p:spTree>
-      <p:nvGrpSpPr>
-        <p:cNvPr id="1" name=""/>
-        <p:cNvGrpSpPr/>
-        <p:nvPr/>
-      </p:nvGrpSpPr>
-      <p:grpSpPr/>
-      <p:grpSp>
-        <p:nvGrpSpPr>
-          <p:cNvPr id="5" name="Group 4"/>
-          <p:cNvGrpSpPr/>
-          <p:nvPr/>
-        </p:nvGrpSpPr>
-        <p:grpSpPr>
-          <a:xfrm>
-            <a:off x="2988310" y="286385"/>
-            <a:ext cx="6216015" cy="2600325"/>
-            <a:chOff x="4706" y="451"/>
-            <a:chExt cx="9789" cy="4095"/>
-          </a:xfrm>
-        </p:grpSpPr>
-        <mc:AlternateContent xmlns:mc="http://schemas.openxmlformats.org/markup-compatibility/2006">
-          <mc:Choice xmlns:a14="http://schemas.microsoft.com/office/drawing/2010/main" Requires="a14">
-            <p:sp>
-              <p:nvSpPr>
-                <p:cNvPr id="27" name="Text Box 26"/>
-                <p:cNvSpPr txBox="1"/>
-                <p:nvPr/>
-              </p:nvSpPr>
-              <p:spPr>
-                <a:xfrm>
-                  <a:off x="4706" y="1322"/>
-                  <a:ext cx="9789" cy="3224"/>
-                </a:xfrm>
-                <a:prstGeom prst="rect">
-                  <a:avLst/>
-                </a:prstGeom>
-                <a:noFill/>
-              </p:spPr>
-              <p:txBody>
-                <a:bodyPr wrap="square" rtlCol="0">
-                  <a:spAutoFit/>
-                </a:bodyPr>
-                <a:p>
-                  <a:pPr lvl="0" indent="0" algn="just">
-                    <a:lnSpc>
-                      <a:spcPct val="150000"/>
-                    </a:lnSpc>
-                    <a:buFont typeface="Arial" panose="020B0604020202020204" pitchFamily="34" charset="0"/>
-                    <a:buNone/>
-                  </a:pPr>
-                  <a:r>
-                    <a:rPr lang="pt-PT" altLang="en-US" sz="1600">
-                      <a:solidFill>
-                        <a:srgbClr val="C00000"/>
-                      </a:solidFill>
-                      <a:cs typeface="+mn-lt"/>
-                      <a:sym typeface="+mn-ea"/>
-                    </a:rPr>
-                    <a:t>Para calcular a adaptabilidade do </a:t>
-                  </a:r>
-                  <a14:m>
-                    <m:oMath xmlns:m="http://schemas.openxmlformats.org/officeDocument/2006/math">
-                      <m:sSup>
-                        <m:sSupPr>
-                          <m:ctrlPr>
-                            <a:rPr lang="en-US" sz="1600" i="1">
-                              <a:solidFill>
-                                <a:srgbClr val="C00000"/>
-                              </a:solidFill>
-                              <a:latin typeface="DejaVu Math TeX Gyre" panose="02000503000000000000" charset="0"/>
-                              <a:cs typeface="DejaVu Math TeX Gyre" panose="02000503000000000000" charset="0"/>
-                            </a:rPr>
-                          </m:ctrlPr>
-                        </m:sSupPr>
-                        <m:e>
-                          <m:r>
-                            <a:rPr lang="en-US" sz="1600" i="1">
-                              <a:solidFill>
-                                <a:srgbClr val="C00000"/>
-                              </a:solidFill>
-                              <a:latin typeface="DejaVu Math TeX Gyre" panose="02000503000000000000" charset="0"/>
-                              <a:ea typeface="MS Mincho" charset="0"/>
-                              <a:cs typeface="DejaVu Math TeX Gyre" panose="02000503000000000000" charset="0"/>
-                            </a:rPr>
-                            <m:t>𝜎</m:t>
-                          </m:r>
-                        </m:e>
-                        <m:sup>
-                          <m:r>
-                            <a:rPr lang="en-US" sz="1600" i="1">
-                              <a:solidFill>
-                                <a:srgbClr val="C00000"/>
-                              </a:solidFill>
-                              <a:latin typeface="DejaVu Math TeX Gyre" panose="02000503000000000000" charset="0"/>
-                              <a:ea typeface="MS Mincho" charset="0"/>
-                              <a:cs typeface="DejaVu Math TeX Gyre" panose="02000503000000000000" charset="0"/>
-                            </a:rPr>
-                            <m:t>’</m:t>
-                          </m:r>
-                        </m:sup>
-                      </m:sSup>
-                    </m:oMath>
-                  </a14:m>
-                  <a:r>
-                    <a:rPr lang="pt-PT" altLang="en-US" sz="1600">
-                      <a:solidFill>
-                        <a:srgbClr val="C00000"/>
-                      </a:solidFill>
-                      <a:cs typeface="+mn-lt"/>
-                      <a:sym typeface="+mn-ea"/>
-                    </a:rPr>
-                    <a:t>, perturba todas as variáveis de uma só vez com </a:t>
-                  </a:r>
-                  <a14:m>
-                    <m:oMath xmlns:m="http://schemas.openxmlformats.org/officeDocument/2006/math">
-                      <m:sSubSup>
-                        <m:sSubSupPr>
-                          <m:ctrlPr>
-                            <a:rPr lang="en-US" sz="1600" i="1">
-                              <a:solidFill>
-                                <a:srgbClr val="C00000"/>
-                              </a:solidFill>
-                              <a:latin typeface="DejaVu Math TeX Gyre" panose="02000503000000000000" charset="0"/>
-                              <a:cs typeface="DejaVu Math TeX Gyre" panose="02000503000000000000" charset="0"/>
-                            </a:rPr>
-                          </m:ctrlPr>
-                        </m:sSubSupPr>
-                        <m:e>
-                          <m:r>
-                            <a:rPr lang="en-US" sz="1600" i="1">
-                              <a:solidFill>
-                                <a:srgbClr val="C00000"/>
-                              </a:solidFill>
-                              <a:latin typeface="DejaVu Math TeX Gyre" panose="02000503000000000000" charset="0"/>
-                              <a:cs typeface="DejaVu Math TeX Gyre" panose="02000503000000000000" charset="0"/>
-                            </a:rPr>
-                            <m:t>𝑥</m:t>
-                          </m:r>
-                        </m:e>
-                        <m:sub>
-                          <m:r>
-                            <a:rPr lang="en-US" sz="1600" i="1">
-                              <a:solidFill>
-                                <a:srgbClr val="C00000"/>
-                              </a:solidFill>
-                              <a:latin typeface="DejaVu Math TeX Gyre" panose="02000503000000000000" charset="0"/>
-                              <a:cs typeface="DejaVu Math TeX Gyre" panose="02000503000000000000" charset="0"/>
-                            </a:rPr>
-                            <m:t>𝑖</m:t>
-                          </m:r>
-                        </m:sub>
-                        <m:sup>
-                          <m:r>
-                            <a:rPr lang="en-US" sz="1600" i="1">
-                              <a:solidFill>
-                                <a:srgbClr val="C00000"/>
-                              </a:solidFill>
-                              <a:latin typeface="DejaVu Math TeX Gyre" panose="02000503000000000000" charset="0"/>
-                              <a:ea typeface="MS Mincho" charset="0"/>
-                              <a:cs typeface="DejaVu Math TeX Gyre" panose="02000503000000000000" charset="0"/>
-                            </a:rPr>
-                            <m:t>’</m:t>
-                          </m:r>
-                        </m:sup>
-                      </m:sSubSup>
-                      <m:r>
-                        <a:rPr lang="en-US" sz="1600" i="1">
-                          <a:solidFill>
-                            <a:srgbClr val="C00000"/>
-                          </a:solidFill>
-                          <a:latin typeface="DejaVu Math TeX Gyre" panose="02000503000000000000" charset="0"/>
-                          <a:ea typeface="MS Mincho" charset="0"/>
-                          <a:cs typeface="DejaVu Math TeX Gyre" panose="02000503000000000000" charset="0"/>
-                        </a:rPr>
-                        <m:t>=</m:t>
-                      </m:r>
-                      <m:sSub>
-                        <m:sSubPr>
-                          <m:ctrlPr>
-                            <a:rPr lang="en-US" sz="1600" i="1">
-                              <a:solidFill>
-                                <a:srgbClr val="C00000"/>
-                              </a:solidFill>
-                              <a:latin typeface="DejaVu Math TeX Gyre" panose="02000503000000000000" charset="0"/>
-                              <a:cs typeface="DejaVu Math TeX Gyre" panose="02000503000000000000" charset="0"/>
-                            </a:rPr>
-                          </m:ctrlPr>
-                        </m:sSubPr>
-                        <m:e>
-                          <m:r>
-                            <a:rPr lang="en-US" sz="1600" i="1">
-                              <a:solidFill>
-                                <a:srgbClr val="C00000"/>
-                              </a:solidFill>
-                              <a:latin typeface="DejaVu Math TeX Gyre" panose="02000503000000000000" charset="0"/>
-                              <a:cs typeface="DejaVu Math TeX Gyre" panose="02000503000000000000" charset="0"/>
-                            </a:rPr>
-                            <m:t>𝑥</m:t>
-                          </m:r>
-                        </m:e>
-                        <m:sub>
-                          <m:r>
-                            <a:rPr lang="en-US" sz="1600" i="1">
-                              <a:solidFill>
-                                <a:srgbClr val="C00000"/>
-                              </a:solidFill>
-                              <a:latin typeface="DejaVu Math TeX Gyre" panose="02000503000000000000" charset="0"/>
-                              <a:cs typeface="DejaVu Math TeX Gyre" panose="02000503000000000000" charset="0"/>
-                            </a:rPr>
-                            <m:t>𝑖</m:t>
-                          </m:r>
-                        </m:sub>
-                      </m:sSub>
-                      <m:r>
-                        <a:rPr lang="en-US" sz="1600" i="1">
-                          <a:solidFill>
-                            <a:srgbClr val="C00000"/>
-                          </a:solidFill>
-                          <a:latin typeface="DejaVu Math TeX Gyre" panose="02000503000000000000" charset="0"/>
-                          <a:ea typeface="MS Mincho" charset="0"/>
-                          <a:cs typeface="DejaVu Math TeX Gyre" panose="02000503000000000000" charset="0"/>
-                        </a:rPr>
-                        <m:t>+</m:t>
-                      </m:r>
-                      <m:r>
-                        <a:rPr lang="en-US" sz="1600" i="1">
-                          <a:solidFill>
-                            <a:srgbClr val="C00000"/>
-                          </a:solidFill>
-                          <a:latin typeface="DejaVu Math TeX Gyre" panose="02000503000000000000" charset="0"/>
-                          <a:cs typeface="DejaVu Math TeX Gyre" panose="02000503000000000000" charset="0"/>
-                        </a:rPr>
-                        <m:t>𝑁</m:t>
-                      </m:r>
-                      <m:r>
-                        <a:rPr lang="en-US" sz="1600" i="1">
-                          <a:solidFill>
-                            <a:srgbClr val="C00000"/>
-                          </a:solidFill>
-                          <a:latin typeface="DejaVu Math TeX Gyre" panose="02000503000000000000" charset="0"/>
-                          <a:ea typeface="MS Mincho" charset="0"/>
-                          <a:cs typeface="DejaVu Math TeX Gyre" panose="02000503000000000000" charset="0"/>
-                        </a:rPr>
-                        <m:t>(</m:t>
-                      </m:r>
-                      <m:r>
-                        <a:rPr lang="en-US" sz="1600" i="1">
-                          <a:solidFill>
-                            <a:srgbClr val="C00000"/>
-                          </a:solidFill>
-                          <a:latin typeface="DejaVu Math TeX Gyre" panose="02000503000000000000" charset="0"/>
-                          <a:ea typeface="MS Mincho" charset="0"/>
-                          <a:cs typeface="DejaVu Math TeX Gyre" panose="02000503000000000000" charset="0"/>
-                        </a:rPr>
-                        <m:t>0</m:t>
-                      </m:r>
-                      <m:r>
-                        <a:rPr lang="en-US" sz="1600" i="1">
-                          <a:solidFill>
-                            <a:srgbClr val="C00000"/>
-                          </a:solidFill>
-                          <a:latin typeface="DejaVu Math TeX Gyre" panose="02000503000000000000" charset="0"/>
-                          <a:ea typeface="MS Mincho" charset="0"/>
-                          <a:cs typeface="DejaVu Math TeX Gyre" panose="02000503000000000000" charset="0"/>
-                        </a:rPr>
-                        <m:t>,</m:t>
-                      </m:r>
-                      <m:sSup>
-                        <m:sSupPr>
-                          <m:ctrlPr>
-                            <a:rPr lang="en-US" sz="1600" i="1">
-                              <a:solidFill>
-                                <a:srgbClr val="C00000"/>
-                              </a:solidFill>
-                              <a:latin typeface="DejaVu Math TeX Gyre" panose="02000503000000000000" charset="0"/>
-                              <a:cs typeface="DejaVu Math TeX Gyre" panose="02000503000000000000" charset="0"/>
-                            </a:rPr>
-                          </m:ctrlPr>
-                        </m:sSupPr>
-                        <m:e>
-                          <m:r>
-                            <a:rPr lang="en-US" sz="1600" i="1">
-                              <a:solidFill>
-                                <a:srgbClr val="C00000"/>
-                              </a:solidFill>
-                              <a:latin typeface="DejaVu Math TeX Gyre" panose="02000503000000000000" charset="0"/>
-                              <a:ea typeface="MS Mincho" charset="0"/>
-                              <a:cs typeface="DejaVu Math TeX Gyre" panose="02000503000000000000" charset="0"/>
-                            </a:rPr>
-                            <m:t>𝜎</m:t>
-                          </m:r>
-                        </m:e>
-                        <m:sup>
-                          <m:r>
-                            <a:rPr lang="en-US" sz="1600" i="1">
-                              <a:solidFill>
-                                <a:srgbClr val="C00000"/>
-                              </a:solidFill>
-                              <a:latin typeface="DejaVu Math TeX Gyre" panose="02000503000000000000" charset="0"/>
-                              <a:ea typeface="MS Mincho" charset="0"/>
-                              <a:cs typeface="DejaVu Math TeX Gyre" panose="02000503000000000000" charset="0"/>
-                            </a:rPr>
-                            <m:t>’</m:t>
-                          </m:r>
-                        </m:sup>
-                      </m:sSup>
-                      <m:r>
-                        <a:rPr lang="en-US" sz="1600" i="1">
-                          <a:solidFill>
-                            <a:srgbClr val="C00000"/>
-                          </a:solidFill>
-                          <a:latin typeface="DejaVu Math TeX Gyre" panose="02000503000000000000" charset="0"/>
-                          <a:ea typeface="MS Mincho" charset="0"/>
-                          <a:cs typeface="DejaVu Math TeX Gyre" panose="02000503000000000000" charset="0"/>
-                        </a:rPr>
-                        <m:t>)</m:t>
-                      </m:r>
-                    </m:oMath>
-                  </a14:m>
-                  <a:r>
-                    <a:rPr lang="pt-PT" altLang="en-US" sz="1600">
-                      <a:solidFill>
-                        <a:srgbClr val="C00000"/>
-                      </a:solidFill>
-                      <a:cs typeface="+mn-lt"/>
-                      <a:sym typeface="+mn-ea"/>
-                    </a:rPr>
-                    <a:t> e calcula o valor de f(x).</a:t>
-                  </a:r>
-                  <a:endParaRPr lang="pt-PT" altLang="en-US" sz="1600">
-                    <a:solidFill>
-                      <a:srgbClr val="C00000"/>
-                    </a:solidFill>
-                    <a:cs typeface="+mn-lt"/>
-                    <a:sym typeface="+mn-ea"/>
-                  </a:endParaRPr>
-                </a:p>
-                <a:p>
-                  <a:pPr marL="285750" lvl="0" indent="-285750" algn="just">
-                    <a:lnSpc>
-                      <a:spcPct val="150000"/>
-                    </a:lnSpc>
-                    <a:buFont typeface="Arial" panose="020B0604020202020204" pitchFamily="34" charset="0"/>
-                    <a:buChar char="•"/>
-                  </a:pPr>
-                  <a:endParaRPr lang="pt-PT" altLang="en-US" sz="1600">
-                    <a:cs typeface="+mn-lt"/>
-                    <a:sym typeface="+mn-ea"/>
-                  </a:endParaRPr>
-                </a:p>
-                <a:p>
-                  <a:pPr lvl="0" indent="0" algn="just">
-                    <a:lnSpc>
-                      <a:spcPct val="150000"/>
-                    </a:lnSpc>
-                    <a:buFont typeface="Arial" panose="020B0604020202020204" pitchFamily="34" charset="0"/>
-                    <a:buNone/>
-                  </a:pPr>
-                  <a:r>
-                    <a:rPr lang="pt-PT" altLang="en-US" sz="1600">
-                      <a:cs typeface="+mn-lt"/>
-                      <a:sym typeface="+mn-ea"/>
-                    </a:rPr>
-                    <a:t>Em problemas onde os intervalos de variação das variáveis são diferentes, o sigma é diferente, pois </a:t>
-                  </a:r>
-                  <a14:m>
-                    <m:oMath xmlns:m="http://schemas.openxmlformats.org/officeDocument/2006/math">
-                      <m:r>
-                        <a:rPr lang="en-US" altLang="pt-PT" sz="1600" i="1">
-                          <a:latin typeface="DejaVu Math TeX Gyre" panose="02000503000000000000" charset="0"/>
-                          <a:ea typeface="MS Mincho" charset="0"/>
-                          <a:cs typeface="DejaVu Math TeX Gyre" panose="02000503000000000000" charset="0"/>
-                          <a:sym typeface="+mn-ea"/>
-                        </a:rPr>
-                        <m:t>𝜎</m:t>
-                      </m:r>
-                      <m:r>
-                        <a:rPr lang="en-US" altLang="pt-PT" sz="1600" i="1">
-                          <a:latin typeface="DejaVu Math TeX Gyre" panose="02000503000000000000" charset="0"/>
-                          <a:ea typeface="MS Mincho" charset="0"/>
-                          <a:cs typeface="DejaVu Math TeX Gyre" panose="02000503000000000000" charset="0"/>
-                          <a:sym typeface="+mn-ea"/>
-                        </a:rPr>
-                        <m:t>=</m:t>
-                      </m:r>
-                      <m:r>
-                        <a:rPr lang="en-US" altLang="pt-PT" sz="1600" i="1">
-                          <a:latin typeface="DejaVu Math TeX Gyre" panose="02000503000000000000" charset="0"/>
-                          <a:ea typeface="MS Mincho" charset="0"/>
-                          <a:cs typeface="DejaVu Math TeX Gyre" panose="02000503000000000000" charset="0"/>
-                          <a:sym typeface="+mn-ea"/>
-                        </a:rPr>
-                        <m:t>𝜌</m:t>
-                      </m:r>
-                      <m:r>
-                        <a:rPr lang="en-US" altLang="pt-PT" sz="1600" i="1">
-                          <a:latin typeface="DejaVu Math TeX Gyre" panose="02000503000000000000" charset="0"/>
-                          <a:ea typeface="MS Mincho" charset="0"/>
-                          <a:cs typeface="DejaVu Math TeX Gyre" panose="02000503000000000000" charset="0"/>
-                          <a:sym typeface="+mn-ea"/>
-                        </a:rPr>
-                        <m:t>∙(</m:t>
-                      </m:r>
-                      <m:sSup>
-                        <m:sSupPr>
-                          <m:ctrlPr>
-                            <a:rPr lang="en-US" altLang="pt-PT" sz="1600" i="1">
-                              <a:latin typeface="DejaVu Math TeX Gyre" panose="02000503000000000000" charset="0"/>
-                              <a:cs typeface="DejaVu Math TeX Gyre" panose="02000503000000000000" charset="0"/>
-                              <a:sym typeface="+mn-ea"/>
-                            </a:rPr>
-                          </m:ctrlPr>
-                        </m:sSupPr>
-                        <m:e>
-                          <m:r>
-                            <a:rPr lang="en-US" altLang="pt-PT" sz="1600" i="1">
-                              <a:latin typeface="DejaVu Math TeX Gyre" panose="02000503000000000000" charset="0"/>
-                              <a:cs typeface="DejaVu Math TeX Gyre" panose="02000503000000000000" charset="0"/>
-                              <a:sym typeface="+mn-ea"/>
-                            </a:rPr>
-                            <m:t>𝑥</m:t>
-                          </m:r>
-                        </m:e>
-                        <m:sup>
-                          <m:r>
-                            <a:rPr lang="en-US" altLang="pt-PT" sz="1600" i="1">
-                              <a:latin typeface="DejaVu Math TeX Gyre" panose="02000503000000000000" charset="0"/>
-                              <a:cs typeface="DejaVu Math TeX Gyre" panose="02000503000000000000" charset="0"/>
-                              <a:sym typeface="+mn-ea"/>
-                            </a:rPr>
-                            <m:t>𝑈</m:t>
-                          </m:r>
-                        </m:sup>
-                      </m:sSup>
-                      <m:r>
-                        <a:rPr lang="en-US" altLang="pt-PT" sz="1600" i="1">
-                          <a:latin typeface="DejaVu Math TeX Gyre" panose="02000503000000000000" charset="0"/>
-                          <a:cs typeface="DejaVu Math TeX Gyre" panose="02000503000000000000" charset="0"/>
-                          <a:sym typeface="+mn-ea"/>
-                        </a:rPr>
-                        <m:t>−</m:t>
-                      </m:r>
-                      <m:sSup>
-                        <m:sSupPr>
-                          <m:ctrlPr>
-                            <a:rPr lang="en-US" altLang="pt-PT" sz="1600" i="1">
-                              <a:latin typeface="DejaVu Math TeX Gyre" panose="02000503000000000000" charset="0"/>
-                              <a:cs typeface="DejaVu Math TeX Gyre" panose="02000503000000000000" charset="0"/>
-                              <a:sym typeface="+mn-ea"/>
-                            </a:rPr>
-                          </m:ctrlPr>
-                        </m:sSupPr>
-                        <m:e>
-                          <m:r>
-                            <a:rPr lang="en-US" altLang="pt-PT" sz="1600" i="1">
-                              <a:latin typeface="DejaVu Math TeX Gyre" panose="02000503000000000000" charset="0"/>
-                              <a:cs typeface="DejaVu Math TeX Gyre" panose="02000503000000000000" charset="0"/>
-                              <a:sym typeface="+mn-ea"/>
-                            </a:rPr>
-                            <m:t>𝑥</m:t>
-                          </m:r>
-                        </m:e>
-                        <m:sup>
-                          <m:r>
-                            <a:rPr lang="en-US" altLang="pt-PT" sz="1600" i="1">
-                              <a:latin typeface="DejaVu Math TeX Gyre" panose="02000503000000000000" charset="0"/>
-                              <a:cs typeface="DejaVu Math TeX Gyre" panose="02000503000000000000" charset="0"/>
-                              <a:sym typeface="+mn-ea"/>
-                            </a:rPr>
-                            <m:t>𝐿</m:t>
-                          </m:r>
-                        </m:sup>
-                      </m:sSup>
-                      <m:r>
-                        <a:rPr lang="en-US" altLang="pt-PT" sz="1600" i="1">
-                          <a:latin typeface="DejaVu Math TeX Gyre" panose="02000503000000000000" charset="0"/>
-                          <a:ea typeface="MS Mincho" charset="0"/>
-                          <a:cs typeface="DejaVu Math TeX Gyre" panose="02000503000000000000" charset="0"/>
-                          <a:sym typeface="+mn-ea"/>
-                        </a:rPr>
-                        <m:t>)</m:t>
-                      </m:r>
-                    </m:oMath>
-                  </a14:m>
-                  <a:endParaRPr lang="en-US" altLang="pt-PT" sz="1600" i="1">
-                    <a:cs typeface="+mn-lt"/>
-                    <a:sym typeface="+mn-ea"/>
-                  </a:endParaRPr>
-                </a:p>
-              </p:txBody>
-            </p:sp>
-          </mc:Choice>
-          <mc:Fallback>
-            <p:sp>
-              <p:nvSpPr>
-                <p:cNvPr id="27" name="Text Box 26"/>
-                <p:cNvSpPr txBox="1">
-                  <a:spLocks noRot="1" noChangeAspect="1" noMove="1" noResize="1" noEditPoints="1" noAdjustHandles="1" noChangeArrowheads="1" noChangeShapeType="1" noTextEdit="1"/>
-                </p:cNvSpPr>
-                <p:nvPr/>
-              </p:nvSpPr>
-              <p:spPr>
-                <a:xfrm>
-                  <a:off x="4706" y="1322"/>
-                  <a:ext cx="9789" cy="3224"/>
-                </a:xfrm>
-                <a:prstGeom prst="rect">
-                  <a:avLst/>
-                </a:prstGeom>
-                <a:blipFill rotWithShape="1">
-                  <a:blip r:embed="rId1"/>
-                </a:blipFill>
-              </p:spPr>
-              <p:txBody>
-                <a:bodyPr/>
-                <a:lstStyle/>
-                <a:p>
-                  <a:r>
-                    <a:rPr lang="en-US" altLang="en-US">
-                      <a:noFill/>
-                    </a:rPr>
-                    <a:t> </a:t>
-                  </a:r>
-                </a:p>
-              </p:txBody>
-            </p:sp>
-          </mc:Fallback>
-        </mc:AlternateContent>
-        <p:sp>
-          <p:nvSpPr>
-            <p:cNvPr id="2" name="Text Box 1"/>
-            <p:cNvSpPr txBox="1"/>
-            <p:nvPr/>
-          </p:nvSpPr>
-          <p:spPr>
-            <a:xfrm>
-              <a:off x="6814" y="451"/>
-              <a:ext cx="5574" cy="871"/>
-            </a:xfrm>
-            <a:prstGeom prst="rect">
-              <a:avLst/>
-            </a:prstGeom>
-            <a:noFill/>
-          </p:spPr>
-          <p:txBody>
-            <a:bodyPr wrap="square" rtlCol="0">
-              <a:spAutoFit/>
-            </a:bodyPr>
-            <a:p>
-              <a:pPr lvl="0" indent="0" algn="ctr">
-                <a:lnSpc>
-                  <a:spcPct val="150000"/>
-                </a:lnSpc>
-                <a:buFont typeface="Arial" panose="020B0604020202020204" pitchFamily="34" charset="0"/>
-                <a:buNone/>
-              </a:pPr>
-              <a:r>
-                <a:rPr lang="pt-PT" sz="2000" b="1">
-                  <a:solidFill>
-                    <a:schemeClr val="accent2"/>
-                  </a:solidFill>
-                </a:rPr>
-                <a:t>PROBLEMA</a:t>
-              </a:r>
-              <a:endParaRPr lang="pt-PT" sz="2000" b="1">
-                <a:solidFill>
-                  <a:schemeClr val="accent2"/>
-                </a:solidFill>
-              </a:endParaRPr>
-            </a:p>
-          </p:txBody>
-        </p:sp>
-      </p:grpSp>
-      <p:grpSp>
-        <p:nvGrpSpPr>
-          <p:cNvPr id="6" name="Group 5"/>
-          <p:cNvGrpSpPr/>
-          <p:nvPr/>
-        </p:nvGrpSpPr>
-        <p:grpSpPr>
-          <a:xfrm>
-            <a:off x="2988310" y="3723005"/>
-            <a:ext cx="6771640" cy="1856740"/>
-            <a:chOff x="4706" y="451"/>
-            <a:chExt cx="10664" cy="2924"/>
-          </a:xfrm>
-        </p:grpSpPr>
-        <mc:AlternateContent xmlns:mc="http://schemas.openxmlformats.org/markup-compatibility/2006">
-          <mc:Choice xmlns:a14="http://schemas.microsoft.com/office/drawing/2010/main" Requires="a14">
-            <p:sp>
-              <p:nvSpPr>
-                <p:cNvPr id="8" name="Text Box 7"/>
-                <p:cNvSpPr txBox="1"/>
-                <p:nvPr/>
-              </p:nvSpPr>
-              <p:spPr>
-                <a:xfrm>
-                  <a:off x="4706" y="1322"/>
-                  <a:ext cx="10664" cy="2053"/>
-                </a:xfrm>
-                <a:prstGeom prst="rect">
-                  <a:avLst/>
-                </a:prstGeom>
-                <a:noFill/>
-              </p:spPr>
-              <p:txBody>
-                <a:bodyPr wrap="square" rtlCol="0">
-                  <a:spAutoFit/>
-                </a:bodyPr>
-                <a:p>
-                  <a:pPr lvl="0" indent="0" algn="just">
-                    <a:lnSpc>
-                      <a:spcPct val="150000"/>
-                    </a:lnSpc>
-                    <a:buFont typeface="Arial" panose="020B0604020202020204" pitchFamily="34" charset="0"/>
-                    <a:buNone/>
-                  </a:pPr>
-                  <a:r>
-                    <a:rPr lang="pt-PT" altLang="en-US" sz="1600">
-                      <a:cs typeface="+mn-lt"/>
-                      <a:sym typeface="+mn-ea"/>
-                    </a:rPr>
-                    <a:t>Ao invés de sempre perturbar o </a:t>
-                  </a:r>
-                  <a14:m>
-                    <m:oMath xmlns:m="http://schemas.openxmlformats.org/officeDocument/2006/math">
-                      <m:r>
-                        <a:rPr lang="en-US" sz="1600">
-                          <a:solidFill>
-                            <a:schemeClr val="tx1"/>
-                          </a:solidFill>
-                          <a:latin typeface="DejaVu Math TeX Gyre" panose="02000503000000000000" charset="0"/>
-                          <a:ea typeface="MS Mincho" charset="0"/>
-                          <a:cs typeface="DejaVu Math TeX Gyre" panose="02000503000000000000" charset="0"/>
-                        </a:rPr>
-                        <m:t>𝜎</m:t>
-                      </m:r>
-                    </m:oMath>
-                  </a14:m>
-                  <a:r>
-                    <a:rPr lang="pt-PT" altLang="en-US" sz="1600">
-                      <a:cs typeface="+mn-lt"/>
-                      <a:sym typeface="+mn-ea"/>
-                    </a:rPr>
-                    <a:t> gerand</a:t>
-                  </a:r>
-                  <a:r>
-                    <a:rPr lang="pt-PT" altLang="en-US" sz="1600">
-                      <a:solidFill>
-                        <a:schemeClr val="tx1"/>
-                      </a:solidFill>
-                      <a:cs typeface="+mn-lt"/>
-                      <a:sym typeface="+mn-ea"/>
-                    </a:rPr>
-                    <a:t>o o </a:t>
-                  </a:r>
-                  <a14:m>
-                    <m:oMath xmlns:m="http://schemas.openxmlformats.org/officeDocument/2006/math">
-                      <m:sSup>
-                        <m:sSupPr>
-                          <m:ctrlPr>
-                            <a:rPr lang="en-US" sz="1600">
-                              <a:solidFill>
-                                <a:schemeClr val="tx1"/>
-                              </a:solidFill>
-                              <a:latin typeface="DejaVu Math TeX Gyre" panose="02000503000000000000" charset="0"/>
-                              <a:cs typeface="DejaVu Math TeX Gyre" panose="02000503000000000000" charset="0"/>
-                            </a:rPr>
-                          </m:ctrlPr>
-                        </m:sSupPr>
-                        <m:e>
-                          <m:r>
-                            <a:rPr lang="en-US" sz="1600">
-                              <a:solidFill>
-                                <a:schemeClr val="tx1"/>
-                              </a:solidFill>
-                              <a:latin typeface="DejaVu Math TeX Gyre" panose="02000503000000000000" charset="0"/>
-                              <a:ea typeface="MS Mincho" charset="0"/>
-                              <a:cs typeface="DejaVu Math TeX Gyre" panose="02000503000000000000" charset="0"/>
-                            </a:rPr>
-                            <m:t>𝜎</m:t>
-                          </m:r>
-                        </m:e>
-                        <m:sup>
-                          <m:r>
-                            <a:rPr lang="en-US" sz="1600">
-                              <a:solidFill>
-                                <a:schemeClr val="tx1"/>
-                              </a:solidFill>
-                              <a:latin typeface="DejaVu Math TeX Gyre" panose="02000503000000000000" charset="0"/>
-                              <a:ea typeface="MS Mincho" charset="0"/>
-                              <a:cs typeface="DejaVu Math TeX Gyre" panose="02000503000000000000" charset="0"/>
-                            </a:rPr>
-                            <m:t>’</m:t>
-                          </m:r>
-                        </m:sup>
-                      </m:sSup>
-                    </m:oMath>
-                  </a14:m>
-                  <a:r>
-                    <a:rPr lang="pt-PT" altLang="en-US" sz="1600">
-                      <a:cs typeface="+mn-lt"/>
-                      <a:sym typeface="+mn-ea"/>
-                    </a:rPr>
-                    <a:t>, poderia perturbar diretamente o </a:t>
-                  </a:r>
-                  <a14:m>
-                    <m:oMath xmlns:m="http://schemas.openxmlformats.org/officeDocument/2006/math">
-                      <m:r>
-                        <a:rPr lang="en-US" altLang="pt-PT" sz="1600">
-                          <a:latin typeface="DejaVu Math TeX Gyre" panose="02000503000000000000" charset="0"/>
-                          <a:ea typeface="MS Mincho" charset="0"/>
-                          <a:cs typeface="DejaVu Math TeX Gyre" panose="02000503000000000000" charset="0"/>
-                          <a:sym typeface="+mn-ea"/>
-                        </a:rPr>
-                        <m:t>𝜌</m:t>
-                      </m:r>
-                    </m:oMath>
-                  </a14:m>
-                  <a:r>
-                    <a:rPr lang="pt-PT" altLang="en-US" sz="1600">
-                      <a:cs typeface="+mn-lt"/>
-                      <a:sym typeface="+mn-ea"/>
-                    </a:rPr>
-                    <a:t> gerando o </a:t>
-                  </a:r>
-                  <a14:m>
-                    <m:oMath xmlns:m="http://schemas.openxmlformats.org/officeDocument/2006/math">
-                      <m:sSup>
-                        <m:sSupPr>
-                          <m:ctrlPr>
-                            <a:rPr lang="en-US" sz="1600">
-                              <a:solidFill>
-                                <a:schemeClr val="tx1"/>
-                              </a:solidFill>
-                              <a:latin typeface="DejaVu Math TeX Gyre" panose="02000503000000000000" charset="0"/>
-                              <a:cs typeface="DejaVu Math TeX Gyre" panose="02000503000000000000" charset="0"/>
-                            </a:rPr>
-                          </m:ctrlPr>
-                        </m:sSupPr>
-                        <m:e>
-                          <m:r>
-                            <a:rPr lang="en-US" sz="1600">
-                              <a:solidFill>
-                                <a:schemeClr val="tx1"/>
-                              </a:solidFill>
-                              <a:latin typeface="DejaVu Math TeX Gyre" panose="02000503000000000000" charset="0"/>
-                              <a:ea typeface="MS Mincho" charset="0"/>
-                              <a:cs typeface="DejaVu Math TeX Gyre" panose="02000503000000000000" charset="0"/>
-                            </a:rPr>
-                            <m:t>𝜌</m:t>
-                          </m:r>
-                        </m:e>
-                        <m:sup>
-                          <m:r>
-                            <a:rPr lang="en-US" sz="1600">
-                              <a:solidFill>
-                                <a:schemeClr val="tx1"/>
-                              </a:solidFill>
-                              <a:latin typeface="DejaVu Math TeX Gyre" panose="02000503000000000000" charset="0"/>
-                              <a:ea typeface="MS Mincho" charset="0"/>
-                              <a:cs typeface="DejaVu Math TeX Gyre" panose="02000503000000000000" charset="0"/>
-                            </a:rPr>
-                            <m:t>’</m:t>
-                          </m:r>
-                        </m:sup>
-                      </m:sSup>
-                    </m:oMath>
-                  </a14:m>
-                  <a:r>
-                    <a:rPr lang="pt-PT" altLang="en-US" sz="1600">
-                      <a:solidFill>
-                        <a:schemeClr val="tx1"/>
-                      </a:solidFill>
-                      <a:cs typeface="+mn-lt"/>
-                    </a:rPr>
-                    <a:t>, </a:t>
-                  </a:r>
-                  <a:r>
-                    <a:rPr lang="pt-PT" altLang="en-US" sz="1600">
-                      <a:cs typeface="+mn-lt"/>
-                      <a:sym typeface="+mn-ea"/>
-                    </a:rPr>
-                    <a:t>com a mesma metodologia. No momento da perturbação nas variáveis, perturba com </a:t>
-                  </a:r>
-                  <a14:m>
-                    <m:oMath xmlns:m="http://schemas.openxmlformats.org/officeDocument/2006/math">
-                      <m:r>
-                        <a:rPr lang="en-US" altLang="pt-PT" sz="1600" i="1">
-                          <a:latin typeface="DejaVu Math TeX Gyre" panose="02000503000000000000" charset="0"/>
-                          <a:ea typeface="MS Mincho" charset="0"/>
-                          <a:cs typeface="DejaVu Math TeX Gyre" panose="02000503000000000000" charset="0"/>
-                          <a:sym typeface="+mn-ea"/>
-                        </a:rPr>
-                        <m:t>𝜎</m:t>
-                      </m:r>
-                      <m:r>
-                        <a:rPr lang="en-US" altLang="pt-PT" sz="1600" i="1">
-                          <a:latin typeface="DejaVu Math TeX Gyre" panose="02000503000000000000" charset="0"/>
-                          <a:ea typeface="MS Mincho" charset="0"/>
-                          <a:cs typeface="DejaVu Math TeX Gyre" panose="02000503000000000000" charset="0"/>
-                          <a:sym typeface="+mn-ea"/>
-                        </a:rPr>
-                        <m:t>=</m:t>
-                      </m:r>
-                      <m:r>
-                        <a:rPr lang="en-US" altLang="pt-PT" sz="1600" i="1">
-                          <a:latin typeface="DejaVu Math TeX Gyre" panose="02000503000000000000" charset="0"/>
-                          <a:ea typeface="MS Mincho" charset="0"/>
-                          <a:cs typeface="DejaVu Math TeX Gyre" panose="02000503000000000000" charset="0"/>
-                          <a:sym typeface="+mn-ea"/>
-                        </a:rPr>
-                        <m:t>𝜌</m:t>
-                      </m:r>
-                      <m:r>
-                        <a:rPr lang="en-US" altLang="pt-PT" sz="1600" i="1">
-                          <a:latin typeface="DejaVu Math TeX Gyre" panose="02000503000000000000" charset="0"/>
-                          <a:ea typeface="MS Mincho" charset="0"/>
-                          <a:cs typeface="DejaVu Math TeX Gyre" panose="02000503000000000000" charset="0"/>
-                          <a:sym typeface="+mn-ea"/>
-                        </a:rPr>
-                        <m:t>’</m:t>
-                      </m:r>
-                      <m:r>
-                        <a:rPr lang="en-US" altLang="pt-PT" sz="1600" i="1">
-                          <a:latin typeface="DejaVu Math TeX Gyre" panose="02000503000000000000" charset="0"/>
-                          <a:ea typeface="MS Mincho" charset="0"/>
-                          <a:cs typeface="DejaVu Math TeX Gyre" panose="02000503000000000000" charset="0"/>
-                          <a:sym typeface="+mn-ea"/>
-                        </a:rPr>
-                        <m:t>∙(</m:t>
-                      </m:r>
-                      <m:sSup>
-                        <m:sSupPr>
-                          <m:ctrlPr>
-                            <a:rPr lang="en-US" altLang="pt-PT" sz="1600" i="1">
-                              <a:latin typeface="DejaVu Math TeX Gyre" panose="02000503000000000000" charset="0"/>
-                              <a:cs typeface="DejaVu Math TeX Gyre" panose="02000503000000000000" charset="0"/>
-                              <a:sym typeface="+mn-ea"/>
-                            </a:rPr>
-                          </m:ctrlPr>
-                        </m:sSupPr>
-                        <m:e>
-                          <m:r>
-                            <a:rPr lang="en-US" altLang="pt-PT" sz="1600" i="1">
-                              <a:latin typeface="DejaVu Math TeX Gyre" panose="02000503000000000000" charset="0"/>
-                              <a:cs typeface="DejaVu Math TeX Gyre" panose="02000503000000000000" charset="0"/>
-                              <a:sym typeface="+mn-ea"/>
-                            </a:rPr>
-                            <m:t>𝑥</m:t>
-                          </m:r>
-                        </m:e>
-                        <m:sup>
-                          <m:r>
-                            <a:rPr lang="en-US" altLang="pt-PT" sz="1600" i="1">
-                              <a:latin typeface="DejaVu Math TeX Gyre" panose="02000503000000000000" charset="0"/>
-                              <a:cs typeface="DejaVu Math TeX Gyre" panose="02000503000000000000" charset="0"/>
-                              <a:sym typeface="+mn-ea"/>
-                            </a:rPr>
-                            <m:t>𝑈</m:t>
-                          </m:r>
-                        </m:sup>
-                      </m:sSup>
-                      <m:r>
-                        <a:rPr lang="en-US" altLang="pt-PT" sz="1600" i="1">
-                          <a:latin typeface="DejaVu Math TeX Gyre" panose="02000503000000000000" charset="0"/>
-                          <a:cs typeface="DejaVu Math TeX Gyre" panose="02000503000000000000" charset="0"/>
-                          <a:sym typeface="+mn-ea"/>
-                        </a:rPr>
-                        <m:t>−</m:t>
-                      </m:r>
-                      <m:sSup>
-                        <m:sSupPr>
-                          <m:ctrlPr>
-                            <a:rPr lang="en-US" altLang="pt-PT" sz="1600" i="1">
-                              <a:latin typeface="DejaVu Math TeX Gyre" panose="02000503000000000000" charset="0"/>
-                              <a:cs typeface="DejaVu Math TeX Gyre" panose="02000503000000000000" charset="0"/>
-                              <a:sym typeface="+mn-ea"/>
-                            </a:rPr>
-                          </m:ctrlPr>
-                        </m:sSupPr>
-                        <m:e>
-                          <m:r>
-                            <a:rPr lang="en-US" altLang="pt-PT" sz="1600" i="1">
-                              <a:latin typeface="DejaVu Math TeX Gyre" panose="02000503000000000000" charset="0"/>
-                              <a:cs typeface="DejaVu Math TeX Gyre" panose="02000503000000000000" charset="0"/>
-                              <a:sym typeface="+mn-ea"/>
-                            </a:rPr>
-                            <m:t>𝑥</m:t>
-                          </m:r>
-                        </m:e>
-                        <m:sup>
-                          <m:r>
-                            <a:rPr lang="en-US" altLang="pt-PT" sz="1600" i="1">
-                              <a:latin typeface="DejaVu Math TeX Gyre" panose="02000503000000000000" charset="0"/>
-                              <a:cs typeface="DejaVu Math TeX Gyre" panose="02000503000000000000" charset="0"/>
-                              <a:sym typeface="+mn-ea"/>
-                            </a:rPr>
-                            <m:t>𝐿</m:t>
-                          </m:r>
-                        </m:sup>
-                      </m:sSup>
-                      <m:r>
-                        <a:rPr lang="en-US" altLang="pt-PT" sz="1600" i="1">
-                          <a:latin typeface="DejaVu Math TeX Gyre" panose="02000503000000000000" charset="0"/>
-                          <a:ea typeface="MS Mincho" charset="0"/>
-                          <a:cs typeface="DejaVu Math TeX Gyre" panose="02000503000000000000" charset="0"/>
-                          <a:sym typeface="+mn-ea"/>
-                        </a:rPr>
-                        <m:t>)</m:t>
-                      </m:r>
-                    </m:oMath>
-                  </a14:m>
-                  <a:endParaRPr lang="pt-PT" altLang="en-US" sz="1600">
-                    <a:cs typeface="+mn-lt"/>
-                    <a:sym typeface="+mn-ea"/>
-                  </a:endParaRPr>
-                </a:p>
-              </p:txBody>
-            </p:sp>
-          </mc:Choice>
-          <mc:Fallback>
-            <p:sp>
-              <p:nvSpPr>
-                <p:cNvPr id="8" name="Text Box 7"/>
-                <p:cNvSpPr txBox="1">
-                  <a:spLocks noRot="1" noChangeAspect="1" noMove="1" noResize="1" noEditPoints="1" noAdjustHandles="1" noChangeArrowheads="1" noChangeShapeType="1" noTextEdit="1"/>
-                </p:cNvSpPr>
-                <p:nvPr/>
-              </p:nvSpPr>
-              <p:spPr>
-                <a:xfrm>
-                  <a:off x="4706" y="1322"/>
-                  <a:ext cx="10664" cy="2053"/>
-                </a:xfrm>
-                <a:prstGeom prst="rect">
-                  <a:avLst/>
-                </a:prstGeom>
-                <a:blipFill rotWithShape="1">
-                  <a:blip r:embed="rId2"/>
-                </a:blipFill>
-              </p:spPr>
-              <p:txBody>
-                <a:bodyPr/>
-                <a:lstStyle/>
-                <a:p>
-                  <a:r>
-                    <a:rPr lang="en-US" altLang="en-US">
-                      <a:noFill/>
-                    </a:rPr>
-                    <a:t> </a:t>
-                  </a:r>
-                </a:p>
-              </p:txBody>
-            </p:sp>
-          </mc:Fallback>
-        </mc:AlternateContent>
-        <p:sp>
-          <p:nvSpPr>
-            <p:cNvPr id="9" name="Text Box 8"/>
-            <p:cNvSpPr txBox="1"/>
-            <p:nvPr/>
-          </p:nvSpPr>
-          <p:spPr>
-            <a:xfrm>
-              <a:off x="6814" y="451"/>
-              <a:ext cx="5574" cy="871"/>
-            </a:xfrm>
-            <a:prstGeom prst="rect">
-              <a:avLst/>
-            </a:prstGeom>
-            <a:noFill/>
-          </p:spPr>
-          <p:txBody>
-            <a:bodyPr wrap="square" rtlCol="0">
-              <a:spAutoFit/>
-            </a:bodyPr>
-            <a:p>
-              <a:pPr lvl="0" indent="0" algn="ctr">
-                <a:lnSpc>
-                  <a:spcPct val="150000"/>
-                </a:lnSpc>
-                <a:buFont typeface="Arial" panose="020B0604020202020204" pitchFamily="34" charset="0"/>
-                <a:buNone/>
-              </a:pPr>
-              <a:r>
-                <a:rPr lang="pt-PT" sz="2000" b="1">
-                  <a:solidFill>
-                    <a:schemeClr val="accent2"/>
-                  </a:solidFill>
-                </a:rPr>
-                <a:t>SUGESTÃO</a:t>
-              </a:r>
-              <a:endParaRPr lang="pt-PT" sz="2000" b="1">
-                <a:solidFill>
-                  <a:schemeClr val="accent2"/>
-                </a:solidFill>
-              </a:endParaRPr>
-            </a:p>
-          </p:txBody>
-        </p:sp>
-      </p:grpSp>
-    </p:spTree>
-  </p:cSld>
-  <p:clrMapOvr>
-    <a:masterClrMapping/>
-  </p:clrMapOvr>
-</p:sld>
-</file>
-
-<file path=ppt/slides/slide3.xml><?xml version="1.0" encoding="utf-8"?>
-<p:sld xmlns:a="http://schemas.openxmlformats.org/drawingml/2006/main" xmlns:r="http://schemas.openxmlformats.org/officeDocument/2006/relationships" xmlns:p="http://schemas.openxmlformats.org/presentationml/2006/main">
-  <p:cSld>
-    <p:spTree>
-      <p:nvGrpSpPr>
-        <p:cNvPr id="1" name=""/>
-        <p:cNvGrpSpPr/>
-        <p:nvPr/>
-      </p:nvGrpSpPr>
-      <p:grpSpPr/>
-      <mc:AlternateContent xmlns:mc="http://schemas.openxmlformats.org/markup-compatibility/2006">
-        <mc:Choice xmlns:a14="http://schemas.microsoft.com/office/drawing/2010/main" Requires="a14">
-          <p:sp>
-            <p:nvSpPr>
-              <p:cNvPr id="27" name="Text Box 26"/>
-              <p:cNvSpPr txBox="1"/>
-              <p:nvPr/>
-            </p:nvSpPr>
-            <p:spPr>
-              <a:xfrm>
-                <a:off x="2619375" y="906780"/>
-                <a:ext cx="6953250" cy="5044440"/>
-              </a:xfrm>
-              <a:prstGeom prst="rect">
-                <a:avLst/>
-              </a:prstGeom>
-              <a:noFill/>
-            </p:spPr>
-            <p:txBody>
-              <a:bodyPr wrap="square" rtlCol="0">
-                <a:spAutoFit/>
-              </a:bodyPr>
-              <a:p>
-                <a:pPr lvl="0" indent="0" algn="just">
-                  <a:lnSpc>
-                    <a:spcPct val="150000"/>
-                  </a:lnSpc>
-                  <a:buFont typeface="Arial" panose="020B0604020202020204" pitchFamily="34" charset="0"/>
-                  <a:buNone/>
-                </a:pPr>
-                <a:r>
-                  <a:rPr lang="pt-PT" altLang="en-US" sz="1600" b="1">
-                    <a:sym typeface="+mn-ea"/>
-                  </a:rPr>
-                  <a:t>ALTERNATIVA 1:</a:t>
-                </a:r>
-                <a:endParaRPr lang="pt-PT" altLang="en-US" sz="1600" b="1"/>
-              </a:p>
-              <a:p>
-                <a:pPr marL="285750" lvl="0" indent="-285750" algn="just">
-                  <a:lnSpc>
-                    <a:spcPct val="150000"/>
-                  </a:lnSpc>
-                  <a:buFont typeface="Arial" panose="020B0604020202020204" pitchFamily="34" charset="0"/>
-                  <a:buChar char="•"/>
-                </a:pPr>
-                <a:r>
-                  <a:rPr lang="pt-PT" altLang="en-US" sz="1600"/>
-                  <a:t>FOR cada variável:</a:t>
-                </a:r>
-                <a:endParaRPr lang="pt-PT" altLang="en-US" sz="1600"/>
-              </a:p>
-              <a:p>
-                <a:pPr marL="742950" lvl="1" indent="-285750" algn="just">
-                  <a:lnSpc>
-                    <a:spcPct val="150000"/>
-                  </a:lnSpc>
-                  <a:buFont typeface="Arial" panose="020B0604020202020204" pitchFamily="34" charset="0"/>
-                  <a:buChar char="•"/>
-                </a:pPr>
-                <a:r>
-                  <a:rPr lang="pt-PT" altLang="en-US" sz="1600">
-                    <a:sym typeface="+mn-ea"/>
-                  </a:rPr>
-                  <a:t>Perturba com </a:t>
-                </a:r>
-                <a14:m>
-                  <m:oMath xmlns:m="http://schemas.openxmlformats.org/officeDocument/2006/math">
-                    <m:sSubSup>
-                      <m:sSubSupPr>
-                        <m:ctrlPr>
-                          <a:rPr lang="en-US" sz="1600" i="1">
-                            <a:latin typeface="DejaVu Math TeX Gyre" panose="02000503000000000000" charset="0"/>
-                            <a:cs typeface="DejaVu Math TeX Gyre" panose="02000503000000000000" charset="0"/>
-                          </a:rPr>
-                        </m:ctrlPr>
-                      </m:sSubSupPr>
-                      <m:e>
-                        <m:r>
-                          <a:rPr lang="en-US" sz="1600" i="1">
-                            <a:latin typeface="DejaVu Math TeX Gyre" panose="02000503000000000000" charset="0"/>
-                            <a:cs typeface="DejaVu Math TeX Gyre" panose="02000503000000000000" charset="0"/>
-                          </a:rPr>
-                          <m:t>𝑥</m:t>
-                        </m:r>
-                      </m:e>
-                      <m:sub>
-                        <m:r>
-                          <a:rPr lang="en-US" sz="1600" i="1">
-                            <a:latin typeface="DejaVu Math TeX Gyre" panose="02000503000000000000" charset="0"/>
-                            <a:cs typeface="DejaVu Math TeX Gyre" panose="02000503000000000000" charset="0"/>
-                          </a:rPr>
-                          <m:t>𝑖</m:t>
-                        </m:r>
-                      </m:sub>
-                      <m:sup>
-                        <m:r>
-                          <a:rPr lang="en-US" sz="1600" i="1">
-                            <a:latin typeface="DejaVu Math TeX Gyre" panose="02000503000000000000" charset="0"/>
-                            <a:cs typeface="DejaVu Math TeX Gyre" panose="02000503000000000000" charset="0"/>
-                          </a:rPr>
-                          <m:t>’</m:t>
-                        </m:r>
-                      </m:sup>
-                    </m:sSubSup>
-                    <m:r>
-                      <a:rPr lang="en-US" sz="1600" i="1">
-                        <a:latin typeface="DejaVu Math TeX Gyre" panose="02000503000000000000" charset="0"/>
-                        <a:cs typeface="DejaVu Math TeX Gyre" panose="02000503000000000000" charset="0"/>
-                      </a:rPr>
-                      <m:t>=</m:t>
-                    </m:r>
-                    <m:sSub>
-                      <m:sSubPr>
-                        <m:ctrlPr>
-                          <a:rPr lang="en-US" sz="1600" i="1">
-                            <a:latin typeface="DejaVu Math TeX Gyre" panose="02000503000000000000" charset="0"/>
-                            <a:cs typeface="DejaVu Math TeX Gyre" panose="02000503000000000000" charset="0"/>
-                          </a:rPr>
-                        </m:ctrlPr>
-                      </m:sSubPr>
-                      <m:e>
-                        <m:r>
-                          <a:rPr lang="en-US" sz="1600" i="1">
-                            <a:latin typeface="DejaVu Math TeX Gyre" panose="02000503000000000000" charset="0"/>
-                            <a:cs typeface="DejaVu Math TeX Gyre" panose="02000503000000000000" charset="0"/>
-                          </a:rPr>
-                          <m:t>𝑥</m:t>
-                        </m:r>
-                      </m:e>
-                      <m:sub>
-                        <m:r>
-                          <a:rPr lang="en-US" sz="1600" i="1">
-                            <a:latin typeface="DejaVu Math TeX Gyre" panose="02000503000000000000" charset="0"/>
-                            <a:cs typeface="DejaVu Math TeX Gyre" panose="02000503000000000000" charset="0"/>
-                          </a:rPr>
-                          <m:t>𝑖</m:t>
-                        </m:r>
-                      </m:sub>
-                    </m:sSub>
-                    <m:r>
-                      <a:rPr lang="en-US" sz="1600" i="1">
-                        <a:latin typeface="DejaVu Math TeX Gyre" panose="02000503000000000000" charset="0"/>
-                        <a:cs typeface="DejaVu Math TeX Gyre" panose="02000503000000000000" charset="0"/>
-                      </a:rPr>
-                      <m:t>+</m:t>
-                    </m:r>
-                    <m:r>
-                      <a:rPr lang="en-US" sz="1600" i="1">
-                        <a:latin typeface="DejaVu Math TeX Gyre" panose="02000503000000000000" charset="0"/>
-                        <a:cs typeface="DejaVu Math TeX Gyre" panose="02000503000000000000" charset="0"/>
-                      </a:rPr>
-                      <m:t>𝑁</m:t>
-                    </m:r>
-                    <m:r>
-                      <a:rPr lang="en-US" sz="1600" i="1">
-                        <a:latin typeface="DejaVu Math TeX Gyre" panose="02000503000000000000" charset="0"/>
-                        <a:cs typeface="DejaVu Math TeX Gyre" panose="02000503000000000000" charset="0"/>
-                      </a:rPr>
-                      <m:t>(</m:t>
-                    </m:r>
-                    <m:r>
-                      <a:rPr lang="en-US" sz="1600" i="1">
-                        <a:latin typeface="DejaVu Math TeX Gyre" panose="02000503000000000000" charset="0"/>
-                        <a:cs typeface="DejaVu Math TeX Gyre" panose="02000503000000000000" charset="0"/>
-                      </a:rPr>
-                      <m:t>0</m:t>
-                    </m:r>
-                    <m:r>
-                      <a:rPr lang="en-US" sz="1600" i="1">
-                        <a:latin typeface="DejaVu Math TeX Gyre" panose="02000503000000000000" charset="0"/>
-                        <a:cs typeface="DejaVu Math TeX Gyre" panose="02000503000000000000" charset="0"/>
-                      </a:rPr>
-                      <m:t>,</m:t>
-                    </m:r>
-                    <m:r>
-                      <a:rPr lang="en-US" sz="1600" i="1">
-                        <a:latin typeface="DejaVu Math TeX Gyre" panose="02000503000000000000" charset="0"/>
-                        <a:cs typeface="DejaVu Math TeX Gyre" panose="02000503000000000000" charset="0"/>
-                      </a:rPr>
-                      <m:t>𝜎</m:t>
-                    </m:r>
-                    <m:r>
-                      <a:rPr lang="en-US" sz="1600" i="1">
-                        <a:latin typeface="DejaVu Math TeX Gyre" panose="02000503000000000000" charset="0"/>
-                        <a:cs typeface="DejaVu Math TeX Gyre" panose="02000503000000000000" charset="0"/>
-                      </a:rPr>
-                      <m:t>)</m:t>
-                    </m:r>
-                  </m:oMath>
-                </a14:m>
-                <a:r>
-                  <a:rPr lang="pt-PT" altLang="en-US" sz="1600">
-                    <a:latin typeface="DejaVu Math TeX Gyre" panose="02000503000000000000" charset="0"/>
-                    <a:cs typeface="DejaVu Math TeX Gyre" panose="02000503000000000000" charset="0"/>
-                  </a:rPr>
-                  <a:t>, </a:t>
-                </a:r>
-                <a:r>
-                  <a:rPr lang="pt-PT" altLang="en-US" sz="1600">
-                    <a:sym typeface="+mn-ea"/>
-                  </a:rPr>
-                  <a:t>onde </a:t>
-                </a:r>
-                <a14:m>
-                  <m:oMath xmlns:m="http://schemas.openxmlformats.org/officeDocument/2006/math">
-                    <m:r>
-                      <a:rPr lang="en-US" altLang="pt-PT" sz="1600" i="1">
-                        <a:latin typeface="DejaVu Math TeX Gyre" panose="02000503000000000000" charset="0"/>
-                        <a:cs typeface="DejaVu Math TeX Gyre" panose="02000503000000000000" charset="0"/>
-                        <a:sym typeface="+mn-ea"/>
-                      </a:rPr>
-                      <m:t>𝜎</m:t>
-                    </m:r>
-                    <m:r>
-                      <a:rPr lang="en-US" altLang="pt-PT" sz="1600" i="1">
-                        <a:latin typeface="DejaVu Math TeX Gyre" panose="02000503000000000000" charset="0"/>
-                        <a:cs typeface="DejaVu Math TeX Gyre" panose="02000503000000000000" charset="0"/>
-                        <a:sym typeface="+mn-ea"/>
-                      </a:rPr>
-                      <m:t>=</m:t>
-                    </m:r>
-                    <m:r>
-                      <a:rPr lang="en-US" altLang="pt-PT" sz="1600" i="1">
-                        <a:latin typeface="DejaVu Math TeX Gyre" panose="02000503000000000000" charset="0"/>
-                        <a:cs typeface="DejaVu Math TeX Gyre" panose="02000503000000000000" charset="0"/>
-                        <a:sym typeface="+mn-ea"/>
-                      </a:rPr>
-                      <m:t>𝜌</m:t>
-                    </m:r>
-                    <m:r>
-                      <a:rPr lang="en-US" altLang="pt-PT" sz="1600" i="1">
-                        <a:latin typeface="DejaVu Math TeX Gyre" panose="02000503000000000000" charset="0"/>
-                        <a:cs typeface="DejaVu Math TeX Gyre" panose="02000503000000000000" charset="0"/>
-                        <a:sym typeface="+mn-ea"/>
-                      </a:rPr>
-                      <m:t>∙∆</m:t>
-                    </m:r>
-                    <m:r>
-                      <a:rPr lang="en-US" altLang="pt-PT" sz="1600" i="1">
-                        <a:latin typeface="DejaVu Math TeX Gyre" panose="02000503000000000000" charset="0"/>
-                        <a:cs typeface="DejaVu Math TeX Gyre" panose="02000503000000000000" charset="0"/>
-                        <a:sym typeface="+mn-ea"/>
-                      </a:rPr>
-                      <m:t>𝑥</m:t>
-                    </m:r>
-                    <m:r>
-                      <a:rPr lang="en-US" altLang="pt-PT" sz="1600" i="1" baseline="-25000">
-                        <a:latin typeface="DejaVu Math TeX Gyre" panose="02000503000000000000" charset="0"/>
-                        <a:cs typeface="DejaVu Math TeX Gyre" panose="02000503000000000000" charset="0"/>
-                        <a:sym typeface="+mn-ea"/>
-                      </a:rPr>
-                      <m:t>𝑖</m:t>
-                    </m:r>
-                  </m:oMath>
-                </a14:m>
-                <a:r>
-                  <a:rPr lang="pt-PT" altLang="en-US" sz="1600">
-                    <a:latin typeface="DejaVu Math TeX Gyre" panose="02000503000000000000" charset="0"/>
-                    <a:cs typeface="DejaVu Math TeX Gyre" panose="02000503000000000000" charset="0"/>
-                  </a:rPr>
-                  <a:t> </a:t>
-                </a:r>
-                <a:endParaRPr lang="pt-PT" altLang="en-US" sz="1600">
-                  <a:sym typeface="+mn-ea"/>
-                </a:endParaRPr>
-              </a:p>
-              <a:p>
-                <a:pPr marL="742950" lvl="1" indent="-285750" algn="just">
-                  <a:lnSpc>
-                    <a:spcPct val="150000"/>
-                  </a:lnSpc>
-                  <a:buFont typeface="Arial" panose="020B0604020202020204" pitchFamily="34" charset="0"/>
-                  <a:buChar char="•"/>
-                </a:pPr>
-                <a:r>
-                  <a:rPr lang="pt-PT" altLang="en-US" sz="1600">
-                    <a:sym typeface="+mn-ea"/>
-                  </a:rPr>
-                  <a:t>Calcula o valor de f(x) só com essa variável perturbada. Esse será o valor da adaptabilidade dessa variável.</a:t>
-                </a:r>
-                <a:endParaRPr lang="pt-PT" altLang="en-US" sz="1600">
-                  <a:sym typeface="+mn-ea"/>
-                </a:endParaRPr>
-              </a:p>
-              <a:p>
-                <a:pPr marL="285750" lvl="0" indent="-285750" algn="just">
-                  <a:lnSpc>
-                    <a:spcPct val="150000"/>
-                  </a:lnSpc>
-                  <a:buFont typeface="Arial" panose="020B0604020202020204" pitchFamily="34" charset="0"/>
-                  <a:buChar char="•"/>
-                </a:pPr>
-                <a:r>
-                  <a:rPr lang="pt-PT" altLang="en-US" sz="1600">
-                    <a:sym typeface="+mn-ea"/>
-                  </a:rPr>
-                  <a:t>ENDFOR</a:t>
-                </a:r>
-                <a:endParaRPr lang="pt-PT" altLang="en-US" sz="1600">
-                  <a:sym typeface="+mn-ea"/>
-                </a:endParaRPr>
-              </a:p>
-              <a:p>
-                <a:pPr marL="285750" lvl="0" indent="-285750" algn="just">
-                  <a:lnSpc>
-                    <a:spcPct val="150000"/>
-                  </a:lnSpc>
-                  <a:buFont typeface="Arial" panose="020B0604020202020204" pitchFamily="34" charset="0"/>
-                  <a:buChar char="•"/>
-                </a:pPr>
-                <a:r>
-                  <a:rPr lang="pt-PT" altLang="en-US" sz="1600">
-                    <a:solidFill>
-                      <a:srgbClr val="FF0000"/>
-                    </a:solidFill>
-                    <a:sym typeface="+mn-ea"/>
-                  </a:rPr>
-                  <a:t>Perturba a porcentagem com </a:t>
-                </a:r>
-                <a14:m>
-                  <m:oMath xmlns:m="http://schemas.openxmlformats.org/officeDocument/2006/math">
-                    <m:sSup>
-                      <m:sSupPr>
-                        <m:ctrlPr>
-                          <a:rPr lang="en-US" sz="1600" i="1">
-                            <a:solidFill>
-                              <a:srgbClr val="FF0000"/>
-                            </a:solidFill>
-                            <a:latin typeface="DejaVu Math TeX Gyre" panose="02000503000000000000" charset="0"/>
-                            <a:cs typeface="DejaVu Math TeX Gyre" panose="02000503000000000000" charset="0"/>
-                          </a:rPr>
-                        </m:ctrlPr>
-                      </m:sSupPr>
-                      <m:e>
-                        <m:r>
-                          <a:rPr lang="en-US" sz="1600" i="1">
-                            <a:solidFill>
-                              <a:srgbClr val="FF0000"/>
-                            </a:solidFill>
-                            <a:latin typeface="DejaVu Math TeX Gyre" panose="02000503000000000000" charset="0"/>
-                            <a:cs typeface="DejaVu Math TeX Gyre" panose="02000503000000000000" charset="0"/>
-                          </a:rPr>
-                          <m:t>𝜌</m:t>
-                        </m:r>
-                      </m:e>
-                      <m:sup>
-                        <m:r>
-                          <a:rPr lang="en-US" sz="1600" i="1">
-                            <a:solidFill>
-                              <a:srgbClr val="FF0000"/>
-                            </a:solidFill>
-                            <a:latin typeface="DejaVu Math TeX Gyre" panose="02000503000000000000" charset="0"/>
-                            <a:cs typeface="DejaVu Math TeX Gyre" panose="02000503000000000000" charset="0"/>
-                          </a:rPr>
-                          <m:t>’</m:t>
-                        </m:r>
-                      </m:sup>
-                    </m:sSup>
-                    <m:r>
-                      <a:rPr lang="en-US" sz="1600" i="1">
-                        <a:solidFill>
-                          <a:srgbClr val="FF0000"/>
-                        </a:solidFill>
-                        <a:latin typeface="DejaVu Math TeX Gyre" panose="02000503000000000000" charset="0"/>
-                        <a:cs typeface="DejaVu Math TeX Gyre" panose="02000503000000000000" charset="0"/>
-                      </a:rPr>
-                      <m:t>=</m:t>
-                    </m:r>
-                    <m:r>
-                      <a:rPr lang="en-US" sz="1600" i="1">
-                        <a:solidFill>
-                          <a:srgbClr val="FF0000"/>
-                        </a:solidFill>
-                        <a:latin typeface="DejaVu Math TeX Gyre" panose="02000503000000000000" charset="0"/>
-                        <a:cs typeface="DejaVu Math TeX Gyre" panose="02000503000000000000" charset="0"/>
-                      </a:rPr>
-                      <m:t>𝜌</m:t>
-                    </m:r>
-                    <m:r>
-                      <a:rPr lang="en-US" sz="1600" i="1">
-                        <a:solidFill>
-                          <a:srgbClr val="FF0000"/>
-                        </a:solidFill>
-                        <a:latin typeface="DejaVu Math TeX Gyre" panose="02000503000000000000" charset="0"/>
-                        <a:cs typeface="DejaVu Math TeX Gyre" panose="02000503000000000000" charset="0"/>
-                      </a:rPr>
-                      <m:t>∙</m:t>
-                    </m:r>
-                    <m:r>
-                      <a:rPr lang="en-US" sz="1600" i="1">
-                        <a:solidFill>
-                          <a:srgbClr val="FF0000"/>
-                        </a:solidFill>
-                        <a:latin typeface="DejaVu Math TeX Gyre" panose="02000503000000000000" charset="0"/>
-                        <a:cs typeface="DejaVu Math TeX Gyre" panose="02000503000000000000" charset="0"/>
-                      </a:rPr>
-                      <m:t>𝐿𝑜𝑔𝑁𝑜𝑟𝑚𝑎𝑙</m:t>
-                    </m:r>
-                    <m:r>
-                      <a:rPr lang="en-US" sz="1600" i="1">
-                        <a:solidFill>
-                          <a:srgbClr val="FF0000"/>
-                        </a:solidFill>
-                        <a:latin typeface="DejaVu Math TeX Gyre" panose="02000503000000000000" charset="0"/>
-                        <a:cs typeface="DejaVu Math TeX Gyre" panose="02000503000000000000" charset="0"/>
-                      </a:rPr>
-                      <m:t>(</m:t>
-                    </m:r>
-                    <m:r>
-                      <a:rPr lang="en-US" sz="1600" i="1">
-                        <a:solidFill>
-                          <a:srgbClr val="FF0000"/>
-                        </a:solidFill>
-                        <a:latin typeface="DejaVu Math TeX Gyre" panose="02000503000000000000" charset="0"/>
-                        <a:cs typeface="DejaVu Math TeX Gyre" panose="02000503000000000000" charset="0"/>
-                      </a:rPr>
-                      <m:t>0</m:t>
-                    </m:r>
-                    <m:r>
-                      <a:rPr lang="en-US" sz="1600" i="1">
-                        <a:solidFill>
-                          <a:srgbClr val="FF0000"/>
-                        </a:solidFill>
-                        <a:latin typeface="DejaVu Math TeX Gyre" panose="02000503000000000000" charset="0"/>
-                        <a:cs typeface="DejaVu Math TeX Gyre" panose="02000503000000000000" charset="0"/>
-                      </a:rPr>
-                      <m:t>,</m:t>
-                    </m:r>
-                    <m:r>
-                      <a:rPr lang="en-US" sz="1600" i="1">
-                        <a:solidFill>
-                          <a:srgbClr val="FF0000"/>
-                        </a:solidFill>
-                        <a:latin typeface="DejaVu Math TeX Gyre" panose="02000503000000000000" charset="0"/>
-                        <a:cs typeface="DejaVu Math TeX Gyre" panose="02000503000000000000" charset="0"/>
-                      </a:rPr>
-                      <m:t>𝛼</m:t>
-                    </m:r>
-                    <m:r>
-                      <a:rPr lang="en-US" sz="1600" i="1">
-                        <a:solidFill>
-                          <a:srgbClr val="FF0000"/>
-                        </a:solidFill>
-                        <a:latin typeface="DejaVu Math TeX Gyre" panose="02000503000000000000" charset="0"/>
-                        <a:ea typeface="MS Mincho" charset="0"/>
-                        <a:cs typeface="DejaVu Math TeX Gyre" panose="02000503000000000000" charset="0"/>
-                      </a:rPr>
-                      <m:t>)</m:t>
-                    </m:r>
-                  </m:oMath>
-                </a14:m>
-                <a:r>
-                  <a:rPr lang="pt-PT" altLang="en-US" sz="1600">
-                    <a:solidFill>
-                      <a:srgbClr val="FF0000"/>
-                    </a:solidFill>
-                    <a:latin typeface="DejaVu Math TeX Gyre" panose="02000503000000000000" charset="0"/>
-                    <a:ea typeface="MS Mincho" charset="0"/>
-                    <a:cs typeface="DejaVu Math TeX Gyre" panose="02000503000000000000" charset="0"/>
-                  </a:rPr>
-                  <a:t>, </a:t>
-                </a:r>
-                <a:r>
-                  <a:rPr lang="pt-PT" altLang="en-US" sz="1600">
-                    <a:solidFill>
-                      <a:srgbClr val="FF0000"/>
-                    </a:solidFill>
-                    <a:sym typeface="+mn-ea"/>
-                  </a:rPr>
-                  <a:t>onde </a:t>
-                </a:r>
-                <a14:m>
-                  <m:oMath xmlns:m="http://schemas.openxmlformats.org/officeDocument/2006/math">
-                    <m:r>
-                      <a:rPr lang="en-US" altLang="pt-PT" sz="1600" i="1">
-                        <a:solidFill>
-                          <a:srgbClr val="FF0000"/>
-                        </a:solidFill>
-                        <a:latin typeface="DejaVu Math TeX Gyre" panose="02000503000000000000" charset="0"/>
-                        <a:cs typeface="DejaVu Math TeX Gyre" panose="02000503000000000000" charset="0"/>
-                        <a:sym typeface="+mn-ea"/>
-                      </a:rPr>
-                      <m:t>𝛼</m:t>
-                    </m:r>
-                    <m:r>
-                      <a:rPr lang="en-US" altLang="pt-PT" sz="1600" i="1">
-                        <a:solidFill>
-                          <a:srgbClr val="FF0000"/>
-                        </a:solidFill>
-                        <a:latin typeface="DejaVu Math TeX Gyre" panose="02000503000000000000" charset="0"/>
-                        <a:cs typeface="DejaVu Math TeX Gyre" panose="02000503000000000000" charset="0"/>
-                        <a:sym typeface="+mn-ea"/>
-                      </a:rPr>
-                      <m:t>=</m:t>
-                    </m:r>
-                    <m:f>
-                      <m:fPr>
-                        <m:type m:val="lin"/>
-                        <m:ctrlPr>
-                          <a:rPr lang="en-US" altLang="pt-PT" sz="1600" i="1">
-                            <a:solidFill>
-                              <a:srgbClr val="FF0000"/>
-                            </a:solidFill>
-                            <a:latin typeface="DejaVu Math TeX Gyre" panose="02000503000000000000" charset="0"/>
-                            <a:cs typeface="DejaVu Math TeX Gyre" panose="02000503000000000000" charset="0"/>
-                            <a:sym typeface="+mn-ea"/>
-                          </a:rPr>
-                        </m:ctrlPr>
-                      </m:fPr>
-                      <m:num>
-                        <m:r>
-                          <a:rPr lang="en-US" altLang="pt-PT" sz="1600" i="1">
-                            <a:solidFill>
-                              <a:srgbClr val="FF0000"/>
-                            </a:solidFill>
-                            <a:latin typeface="DejaVu Math TeX Gyre" panose="02000503000000000000" charset="0"/>
-                            <a:cs typeface="DejaVu Math TeX Gyre" panose="02000503000000000000" charset="0"/>
-                            <a:sym typeface="+mn-ea"/>
-                          </a:rPr>
-                          <m:t>1</m:t>
-                        </m:r>
-                      </m:num>
-                      <m:den>
-                        <m:rad>
-                          <m:radPr>
-                            <m:ctrlPr>
-                              <a:rPr lang="en-US" altLang="pt-PT" sz="1600" i="1">
-                                <a:solidFill>
-                                  <a:srgbClr val="FF0000"/>
-                                </a:solidFill>
-                                <a:latin typeface="DejaVu Math TeX Gyre" panose="02000503000000000000" charset="0"/>
-                                <a:cs typeface="DejaVu Math TeX Gyre" panose="02000503000000000000" charset="0"/>
-                                <a:sym typeface="+mn-ea"/>
-                              </a:rPr>
-                            </m:ctrlPr>
-                          </m:radPr>
-                          <m:deg>
-                            <m:r>
-                              <a:rPr lang="en-US" altLang="pt-PT" sz="1600" i="1">
-                                <a:solidFill>
-                                  <a:srgbClr val="FF0000"/>
-                                </a:solidFill>
-                                <a:latin typeface="DejaVu Math TeX Gyre" panose="02000503000000000000" charset="0"/>
-                                <a:cs typeface="DejaVu Math TeX Gyre" panose="02000503000000000000" charset="0"/>
-                                <a:sym typeface="+mn-ea"/>
-                              </a:rPr>
-                              <m:t>2</m:t>
-                            </m:r>
-                          </m:deg>
-                          <m:e>
-                            <m:r>
-                              <a:rPr lang="en-US" altLang="pt-PT" sz="1600" i="1">
-                                <a:solidFill>
-                                  <a:srgbClr val="FF0000"/>
-                                </a:solidFill>
-                                <a:latin typeface="DejaVu Math TeX Gyre" panose="02000503000000000000" charset="0"/>
-                                <a:cs typeface="DejaVu Math TeX Gyre" panose="02000503000000000000" charset="0"/>
-                                <a:sym typeface="+mn-ea"/>
-                              </a:rPr>
-                              <m:t>𝑁</m:t>
-                            </m:r>
-                          </m:e>
-                        </m:rad>
-                      </m:den>
-                    </m:f>
-                  </m:oMath>
-                </a14:m>
-                <a:endParaRPr lang="en-US" sz="1600" i="1">
-                  <a:solidFill>
-                    <a:srgbClr val="FF0000"/>
-                  </a:solidFill>
-                  <a:latin typeface="DejaVu Math TeX Gyre" panose="02000503000000000000" charset="0"/>
-                  <a:cs typeface="DejaVu Math TeX Gyre" panose="02000503000000000000" charset="0"/>
-                </a:endParaRPr>
-              </a:p>
-              <a:p>
-                <a:pPr marL="285750" lvl="0" indent="-285750" algn="just">
-                  <a:lnSpc>
-                    <a:spcPct val="150000"/>
-                  </a:lnSpc>
-                  <a:buFont typeface="Arial" panose="020B0604020202020204" pitchFamily="34" charset="0"/>
-                  <a:buChar char="•"/>
-                </a:pPr>
-                <a:r>
-                  <a:rPr lang="pt-PT" altLang="en-US" sz="1600">
-                    <a:solidFill>
-                      <a:srgbClr val="FF0000"/>
-                    </a:solidFill>
-                    <a:sym typeface="+mn-ea"/>
-                  </a:rPr>
-                  <a:t> Para calcular a adaptabilidade do </a:t>
-                </a:r>
-                <a14:m>
-                  <m:oMath xmlns:m="http://schemas.openxmlformats.org/officeDocument/2006/math">
-                    <m:sSup>
-                      <m:sSupPr>
-                        <m:ctrlPr>
-                          <a:rPr lang="en-US" sz="1600" i="1">
-                            <a:solidFill>
-                              <a:srgbClr val="FF0000"/>
-                            </a:solidFill>
-                            <a:latin typeface="DejaVu Math TeX Gyre" panose="02000503000000000000" charset="0"/>
-                            <a:cs typeface="DejaVu Math TeX Gyre" panose="02000503000000000000" charset="0"/>
-                          </a:rPr>
-                        </m:ctrlPr>
-                      </m:sSupPr>
-                      <m:e>
-                        <m:r>
-                          <a:rPr lang="en-US" sz="1600" i="1">
-                            <a:solidFill>
-                              <a:srgbClr val="FF0000"/>
-                            </a:solidFill>
-                            <a:latin typeface="DejaVu Math TeX Gyre" panose="02000503000000000000" charset="0"/>
-                            <a:cs typeface="DejaVu Math TeX Gyre" panose="02000503000000000000" charset="0"/>
-                          </a:rPr>
-                          <m:t>𝜌</m:t>
-                        </m:r>
-                      </m:e>
-                      <m:sup>
-                        <m:r>
-                          <a:rPr lang="en-US" sz="1600" i="1">
-                            <a:solidFill>
-                              <a:srgbClr val="FF0000"/>
-                            </a:solidFill>
-                            <a:latin typeface="DejaVu Math TeX Gyre" panose="02000503000000000000" charset="0"/>
-                            <a:cs typeface="DejaVu Math TeX Gyre" panose="02000503000000000000" charset="0"/>
-                          </a:rPr>
-                          <m:t>’</m:t>
-                        </m:r>
-                      </m:sup>
-                    </m:sSup>
-                  </m:oMath>
-                </a14:m>
-                <a:r>
-                  <a:rPr lang="pt-PT" altLang="en-US" sz="1600">
-                    <a:solidFill>
-                      <a:srgbClr val="FF0000"/>
-                    </a:solidFill>
-                    <a:sym typeface="+mn-ea"/>
-                  </a:rPr>
-                  <a:t>, perturba todas as variáveis de uma só vez com </a:t>
-                </a:r>
-                <a14:m>
-                  <m:oMath xmlns:m="http://schemas.openxmlformats.org/officeDocument/2006/math">
-                    <m:sSubSup>
-                      <m:sSubSupPr>
-                        <m:ctrlPr>
-                          <a:rPr lang="en-US" sz="1600" i="1">
-                            <a:solidFill>
-                              <a:srgbClr val="FF0000"/>
-                            </a:solidFill>
-                            <a:latin typeface="DejaVu Math TeX Gyre" panose="02000503000000000000" charset="0"/>
-                            <a:cs typeface="DejaVu Math TeX Gyre" panose="02000503000000000000" charset="0"/>
-                          </a:rPr>
-                        </m:ctrlPr>
-                      </m:sSubSupPr>
-                      <m:e>
-                        <m:r>
-                          <a:rPr lang="en-US" sz="1600" i="1">
-                            <a:solidFill>
-                              <a:srgbClr val="FF0000"/>
-                            </a:solidFill>
-                            <a:latin typeface="DejaVu Math TeX Gyre" panose="02000503000000000000" charset="0"/>
-                            <a:cs typeface="DejaVu Math TeX Gyre" panose="02000503000000000000" charset="0"/>
-                          </a:rPr>
-                          <m:t>𝑥</m:t>
-                        </m:r>
-                      </m:e>
-                      <m:sub>
-                        <m:r>
-                          <a:rPr lang="en-US" sz="1600" i="1">
-                            <a:solidFill>
-                              <a:srgbClr val="FF0000"/>
-                            </a:solidFill>
-                            <a:latin typeface="DejaVu Math TeX Gyre" panose="02000503000000000000" charset="0"/>
-                            <a:cs typeface="DejaVu Math TeX Gyre" panose="02000503000000000000" charset="0"/>
-                          </a:rPr>
-                          <m:t>𝑖</m:t>
-                        </m:r>
-                      </m:sub>
-                      <m:sup>
-                        <m:r>
-                          <a:rPr lang="en-US" sz="1600" i="1">
-                            <a:solidFill>
-                              <a:srgbClr val="FF0000"/>
-                            </a:solidFill>
-                            <a:latin typeface="DejaVu Math TeX Gyre" panose="02000503000000000000" charset="0"/>
-                            <a:cs typeface="DejaVu Math TeX Gyre" panose="02000503000000000000" charset="0"/>
-                          </a:rPr>
-                          <m:t>’</m:t>
-                        </m:r>
-                      </m:sup>
-                    </m:sSubSup>
-                    <m:r>
-                      <a:rPr lang="en-US" sz="1600" i="1">
-                        <a:solidFill>
-                          <a:srgbClr val="FF0000"/>
-                        </a:solidFill>
-                        <a:latin typeface="DejaVu Math TeX Gyre" panose="02000503000000000000" charset="0"/>
-                        <a:cs typeface="DejaVu Math TeX Gyre" panose="02000503000000000000" charset="0"/>
-                      </a:rPr>
-                      <m:t>=</m:t>
-                    </m:r>
-                    <m:sSub>
-                      <m:sSubPr>
-                        <m:ctrlPr>
-                          <a:rPr lang="en-US" sz="1600" i="1">
-                            <a:solidFill>
-                              <a:srgbClr val="FF0000"/>
-                            </a:solidFill>
-                            <a:latin typeface="DejaVu Math TeX Gyre" panose="02000503000000000000" charset="0"/>
-                            <a:cs typeface="DejaVu Math TeX Gyre" panose="02000503000000000000" charset="0"/>
-                          </a:rPr>
-                        </m:ctrlPr>
-                      </m:sSubPr>
-                      <m:e>
-                        <m:r>
-                          <a:rPr lang="en-US" sz="1600" i="1">
-                            <a:solidFill>
-                              <a:srgbClr val="FF0000"/>
-                            </a:solidFill>
-                            <a:latin typeface="DejaVu Math TeX Gyre" panose="02000503000000000000" charset="0"/>
-                            <a:cs typeface="DejaVu Math TeX Gyre" panose="02000503000000000000" charset="0"/>
-                          </a:rPr>
-                          <m:t>𝑥</m:t>
-                        </m:r>
-                      </m:e>
-                      <m:sub>
-                        <m:r>
-                          <a:rPr lang="en-US" sz="1600" i="1">
-                            <a:solidFill>
-                              <a:srgbClr val="FF0000"/>
-                            </a:solidFill>
-                            <a:latin typeface="DejaVu Math TeX Gyre" panose="02000503000000000000" charset="0"/>
-                            <a:cs typeface="DejaVu Math TeX Gyre" panose="02000503000000000000" charset="0"/>
-                          </a:rPr>
-                          <m:t>𝑖</m:t>
-                        </m:r>
-                      </m:sub>
-                    </m:sSub>
-                    <m:r>
-                      <a:rPr lang="en-US" sz="1600" i="1">
-                        <a:solidFill>
-                          <a:srgbClr val="FF0000"/>
-                        </a:solidFill>
-                        <a:latin typeface="DejaVu Math TeX Gyre" panose="02000503000000000000" charset="0"/>
-                        <a:cs typeface="DejaVu Math TeX Gyre" panose="02000503000000000000" charset="0"/>
-                      </a:rPr>
-                      <m:t>+</m:t>
-                    </m:r>
-                    <m:r>
-                      <a:rPr lang="en-US" sz="1600" i="1">
-                        <a:solidFill>
-                          <a:srgbClr val="FF0000"/>
-                        </a:solidFill>
-                        <a:latin typeface="DejaVu Math TeX Gyre" panose="02000503000000000000" charset="0"/>
-                        <a:cs typeface="DejaVu Math TeX Gyre" panose="02000503000000000000" charset="0"/>
-                      </a:rPr>
-                      <m:t>𝑁</m:t>
-                    </m:r>
-                    <m:r>
-                      <a:rPr lang="en-US" sz="1600" i="1">
-                        <a:solidFill>
-                          <a:srgbClr val="FF0000"/>
-                        </a:solidFill>
-                        <a:latin typeface="DejaVu Math TeX Gyre" panose="02000503000000000000" charset="0"/>
-                        <a:cs typeface="DejaVu Math TeX Gyre" panose="02000503000000000000" charset="0"/>
-                      </a:rPr>
-                      <m:t>(</m:t>
-                    </m:r>
-                    <m:r>
-                      <a:rPr lang="en-US" sz="1600" i="1">
-                        <a:solidFill>
-                          <a:srgbClr val="FF0000"/>
-                        </a:solidFill>
-                        <a:latin typeface="DejaVu Math TeX Gyre" panose="02000503000000000000" charset="0"/>
-                        <a:cs typeface="DejaVu Math TeX Gyre" panose="02000503000000000000" charset="0"/>
-                      </a:rPr>
-                      <m:t>0</m:t>
-                    </m:r>
-                    <m:r>
-                      <a:rPr lang="en-US" sz="1600" i="1">
-                        <a:solidFill>
-                          <a:srgbClr val="FF0000"/>
-                        </a:solidFill>
-                        <a:latin typeface="DejaVu Math TeX Gyre" panose="02000503000000000000" charset="0"/>
-                        <a:cs typeface="DejaVu Math TeX Gyre" panose="02000503000000000000" charset="0"/>
-                      </a:rPr>
-                      <m:t>,</m:t>
-                    </m:r>
-                    <m:r>
-                      <a:rPr lang="en-US" sz="1600" i="1">
-                        <a:solidFill>
-                          <a:srgbClr val="FF0000"/>
-                        </a:solidFill>
-                        <a:latin typeface="DejaVu Math TeX Gyre" panose="02000503000000000000" charset="0"/>
-                        <a:cs typeface="DejaVu Math TeX Gyre" panose="02000503000000000000" charset="0"/>
-                      </a:rPr>
-                      <m:t>𝜎</m:t>
-                    </m:r>
-                    <m:r>
-                      <a:rPr lang="en-US" sz="1600" i="1">
-                        <a:solidFill>
-                          <a:srgbClr val="FF0000"/>
-                        </a:solidFill>
-                        <a:latin typeface="DejaVu Math TeX Gyre" panose="02000503000000000000" charset="0"/>
-                        <a:ea typeface="MS Mincho" charset="0"/>
-                        <a:cs typeface="DejaVu Math TeX Gyre" panose="02000503000000000000" charset="0"/>
-                      </a:rPr>
-                      <m:t>)</m:t>
-                    </m:r>
-                  </m:oMath>
-                </a14:m>
-                <a:r>
-                  <a:rPr lang="pt-PT" altLang="en-US" sz="1600">
-                    <a:solidFill>
-                      <a:srgbClr val="FF0000"/>
-                    </a:solidFill>
-                    <a:latin typeface="DejaVu Math TeX Gyre" panose="02000503000000000000" charset="0"/>
-                    <a:ea typeface="MS Mincho" charset="0"/>
-                    <a:cs typeface="DejaVu Math TeX Gyre" panose="02000503000000000000" charset="0"/>
-                  </a:rPr>
-                  <a:t>, </a:t>
-                </a:r>
-                <a:r>
-                  <a:rPr lang="pt-PT" altLang="en-US" sz="1600">
-                    <a:solidFill>
-                      <a:srgbClr val="FF0000"/>
-                    </a:solidFill>
-                    <a:sym typeface="+mn-ea"/>
-                  </a:rPr>
-                  <a:t>onde </a:t>
-                </a:r>
-                <a14:m>
-                  <m:oMath xmlns:m="http://schemas.openxmlformats.org/officeDocument/2006/math">
-                    <m:r>
-                      <a:rPr lang="en-US" altLang="pt-PT" sz="1600" i="1">
-                        <a:solidFill>
-                          <a:srgbClr val="FF0000"/>
-                        </a:solidFill>
-                        <a:latin typeface="DejaVu Math TeX Gyre" panose="02000503000000000000" charset="0"/>
-                        <a:cs typeface="DejaVu Math TeX Gyre" panose="02000503000000000000" charset="0"/>
-                        <a:sym typeface="+mn-ea"/>
-                      </a:rPr>
-                      <m:t>𝜎</m:t>
-                    </m:r>
-                    <m:r>
-                      <a:rPr lang="en-US" altLang="pt-PT" sz="1600" i="1">
-                        <a:solidFill>
-                          <a:srgbClr val="FF0000"/>
-                        </a:solidFill>
-                        <a:latin typeface="DejaVu Math TeX Gyre" panose="02000503000000000000" charset="0"/>
-                        <a:cs typeface="DejaVu Math TeX Gyre" panose="02000503000000000000" charset="0"/>
-                        <a:sym typeface="+mn-ea"/>
-                      </a:rPr>
-                      <m:t>=</m:t>
-                    </m:r>
-                    <m:r>
-                      <a:rPr lang="en-US" altLang="pt-PT" sz="1600" i="1">
-                        <a:solidFill>
-                          <a:srgbClr val="FF0000"/>
-                        </a:solidFill>
-                        <a:latin typeface="DejaVu Math TeX Gyre" panose="02000503000000000000" charset="0"/>
-                        <a:cs typeface="DejaVu Math TeX Gyre" panose="02000503000000000000" charset="0"/>
-                        <a:sym typeface="+mn-ea"/>
-                      </a:rPr>
-                      <m:t>𝜌</m:t>
-                    </m:r>
-                    <m:r>
-                      <a:rPr lang="en-US" altLang="pt-PT" sz="1600" i="1">
-                        <a:solidFill>
-                          <a:srgbClr val="FF0000"/>
-                        </a:solidFill>
-                        <a:latin typeface="DejaVu Math TeX Gyre" panose="02000503000000000000" charset="0"/>
-                        <a:cs typeface="DejaVu Math TeX Gyre" panose="02000503000000000000" charset="0"/>
-                        <a:sym typeface="+mn-ea"/>
-                      </a:rPr>
-                      <m:t>’∙∆</m:t>
-                    </m:r>
-                    <m:r>
-                      <a:rPr lang="en-US" altLang="pt-PT" sz="1600" i="1">
-                        <a:solidFill>
-                          <a:srgbClr val="FF0000"/>
-                        </a:solidFill>
-                        <a:latin typeface="DejaVu Math TeX Gyre" panose="02000503000000000000" charset="0"/>
-                        <a:cs typeface="DejaVu Math TeX Gyre" panose="02000503000000000000" charset="0"/>
-                        <a:sym typeface="+mn-ea"/>
-                      </a:rPr>
-                      <m:t>𝑥</m:t>
-                    </m:r>
-                    <m:r>
-                      <a:rPr lang="en-US" altLang="pt-PT" sz="1600" i="1" baseline="-25000">
-                        <a:solidFill>
-                          <a:srgbClr val="FF0000"/>
-                        </a:solidFill>
-                        <a:latin typeface="DejaVu Math TeX Gyre" panose="02000503000000000000" charset="0"/>
-                        <a:cs typeface="DejaVu Math TeX Gyre" panose="02000503000000000000" charset="0"/>
-                        <a:sym typeface="+mn-ea"/>
-                      </a:rPr>
-                      <m:t>𝑖</m:t>
-                    </m:r>
-                  </m:oMath>
-                </a14:m>
-                <a:r>
-                  <a:rPr lang="pt-PT" altLang="en-US" sz="1600">
-                    <a:solidFill>
-                      <a:srgbClr val="FF0000"/>
-                    </a:solidFill>
-                    <a:sym typeface="+mn-ea"/>
-                  </a:rPr>
-                  <a:t>, e calcula o valor de f(x).</a:t>
-                </a:r>
-                <a:endParaRPr lang="pt-PT" altLang="en-US" sz="1600">
-                  <a:solidFill>
-                    <a:srgbClr val="FF0000"/>
-                  </a:solidFill>
-                  <a:sym typeface="+mn-ea"/>
-                </a:endParaRPr>
-              </a:p>
-              <a:p>
-                <a:pPr marL="285750" lvl="0" indent="-285750" algn="just">
-                  <a:lnSpc>
-                    <a:spcPct val="150000"/>
-                  </a:lnSpc>
-                  <a:buFont typeface="Arial" panose="020B0604020202020204" pitchFamily="34" charset="0"/>
-                  <a:buChar char="•"/>
-                </a:pPr>
-                <a:r>
-                  <a:rPr lang="pt-PT" altLang="en-US" sz="1600">
-                    <a:sym typeface="+mn-ea"/>
-                  </a:rPr>
-                  <a:t>Foram geradas</a:t>
-                </a:r>
-                <a:r>
-                  <a:rPr lang="pt-PT" altLang="en-US" sz="1600">
-                    <a:solidFill>
-                      <a:schemeClr val="accent5"/>
-                    </a:solidFill>
-                    <a:sym typeface="+mn-ea"/>
-                  </a:rPr>
-                  <a:t> N+1 </a:t>
-                </a:r>
-                <a:r>
-                  <a:rPr lang="pt-PT" altLang="en-US" sz="1600">
-                    <a:sym typeface="+mn-ea"/>
-                  </a:rPr>
-                  <a:t>perturbações para serem escolhidas.</a:t>
-                </a:r>
-                <a:endParaRPr lang="pt-PT" altLang="en-US" sz="1600"/>
-              </a:p>
-              <a:p>
-                <a:pPr marL="285750" indent="-285750" algn="just">
-                  <a:lnSpc>
-                    <a:spcPct val="150000"/>
-                  </a:lnSpc>
-                  <a:buFont typeface="Arial" panose="020B0604020202020204" pitchFamily="34" charset="0"/>
-                  <a:buChar char="•"/>
-                </a:pPr>
-                <a:r>
-                  <a:rPr lang="pt-PT" altLang="en-US" sz="1600">
-                    <a:sym typeface="+mn-ea"/>
-                  </a:rPr>
-                  <a:t>Ordena pelo f(x) e escolhe uma perturbação para ser confirmada.</a:t>
-                </a:r>
-                <a:endParaRPr lang="pt-PT" altLang="en-US" sz="1600">
-                  <a:sym typeface="+mn-ea"/>
-                </a:endParaRPr>
-              </a:p>
-            </p:txBody>
-          </p:sp>
-        </mc:Choice>
-        <mc:Fallback>
-          <p:sp>
-            <p:nvSpPr>
-              <p:cNvPr id="27" name="Text Box 26"/>
-              <p:cNvSpPr txBox="1">
-                <a:spLocks noRot="1" noChangeAspect="1" noMove="1" noResize="1" noEditPoints="1" noAdjustHandles="1" noChangeArrowheads="1" noChangeShapeType="1" noTextEdit="1"/>
-              </p:cNvSpPr>
-              <p:nvPr/>
-            </p:nvSpPr>
-            <p:spPr>
-              <a:xfrm>
-                <a:off x="2619375" y="906780"/>
-                <a:ext cx="6953250" cy="5044440"/>
-              </a:xfrm>
-              <a:prstGeom prst="rect">
-                <a:avLst/>
-              </a:prstGeom>
-              <a:blipFill rotWithShape="1">
-                <a:blip r:embed="rId1"/>
-                <a:stretch>
-                  <a:fillRect/>
-                </a:stretch>
-              </a:blipFill>
-            </p:spPr>
-            <p:txBody>
-              <a:bodyPr/>
-              <a:lstStyle/>
-              <a:p>
-                <a:r>
-                  <a:rPr lang="en-US" altLang="en-US">
-                    <a:noFill/>
-                  </a:rPr>
-                  <a:t> </a:t>
-                </a:r>
-              </a:p>
-            </p:txBody>
-          </p:sp>
-        </mc:Fallback>
-      </mc:AlternateContent>
-      <p:sp>
-        <p:nvSpPr>
-          <p:cNvPr id="2" name="Text Box 1"/>
-          <p:cNvSpPr txBox="1"/>
-          <p:nvPr/>
-        </p:nvSpPr>
-        <p:spPr>
-          <a:xfrm>
-            <a:off x="485775" y="27940"/>
-            <a:ext cx="11220450" cy="414020"/>
-          </a:xfrm>
-          <a:prstGeom prst="rect">
-            <a:avLst/>
-          </a:prstGeom>
-          <a:noFill/>
-        </p:spPr>
-        <p:txBody>
-          <a:bodyPr wrap="square" rtlCol="0">
-            <a:spAutoFit/>
-          </a:bodyPr>
-          <a:p>
-            <a:pPr lvl="0" indent="0" algn="ctr">
-              <a:lnSpc>
-                <a:spcPct val="150000"/>
-              </a:lnSpc>
-              <a:buFont typeface="Arial" panose="020B0604020202020204" pitchFamily="34" charset="0"/>
-              <a:buNone/>
-            </a:pPr>
-            <a:r>
-              <a:rPr lang="pt-PT" sz="1400" b="1">
-                <a:solidFill>
-                  <a:schemeClr val="accent2"/>
-                </a:solidFill>
-              </a:rPr>
-              <a:t>ALTERNATIVA 1</a:t>
-            </a:r>
-            <a:endParaRPr lang="pt-PT" sz="1400" b="1">
-              <a:solidFill>
-                <a:schemeClr val="accent2"/>
-              </a:solidFill>
-            </a:endParaRPr>
-          </a:p>
-        </p:txBody>
-      </p:sp>
-    </p:spTree>
-  </p:cSld>
-  <p:clrMapOvr>
-    <a:masterClrMapping/>
-  </p:clrMapOvr>
-</p:sld>
-</file>
-
-<file path=ppt/slides/slide4.xml><?xml version="1.0" encoding="utf-8"?>
-<p:sld xmlns:a="http://schemas.openxmlformats.org/drawingml/2006/main" xmlns:r="http://schemas.openxmlformats.org/officeDocument/2006/relationships" xmlns:p="http://schemas.openxmlformats.org/presentationml/2006/main">
-  <p:cSld>
-    <p:spTree>
-      <p:nvGrpSpPr>
-        <p:cNvPr id="1" name=""/>
-        <p:cNvGrpSpPr/>
-        <p:nvPr/>
-      </p:nvGrpSpPr>
-      <p:grpSpPr/>
       <p:pic>
         <p:nvPicPr>
           <p:cNvPr id="3" name="Picture 2"/>
@@ -6897,14 +3547,15 @@
         </p:nvPicPr>
         <p:blipFill>
           <a:blip r:embed="rId1"/>
+          <a:srcRect l="21054" r="23948"/>
           <a:stretch>
             <a:fillRect/>
           </a:stretch>
         </p:blipFill>
         <p:spPr>
           <a:xfrm>
-            <a:off x="1583055" y="1727200"/>
-            <a:ext cx="8360410" cy="3629025"/>
+            <a:off x="5418455" y="2520315"/>
+            <a:ext cx="4598035" cy="3629025"/>
           </a:xfrm>
           <a:prstGeom prst="rect">
             <a:avLst/>
@@ -6921,7 +3572,7 @@
             </p:nvSpPr>
             <p:spPr>
               <a:xfrm>
-                <a:off x="1046480" y="763270"/>
+                <a:off x="861695" y="1288415"/>
                 <a:ext cx="3221355" cy="376555"/>
               </a:xfrm>
               <a:prstGeom prst="rect">
@@ -7094,7 +3745,7 @@
             </p:nvSpPr>
             <p:spPr>
               <a:xfrm>
-                <a:off x="1046480" y="763270"/>
+                <a:off x="861695" y="1288415"/>
                 <a:ext cx="3221355" cy="376555"/>
               </a:xfrm>
               <a:prstGeom prst="rect">
@@ -7132,7 +3783,7 @@
             </p:nvSpPr>
             <p:spPr>
               <a:xfrm>
-                <a:off x="7291705" y="1131570"/>
+                <a:off x="7519035" y="1296670"/>
                 <a:ext cx="3216275" cy="376555"/>
               </a:xfrm>
               <a:prstGeom prst="rect">
@@ -7305,7 +3956,7 @@
             </p:nvSpPr>
             <p:spPr>
               <a:xfrm>
-                <a:off x="7291705" y="1131570"/>
+                <a:off x="7519035" y="1296670"/>
                 <a:ext cx="3216275" cy="376555"/>
               </a:xfrm>
               <a:prstGeom prst="rect">
@@ -7343,7 +3994,7 @@
             </p:nvSpPr>
             <p:spPr>
               <a:xfrm>
-                <a:off x="6157595" y="885825"/>
+                <a:off x="5301615" y="1296670"/>
                 <a:ext cx="1134110" cy="368300"/>
               </a:xfrm>
               <a:prstGeom prst="rect">
@@ -7397,7 +4048,7 @@
             </p:nvSpPr>
             <p:spPr>
               <a:xfrm>
-                <a:off x="6157595" y="885825"/>
+                <a:off x="5301615" y="1296670"/>
                 <a:ext cx="1134110" cy="368300"/>
               </a:xfrm>
               <a:prstGeom prst="rect">
@@ -7433,8 +4084,8 @@
         </p:nvSpPr>
         <p:spPr>
           <a:xfrm>
-            <a:off x="1988185" y="5889625"/>
-            <a:ext cx="7550150" cy="337185"/>
+            <a:off x="861695" y="2183765"/>
+            <a:ext cx="3221990" cy="829945"/>
           </a:xfrm>
           <a:prstGeom prst="rect">
             <a:avLst/>
@@ -7442,7 +4093,7 @@
           <a:noFill/>
         </p:spPr>
         <p:txBody>
-          <a:bodyPr wrap="none" rtlCol="0" anchor="t">
+          <a:bodyPr wrap="square" rtlCol="0" anchor="t">
             <a:spAutoFit/>
           </a:bodyPr>
           <a:p>
@@ -7455,7 +4106,7 @@
                 <a:ea typeface="MS Mincho" charset="0"/>
                 <a:cs typeface="DejaVu Math TeX Gyre" panose="02000503000000000000" charset="0"/>
               </a:rPr>
-              <a:t>p só diminui se for &lt;0.  Talvez valores teriam que variar entre 0.5 e 1.5</a:t>
+              <a:t>Caso p multiplicasse o p atual, valores teriam que variar talvez entre 0.5 e 1.5</a:t>
             </a:r>
             <a:endParaRPr lang="pt-PT" altLang="en-US" sz="1600" i="1">
               <a:solidFill>
@@ -7478,8 +4129,8 @@
             </p:nvSpPr>
             <p:spPr>
               <a:xfrm>
-                <a:off x="1065530" y="1350645"/>
-                <a:ext cx="3828415" cy="376555"/>
+                <a:off x="3109595" y="283845"/>
+                <a:ext cx="5770880" cy="393700"/>
               </a:xfrm>
               <a:prstGeom prst="rect">
                 <a:avLst/>
@@ -7491,155 +4142,78 @@
                 <a:spAutoFit/>
               </a:bodyPr>
               <a:p>
+                <a:pPr algn="l"/>
+                <a:r>
+                  <a:rPr lang="pt-PT" altLang="en-US">
+                    <a:solidFill>
+                      <a:schemeClr val="tx1"/>
+                    </a:solidFill>
+                    <a:latin typeface="DejaVu Math TeX Gyre" panose="02000503000000000000" charset="0"/>
+                    <a:cs typeface="DejaVu Math TeX Gyre" panose="02000503000000000000" charset="0"/>
+                  </a:rPr>
+                  <a:t>porcentagem </a:t>
+                </a:r>
                 <a14:m>
-                  <m:oMathPara xmlns:m="http://schemas.openxmlformats.org/officeDocument/2006/math">
-                    <m:oMathParaPr>
-                      <m:jc m:val="centerGroup"/>
-                    </m:oMathParaPr>
-                    <m:oMath xmlns:m="http://schemas.openxmlformats.org/officeDocument/2006/math">
-                      <m:sSup>
-                        <m:sSupPr>
-                          <m:ctrlPr>
-                            <a:rPr lang="en-US" i="1">
-                              <a:solidFill>
-                                <a:schemeClr val="tx1"/>
-                              </a:solidFill>
-                              <a:latin typeface="DejaVu Math TeX Gyre" panose="02000503000000000000" charset="0"/>
-                              <a:cs typeface="DejaVu Math TeX Gyre" panose="02000503000000000000" charset="0"/>
-                            </a:rPr>
-                          </m:ctrlPr>
-                        </m:sSupPr>
-                        <m:e>
-                          <m:r>
-                            <a:rPr lang="en-US" i="1">
-                              <a:solidFill>
-                                <a:schemeClr val="tx1"/>
-                              </a:solidFill>
-                              <a:latin typeface="DejaVu Math TeX Gyre" panose="02000503000000000000" charset="0"/>
-                              <a:cs typeface="DejaVu Math TeX Gyre" panose="02000503000000000000" charset="0"/>
-                            </a:rPr>
-                            <m:t>𝜌</m:t>
-                          </m:r>
-                        </m:e>
-                        <m:sup>
-                          <m:r>
-                            <a:rPr lang="en-US" i="1">
-                              <a:solidFill>
-                                <a:schemeClr val="tx1"/>
-                              </a:solidFill>
-                              <a:latin typeface="DejaVu Math TeX Gyre" panose="02000503000000000000" charset="0"/>
-                              <a:cs typeface="DejaVu Math TeX Gyre" panose="02000503000000000000" charset="0"/>
-                            </a:rPr>
-                            <m:t>’</m:t>
-                          </m:r>
-                        </m:sup>
-                      </m:sSup>
-                      <m:r>
-                        <a:rPr lang="en-US" i="1">
-                          <a:solidFill>
-                            <a:schemeClr val="tx1"/>
-                          </a:solidFill>
-                          <a:latin typeface="DejaVu Math TeX Gyre" panose="02000503000000000000" charset="0"/>
-                          <a:cs typeface="DejaVu Math TeX Gyre" panose="02000503000000000000" charset="0"/>
-                        </a:rPr>
-                        <m:t>=</m:t>
-                      </m:r>
-                      <m:r>
-                        <a:rPr lang="en-US" i="1">
-                          <a:solidFill>
-                            <a:schemeClr val="tx1"/>
-                          </a:solidFill>
-                          <a:latin typeface="DejaVu Math TeX Gyre" panose="02000503000000000000" charset="0"/>
-                          <a:cs typeface="DejaVu Math TeX Gyre" panose="02000503000000000000" charset="0"/>
-                        </a:rPr>
-                        <m:t>𝐿𝑜𝑔𝑁𝑜𝑟𝑚𝑎𝑙</m:t>
-                      </m:r>
-                      <m:r>
-                        <a:rPr lang="en-US" i="1">
-                          <a:solidFill>
-                            <a:schemeClr val="tx1"/>
-                          </a:solidFill>
-                          <a:latin typeface="DejaVu Math TeX Gyre" panose="02000503000000000000" charset="0"/>
-                          <a:cs typeface="DejaVu Math TeX Gyre" panose="02000503000000000000" charset="0"/>
-                        </a:rPr>
-                        <m:t>(</m:t>
-                      </m:r>
-                      <m:r>
-                        <a:rPr lang="en-US" i="1">
-                          <a:solidFill>
-                            <a:schemeClr val="tx1"/>
-                          </a:solidFill>
-                          <a:latin typeface="DejaVu Math TeX Gyre" panose="02000503000000000000" charset="0"/>
-                          <a:cs typeface="DejaVu Math TeX Gyre" panose="02000503000000000000" charset="0"/>
-                        </a:rPr>
-                        <m:t>1</m:t>
-                      </m:r>
-                      <m:r>
-                        <a:rPr lang="en-US" i="1">
-                          <a:solidFill>
-                            <a:schemeClr val="tx1"/>
-                          </a:solidFill>
-                          <a:latin typeface="DejaVu Math TeX Gyre" panose="02000503000000000000" charset="0"/>
-                          <a:cs typeface="DejaVu Math TeX Gyre" panose="02000503000000000000" charset="0"/>
-                        </a:rPr>
-                        <m:t>,</m:t>
-                      </m:r>
-                      <m:r>
-                        <a:rPr lang="en-US" i="1">
-                          <a:solidFill>
-                            <a:schemeClr val="tx1"/>
-                          </a:solidFill>
-                          <a:latin typeface="DejaVu Math TeX Gyre" panose="02000503000000000000" charset="0"/>
-                          <a:cs typeface="DejaVu Math TeX Gyre" panose="02000503000000000000" charset="0"/>
-                        </a:rPr>
-                        <m:t>0</m:t>
-                      </m:r>
-                      <m:r>
-                        <a:rPr lang="en-US" i="1">
-                          <a:solidFill>
-                            <a:schemeClr val="tx1"/>
-                          </a:solidFill>
-                          <a:latin typeface="DejaVu Math TeX Gyre" panose="02000503000000000000" charset="0"/>
-                          <a:cs typeface="DejaVu Math TeX Gyre" panose="02000503000000000000" charset="0"/>
-                        </a:rPr>
-                        <m:t>.</m:t>
-                      </m:r>
-                      <m:r>
-                        <a:rPr lang="en-US" i="1">
-                          <a:solidFill>
-                            <a:schemeClr val="tx1"/>
-                          </a:solidFill>
-                          <a:latin typeface="DejaVu Math TeX Gyre" panose="02000503000000000000" charset="0"/>
-                          <a:cs typeface="DejaVu Math TeX Gyre" panose="02000503000000000000" charset="0"/>
-                        </a:rPr>
-                        <m:t>67</m:t>
-                      </m:r>
-                      <m:r>
-                        <a:rPr lang="en-US" i="1">
-                          <a:solidFill>
-                            <a:schemeClr val="tx1"/>
-                          </a:solidFill>
-                          <a:latin typeface="DejaVu Math TeX Gyre" panose="02000503000000000000" charset="0"/>
-                          <a:ea typeface="MS Mincho" charset="0"/>
-                          <a:cs typeface="DejaVu Math TeX Gyre" panose="02000503000000000000" charset="0"/>
-                        </a:rPr>
-                        <m:t>) / </m:t>
-                      </m:r>
-                      <m:r>
-                        <a:rPr lang="en-US" i="1">
-                          <a:solidFill>
-                            <a:schemeClr val="tx1"/>
-                          </a:solidFill>
-                          <a:latin typeface="DejaVu Math TeX Gyre" panose="02000503000000000000" charset="0"/>
-                          <a:ea typeface="MS Mincho" charset="0"/>
-                          <a:cs typeface="DejaVu Math TeX Gyre" panose="02000503000000000000" charset="0"/>
-                        </a:rPr>
-                        <m:t>100</m:t>
-                      </m:r>
-                    </m:oMath>
-                  </m:oMathPara>
+                  <m:oMath xmlns:m="http://schemas.openxmlformats.org/officeDocument/2006/math">
+                    <m:sSup>
+                      <m:sSupPr>
+                        <m:ctrlPr>
+                          <a:rPr lang="en-US" i="1">
+                            <a:solidFill>
+                              <a:schemeClr val="tx1"/>
+                            </a:solidFill>
+                            <a:latin typeface="DejaVu Math TeX Gyre" panose="02000503000000000000" charset="0"/>
+                            <a:cs typeface="DejaVu Math TeX Gyre" panose="02000503000000000000" charset="0"/>
+                          </a:rPr>
+                        </m:ctrlPr>
+                      </m:sSupPr>
+                      <m:e>
+                        <m:r>
+                          <a:rPr lang="en-US" i="1">
+                            <a:solidFill>
+                              <a:schemeClr val="tx1"/>
+                            </a:solidFill>
+                            <a:latin typeface="DejaVu Math TeX Gyre" panose="02000503000000000000" charset="0"/>
+                            <a:cs typeface="DejaVu Math TeX Gyre" panose="02000503000000000000" charset="0"/>
+                          </a:rPr>
+                          <m:t>𝜌</m:t>
+                        </m:r>
+                      </m:e>
+                      <m:sup>
+                        <m:r>
+                          <a:rPr lang="en-US" i="1">
+                            <a:solidFill>
+                              <a:schemeClr val="tx1"/>
+                            </a:solidFill>
+                            <a:latin typeface="DejaVu Math TeX Gyre" panose="02000503000000000000" charset="0"/>
+                            <a:cs typeface="DejaVu Math TeX Gyre" panose="02000503000000000000" charset="0"/>
+                          </a:rPr>
+                          <m:t>’</m:t>
+                        </m:r>
+                      </m:sup>
+                    </m:sSup>
+                  </m:oMath>
                 </a14:m>
-                <a:endParaRPr lang="en-US" i="1">
+                <a:r>
+                  <a:rPr lang="pt-PT" altLang="en-US" i="1">
+                    <a:solidFill>
+                      <a:schemeClr val="tx1"/>
+                    </a:solidFill>
+                    <a:latin typeface="DejaVu Math TeX Gyre" panose="02000503000000000000" charset="0"/>
+                    <a:ea typeface="MS Mincho" charset="0"/>
+                    <a:cs typeface="DejaVu Math TeX Gyre" panose="02000503000000000000" charset="0"/>
+                  </a:rPr>
+                  <a:t> </a:t>
+                </a:r>
+                <a:r>
+                  <a:rPr lang="pt-PT" altLang="en-US">
+                    <a:latin typeface="DejaVu Math TeX Gyre" panose="02000503000000000000" charset="0"/>
+                    <a:cs typeface="DejaVu Math TeX Gyre" panose="02000503000000000000" charset="0"/>
+                    <a:sym typeface="+mn-ea"/>
+                  </a:rPr>
+                  <a:t>é um valor no intervalo (0, 100)</a:t>
+                </a:r>
+                <a:endParaRPr lang="pt-PT" altLang="en-US" i="1">
                   <a:solidFill>
                     <a:schemeClr val="tx1"/>
                   </a:solidFill>
@@ -7662,8 +4236,8 @@
             </p:nvSpPr>
             <p:spPr>
               <a:xfrm>
-                <a:off x="1065530" y="1350645"/>
-                <a:ext cx="3828415" cy="376555"/>
+                <a:off x="3109595" y="283845"/>
+                <a:ext cx="5770880" cy="393700"/>
               </a:xfrm>
               <a:prstGeom prst="rect">
                 <a:avLst/>
@@ -7698,7 +4272,170 @@
 </p:sld>
 </file>
 
-<file path=ppt/slides/slide5.xml><?xml version="1.0" encoding="utf-8"?>
+<file path=ppt/slides/slide2.xml><?xml version="1.0" encoding="utf-8"?>
+<p:sld xmlns:a="http://schemas.openxmlformats.org/drawingml/2006/main" xmlns:r="http://schemas.openxmlformats.org/officeDocument/2006/relationships" xmlns:p="http://schemas.openxmlformats.org/presentationml/2006/main">
+  <p:cSld>
+    <p:spTree>
+      <p:nvGrpSpPr>
+        <p:cNvPr id="1" name=""/>
+        <p:cNvGrpSpPr/>
+        <p:nvPr/>
+      </p:nvGrpSpPr>
+      <p:grpSpPr/>
+      <p:sp>
+        <p:nvSpPr>
+          <p:cNvPr id="27" name="Text Box 26"/>
+          <p:cNvSpPr txBox="1"/>
+          <p:nvPr/>
+        </p:nvSpPr>
+        <p:spPr>
+          <a:xfrm>
+            <a:off x="2158365" y="1460500"/>
+            <a:ext cx="7335520" cy="737235"/>
+          </a:xfrm>
+          <a:prstGeom prst="rect">
+            <a:avLst/>
+          </a:prstGeom>
+          <a:noFill/>
+        </p:spPr>
+        <p:txBody>
+          <a:bodyPr wrap="square" rtlCol="0">
+            <a:spAutoFit/>
+          </a:bodyPr>
+          <a:p>
+            <a:pPr lvl="0" indent="0" algn="ctr">
+              <a:lnSpc>
+                <a:spcPct val="150000"/>
+              </a:lnSpc>
+              <a:buFont typeface="Arial" panose="020B0604020202020204" pitchFamily="34" charset="0"/>
+              <a:buNone/>
+            </a:pPr>
+            <a:r>
+              <a:rPr lang="pt-PT" sz="2800" b="1">
+                <a:sym typeface="+mn-ea"/>
+              </a:rPr>
+              <a:t>Versões real1</a:t>
+            </a:r>
+            <a:endParaRPr lang="pt-PT" sz="2800" b="1">
+              <a:sym typeface="+mn-ea"/>
+            </a:endParaRPr>
+          </a:p>
+        </p:txBody>
+      </p:sp>
+      <p:cxnSp>
+        <p:nvCxnSpPr>
+          <p:cNvPr id="4" name="Straight Connector 3"/>
+          <p:cNvCxnSpPr/>
+          <p:nvPr/>
+        </p:nvCxnSpPr>
+        <p:spPr>
+          <a:xfrm flipV="1">
+            <a:off x="3632200" y="2197735"/>
+            <a:ext cx="4657090" cy="14605"/>
+          </a:xfrm>
+          <a:prstGeom prst="line">
+            <a:avLst/>
+          </a:prstGeom>
+          <a:ln w="38100"/>
+        </p:spPr>
+        <p:style>
+          <a:lnRef idx="1">
+            <a:schemeClr val="accent2"/>
+          </a:lnRef>
+          <a:fillRef idx="0">
+            <a:schemeClr val="accent2"/>
+          </a:fillRef>
+          <a:effectRef idx="0">
+            <a:schemeClr val="accent2"/>
+          </a:effectRef>
+          <a:fontRef idx="minor">
+            <a:schemeClr val="tx1"/>
+          </a:fontRef>
+        </p:style>
+      </p:cxnSp>
+      <p:sp>
+        <p:nvSpPr>
+          <p:cNvPr id="5" name="Text Box 4"/>
+          <p:cNvSpPr txBox="1"/>
+          <p:nvPr/>
+        </p:nvSpPr>
+        <p:spPr>
+          <a:xfrm>
+            <a:off x="2158365" y="3195320"/>
+            <a:ext cx="8247380" cy="2584450"/>
+          </a:xfrm>
+          <a:prstGeom prst="rect">
+            <a:avLst/>
+          </a:prstGeom>
+          <a:noFill/>
+        </p:spPr>
+        <p:txBody>
+          <a:bodyPr wrap="square" rtlCol="0" anchor="t">
+            <a:spAutoFit/>
+          </a:bodyPr>
+          <a:p>
+            <a:pPr marL="285750" indent="-285750">
+              <a:lnSpc>
+                <a:spcPct val="150000"/>
+              </a:lnSpc>
+              <a:buFont typeface="Arial" panose="020B0604020202020204" pitchFamily="34" charset="0"/>
+              <a:buChar char="•"/>
+            </a:pPr>
+            <a:r>
+              <a:rPr lang="pt-PT" altLang="en-US">
+                <a:sym typeface="+mn-ea"/>
+              </a:rPr>
+              <a:t>O parâmetro livre do algoritmo real1 era o p (porcentagem)</a:t>
+            </a:r>
+            <a:endParaRPr lang="pt-PT" altLang="en-US">
+              <a:sym typeface="+mn-ea"/>
+            </a:endParaRPr>
+          </a:p>
+          <a:p>
+            <a:pPr marL="285750" indent="-285750">
+              <a:lnSpc>
+                <a:spcPct val="150000"/>
+              </a:lnSpc>
+              <a:buFont typeface="Arial" panose="020B0604020202020204" pitchFamily="34" charset="0"/>
+              <a:buChar char="•"/>
+            </a:pPr>
+            <a:r>
+              <a:rPr lang="pt-PT" altLang="en-US">
+                <a:sym typeface="+mn-ea"/>
+              </a:rPr>
+              <a:t>Estudamos que são interessantes valores de porcetnagem no intervalo (0,10).</a:t>
+            </a:r>
+            <a:endParaRPr lang="pt-PT" altLang="en-US">
+              <a:sym typeface="+mn-ea"/>
+            </a:endParaRPr>
+          </a:p>
+          <a:p>
+            <a:pPr marL="285750" indent="-285750">
+              <a:lnSpc>
+                <a:spcPct val="150000"/>
+              </a:lnSpc>
+              <a:buFont typeface="Arial" panose="020B0604020202020204" pitchFamily="34" charset="0"/>
+              <a:buChar char="•"/>
+            </a:pPr>
+            <a:r>
+              <a:rPr lang="pt-PT" altLang="en-US">
+                <a:sym typeface="+mn-ea"/>
+              </a:rPr>
+              <a:t>Nessas versões auto-adaptativas, cada variável tem sua adaptabilidade, inclusive a p’ onde ela é dada ao calcular o fx da população com todas as variáveis perturbadas com p’ ao mesmo tempo.</a:t>
+            </a:r>
+            <a:endParaRPr lang="en-US"/>
+          </a:p>
+        </p:txBody>
+      </p:sp>
+    </p:spTree>
+  </p:cSld>
+  <p:clrMapOvr>
+    <a:masterClrMapping/>
+  </p:clrMapOvr>
+</p:sld>
+</file>
+
+<file path=ppt/slides/slide3.xml><?xml version="1.0" encoding="utf-8"?>
 <p:sld xmlns:a="http://schemas.openxmlformats.org/drawingml/2006/main" xmlns:r="http://schemas.openxmlformats.org/officeDocument/2006/relationships" xmlns:p="http://schemas.openxmlformats.org/presentationml/2006/main">
   <p:cSld>
     <p:spTree>
@@ -7718,8 +4455,8 @@
             </p:nvSpPr>
             <p:spPr>
               <a:xfrm>
-                <a:off x="2606675" y="705485"/>
-                <a:ext cx="6978650" cy="5447665"/>
+                <a:off x="1142365" y="942340"/>
+                <a:ext cx="7335520" cy="5051425"/>
               </a:xfrm>
               <a:prstGeom prst="rect">
                 <a:avLst/>
@@ -7742,9 +4479,147 @@
                   <a:rPr lang="pt-PT" altLang="en-US" sz="1600" b="1">
                     <a:sym typeface="+mn-ea"/>
                   </a:rPr>
-                  <a:t>ALTERNATIVA 2 com mais perturbações:</a:t>
+                  <a:t>VERSÃO 1:</a:t>
                 </a:r>
-                <a:endParaRPr lang="pt-PT" altLang="en-US" sz="1600" b="1">
+                <a:endParaRPr lang="pt-PT" altLang="en-US" sz="1600" b="1"/>
+              </a:p>
+              <a:p>
+                <a:pPr marL="285750" lvl="0" indent="-285750" algn="just">
+                  <a:lnSpc>
+                    <a:spcPct val="150000"/>
+                  </a:lnSpc>
+                  <a:buFont typeface="Arial" panose="020B0604020202020204" pitchFamily="34" charset="0"/>
+                  <a:buChar char="•"/>
+                </a:pPr>
+                <a:r>
+                  <a:rPr lang="pt-PT" altLang="en-US" sz="1600">
+                    <a:solidFill>
+                      <a:schemeClr val="accent5"/>
+                    </a:solidFill>
+                    <a:sym typeface="+mn-ea"/>
+                  </a:rPr>
+                  <a:t>Inicializa a porcentagem </a:t>
+                </a:r>
+                <a14:m>
+                  <m:oMath xmlns:m="http://schemas.openxmlformats.org/officeDocument/2006/math">
+                    <m:r>
+                      <a:rPr lang="en-US" sz="1600" i="1">
+                        <a:solidFill>
+                          <a:schemeClr val="accent5"/>
+                        </a:solidFill>
+                        <a:latin typeface="DejaVu Math TeX Gyre" panose="02000503000000000000" charset="0"/>
+                        <a:cs typeface="DejaVu Math TeX Gyre" panose="02000503000000000000" charset="0"/>
+                      </a:rPr>
+                      <m:t>𝜌</m:t>
+                    </m:r>
+                    <m:r>
+                      <a:rPr lang="en-US" sz="1600" i="1">
+                        <a:solidFill>
+                          <a:schemeClr val="accent5"/>
+                        </a:solidFill>
+                        <a:latin typeface="DejaVu Math TeX Gyre" panose="02000503000000000000" charset="0"/>
+                        <a:cs typeface="DejaVu Math TeX Gyre" panose="02000503000000000000" charset="0"/>
+                      </a:rPr>
+                      <m:t>=</m:t>
+                    </m:r>
+                    <m:r>
+                      <a:rPr lang="en-US" sz="1600" i="1">
+                        <a:solidFill>
+                          <a:schemeClr val="accent5"/>
+                        </a:solidFill>
+                        <a:latin typeface="DejaVu Math TeX Gyre" panose="02000503000000000000" charset="0"/>
+                        <a:cs typeface="DejaVu Math TeX Gyre" panose="02000503000000000000" charset="0"/>
+                      </a:rPr>
+                      <m:t>𝐿𝑜𝑔𝑁𝑜𝑟𝑚𝑎𝑙</m:t>
+                    </m:r>
+                    <m:r>
+                      <a:rPr lang="en-US" sz="1600" i="1">
+                        <a:solidFill>
+                          <a:schemeClr val="accent5"/>
+                        </a:solidFill>
+                        <a:latin typeface="DejaVu Math TeX Gyre" panose="02000503000000000000" charset="0"/>
+                        <a:cs typeface="DejaVu Math TeX Gyre" panose="02000503000000000000" charset="0"/>
+                      </a:rPr>
+                      <m:t>(</m:t>
+                    </m:r>
+                    <m:r>
+                      <a:rPr lang="en-US" sz="1600" i="1">
+                        <a:solidFill>
+                          <a:schemeClr val="accent5"/>
+                        </a:solidFill>
+                        <a:latin typeface="DejaVu Math TeX Gyre" panose="02000503000000000000" charset="0"/>
+                        <a:cs typeface="DejaVu Math TeX Gyre" panose="02000503000000000000" charset="0"/>
+                      </a:rPr>
+                      <m:t>1</m:t>
+                    </m:r>
+                    <m:r>
+                      <a:rPr lang="en-US" sz="1600" i="1">
+                        <a:solidFill>
+                          <a:schemeClr val="accent5"/>
+                        </a:solidFill>
+                        <a:latin typeface="DejaVu Math TeX Gyre" panose="02000503000000000000" charset="0"/>
+                        <a:cs typeface="DejaVu Math TeX Gyre" panose="02000503000000000000" charset="0"/>
+                      </a:rPr>
+                      <m:t>, </m:t>
+                    </m:r>
+                    <m:r>
+                      <a:rPr lang="en-US" sz="1600" i="1">
+                        <a:solidFill>
+                          <a:schemeClr val="accent5"/>
+                        </a:solidFill>
+                        <a:latin typeface="DejaVu Math TeX Gyre" panose="02000503000000000000" charset="0"/>
+                        <a:cs typeface="DejaVu Math TeX Gyre" panose="02000503000000000000" charset="0"/>
+                      </a:rPr>
+                      <m:t>0</m:t>
+                    </m:r>
+                    <m:r>
+                      <a:rPr lang="en-US" sz="1600" i="1">
+                        <a:solidFill>
+                          <a:schemeClr val="accent5"/>
+                        </a:solidFill>
+                        <a:latin typeface="DejaVu Math TeX Gyre" panose="02000503000000000000" charset="0"/>
+                        <a:cs typeface="DejaVu Math TeX Gyre" panose="02000503000000000000" charset="0"/>
+                      </a:rPr>
+                      <m:t>,</m:t>
+                    </m:r>
+                    <m:r>
+                      <a:rPr lang="en-US" sz="1600" i="1">
+                        <a:solidFill>
+                          <a:schemeClr val="accent5"/>
+                        </a:solidFill>
+                        <a:latin typeface="DejaVu Math TeX Gyre" panose="02000503000000000000" charset="0"/>
+                        <a:cs typeface="DejaVu Math TeX Gyre" panose="02000503000000000000" charset="0"/>
+                      </a:rPr>
+                      <m:t>67</m:t>
+                    </m:r>
+                    <m:r>
+                      <a:rPr lang="en-US" sz="1600" i="1">
+                        <a:solidFill>
+                          <a:schemeClr val="accent5"/>
+                        </a:solidFill>
+                        <a:latin typeface="DejaVu Math TeX Gyre" panose="02000503000000000000" charset="0"/>
+                        <a:ea typeface="MS Mincho" charset="0"/>
+                        <a:cs typeface="DejaVu Math TeX Gyre" panose="02000503000000000000" charset="0"/>
+                      </a:rPr>
+                      <m:t>)</m:t>
+                    </m:r>
+                  </m:oMath>
+                </a14:m>
+                <a:r>
+                  <a:rPr lang="pt-PT" altLang="en-US" sz="1600">
+                    <a:solidFill>
+                      <a:schemeClr val="accent5"/>
+                    </a:solidFill>
+                    <a:latin typeface="DejaVu Math TeX Gyre" panose="02000503000000000000" charset="0"/>
+                    <a:ea typeface="MS Mincho" charset="0"/>
+                    <a:cs typeface="DejaVu Math TeX Gyre" panose="02000503000000000000" charset="0"/>
+                  </a:rPr>
+                  <a:t>/100</a:t>
+                </a:r>
+                <a:endParaRPr lang="pt-PT" altLang="en-US" sz="1600">
+                  <a:solidFill>
+                    <a:schemeClr val="accent5"/>
+                  </a:solidFill>
                   <a:sym typeface="+mn-ea"/>
                 </a:endParaRPr>
               </a:p>
@@ -7903,7 +4778,73 @@
                 </a14:m>
                 <a:r>
                   <a:rPr lang="pt-PT" altLang="en-US" sz="1600">
+                    <a:latin typeface="DejaVu Math TeX Gyre" panose="02000503000000000000" charset="0"/>
+                    <a:cs typeface="DejaVu Math TeX Gyre" panose="02000503000000000000" charset="0"/>
+                  </a:rPr>
+                  <a:t>, </a:t>
+                </a:r>
+                <a:r>
+                  <a:rPr lang="pt-PT" altLang="en-US" sz="1600">
                     <a:sym typeface="+mn-ea"/>
+                  </a:rPr>
+                  <a:t>onde </a:t>
+                </a:r>
+                <a14:m>
+                  <m:oMath xmlns:m="http://schemas.openxmlformats.org/officeDocument/2006/math">
+                    <m:r>
+                      <a:rPr lang="en-US" altLang="pt-PT" sz="1600" i="1">
+                        <a:latin typeface="DejaVu Math TeX Gyre" panose="02000503000000000000" charset="0"/>
+                        <a:cs typeface="DejaVu Math TeX Gyre" panose="02000503000000000000" charset="0"/>
+                        <a:sym typeface="+mn-ea"/>
+                      </a:rPr>
+                      <m:t>𝜎</m:t>
+                    </m:r>
+                    <m:r>
+                      <a:rPr lang="en-US" altLang="pt-PT" sz="1600" i="1">
+                        <a:latin typeface="DejaVu Math TeX Gyre" panose="02000503000000000000" charset="0"/>
+                        <a:cs typeface="DejaVu Math TeX Gyre" panose="02000503000000000000" charset="0"/>
+                        <a:sym typeface="+mn-ea"/>
+                      </a:rPr>
+                      <m:t>=</m:t>
+                    </m:r>
+                    <m:r>
+                      <a:rPr lang="en-US" altLang="pt-PT" sz="1600" i="1">
+                        <a:latin typeface="DejaVu Math TeX Gyre" panose="02000503000000000000" charset="0"/>
+                        <a:cs typeface="DejaVu Math TeX Gyre" panose="02000503000000000000" charset="0"/>
+                        <a:sym typeface="+mn-ea"/>
+                      </a:rPr>
+                      <m:t>𝜌</m:t>
+                    </m:r>
+                    <m:r>
+                      <a:rPr lang="en-US" altLang="pt-PT" sz="1600" i="1">
+                        <a:latin typeface="DejaVu Math TeX Gyre" panose="02000503000000000000" charset="0"/>
+                        <a:cs typeface="DejaVu Math TeX Gyre" panose="02000503000000000000" charset="0"/>
+                        <a:sym typeface="+mn-ea"/>
+                      </a:rPr>
+                      <m:t>∙∆</m:t>
+                    </m:r>
+                    <m:r>
+                      <a:rPr lang="en-US" altLang="pt-PT" sz="1600" i="1">
+                        <a:latin typeface="DejaVu Math TeX Gyre" panose="02000503000000000000" charset="0"/>
+                        <a:cs typeface="DejaVu Math TeX Gyre" panose="02000503000000000000" charset="0"/>
+                        <a:sym typeface="+mn-ea"/>
+                      </a:rPr>
+                      <m:t>𝑥</m:t>
+                    </m:r>
+                    <m:r>
+                      <a:rPr lang="en-US" altLang="pt-PT" sz="1600" i="1" baseline="-25000">
+                        <a:latin typeface="DejaVu Math TeX Gyre" panose="02000503000000000000" charset="0"/>
+                        <a:cs typeface="DejaVu Math TeX Gyre" panose="02000503000000000000" charset="0"/>
+                        <a:sym typeface="+mn-ea"/>
+                      </a:rPr>
+                      <m:t>𝑖</m:t>
+                    </m:r>
+                  </m:oMath>
+                </a14:m>
+                <a:r>
+                  <a:rPr lang="pt-PT" altLang="en-US" sz="1600">
+                    <a:latin typeface="DejaVu Math TeX Gyre" panose="02000503000000000000" charset="0"/>
+                    <a:cs typeface="DejaVu Math TeX Gyre" panose="02000503000000000000" charset="0"/>
                   </a:rPr>
                   <a:t> </a:t>
                 </a:r>
@@ -7923,7 +4864,1189 @@
                   <a:rPr lang="pt-PT" altLang="en-US" sz="1600">
                     <a:sym typeface="+mn-ea"/>
                   </a:rPr>
-                  <a:t>Calcula o valor de f(x) só com essa variável perturbada. Esse será o valor da adaptabilidade dessa variável.</a:t>
+                  <a:t>Calcula o valor de f(x) da população só com essa variável perturbada. Esse será o valor da adaptabilidade dessa variável.</a:t>
+                </a:r>
+                <a:endParaRPr lang="pt-PT" altLang="en-US" sz="1600">
+                  <a:sym typeface="+mn-ea"/>
+                </a:endParaRPr>
+              </a:p>
+              <a:p>
+                <a:pPr marL="285750" lvl="0" indent="-285750" algn="just">
+                  <a:lnSpc>
+                    <a:spcPct val="150000"/>
+                  </a:lnSpc>
+                  <a:buFont typeface="Arial" panose="020B0604020202020204" pitchFamily="34" charset="0"/>
+                  <a:buChar char="•"/>
+                </a:pPr>
+                <a:r>
+                  <a:rPr lang="pt-PT" altLang="en-US" sz="1600">
+                    <a:sym typeface="+mn-ea"/>
+                  </a:rPr>
+                  <a:t>ENDFOR</a:t>
+                </a:r>
+                <a:endParaRPr lang="pt-PT" altLang="en-US" sz="1600">
+                  <a:sym typeface="+mn-ea"/>
+                </a:endParaRPr>
+              </a:p>
+              <a:p>
+                <a:pPr marL="285750" lvl="0" indent="-285750" algn="just">
+                  <a:lnSpc>
+                    <a:spcPct val="150000"/>
+                  </a:lnSpc>
+                  <a:buFont typeface="Arial" panose="020B0604020202020204" pitchFamily="34" charset="0"/>
+                  <a:buChar char="•"/>
+                </a:pPr>
+                <a:r>
+                  <a:rPr lang="pt-PT" altLang="en-US" sz="1600">
+                    <a:solidFill>
+                      <a:srgbClr val="FF0000"/>
+                    </a:solidFill>
+                    <a:sym typeface="+mn-ea"/>
+                  </a:rPr>
+                  <a:t>Perturba a porcentagem com </a:t>
+                </a:r>
+                <a14:m>
+                  <m:oMath xmlns:m="http://schemas.openxmlformats.org/officeDocument/2006/math">
+                    <m:sSup>
+                      <m:sSupPr>
+                        <m:ctrlPr>
+                          <a:rPr lang="en-US" sz="1600" i="1">
+                            <a:solidFill>
+                              <a:srgbClr val="FF0000"/>
+                            </a:solidFill>
+                            <a:latin typeface="DejaVu Math TeX Gyre" panose="02000503000000000000" charset="0"/>
+                            <a:cs typeface="DejaVu Math TeX Gyre" panose="02000503000000000000" charset="0"/>
+                          </a:rPr>
+                        </m:ctrlPr>
+                      </m:sSupPr>
+                      <m:e>
+                        <m:r>
+                          <a:rPr lang="en-US" sz="1600" i="1">
+                            <a:solidFill>
+                              <a:srgbClr val="FF0000"/>
+                            </a:solidFill>
+                            <a:latin typeface="DejaVu Math TeX Gyre" panose="02000503000000000000" charset="0"/>
+                            <a:cs typeface="DejaVu Math TeX Gyre" panose="02000503000000000000" charset="0"/>
+                          </a:rPr>
+                          <m:t>𝜌</m:t>
+                        </m:r>
+                      </m:e>
+                      <m:sup>
+                        <m:r>
+                          <a:rPr lang="en-US" sz="1600" i="1">
+                            <a:solidFill>
+                              <a:srgbClr val="FF0000"/>
+                            </a:solidFill>
+                            <a:latin typeface="DejaVu Math TeX Gyre" panose="02000503000000000000" charset="0"/>
+                            <a:cs typeface="DejaVu Math TeX Gyre" panose="02000503000000000000" charset="0"/>
+                          </a:rPr>
+                          <m:t>’</m:t>
+                        </m:r>
+                      </m:sup>
+                    </m:sSup>
+                    <m:r>
+                      <a:rPr lang="en-US" sz="1600" i="1">
+                        <a:solidFill>
+                          <a:srgbClr val="FF0000"/>
+                        </a:solidFill>
+                        <a:latin typeface="DejaVu Math TeX Gyre" panose="02000503000000000000" charset="0"/>
+                        <a:cs typeface="DejaVu Math TeX Gyre" panose="02000503000000000000" charset="0"/>
+                      </a:rPr>
+                      <m:t>=</m:t>
+                    </m:r>
+                    <m:r>
+                      <a:rPr lang="en-US" sz="1600" i="1">
+                        <a:solidFill>
+                          <a:srgbClr val="FF0000"/>
+                        </a:solidFill>
+                        <a:latin typeface="DejaVu Math TeX Gyre" panose="02000503000000000000" charset="0"/>
+                        <a:cs typeface="DejaVu Math TeX Gyre" panose="02000503000000000000" charset="0"/>
+                      </a:rPr>
+                      <m:t>𝐿𝑜𝑔𝑁𝑜𝑟𝑚𝑎𝑙</m:t>
+                    </m:r>
+                    <m:r>
+                      <a:rPr lang="en-US" sz="1600" i="1">
+                        <a:solidFill>
+                          <a:srgbClr val="FF0000"/>
+                        </a:solidFill>
+                        <a:latin typeface="DejaVu Math TeX Gyre" panose="02000503000000000000" charset="0"/>
+                        <a:cs typeface="DejaVu Math TeX Gyre" panose="02000503000000000000" charset="0"/>
+                      </a:rPr>
+                      <m:t>(</m:t>
+                    </m:r>
+                    <m:r>
+                      <a:rPr lang="en-US" sz="1600" i="1">
+                        <a:solidFill>
+                          <a:srgbClr val="FF0000"/>
+                        </a:solidFill>
+                        <a:latin typeface="DejaVu Math TeX Gyre" panose="02000503000000000000" charset="0"/>
+                        <a:cs typeface="DejaVu Math TeX Gyre" panose="02000503000000000000" charset="0"/>
+                      </a:rPr>
+                      <m:t>1</m:t>
+                    </m:r>
+                    <m:r>
+                      <a:rPr lang="en-US" sz="1600" i="1">
+                        <a:solidFill>
+                          <a:srgbClr val="FF0000"/>
+                        </a:solidFill>
+                        <a:latin typeface="DejaVu Math TeX Gyre" panose="02000503000000000000" charset="0"/>
+                        <a:cs typeface="DejaVu Math TeX Gyre" panose="02000503000000000000" charset="0"/>
+                      </a:rPr>
+                      <m:t>, </m:t>
+                    </m:r>
+                    <m:r>
+                      <a:rPr lang="en-US" sz="1600" i="1">
+                        <a:solidFill>
+                          <a:srgbClr val="FF0000"/>
+                        </a:solidFill>
+                        <a:latin typeface="DejaVu Math TeX Gyre" panose="02000503000000000000" charset="0"/>
+                        <a:cs typeface="DejaVu Math TeX Gyre" panose="02000503000000000000" charset="0"/>
+                      </a:rPr>
+                      <m:t>0</m:t>
+                    </m:r>
+                    <m:r>
+                      <a:rPr lang="en-US" sz="1600" i="1">
+                        <a:solidFill>
+                          <a:srgbClr val="FF0000"/>
+                        </a:solidFill>
+                        <a:latin typeface="DejaVu Math TeX Gyre" panose="02000503000000000000" charset="0"/>
+                        <a:cs typeface="DejaVu Math TeX Gyre" panose="02000503000000000000" charset="0"/>
+                      </a:rPr>
+                      <m:t>,</m:t>
+                    </m:r>
+                    <m:r>
+                      <a:rPr lang="en-US" sz="1600" i="1">
+                        <a:solidFill>
+                          <a:srgbClr val="FF0000"/>
+                        </a:solidFill>
+                        <a:latin typeface="DejaVu Math TeX Gyre" panose="02000503000000000000" charset="0"/>
+                        <a:cs typeface="DejaVu Math TeX Gyre" panose="02000503000000000000" charset="0"/>
+                      </a:rPr>
+                      <m:t>67</m:t>
+                    </m:r>
+                    <m:r>
+                      <a:rPr lang="en-US" sz="1600" i="1">
+                        <a:solidFill>
+                          <a:srgbClr val="FF0000"/>
+                        </a:solidFill>
+                        <a:latin typeface="DejaVu Math TeX Gyre" panose="02000503000000000000" charset="0"/>
+                        <a:ea typeface="MS Mincho" charset="0"/>
+                        <a:cs typeface="DejaVu Math TeX Gyre" panose="02000503000000000000" charset="0"/>
+                      </a:rPr>
+                      <m:t>)</m:t>
+                    </m:r>
+                  </m:oMath>
+                </a14:m>
+                <a:r>
+                  <a:rPr lang="pt-PT" altLang="en-US" sz="1600">
+                    <a:solidFill>
+                      <a:srgbClr val="FF0000"/>
+                    </a:solidFill>
+                    <a:latin typeface="DejaVu Math TeX Gyre" panose="02000503000000000000" charset="0"/>
+                    <a:ea typeface="MS Mincho" charset="0"/>
+                    <a:cs typeface="DejaVu Math TeX Gyre" panose="02000503000000000000" charset="0"/>
+                  </a:rPr>
+                  <a:t>/100</a:t>
+                </a:r>
+                <a:endParaRPr lang="pt-PT" altLang="en-US" sz="1600">
+                  <a:sym typeface="+mn-ea"/>
+                </a:endParaRPr>
+              </a:p>
+              <a:p>
+                <a:pPr marL="285750" lvl="0" indent="-285750" algn="just">
+                  <a:lnSpc>
+                    <a:spcPct val="150000"/>
+                  </a:lnSpc>
+                  <a:buFont typeface="Arial" panose="020B0604020202020204" pitchFamily="34" charset="0"/>
+                  <a:buChar char="•"/>
+                </a:pPr>
+                <a:r>
+                  <a:rPr lang="pt-PT" altLang="en-US" sz="1600">
+                    <a:solidFill>
+                      <a:schemeClr val="accent5"/>
+                    </a:solidFill>
+                    <a:sym typeface="+mn-ea"/>
+                  </a:rPr>
+                  <a:t> Para calcular a adaptabilidade do </a:t>
+                </a:r>
+                <a14:m>
+                  <m:oMath xmlns:m="http://schemas.openxmlformats.org/officeDocument/2006/math">
+                    <m:sSup>
+                      <m:sSupPr>
+                        <m:ctrlPr>
+                          <a:rPr lang="en-US" sz="1600" i="1">
+                            <a:solidFill>
+                              <a:schemeClr val="accent5"/>
+                            </a:solidFill>
+                            <a:latin typeface="DejaVu Math TeX Gyre" panose="02000503000000000000" charset="0"/>
+                            <a:cs typeface="DejaVu Math TeX Gyre" panose="02000503000000000000" charset="0"/>
+                          </a:rPr>
+                        </m:ctrlPr>
+                      </m:sSupPr>
+                      <m:e>
+                        <m:r>
+                          <a:rPr lang="en-US" sz="1600" i="1">
+                            <a:solidFill>
+                              <a:schemeClr val="accent5"/>
+                            </a:solidFill>
+                            <a:latin typeface="DejaVu Math TeX Gyre" panose="02000503000000000000" charset="0"/>
+                            <a:cs typeface="DejaVu Math TeX Gyre" panose="02000503000000000000" charset="0"/>
+                          </a:rPr>
+                          <m:t>𝜌</m:t>
+                        </m:r>
+                      </m:e>
+                      <m:sup>
+                        <m:r>
+                          <a:rPr lang="en-US" sz="1600" i="1">
+                            <a:solidFill>
+                              <a:schemeClr val="accent5"/>
+                            </a:solidFill>
+                            <a:latin typeface="DejaVu Math TeX Gyre" panose="02000503000000000000" charset="0"/>
+                            <a:cs typeface="DejaVu Math TeX Gyre" panose="02000503000000000000" charset="0"/>
+                          </a:rPr>
+                          <m:t>’</m:t>
+                        </m:r>
+                      </m:sup>
+                    </m:sSup>
+                  </m:oMath>
+                </a14:m>
+                <a:r>
+                  <a:rPr lang="pt-PT" altLang="en-US" sz="1600">
+                    <a:solidFill>
+                      <a:schemeClr val="accent5"/>
+                    </a:solidFill>
+                    <a:sym typeface="+mn-ea"/>
+                  </a:rPr>
+                  <a:t>, perturba todas as variáveis de uma só vez com </a:t>
+                </a:r>
+                <a14:m>
+                  <m:oMath xmlns:m="http://schemas.openxmlformats.org/officeDocument/2006/math">
+                    <m:sSubSup>
+                      <m:sSubSupPr>
+                        <m:ctrlPr>
+                          <a:rPr lang="en-US" sz="1600" i="1">
+                            <a:solidFill>
+                              <a:schemeClr val="accent5"/>
+                            </a:solidFill>
+                            <a:latin typeface="DejaVu Math TeX Gyre" panose="02000503000000000000" charset="0"/>
+                            <a:cs typeface="DejaVu Math TeX Gyre" panose="02000503000000000000" charset="0"/>
+                          </a:rPr>
+                        </m:ctrlPr>
+                      </m:sSubSupPr>
+                      <m:e>
+                        <m:r>
+                          <a:rPr lang="en-US" sz="1600" i="1">
+                            <a:solidFill>
+                              <a:schemeClr val="accent5"/>
+                            </a:solidFill>
+                            <a:latin typeface="DejaVu Math TeX Gyre" panose="02000503000000000000" charset="0"/>
+                            <a:cs typeface="DejaVu Math TeX Gyre" panose="02000503000000000000" charset="0"/>
+                          </a:rPr>
+                          <m:t>𝑥</m:t>
+                        </m:r>
+                      </m:e>
+                      <m:sub>
+                        <m:r>
+                          <a:rPr lang="en-US" sz="1600" i="1">
+                            <a:solidFill>
+                              <a:schemeClr val="accent5"/>
+                            </a:solidFill>
+                            <a:latin typeface="DejaVu Math TeX Gyre" panose="02000503000000000000" charset="0"/>
+                            <a:cs typeface="DejaVu Math TeX Gyre" panose="02000503000000000000" charset="0"/>
+                          </a:rPr>
+                          <m:t>𝑖</m:t>
+                        </m:r>
+                      </m:sub>
+                      <m:sup>
+                        <m:r>
+                          <a:rPr lang="en-US" sz="1600" i="1">
+                            <a:solidFill>
+                              <a:schemeClr val="accent5"/>
+                            </a:solidFill>
+                            <a:latin typeface="DejaVu Math TeX Gyre" panose="02000503000000000000" charset="0"/>
+                            <a:cs typeface="DejaVu Math TeX Gyre" panose="02000503000000000000" charset="0"/>
+                          </a:rPr>
+                          <m:t>’</m:t>
+                        </m:r>
+                      </m:sup>
+                    </m:sSubSup>
+                    <m:r>
+                      <a:rPr lang="en-US" sz="1600" i="1">
+                        <a:solidFill>
+                          <a:schemeClr val="accent5"/>
+                        </a:solidFill>
+                        <a:latin typeface="DejaVu Math TeX Gyre" panose="02000503000000000000" charset="0"/>
+                        <a:cs typeface="DejaVu Math TeX Gyre" panose="02000503000000000000" charset="0"/>
+                      </a:rPr>
+                      <m:t>=</m:t>
+                    </m:r>
+                    <m:sSub>
+                      <m:sSubPr>
+                        <m:ctrlPr>
+                          <a:rPr lang="en-US" sz="1600" i="1">
+                            <a:solidFill>
+                              <a:schemeClr val="accent5"/>
+                            </a:solidFill>
+                            <a:latin typeface="DejaVu Math TeX Gyre" panose="02000503000000000000" charset="0"/>
+                            <a:cs typeface="DejaVu Math TeX Gyre" panose="02000503000000000000" charset="0"/>
+                          </a:rPr>
+                        </m:ctrlPr>
+                      </m:sSubPr>
+                      <m:e>
+                        <m:r>
+                          <a:rPr lang="en-US" sz="1600" i="1">
+                            <a:solidFill>
+                              <a:schemeClr val="accent5"/>
+                            </a:solidFill>
+                            <a:latin typeface="DejaVu Math TeX Gyre" panose="02000503000000000000" charset="0"/>
+                            <a:cs typeface="DejaVu Math TeX Gyre" panose="02000503000000000000" charset="0"/>
+                          </a:rPr>
+                          <m:t>𝑥</m:t>
+                        </m:r>
+                      </m:e>
+                      <m:sub>
+                        <m:r>
+                          <a:rPr lang="en-US" sz="1600" i="1">
+                            <a:solidFill>
+                              <a:schemeClr val="accent5"/>
+                            </a:solidFill>
+                            <a:latin typeface="DejaVu Math TeX Gyre" panose="02000503000000000000" charset="0"/>
+                            <a:cs typeface="DejaVu Math TeX Gyre" panose="02000503000000000000" charset="0"/>
+                          </a:rPr>
+                          <m:t>𝑖</m:t>
+                        </m:r>
+                      </m:sub>
+                    </m:sSub>
+                    <m:r>
+                      <a:rPr lang="en-US" sz="1600" i="1">
+                        <a:solidFill>
+                          <a:schemeClr val="accent5"/>
+                        </a:solidFill>
+                        <a:latin typeface="DejaVu Math TeX Gyre" panose="02000503000000000000" charset="0"/>
+                        <a:cs typeface="DejaVu Math TeX Gyre" panose="02000503000000000000" charset="0"/>
+                      </a:rPr>
+                      <m:t>+</m:t>
+                    </m:r>
+                    <m:r>
+                      <a:rPr lang="en-US" sz="1600" i="1">
+                        <a:solidFill>
+                          <a:schemeClr val="accent5"/>
+                        </a:solidFill>
+                        <a:latin typeface="DejaVu Math TeX Gyre" panose="02000503000000000000" charset="0"/>
+                        <a:cs typeface="DejaVu Math TeX Gyre" panose="02000503000000000000" charset="0"/>
+                      </a:rPr>
+                      <m:t>𝑁</m:t>
+                    </m:r>
+                    <m:r>
+                      <a:rPr lang="en-US" sz="1600" i="1">
+                        <a:solidFill>
+                          <a:schemeClr val="accent5"/>
+                        </a:solidFill>
+                        <a:latin typeface="DejaVu Math TeX Gyre" panose="02000503000000000000" charset="0"/>
+                        <a:cs typeface="DejaVu Math TeX Gyre" panose="02000503000000000000" charset="0"/>
+                      </a:rPr>
+                      <m:t>(</m:t>
+                    </m:r>
+                    <m:r>
+                      <a:rPr lang="en-US" sz="1600" i="1">
+                        <a:solidFill>
+                          <a:schemeClr val="accent5"/>
+                        </a:solidFill>
+                        <a:latin typeface="DejaVu Math TeX Gyre" panose="02000503000000000000" charset="0"/>
+                        <a:cs typeface="DejaVu Math TeX Gyre" panose="02000503000000000000" charset="0"/>
+                      </a:rPr>
+                      <m:t>0</m:t>
+                    </m:r>
+                    <m:r>
+                      <a:rPr lang="en-US" sz="1600" i="1">
+                        <a:solidFill>
+                          <a:schemeClr val="accent5"/>
+                        </a:solidFill>
+                        <a:latin typeface="DejaVu Math TeX Gyre" panose="02000503000000000000" charset="0"/>
+                        <a:cs typeface="DejaVu Math TeX Gyre" panose="02000503000000000000" charset="0"/>
+                      </a:rPr>
+                      <m:t>,</m:t>
+                    </m:r>
+                    <m:r>
+                      <a:rPr lang="en-US" sz="1600" i="1">
+                        <a:solidFill>
+                          <a:schemeClr val="accent5"/>
+                        </a:solidFill>
+                        <a:latin typeface="DejaVu Math TeX Gyre" panose="02000503000000000000" charset="0"/>
+                        <a:cs typeface="DejaVu Math TeX Gyre" panose="02000503000000000000" charset="0"/>
+                      </a:rPr>
+                      <m:t>𝜎</m:t>
+                    </m:r>
+                    <m:r>
+                      <a:rPr lang="en-US" sz="1600" i="1">
+                        <a:solidFill>
+                          <a:schemeClr val="accent5"/>
+                        </a:solidFill>
+                        <a:latin typeface="DejaVu Math TeX Gyre" panose="02000503000000000000" charset="0"/>
+                        <a:ea typeface="MS Mincho" charset="0"/>
+                        <a:cs typeface="DejaVu Math TeX Gyre" panose="02000503000000000000" charset="0"/>
+                      </a:rPr>
+                      <m:t>)</m:t>
+                    </m:r>
+                  </m:oMath>
+                </a14:m>
+                <a:r>
+                  <a:rPr lang="pt-PT" altLang="en-US" sz="1600">
+                    <a:solidFill>
+                      <a:schemeClr val="accent5"/>
+                    </a:solidFill>
+                    <a:latin typeface="DejaVu Math TeX Gyre" panose="02000503000000000000" charset="0"/>
+                    <a:ea typeface="MS Mincho" charset="0"/>
+                    <a:cs typeface="DejaVu Math TeX Gyre" panose="02000503000000000000" charset="0"/>
+                  </a:rPr>
+                  <a:t>, </a:t>
+                </a:r>
+                <a:r>
+                  <a:rPr lang="pt-PT" altLang="en-US" sz="1600">
+                    <a:solidFill>
+                      <a:schemeClr val="accent5"/>
+                    </a:solidFill>
+                    <a:sym typeface="+mn-ea"/>
+                  </a:rPr>
+                  <a:t>onde </a:t>
+                </a:r>
+                <a14:m>
+                  <m:oMath xmlns:m="http://schemas.openxmlformats.org/officeDocument/2006/math">
+                    <m:r>
+                      <a:rPr lang="en-US" altLang="pt-PT" sz="1600" i="1">
+                        <a:solidFill>
+                          <a:schemeClr val="accent5"/>
+                        </a:solidFill>
+                        <a:latin typeface="DejaVu Math TeX Gyre" panose="02000503000000000000" charset="0"/>
+                        <a:cs typeface="DejaVu Math TeX Gyre" panose="02000503000000000000" charset="0"/>
+                        <a:sym typeface="+mn-ea"/>
+                      </a:rPr>
+                      <m:t>𝜎</m:t>
+                    </m:r>
+                    <m:r>
+                      <a:rPr lang="en-US" altLang="pt-PT" sz="1600" i="1">
+                        <a:solidFill>
+                          <a:schemeClr val="accent5"/>
+                        </a:solidFill>
+                        <a:latin typeface="DejaVu Math TeX Gyre" panose="02000503000000000000" charset="0"/>
+                        <a:cs typeface="DejaVu Math TeX Gyre" panose="02000503000000000000" charset="0"/>
+                        <a:sym typeface="+mn-ea"/>
+                      </a:rPr>
+                      <m:t>=</m:t>
+                    </m:r>
+                    <m:r>
+                      <a:rPr lang="en-US" altLang="pt-PT" sz="1600" i="1">
+                        <a:solidFill>
+                          <a:schemeClr val="accent5"/>
+                        </a:solidFill>
+                        <a:latin typeface="DejaVu Math TeX Gyre" panose="02000503000000000000" charset="0"/>
+                        <a:cs typeface="DejaVu Math TeX Gyre" panose="02000503000000000000" charset="0"/>
+                        <a:sym typeface="+mn-ea"/>
+                      </a:rPr>
+                      <m:t>𝜌</m:t>
+                    </m:r>
+                    <m:r>
+                      <a:rPr lang="en-US" altLang="pt-PT" sz="1600" i="1">
+                        <a:solidFill>
+                          <a:schemeClr val="accent5"/>
+                        </a:solidFill>
+                        <a:latin typeface="DejaVu Math TeX Gyre" panose="02000503000000000000" charset="0"/>
+                        <a:cs typeface="DejaVu Math TeX Gyre" panose="02000503000000000000" charset="0"/>
+                        <a:sym typeface="+mn-ea"/>
+                      </a:rPr>
+                      <m:t>’∙∆</m:t>
+                    </m:r>
+                    <m:r>
+                      <a:rPr lang="en-US" altLang="pt-PT" sz="1600" i="1">
+                        <a:solidFill>
+                          <a:schemeClr val="accent5"/>
+                        </a:solidFill>
+                        <a:latin typeface="DejaVu Math TeX Gyre" panose="02000503000000000000" charset="0"/>
+                        <a:cs typeface="DejaVu Math TeX Gyre" panose="02000503000000000000" charset="0"/>
+                        <a:sym typeface="+mn-ea"/>
+                      </a:rPr>
+                      <m:t>𝑥</m:t>
+                    </m:r>
+                    <m:r>
+                      <a:rPr lang="en-US" altLang="pt-PT" sz="1600" i="1" baseline="-25000">
+                        <a:solidFill>
+                          <a:schemeClr val="accent5"/>
+                        </a:solidFill>
+                        <a:latin typeface="DejaVu Math TeX Gyre" panose="02000503000000000000" charset="0"/>
+                        <a:cs typeface="DejaVu Math TeX Gyre" panose="02000503000000000000" charset="0"/>
+                        <a:sym typeface="+mn-ea"/>
+                      </a:rPr>
+                      <m:t>𝑖</m:t>
+                    </m:r>
+                  </m:oMath>
+                </a14:m>
+                <a:r>
+                  <a:rPr lang="pt-PT" altLang="en-US" sz="1600">
+                    <a:solidFill>
+                      <a:schemeClr val="accent5"/>
+                    </a:solidFill>
+                    <a:sym typeface="+mn-ea"/>
+                  </a:rPr>
+                  <a:t>, e calcula o valor de f(x).</a:t>
+                </a:r>
+                <a:endParaRPr lang="pt-PT" altLang="en-US" sz="1600">
+                  <a:solidFill>
+                    <a:schemeClr val="accent5"/>
+                  </a:solidFill>
+                  <a:sym typeface="+mn-ea"/>
+                </a:endParaRPr>
+              </a:p>
+              <a:p>
+                <a:pPr marL="285750" lvl="0" indent="-285750" algn="just">
+                  <a:lnSpc>
+                    <a:spcPct val="150000"/>
+                  </a:lnSpc>
+                  <a:buFont typeface="Arial" panose="020B0604020202020204" pitchFamily="34" charset="0"/>
+                  <a:buChar char="•"/>
+                </a:pPr>
+                <a:r>
+                  <a:rPr lang="pt-PT" altLang="en-US" sz="1600">
+                    <a:sym typeface="+mn-ea"/>
+                  </a:rPr>
+                  <a:t>Foram geradas</a:t>
+                </a:r>
+                <a:r>
+                  <a:rPr lang="pt-PT" altLang="en-US" sz="1600">
+                    <a:solidFill>
+                      <a:schemeClr val="accent5"/>
+                    </a:solidFill>
+                    <a:sym typeface="+mn-ea"/>
+                  </a:rPr>
+                  <a:t> N+1 </a:t>
+                </a:r>
+                <a:r>
+                  <a:rPr lang="pt-PT" altLang="en-US" sz="1600">
+                    <a:sym typeface="+mn-ea"/>
+                  </a:rPr>
+                  <a:t>perturbações para serem escolhidas.</a:t>
+                </a:r>
+                <a:endParaRPr lang="pt-PT" altLang="en-US" sz="1600"/>
+              </a:p>
+              <a:p>
+                <a:pPr marL="285750" indent="-285750" algn="just">
+                  <a:lnSpc>
+                    <a:spcPct val="150000"/>
+                  </a:lnSpc>
+                  <a:buFont typeface="Arial" panose="020B0604020202020204" pitchFamily="34" charset="0"/>
+                  <a:buChar char="•"/>
+                </a:pPr>
+                <a:r>
+                  <a:rPr lang="pt-PT" altLang="en-US" sz="1600">
+                    <a:sym typeface="+mn-ea"/>
+                  </a:rPr>
+                  <a:t>Ordena pelo f(x) e escolhe uma perturbação para ser confirmada.</a:t>
+                </a:r>
+                <a:endParaRPr lang="pt-PT" altLang="en-US" sz="1600">
+                  <a:sym typeface="+mn-ea"/>
+                </a:endParaRPr>
+              </a:p>
+              <a:p>
+                <a:pPr marL="285750" indent="-285750" algn="just">
+                  <a:lnSpc>
+                    <a:spcPct val="150000"/>
+                  </a:lnSpc>
+                  <a:buFont typeface="Arial" panose="020B0604020202020204" pitchFamily="34" charset="0"/>
+                  <a:buChar char="•"/>
+                </a:pPr>
+                <a:r>
+                  <a:rPr lang="pt-PT" altLang="en-US" sz="1600">
+                    <a:sym typeface="+mn-ea"/>
+                  </a:rPr>
+                  <a:t>Ao confirmar uma variável, confirma toda a população que gerou aquele f(x)</a:t>
+                </a:r>
+                <a:endParaRPr lang="pt-PT" altLang="en-US" sz="1600">
+                  <a:sym typeface="+mn-ea"/>
+                </a:endParaRPr>
+              </a:p>
+            </p:txBody>
+          </p:sp>
+        </mc:Choice>
+        <mc:Fallback>
+          <p:sp>
+            <p:nvSpPr>
+              <p:cNvPr id="27" name="Text Box 26"/>
+              <p:cNvSpPr txBox="1">
+                <a:spLocks noRot="1" noChangeAspect="1" noMove="1" noResize="1" noEditPoints="1" noAdjustHandles="1" noChangeArrowheads="1" noChangeShapeType="1" noTextEdit="1"/>
+              </p:cNvSpPr>
+              <p:nvPr/>
+            </p:nvSpPr>
+            <p:spPr>
+              <a:xfrm>
+                <a:off x="1142365" y="942340"/>
+                <a:ext cx="7335520" cy="5051425"/>
+              </a:xfrm>
+              <a:prstGeom prst="rect">
+                <a:avLst/>
+              </a:prstGeom>
+              <a:blipFill rotWithShape="1">
+                <a:blip r:embed="rId1"/>
+                <a:stretch>
+                  <a:fillRect/>
+                </a:stretch>
+              </a:blipFill>
+            </p:spPr>
+            <p:txBody>
+              <a:bodyPr/>
+              <a:lstStyle/>
+              <a:p>
+                <a:r>
+                  <a:rPr lang="en-US" altLang="en-US">
+                    <a:noFill/>
+                  </a:rPr>
+                  <a:t> </a:t>
+                </a:r>
+              </a:p>
+            </p:txBody>
+          </p:sp>
+        </mc:Fallback>
+      </mc:AlternateContent>
+      <p:sp>
+        <p:nvSpPr>
+          <p:cNvPr id="2" name="Text Box 1"/>
+          <p:cNvSpPr txBox="1"/>
+          <p:nvPr/>
+        </p:nvSpPr>
+        <p:spPr>
+          <a:xfrm>
+            <a:off x="2295525" y="241300"/>
+            <a:ext cx="7600315" cy="414020"/>
+          </a:xfrm>
+          <a:prstGeom prst="rect">
+            <a:avLst/>
+          </a:prstGeom>
+          <a:noFill/>
+        </p:spPr>
+        <p:txBody>
+          <a:bodyPr wrap="square" rtlCol="0">
+            <a:spAutoFit/>
+          </a:bodyPr>
+          <a:p>
+            <a:pPr lvl="0" indent="0" algn="ctr">
+              <a:lnSpc>
+                <a:spcPct val="150000"/>
+              </a:lnSpc>
+              <a:buFont typeface="Arial" panose="020B0604020202020204" pitchFamily="34" charset="0"/>
+              <a:buNone/>
+            </a:pPr>
+            <a:r>
+              <a:rPr lang="pt-PT" sz="1400" b="1">
+                <a:solidFill>
+                  <a:schemeClr val="accent2"/>
+                </a:solidFill>
+              </a:rPr>
+              <a:t>DÚVIDA REAL1</a:t>
+            </a:r>
+            <a:endParaRPr lang="pt-PT" sz="1400" b="1">
+              <a:solidFill>
+                <a:schemeClr val="accent2"/>
+              </a:solidFill>
+            </a:endParaRPr>
+          </a:p>
+        </p:txBody>
+      </p:sp>
+      <p:pic>
+        <p:nvPicPr>
+          <p:cNvPr id="3" name="Picture 2"/>
+          <p:cNvPicPr>
+            <a:picLocks noChangeAspect="1"/>
+          </p:cNvPicPr>
+          <p:nvPr/>
+        </p:nvPicPr>
+        <p:blipFill>
+          <a:blip r:embed="rId2"/>
+          <a:stretch>
+            <a:fillRect/>
+          </a:stretch>
+        </p:blipFill>
+        <p:spPr>
+          <a:xfrm>
+            <a:off x="7494905" y="2901950"/>
+            <a:ext cx="3489960" cy="1132205"/>
+          </a:xfrm>
+          <a:prstGeom prst="rect">
+            <a:avLst/>
+          </a:prstGeom>
+        </p:spPr>
+      </p:pic>
+    </p:spTree>
+  </p:cSld>
+  <p:clrMapOvr>
+    <a:masterClrMapping/>
+  </p:clrMapOvr>
+</p:sld>
+</file>
+
+<file path=ppt/slides/slide4.xml><?xml version="1.0" encoding="utf-8"?>
+<p:sld xmlns:a="http://schemas.openxmlformats.org/drawingml/2006/main" xmlns:r="http://schemas.openxmlformats.org/officeDocument/2006/relationships" xmlns:p="http://schemas.openxmlformats.org/presentationml/2006/main">
+  <p:cSld>
+    <p:spTree>
+      <p:nvGrpSpPr>
+        <p:cNvPr id="1" name=""/>
+        <p:cNvGrpSpPr/>
+        <p:nvPr/>
+      </p:nvGrpSpPr>
+      <p:grpSpPr/>
+      <mc:AlternateContent xmlns:mc="http://schemas.openxmlformats.org/markup-compatibility/2006">
+        <mc:Choice xmlns:a14="http://schemas.microsoft.com/office/drawing/2010/main" Requires="a14">
+          <p:sp>
+            <p:nvSpPr>
+              <p:cNvPr id="27" name="Text Box 26"/>
+              <p:cNvSpPr txBox="1"/>
+              <p:nvPr/>
+            </p:nvSpPr>
+            <p:spPr>
+              <a:xfrm>
+                <a:off x="1327785" y="885190"/>
+                <a:ext cx="7335520" cy="5045710"/>
+              </a:xfrm>
+              <a:prstGeom prst="rect">
+                <a:avLst/>
+              </a:prstGeom>
+              <a:noFill/>
+            </p:spPr>
+            <p:txBody>
+              <a:bodyPr wrap="square" rtlCol="0">
+                <a:spAutoFit/>
+              </a:bodyPr>
+              <a:p>
+                <a:pPr lvl="0" indent="0" algn="just">
+                  <a:lnSpc>
+                    <a:spcPct val="150000"/>
+                  </a:lnSpc>
+                  <a:buFont typeface="Arial" panose="020B0604020202020204" pitchFamily="34" charset="0"/>
+                  <a:buNone/>
+                </a:pPr>
+                <a:r>
+                  <a:rPr lang="pt-PT" altLang="en-US" sz="1600" b="1">
+                    <a:sym typeface="+mn-ea"/>
+                  </a:rPr>
+                  <a:t>VERSÃO 2:</a:t>
+                </a:r>
+                <a:endParaRPr lang="pt-PT" altLang="en-US" sz="1600" b="1"/>
+              </a:p>
+              <a:p>
+                <a:pPr marL="285750" lvl="0" indent="-285750" algn="just">
+                  <a:lnSpc>
+                    <a:spcPct val="150000"/>
+                  </a:lnSpc>
+                  <a:buFont typeface="Arial" panose="020B0604020202020204" pitchFamily="34" charset="0"/>
+                  <a:buChar char="•"/>
+                </a:pPr>
+                <a:r>
+                  <a:rPr lang="pt-PT" altLang="en-US" sz="1600">
+                    <a:solidFill>
+                      <a:srgbClr val="FF0000"/>
+                    </a:solidFill>
+                    <a:sym typeface="+mn-ea"/>
+                  </a:rPr>
+                  <a:t>Antes de verificar as perturbações, perturba a porcentagem com</a:t>
+                </a:r>
+                <a:r>
+                  <a:rPr lang="pt-PT" altLang="en-US" sz="1600" i="1">
+                    <a:solidFill>
+                      <a:srgbClr val="FF0000"/>
+                    </a:solidFill>
+                    <a:latin typeface="DejaVu Math TeX Gyre" panose="02000503000000000000" charset="0"/>
+                    <a:cs typeface="DejaVu Math TeX Gyre" panose="02000503000000000000" charset="0"/>
+                    <a:sym typeface="+mn-ea"/>
+                  </a:rPr>
+                  <a:t> </a:t>
+                </a:r>
+                <a14:m>
+                  <m:oMath xmlns:m="http://schemas.openxmlformats.org/officeDocument/2006/math">
+                    <m:sSup>
+                      <m:sSupPr>
+                        <m:ctrlPr>
+                          <a:rPr lang="en-US" sz="1600" i="1">
+                            <a:solidFill>
+                              <a:srgbClr val="FF0000"/>
+                            </a:solidFill>
+                            <a:latin typeface="DejaVu Math TeX Gyre" panose="02000503000000000000" charset="0"/>
+                            <a:cs typeface="DejaVu Math TeX Gyre" panose="02000503000000000000" charset="0"/>
+                          </a:rPr>
+                        </m:ctrlPr>
+                      </m:sSupPr>
+                      <m:e>
+                        <m:r>
+                          <a:rPr lang="en-US" sz="1600" i="1">
+                            <a:solidFill>
+                              <a:srgbClr val="FF0000"/>
+                            </a:solidFill>
+                            <a:latin typeface="DejaVu Math TeX Gyre" panose="02000503000000000000" charset="0"/>
+                            <a:cs typeface="DejaVu Math TeX Gyre" panose="02000503000000000000" charset="0"/>
+                          </a:rPr>
+                          <m:t>𝜌</m:t>
+                        </m:r>
+                      </m:e>
+                      <m:sup>
+                        <m:r>
+                          <a:rPr lang="en-US" sz="1600" i="1">
+                            <a:solidFill>
+                              <a:srgbClr val="FF0000"/>
+                            </a:solidFill>
+                            <a:latin typeface="DejaVu Math TeX Gyre" panose="02000503000000000000" charset="0"/>
+                            <a:cs typeface="DejaVu Math TeX Gyre" panose="02000503000000000000" charset="0"/>
+                          </a:rPr>
+                          <m:t>’</m:t>
+                        </m:r>
+                      </m:sup>
+                    </m:sSup>
+                    <m:r>
+                      <a:rPr lang="en-US" sz="1600" i="1">
+                        <a:solidFill>
+                          <a:srgbClr val="FF0000"/>
+                        </a:solidFill>
+                        <a:latin typeface="DejaVu Math TeX Gyre" panose="02000503000000000000" charset="0"/>
+                        <a:cs typeface="DejaVu Math TeX Gyre" panose="02000503000000000000" charset="0"/>
+                      </a:rPr>
+                      <m:t>=</m:t>
+                    </m:r>
+                    <m:r>
+                      <a:rPr lang="en-US" sz="1600" i="1">
+                        <a:solidFill>
+                          <a:srgbClr val="FF0000"/>
+                        </a:solidFill>
+                        <a:latin typeface="DejaVu Math TeX Gyre" panose="02000503000000000000" charset="0"/>
+                        <a:cs typeface="DejaVu Math TeX Gyre" panose="02000503000000000000" charset="0"/>
+                      </a:rPr>
+                      <m:t>𝐿𝑜𝑔𝑁𝑜𝑟𝑚𝑎𝑙</m:t>
+                    </m:r>
+                    <m:r>
+                      <a:rPr lang="en-US" sz="1600" i="1">
+                        <a:solidFill>
+                          <a:srgbClr val="FF0000"/>
+                        </a:solidFill>
+                        <a:latin typeface="DejaVu Math TeX Gyre" panose="02000503000000000000" charset="0"/>
+                        <a:cs typeface="DejaVu Math TeX Gyre" panose="02000503000000000000" charset="0"/>
+                      </a:rPr>
+                      <m:t>(</m:t>
+                    </m:r>
+                    <m:r>
+                      <a:rPr lang="en-US" sz="1600" i="1">
+                        <a:solidFill>
+                          <a:srgbClr val="FF0000"/>
+                        </a:solidFill>
+                        <a:latin typeface="DejaVu Math TeX Gyre" panose="02000503000000000000" charset="0"/>
+                        <a:cs typeface="DejaVu Math TeX Gyre" panose="02000503000000000000" charset="0"/>
+                      </a:rPr>
+                      <m:t>1</m:t>
+                    </m:r>
+                    <m:r>
+                      <a:rPr lang="en-US" sz="1600" i="1">
+                        <a:solidFill>
+                          <a:srgbClr val="FF0000"/>
+                        </a:solidFill>
+                        <a:latin typeface="DejaVu Math TeX Gyre" panose="02000503000000000000" charset="0"/>
+                        <a:cs typeface="DejaVu Math TeX Gyre" panose="02000503000000000000" charset="0"/>
+                      </a:rPr>
+                      <m:t>, </m:t>
+                    </m:r>
+                    <m:r>
+                      <a:rPr lang="en-US" sz="1600" i="1">
+                        <a:solidFill>
+                          <a:srgbClr val="FF0000"/>
+                        </a:solidFill>
+                        <a:latin typeface="DejaVu Math TeX Gyre" panose="02000503000000000000" charset="0"/>
+                        <a:cs typeface="DejaVu Math TeX Gyre" panose="02000503000000000000" charset="0"/>
+                      </a:rPr>
+                      <m:t>0</m:t>
+                    </m:r>
+                    <m:r>
+                      <a:rPr lang="en-US" sz="1600" i="1">
+                        <a:solidFill>
+                          <a:srgbClr val="FF0000"/>
+                        </a:solidFill>
+                        <a:latin typeface="DejaVu Math TeX Gyre" panose="02000503000000000000" charset="0"/>
+                        <a:cs typeface="DejaVu Math TeX Gyre" panose="02000503000000000000" charset="0"/>
+                      </a:rPr>
+                      <m:t>,</m:t>
+                    </m:r>
+                    <m:r>
+                      <a:rPr lang="en-US" sz="1600" i="1">
+                        <a:solidFill>
+                          <a:srgbClr val="FF0000"/>
+                        </a:solidFill>
+                        <a:latin typeface="DejaVu Math TeX Gyre" panose="02000503000000000000" charset="0"/>
+                        <a:cs typeface="DejaVu Math TeX Gyre" panose="02000503000000000000" charset="0"/>
+                      </a:rPr>
+                      <m:t>67</m:t>
+                    </m:r>
+                    <m:r>
+                      <a:rPr lang="en-US" sz="1600" i="1">
+                        <a:solidFill>
+                          <a:srgbClr val="FF0000"/>
+                        </a:solidFill>
+                        <a:latin typeface="DejaVu Math TeX Gyre" panose="02000503000000000000" charset="0"/>
+                        <a:ea typeface="MS Mincho" charset="0"/>
+                        <a:cs typeface="DejaVu Math TeX Gyre" panose="02000503000000000000" charset="0"/>
+                      </a:rPr>
+                      <m:t>)</m:t>
+                    </m:r>
+                  </m:oMath>
+                </a14:m>
+                <a:endParaRPr lang="pt-PT" altLang="en-US" sz="1600"/>
+              </a:p>
+              <a:p>
+                <a:pPr marL="285750" lvl="0" indent="-285750" algn="just">
+                  <a:lnSpc>
+                    <a:spcPct val="150000"/>
+                  </a:lnSpc>
+                  <a:buFont typeface="Arial" panose="020B0604020202020204" pitchFamily="34" charset="0"/>
+                  <a:buChar char="•"/>
+                </a:pPr>
+                <a:r>
+                  <a:rPr lang="pt-PT" altLang="en-US" sz="1600"/>
+                  <a:t>FOR cada variável:</a:t>
+                </a:r>
+                <a:endParaRPr lang="pt-PT" altLang="en-US" sz="1600"/>
+              </a:p>
+              <a:p>
+                <a:pPr marL="742950" lvl="1" indent="-285750" algn="just">
+                  <a:lnSpc>
+                    <a:spcPct val="150000"/>
+                  </a:lnSpc>
+                  <a:buFont typeface="Arial" panose="020B0604020202020204" pitchFamily="34" charset="0"/>
+                  <a:buChar char="•"/>
+                </a:pPr>
+                <a:r>
+                  <a:rPr lang="pt-PT" altLang="en-US" sz="1600">
+                    <a:sym typeface="+mn-ea"/>
+                  </a:rPr>
+                  <a:t>Perturba com </a:t>
+                </a:r>
+                <a14:m>
+                  <m:oMath xmlns:m="http://schemas.openxmlformats.org/officeDocument/2006/math">
+                    <m:sSubSup>
+                      <m:sSubSupPr>
+                        <m:ctrlPr>
+                          <a:rPr lang="en-US" sz="1600" i="1">
+                            <a:latin typeface="DejaVu Math TeX Gyre" panose="02000503000000000000" charset="0"/>
+                            <a:cs typeface="DejaVu Math TeX Gyre" panose="02000503000000000000" charset="0"/>
+                          </a:rPr>
+                        </m:ctrlPr>
+                      </m:sSubSupPr>
+                      <m:e>
+                        <m:r>
+                          <a:rPr lang="en-US" sz="1600" i="1">
+                            <a:latin typeface="DejaVu Math TeX Gyre" panose="02000503000000000000" charset="0"/>
+                            <a:cs typeface="DejaVu Math TeX Gyre" panose="02000503000000000000" charset="0"/>
+                          </a:rPr>
+                          <m:t>𝑥</m:t>
+                        </m:r>
+                      </m:e>
+                      <m:sub>
+                        <m:r>
+                          <a:rPr lang="en-US" sz="1600" i="1">
+                            <a:latin typeface="DejaVu Math TeX Gyre" panose="02000503000000000000" charset="0"/>
+                            <a:cs typeface="DejaVu Math TeX Gyre" panose="02000503000000000000" charset="0"/>
+                          </a:rPr>
+                          <m:t>𝑖</m:t>
+                        </m:r>
+                      </m:sub>
+                      <m:sup>
+                        <m:r>
+                          <a:rPr lang="en-US" sz="1600" i="1">
+                            <a:latin typeface="DejaVu Math TeX Gyre" panose="02000503000000000000" charset="0"/>
+                            <a:cs typeface="DejaVu Math TeX Gyre" panose="02000503000000000000" charset="0"/>
+                          </a:rPr>
+                          <m:t>’</m:t>
+                        </m:r>
+                      </m:sup>
+                    </m:sSubSup>
+                    <m:r>
+                      <a:rPr lang="en-US" sz="1600" i="1">
+                        <a:latin typeface="DejaVu Math TeX Gyre" panose="02000503000000000000" charset="0"/>
+                        <a:cs typeface="DejaVu Math TeX Gyre" panose="02000503000000000000" charset="0"/>
+                      </a:rPr>
+                      <m:t>=</m:t>
+                    </m:r>
+                    <m:sSub>
+                      <m:sSubPr>
+                        <m:ctrlPr>
+                          <a:rPr lang="en-US" sz="1600" i="1">
+                            <a:latin typeface="DejaVu Math TeX Gyre" panose="02000503000000000000" charset="0"/>
+                            <a:cs typeface="DejaVu Math TeX Gyre" panose="02000503000000000000" charset="0"/>
+                          </a:rPr>
+                        </m:ctrlPr>
+                      </m:sSubPr>
+                      <m:e>
+                        <m:r>
+                          <a:rPr lang="en-US" sz="1600" i="1">
+                            <a:latin typeface="DejaVu Math TeX Gyre" panose="02000503000000000000" charset="0"/>
+                            <a:cs typeface="DejaVu Math TeX Gyre" panose="02000503000000000000" charset="0"/>
+                          </a:rPr>
+                          <m:t>𝑥</m:t>
+                        </m:r>
+                      </m:e>
+                      <m:sub>
+                        <m:r>
+                          <a:rPr lang="en-US" sz="1600" i="1">
+                            <a:latin typeface="DejaVu Math TeX Gyre" panose="02000503000000000000" charset="0"/>
+                            <a:cs typeface="DejaVu Math TeX Gyre" panose="02000503000000000000" charset="0"/>
+                          </a:rPr>
+                          <m:t>𝑖</m:t>
+                        </m:r>
+                      </m:sub>
+                    </m:sSub>
+                    <m:r>
+                      <a:rPr lang="en-US" sz="1600" i="1">
+                        <a:latin typeface="DejaVu Math TeX Gyre" panose="02000503000000000000" charset="0"/>
+                        <a:cs typeface="DejaVu Math TeX Gyre" panose="02000503000000000000" charset="0"/>
+                      </a:rPr>
+                      <m:t>+</m:t>
+                    </m:r>
+                    <m:r>
+                      <a:rPr lang="en-US" sz="1600" i="1">
+                        <a:latin typeface="DejaVu Math TeX Gyre" panose="02000503000000000000" charset="0"/>
+                        <a:cs typeface="DejaVu Math TeX Gyre" panose="02000503000000000000" charset="0"/>
+                      </a:rPr>
+                      <m:t>𝑁</m:t>
+                    </m:r>
+                    <m:r>
+                      <a:rPr lang="en-US" sz="1600" i="1">
+                        <a:latin typeface="DejaVu Math TeX Gyre" panose="02000503000000000000" charset="0"/>
+                        <a:cs typeface="DejaVu Math TeX Gyre" panose="02000503000000000000" charset="0"/>
+                      </a:rPr>
+                      <m:t>(</m:t>
+                    </m:r>
+                    <m:r>
+                      <a:rPr lang="en-US" sz="1600" i="1">
+                        <a:latin typeface="DejaVu Math TeX Gyre" panose="02000503000000000000" charset="0"/>
+                        <a:cs typeface="DejaVu Math TeX Gyre" panose="02000503000000000000" charset="0"/>
+                      </a:rPr>
+                      <m:t>0</m:t>
+                    </m:r>
+                    <m:r>
+                      <a:rPr lang="en-US" sz="1600" i="1">
+                        <a:latin typeface="DejaVu Math TeX Gyre" panose="02000503000000000000" charset="0"/>
+                        <a:cs typeface="DejaVu Math TeX Gyre" panose="02000503000000000000" charset="0"/>
+                      </a:rPr>
+                      <m:t>,</m:t>
+                    </m:r>
+                    <m:r>
+                      <a:rPr lang="en-US" sz="1600" i="1">
+                        <a:latin typeface="DejaVu Math TeX Gyre" panose="02000503000000000000" charset="0"/>
+                        <a:cs typeface="DejaVu Math TeX Gyre" panose="02000503000000000000" charset="0"/>
+                      </a:rPr>
+                      <m:t>𝜎</m:t>
+                    </m:r>
+                    <m:r>
+                      <a:rPr lang="en-US" sz="1600" i="1">
+                        <a:latin typeface="DejaVu Math TeX Gyre" panose="02000503000000000000" charset="0"/>
+                        <a:cs typeface="DejaVu Math TeX Gyre" panose="02000503000000000000" charset="0"/>
+                      </a:rPr>
+                      <m:t>)</m:t>
+                    </m:r>
+                  </m:oMath>
+                </a14:m>
+                <a:r>
+                  <a:rPr lang="pt-PT" altLang="en-US" sz="1600">
+                    <a:latin typeface="DejaVu Math TeX Gyre" panose="02000503000000000000" charset="0"/>
+                    <a:cs typeface="DejaVu Math TeX Gyre" panose="02000503000000000000" charset="0"/>
+                  </a:rPr>
+                  <a:t>, </a:t>
+                </a:r>
+                <a:r>
+                  <a:rPr lang="pt-PT" altLang="en-US" sz="1600">
+                    <a:sym typeface="+mn-ea"/>
+                  </a:rPr>
+                  <a:t>onde </a:t>
+                </a:r>
+                <a14:m>
+                  <m:oMath xmlns:m="http://schemas.openxmlformats.org/officeDocument/2006/math">
+                    <m:r>
+                      <a:rPr lang="en-US" altLang="pt-PT" sz="1600" i="1">
+                        <a:latin typeface="DejaVu Math TeX Gyre" panose="02000503000000000000" charset="0"/>
+                        <a:cs typeface="DejaVu Math TeX Gyre" panose="02000503000000000000" charset="0"/>
+                        <a:sym typeface="+mn-ea"/>
+                      </a:rPr>
+                      <m:t>𝜎</m:t>
+                    </m:r>
+                    <m:r>
+                      <a:rPr lang="en-US" altLang="pt-PT" sz="1600" i="1">
+                        <a:latin typeface="DejaVu Math TeX Gyre" panose="02000503000000000000" charset="0"/>
+                        <a:cs typeface="DejaVu Math TeX Gyre" panose="02000503000000000000" charset="0"/>
+                        <a:sym typeface="+mn-ea"/>
+                      </a:rPr>
+                      <m:t>=</m:t>
+                    </m:r>
+                    <m:r>
+                      <a:rPr lang="en-US" altLang="pt-PT" sz="1600" i="1">
+                        <a:solidFill>
+                          <a:srgbClr val="FF0000"/>
+                        </a:solidFill>
+                        <a:latin typeface="DejaVu Math TeX Gyre" panose="02000503000000000000" charset="0"/>
+                        <a:cs typeface="DejaVu Math TeX Gyre" panose="02000503000000000000" charset="0"/>
+                        <a:sym typeface="+mn-ea"/>
+                      </a:rPr>
+                      <m:t>𝜌</m:t>
+                    </m:r>
+                    <m:r>
+                      <a:rPr lang="en-US" altLang="pt-PT" sz="1600" i="1">
+                        <a:solidFill>
+                          <a:srgbClr val="FF0000"/>
+                        </a:solidFill>
+                        <a:latin typeface="DejaVu Math TeX Gyre" panose="02000503000000000000" charset="0"/>
+                        <a:cs typeface="DejaVu Math TeX Gyre" panose="02000503000000000000" charset="0"/>
+                        <a:sym typeface="+mn-ea"/>
+                      </a:rPr>
+                      <m:t>’</m:t>
+                    </m:r>
+                    <m:r>
+                      <a:rPr lang="en-US" altLang="pt-PT" sz="1600" i="1">
+                        <a:latin typeface="DejaVu Math TeX Gyre" panose="02000503000000000000" charset="0"/>
+                        <a:cs typeface="DejaVu Math TeX Gyre" panose="02000503000000000000" charset="0"/>
+                        <a:sym typeface="+mn-ea"/>
+                      </a:rPr>
+                      <m:t>∙∆</m:t>
+                    </m:r>
+                    <m:r>
+                      <a:rPr lang="en-US" altLang="pt-PT" sz="1600" i="1">
+                        <a:latin typeface="DejaVu Math TeX Gyre" panose="02000503000000000000" charset="0"/>
+                        <a:cs typeface="DejaVu Math TeX Gyre" panose="02000503000000000000" charset="0"/>
+                        <a:sym typeface="+mn-ea"/>
+                      </a:rPr>
+                      <m:t>𝑥</m:t>
+                    </m:r>
+                    <m:r>
+                      <a:rPr lang="en-US" altLang="pt-PT" sz="1600" i="1" baseline="-25000">
+                        <a:latin typeface="DejaVu Math TeX Gyre" panose="02000503000000000000" charset="0"/>
+                        <a:cs typeface="DejaVu Math TeX Gyre" panose="02000503000000000000" charset="0"/>
+                        <a:sym typeface="+mn-ea"/>
+                      </a:rPr>
+                      <m:t>𝑖</m:t>
+                    </m:r>
+                  </m:oMath>
+                </a14:m>
+                <a:r>
+                  <a:rPr lang="pt-PT" altLang="en-US" sz="1600">
+                    <a:latin typeface="DejaVu Math TeX Gyre" panose="02000503000000000000" charset="0"/>
+                    <a:cs typeface="DejaVu Math TeX Gyre" panose="02000503000000000000" charset="0"/>
+                  </a:rPr>
+                  <a:t> </a:t>
+                </a:r>
+                <a:endParaRPr lang="pt-PT" altLang="en-US" sz="1600">
+                  <a:sym typeface="+mn-ea"/>
+                </a:endParaRPr>
+              </a:p>
+              <a:p>
+                <a:pPr marL="742950" lvl="1" indent="-285750" algn="just">
+                  <a:lnSpc>
+                    <a:spcPct val="150000"/>
+                  </a:lnSpc>
+                  <a:buFont typeface="Arial" panose="020B0604020202020204" pitchFamily="34" charset="0"/>
+                  <a:buChar char="•"/>
+                </a:pPr>
+                <a:r>
+                  <a:rPr lang="pt-PT" altLang="en-US" sz="1600">
+                    <a:sym typeface="+mn-ea"/>
+                  </a:rPr>
+                  <a:t>Calcula o valor de f(x) da população só com essa variável perturbada. Esse será o valor da adaptabilidade dessa variável.</a:t>
                 </a:r>
                 <a:endParaRPr lang="pt-PT" altLang="en-US" sz="1600">
                   <a:sym typeface="+mn-ea"/>
@@ -7962,7 +6085,7 @@
                     </a:solidFill>
                     <a:sym typeface="+mn-ea"/>
                   </a:rPr>
-                  <a:t>Perturba o sigma com </a:t>
+                  <a:t> Para calcular a adaptabilidade do </a:t>
                 </a:r>
                 <a14:m>
                   <m:oMath xmlns:m="http://schemas.openxmlformats.org/officeDocument/2006/math">
@@ -7987,7 +6110,7 @@
                             <a:latin typeface="DejaVu Math TeX Gyre" panose="02000503000000000000" charset="0"/>
                             <a:cs typeface="DejaVu Math TeX Gyre" panose="02000503000000000000" charset="0"/>
                           </a:rPr>
-                          <m:t>𝜎</m:t>
+                          <m:t>𝜌</m:t>
                         </m:r>
                       </m:e>
                       <m:sup>
@@ -8003,6 +6126,68 @@
                         </m:r>
                       </m:sup>
                     </m:sSup>
+                  </m:oMath>
+                </a14:m>
+                <a:r>
+                  <a:rPr lang="pt-PT" altLang="en-US" sz="1600">
+                    <a:solidFill>
+                      <a:schemeClr val="accent5"/>
+                    </a:solidFill>
+                    <a:sym typeface="+mn-ea"/>
+                  </a:rPr>
+                  <a:t>, perturba todas as variáveis de uma só vez com </a:t>
+                </a:r>
+                <a14:m>
+                  <m:oMath xmlns:m="http://schemas.openxmlformats.org/officeDocument/2006/math">
+                    <m:sSubSup>
+                      <m:sSubSupPr>
+                        <m:ctrlPr>
+                          <a:rPr lang="en-US" sz="1600" i="1">
+                            <a:solidFill>
+                              <a:schemeClr val="accent5"/>
+                            </a:solidFill>
+                            <a:latin typeface="DejaVu Math TeX Gyre" panose="02000503000000000000" charset="0"/>
+                            <a:cs typeface="DejaVu Math TeX Gyre" panose="02000503000000000000" charset="0"/>
+                          </a:rPr>
+                        </m:ctrlPr>
+                      </m:sSubSupPr>
+                      <m:e>
+                        <m:r>
+                          <a:rPr lang="en-US" sz="1600" i="1">
+                            <a:solidFill>
+                              <a:schemeClr val="accent5"/>
+                            </a:solidFill>
+                            <a:latin typeface="DejaVu Math TeX Gyre" panose="02000503000000000000" charset="0"/>
+                            <a:cs typeface="DejaVu Math TeX Gyre" panose="02000503000000000000" charset="0"/>
+                          </a:rPr>
+                          <m:t>𝑥</m:t>
+                        </m:r>
+                      </m:e>
+                      <m:sub>
+                        <m:r>
+                          <a:rPr lang="en-US" sz="1600" i="1">
+                            <a:solidFill>
+                              <a:schemeClr val="accent5"/>
+                            </a:solidFill>
+                            <a:latin typeface="DejaVu Math TeX Gyre" panose="02000503000000000000" charset="0"/>
+                            <a:cs typeface="DejaVu Math TeX Gyre" panose="02000503000000000000" charset="0"/>
+                          </a:rPr>
+                          <m:t>𝑖</m:t>
+                        </m:r>
+                      </m:sub>
+                      <m:sup>
+                        <m:r>
+                          <a:rPr lang="en-US" sz="1600" i="1">
+                            <a:solidFill>
+                              <a:schemeClr val="accent5"/>
+                            </a:solidFill>
+                            <a:latin typeface="DejaVu Math TeX Gyre" panose="02000503000000000000" charset="0"/>
+                            <a:cs typeface="DejaVu Math TeX Gyre" panose="02000503000000000000" charset="0"/>
+                          </a:rPr>
+                          <m:t>’</m:t>
+                        </m:r>
+                      </m:sup>
+                    </m:sSubSup>
                     <m:r>
                       <a:rPr lang="en-US" sz="1600" i="1">
                         <a:solidFill>
@@ -8013,6 +6198,43 @@
                       </a:rPr>
                       <m:t>=</m:t>
                     </m:r>
+                    <m:sSub>
+                      <m:sSubPr>
+                        <m:ctrlPr>
+                          <a:rPr lang="en-US" sz="1600" i="1">
+                            <a:solidFill>
+                              <a:schemeClr val="accent5"/>
+                            </a:solidFill>
+                            <a:latin typeface="DejaVu Math TeX Gyre" panose="02000503000000000000" charset="0"/>
+                            <a:cs typeface="DejaVu Math TeX Gyre" panose="02000503000000000000" charset="0"/>
+                          </a:rPr>
+                        </m:ctrlPr>
+                      </m:sSubPr>
+                      <m:e>
+                        <m:r>
+                          <a:rPr lang="en-US" sz="1600" i="1">
+                            <a:solidFill>
+                              <a:schemeClr val="accent5"/>
+                            </a:solidFill>
+                            <a:latin typeface="DejaVu Math TeX Gyre" panose="02000503000000000000" charset="0"/>
+                            <a:cs typeface="DejaVu Math TeX Gyre" panose="02000503000000000000" charset="0"/>
+                          </a:rPr>
+                          <m:t>𝑥</m:t>
+                        </m:r>
+                      </m:e>
+                      <m:sub>
+                        <m:r>
+                          <a:rPr lang="en-US" sz="1600" i="1">
+                            <a:solidFill>
+                              <a:schemeClr val="accent5"/>
+                            </a:solidFill>
+                            <a:latin typeface="DejaVu Math TeX Gyre" panose="02000503000000000000" charset="0"/>
+                            <a:cs typeface="DejaVu Math TeX Gyre" panose="02000503000000000000" charset="0"/>
+                          </a:rPr>
+                          <m:t>𝑖</m:t>
+                        </m:r>
+                      </m:sub>
+                    </m:sSub>
                     <m:r>
                       <a:rPr lang="en-US" sz="1600" i="1">
                         <a:solidFill>
@@ -8021,67 +6243,57 @@
                         <a:latin typeface="DejaVu Math TeX Gyre" panose="02000503000000000000" charset="0"/>
                         <a:cs typeface="DejaVu Math TeX Gyre" panose="02000503000000000000" charset="0"/>
                       </a:rPr>
+                      <m:t>+</m:t>
+                    </m:r>
+                    <m:r>
+                      <a:rPr lang="en-US" sz="1600" i="1">
+                        <a:solidFill>
+                          <a:schemeClr val="accent5"/>
+                        </a:solidFill>
+                        <a:latin typeface="DejaVu Math TeX Gyre" panose="02000503000000000000" charset="0"/>
+                        <a:cs typeface="DejaVu Math TeX Gyre" panose="02000503000000000000" charset="0"/>
+                      </a:rPr>
+                      <m:t>𝑁</m:t>
+                    </m:r>
+                    <m:r>
+                      <a:rPr lang="en-US" sz="1600" i="1">
+                        <a:solidFill>
+                          <a:schemeClr val="accent5"/>
+                        </a:solidFill>
+                        <a:latin typeface="DejaVu Math TeX Gyre" panose="02000503000000000000" charset="0"/>
+                        <a:cs typeface="DejaVu Math TeX Gyre" panose="02000503000000000000" charset="0"/>
+                      </a:rPr>
+                      <m:t>(</m:t>
+                    </m:r>
+                    <m:r>
+                      <a:rPr lang="en-US" sz="1600" i="1">
+                        <a:solidFill>
+                          <a:schemeClr val="accent5"/>
+                        </a:solidFill>
+                        <a:latin typeface="DejaVu Math TeX Gyre" panose="02000503000000000000" charset="0"/>
+                        <a:cs typeface="DejaVu Math TeX Gyre" panose="02000503000000000000" charset="0"/>
+                      </a:rPr>
+                      <m:t>0</m:t>
+                    </m:r>
+                    <m:r>
+                      <a:rPr lang="en-US" sz="1600" i="1">
+                        <a:solidFill>
+                          <a:schemeClr val="accent5"/>
+                        </a:solidFill>
+                        <a:latin typeface="DejaVu Math TeX Gyre" panose="02000503000000000000" charset="0"/>
+                        <a:cs typeface="DejaVu Math TeX Gyre" panose="02000503000000000000" charset="0"/>
+                      </a:rPr>
+                      <m:t>,</m:t>
+                    </m:r>
+                    <m:r>
+                      <a:rPr lang="en-US" sz="1600" i="1">
+                        <a:solidFill>
+                          <a:schemeClr val="accent5"/>
+                        </a:solidFill>
+                        <a:latin typeface="DejaVu Math TeX Gyre" panose="02000503000000000000" charset="0"/>
+                        <a:cs typeface="DejaVu Math TeX Gyre" panose="02000503000000000000" charset="0"/>
+                      </a:rPr>
                       <m:t>𝜎</m:t>
-                    </m:r>
-                    <m:r>
-                      <a:rPr lang="en-US" sz="1600" i="1">
-                        <a:solidFill>
-                          <a:schemeClr val="accent5"/>
-                        </a:solidFill>
-                        <a:latin typeface="DejaVu Math TeX Gyre" panose="02000503000000000000" charset="0"/>
-                        <a:cs typeface="DejaVu Math TeX Gyre" panose="02000503000000000000" charset="0"/>
-                      </a:rPr>
-                      <m:t>∙</m:t>
-                    </m:r>
-                    <m:r>
-                      <a:rPr lang="en-US" sz="1600" i="1">
-                        <a:solidFill>
-                          <a:schemeClr val="accent5"/>
-                        </a:solidFill>
-                        <a:latin typeface="DejaVu Math TeX Gyre" panose="02000503000000000000" charset="0"/>
-                        <a:cs typeface="DejaVu Math TeX Gyre" panose="02000503000000000000" charset="0"/>
-                      </a:rPr>
-                      <m:t>𝐿𝑜𝑔𝑁𝑜𝑟𝑚𝑎𝑙</m:t>
-                    </m:r>
-                    <m:r>
-                      <a:rPr lang="en-US" sz="1600" i="1">
-                        <a:solidFill>
-                          <a:schemeClr val="accent5"/>
-                        </a:solidFill>
-                        <a:latin typeface="DejaVu Math TeX Gyre" panose="02000503000000000000" charset="0"/>
-                        <a:cs typeface="DejaVu Math TeX Gyre" panose="02000503000000000000" charset="0"/>
-                      </a:rPr>
-                      <m:t>(</m:t>
-                    </m:r>
-                    <m:r>
-                      <a:rPr lang="en-US" sz="1600" i="1">
-                        <a:solidFill>
-                          <a:schemeClr val="accent5"/>
-                        </a:solidFill>
-                        <a:latin typeface="DejaVu Math TeX Gyre" panose="02000503000000000000" charset="0"/>
-                        <a:cs typeface="DejaVu Math TeX Gyre" panose="02000503000000000000" charset="0"/>
-                      </a:rPr>
-                      <m:t>0</m:t>
-                    </m:r>
-                    <m:r>
-                      <a:rPr lang="en-US" sz="1600" i="1">
-                        <a:solidFill>
-                          <a:schemeClr val="accent5"/>
-                        </a:solidFill>
-                        <a:latin typeface="DejaVu Math TeX Gyre" panose="02000503000000000000" charset="0"/>
-                        <a:cs typeface="DejaVu Math TeX Gyre" panose="02000503000000000000" charset="0"/>
-                      </a:rPr>
-                      <m:t>,</m:t>
-                    </m:r>
-                    <m:r>
-                      <a:rPr lang="en-US" sz="1600" i="1">
-                        <a:solidFill>
-                          <a:schemeClr val="accent5"/>
-                        </a:solidFill>
-                        <a:latin typeface="DejaVu Math TeX Gyre" panose="02000503000000000000" charset="0"/>
-                        <a:cs typeface="DejaVu Math TeX Gyre" panose="02000503000000000000" charset="0"/>
-                      </a:rPr>
-                      <m:t>𝛼</m:t>
                     </m:r>
                     <m:r>
                       <a:rPr lang="en-US" sz="1600" i="1">
@@ -8127,7 +6339,7 @@
                         <a:cs typeface="DejaVu Math TeX Gyre" panose="02000503000000000000" charset="0"/>
                         <a:sym typeface="+mn-ea"/>
                       </a:rPr>
-                      <m:t>𝛼</m:t>
+                      <m:t>𝜎</m:t>
                     </m:r>
                     <m:r>
                       <a:rPr lang="en-US" altLang="pt-PT" sz="1600" i="1">
@@ -8140,86 +6352,508 @@
                       </a:rPr>
                       <m:t>=</m:t>
                     </m:r>
-                    <m:f>
-                      <m:fPr>
-                        <m:type m:val="lin"/>
-                        <m:ctrlPr>
-                          <a:rPr lang="en-US" altLang="pt-PT" sz="1600" i="1">
-                            <a:solidFill>
-                              <a:schemeClr val="accent5"/>
-                            </a:solidFill>
-                            <a:latin typeface="DejaVu Math TeX Gyre" panose="02000503000000000000" charset="0"/>
-                            <a:cs typeface="DejaVu Math TeX Gyre" panose="02000503000000000000" charset="0"/>
-                            <a:sym typeface="+mn-ea"/>
-                          </a:rPr>
-                        </m:ctrlPr>
-                      </m:fPr>
-                      <m:num>
-                        <m:r>
-                          <a:rPr lang="en-US" altLang="pt-PT" sz="1600" i="1">
-                            <a:solidFill>
-                              <a:schemeClr val="accent5"/>
-                            </a:solidFill>
-                            <a:latin typeface="DejaVu Math TeX Gyre" panose="02000503000000000000" charset="0"/>
-                            <a:cs typeface="DejaVu Math TeX Gyre" panose="02000503000000000000" charset="0"/>
-                            <a:sym typeface="+mn-ea"/>
-                          </a:rPr>
-                          <m:t>1</m:t>
-                        </m:r>
-                      </m:num>
-                      <m:den>
-                        <m:rad>
-                          <m:radPr>
-                            <m:ctrlPr>
-                              <a:rPr lang="en-US" altLang="pt-PT" sz="1600" i="1">
-                                <a:solidFill>
-                                  <a:schemeClr val="accent5"/>
-                                </a:solidFill>
-                                <a:latin typeface="DejaVu Math TeX Gyre" panose="02000503000000000000" charset="0"/>
-                                <a:cs typeface="DejaVu Math TeX Gyre" panose="02000503000000000000" charset="0"/>
-                                <a:sym typeface="+mn-ea"/>
-                              </a:rPr>
-                            </m:ctrlPr>
-                          </m:radPr>
-                          <m:deg>
-                            <m:r>
-                              <a:rPr lang="en-US" altLang="pt-PT" sz="1600" i="1">
-                                <a:solidFill>
-                                  <a:schemeClr val="accent5"/>
-                                </a:solidFill>
-                                <a:latin typeface="DejaVu Math TeX Gyre" panose="02000503000000000000" charset="0"/>
-                                <a:cs typeface="DejaVu Math TeX Gyre" panose="02000503000000000000" charset="0"/>
-                                <a:sym typeface="+mn-ea"/>
-                              </a:rPr>
-                              <m:t>2</m:t>
-                            </m:r>
-                          </m:deg>
-                          <m:e>
-                            <m:r>
-                              <a:rPr lang="en-US" altLang="pt-PT" sz="1600" i="1">
-                                <a:solidFill>
-                                  <a:schemeClr val="accent5"/>
-                                </a:solidFill>
-                                <a:latin typeface="DejaVu Math TeX Gyre" panose="02000503000000000000" charset="0"/>
-                                <a:cs typeface="DejaVu Math TeX Gyre" panose="02000503000000000000" charset="0"/>
-                                <a:sym typeface="+mn-ea"/>
-                              </a:rPr>
-                              <m:t>𝑁</m:t>
-                            </m:r>
-                          </m:e>
-                        </m:rad>
-                      </m:den>
-                    </m:f>
+                    <m:r>
+                      <a:rPr lang="en-US" altLang="pt-PT" sz="1600" i="1">
+                        <a:solidFill>
+                          <a:schemeClr val="accent5"/>
+                        </a:solidFill>
+                        <a:latin typeface="DejaVu Math TeX Gyre" panose="02000503000000000000" charset="0"/>
+                        <a:cs typeface="DejaVu Math TeX Gyre" panose="02000503000000000000" charset="0"/>
+                        <a:sym typeface="+mn-ea"/>
+                      </a:rPr>
+                      <m:t>𝜌</m:t>
+                    </m:r>
+                    <m:r>
+                      <a:rPr lang="en-US" altLang="pt-PT" sz="1600" i="1">
+                        <a:solidFill>
+                          <a:schemeClr val="accent5"/>
+                        </a:solidFill>
+                        <a:latin typeface="DejaVu Math TeX Gyre" panose="02000503000000000000" charset="0"/>
+                        <a:cs typeface="DejaVu Math TeX Gyre" panose="02000503000000000000" charset="0"/>
+                        <a:sym typeface="+mn-ea"/>
+                      </a:rPr>
+                      <m:t>’∙∆</m:t>
+                    </m:r>
+                    <m:r>
+                      <a:rPr lang="en-US" altLang="pt-PT" sz="1600" i="1">
+                        <a:solidFill>
+                          <a:schemeClr val="accent5"/>
+                        </a:solidFill>
+                        <a:latin typeface="DejaVu Math TeX Gyre" panose="02000503000000000000" charset="0"/>
+                        <a:cs typeface="DejaVu Math TeX Gyre" panose="02000503000000000000" charset="0"/>
+                        <a:sym typeface="+mn-ea"/>
+                      </a:rPr>
+                      <m:t>𝑥</m:t>
+                    </m:r>
+                    <m:r>
+                      <a:rPr lang="en-US" altLang="pt-PT" sz="1600" i="1" baseline="-25000">
+                        <a:solidFill>
+                          <a:schemeClr val="accent5"/>
+                        </a:solidFill>
+                        <a:latin typeface="DejaVu Math TeX Gyre" panose="02000503000000000000" charset="0"/>
+                        <a:cs typeface="DejaVu Math TeX Gyre" panose="02000503000000000000" charset="0"/>
+                        <a:sym typeface="+mn-ea"/>
+                      </a:rPr>
+                      <m:t>𝑖</m:t>
+                    </m:r>
                   </m:oMath>
                 </a14:m>
-                <a:endParaRPr lang="en-US" sz="1600" i="1">
+                <a:r>
+                  <a:rPr lang="pt-PT" altLang="en-US" sz="1600">
+                    <a:solidFill>
+                      <a:schemeClr val="accent5"/>
+                    </a:solidFill>
+                    <a:sym typeface="+mn-ea"/>
+                  </a:rPr>
+                  <a:t>, e calcula o valor de f(x).</a:t>
+                </a:r>
+                <a:endParaRPr lang="pt-PT" altLang="en-US" sz="1600">
                   <a:solidFill>
                     <a:schemeClr val="accent5"/>
                   </a:solidFill>
-                  <a:latin typeface="DejaVu Math TeX Gyre" panose="02000503000000000000" charset="0"/>
-                  <a:cs typeface="DejaVu Math TeX Gyre" panose="02000503000000000000" charset="0"/>
+                  <a:sym typeface="+mn-ea"/>
                 </a:endParaRPr>
               </a:p>
+              <a:p>
+                <a:pPr marL="285750" lvl="0" indent="-285750" algn="just">
+                  <a:lnSpc>
+                    <a:spcPct val="150000"/>
+                  </a:lnSpc>
+                  <a:buFont typeface="Arial" panose="020B0604020202020204" pitchFamily="34" charset="0"/>
+                  <a:buChar char="•"/>
+                </a:pPr>
+                <a:r>
+                  <a:rPr lang="pt-PT" altLang="en-US" sz="1600">
+                    <a:sym typeface="+mn-ea"/>
+                  </a:rPr>
+                  <a:t>Foram geradas</a:t>
+                </a:r>
+                <a:r>
+                  <a:rPr lang="pt-PT" altLang="en-US" sz="1600">
+                    <a:solidFill>
+                      <a:schemeClr val="accent5"/>
+                    </a:solidFill>
+                    <a:sym typeface="+mn-ea"/>
+                  </a:rPr>
+                  <a:t> N+1 </a:t>
+                </a:r>
+                <a:r>
+                  <a:rPr lang="pt-PT" altLang="en-US" sz="1600">
+                    <a:sym typeface="+mn-ea"/>
+                  </a:rPr>
+                  <a:t>perturbações para serem escolhidas.</a:t>
+                </a:r>
+                <a:endParaRPr lang="pt-PT" altLang="en-US" sz="1600"/>
+              </a:p>
+              <a:p>
+                <a:pPr marL="285750" indent="-285750" algn="just">
+                  <a:lnSpc>
+                    <a:spcPct val="150000"/>
+                  </a:lnSpc>
+                  <a:buFont typeface="Arial" panose="020B0604020202020204" pitchFamily="34" charset="0"/>
+                  <a:buChar char="•"/>
+                </a:pPr>
+                <a:r>
+                  <a:rPr lang="pt-PT" altLang="en-US" sz="1600">
+                    <a:sym typeface="+mn-ea"/>
+                  </a:rPr>
+                  <a:t>Ordena pelo f(x) e escolhe uma perturbação para ser confirmada.</a:t>
+                </a:r>
+                <a:endParaRPr lang="pt-PT" altLang="en-US" sz="1600">
+                  <a:sym typeface="+mn-ea"/>
+                </a:endParaRPr>
+              </a:p>
+              <a:p>
+                <a:pPr marL="285750" indent="-285750" algn="just">
+                  <a:lnSpc>
+                    <a:spcPct val="150000"/>
+                  </a:lnSpc>
+                  <a:buFont typeface="Arial" panose="020B0604020202020204" pitchFamily="34" charset="0"/>
+                  <a:buChar char="•"/>
+                </a:pPr>
+                <a:r>
+                  <a:rPr lang="pt-PT" altLang="en-US" sz="1600">
+                    <a:sym typeface="+mn-ea"/>
+                  </a:rPr>
+                  <a:t>Ao confirmar uma variável, confirma toda a população que gerou aquele f(x)</a:t>
+                </a:r>
+                <a:endParaRPr lang="pt-PT" altLang="en-US" sz="1600">
+                  <a:sym typeface="+mn-ea"/>
+                </a:endParaRPr>
+              </a:p>
+            </p:txBody>
+          </p:sp>
+        </mc:Choice>
+        <mc:Fallback>
+          <p:sp>
+            <p:nvSpPr>
+              <p:cNvPr id="27" name="Text Box 26"/>
+              <p:cNvSpPr txBox="1">
+                <a:spLocks noRot="1" noChangeAspect="1" noMove="1" noResize="1" noEditPoints="1" noAdjustHandles="1" noChangeArrowheads="1" noChangeShapeType="1" noTextEdit="1"/>
+              </p:cNvSpPr>
+              <p:nvPr/>
+            </p:nvSpPr>
+            <p:spPr>
+              <a:xfrm>
+                <a:off x="1327785" y="885190"/>
+                <a:ext cx="7335520" cy="5045710"/>
+              </a:xfrm>
+              <a:prstGeom prst="rect">
+                <a:avLst/>
+              </a:prstGeom>
+              <a:blipFill rotWithShape="1">
+                <a:blip r:embed="rId1"/>
+                <a:stretch>
+                  <a:fillRect/>
+                </a:stretch>
+              </a:blipFill>
+            </p:spPr>
+            <p:txBody>
+              <a:bodyPr/>
+              <a:lstStyle/>
+              <a:p>
+                <a:r>
+                  <a:rPr lang="en-US" altLang="en-US">
+                    <a:noFill/>
+                  </a:rPr>
+                  <a:t> </a:t>
+                </a:r>
+              </a:p>
+            </p:txBody>
+          </p:sp>
+        </mc:Fallback>
+      </mc:AlternateContent>
+      <p:sp>
+        <p:nvSpPr>
+          <p:cNvPr id="3" name="Text Box 2"/>
+          <p:cNvSpPr txBox="1"/>
+          <p:nvPr/>
+        </p:nvSpPr>
+        <p:spPr>
+          <a:xfrm>
+            <a:off x="2295525" y="241300"/>
+            <a:ext cx="7600315" cy="414020"/>
+          </a:xfrm>
+          <a:prstGeom prst="rect">
+            <a:avLst/>
+          </a:prstGeom>
+          <a:noFill/>
+        </p:spPr>
+        <p:txBody>
+          <a:bodyPr wrap="square" rtlCol="0">
+            <a:spAutoFit/>
+          </a:bodyPr>
+          <a:p>
+            <a:pPr lvl="0" indent="0" algn="ctr">
+              <a:lnSpc>
+                <a:spcPct val="150000"/>
+              </a:lnSpc>
+              <a:buFont typeface="Arial" panose="020B0604020202020204" pitchFamily="34" charset="0"/>
+              <a:buNone/>
+            </a:pPr>
+            <a:r>
+              <a:rPr lang="pt-PT" sz="1400" b="1">
+                <a:solidFill>
+                  <a:schemeClr val="accent2"/>
+                </a:solidFill>
+              </a:rPr>
+              <a:t>DÚVIDA REAL1</a:t>
+            </a:r>
+            <a:endParaRPr lang="pt-PT" sz="1400" b="1">
+              <a:solidFill>
+                <a:schemeClr val="accent2"/>
+              </a:solidFill>
+            </a:endParaRPr>
+          </a:p>
+        </p:txBody>
+      </p:sp>
+      <p:pic>
+        <p:nvPicPr>
+          <p:cNvPr id="4" name="Picture 3"/>
+          <p:cNvPicPr>
+            <a:picLocks noChangeAspect="1"/>
+          </p:cNvPicPr>
+          <p:nvPr/>
+        </p:nvPicPr>
+        <p:blipFill>
+          <a:blip r:embed="rId2"/>
+          <a:stretch>
+            <a:fillRect/>
+          </a:stretch>
+        </p:blipFill>
+        <p:spPr>
+          <a:xfrm>
+            <a:off x="7281545" y="1802765"/>
+            <a:ext cx="3489960" cy="1132205"/>
+          </a:xfrm>
+          <a:prstGeom prst="rect">
+            <a:avLst/>
+          </a:prstGeom>
+        </p:spPr>
+      </p:pic>
+      <p:sp>
+        <p:nvSpPr>
+          <p:cNvPr id="5" name="Text Box 4"/>
+          <p:cNvSpPr txBox="1"/>
+          <p:nvPr/>
+        </p:nvSpPr>
+        <p:spPr>
+          <a:xfrm>
+            <a:off x="887730" y="6251575"/>
+            <a:ext cx="10188575" cy="460375"/>
+          </a:xfrm>
+          <a:prstGeom prst="rect">
+            <a:avLst/>
+          </a:prstGeom>
+          <a:noFill/>
+        </p:spPr>
+        <p:txBody>
+          <a:bodyPr wrap="square" rtlCol="0">
+            <a:spAutoFit/>
+          </a:bodyPr>
+          <a:p>
+            <a:pPr lvl="0" indent="0" algn="just">
+              <a:lnSpc>
+                <a:spcPct val="150000"/>
+              </a:lnSpc>
+              <a:buFont typeface="Arial" panose="020B0604020202020204" pitchFamily="34" charset="0"/>
+              <a:buNone/>
+            </a:pPr>
+            <a:r>
+              <a:rPr lang="pt-PT" sz="1600" b="1">
+                <a:solidFill>
+                  <a:srgbClr val="C00000"/>
+                </a:solidFill>
+                <a:sym typeface="+mn-ea"/>
+              </a:rPr>
+              <a:t>O problema aqui seria que todas perturbações geradas seriam com p’ e aí sempre p’ iria mudar .</a:t>
+            </a:r>
+            <a:endParaRPr lang="pt-PT" sz="1600" b="1">
+              <a:solidFill>
+                <a:srgbClr val="C00000"/>
+              </a:solidFill>
+              <a:sym typeface="+mn-ea"/>
+            </a:endParaRPr>
+          </a:p>
+        </p:txBody>
+      </p:sp>
+    </p:spTree>
+  </p:cSld>
+  <p:clrMapOvr>
+    <a:masterClrMapping/>
+  </p:clrMapOvr>
+</p:sld>
+</file>
+
+<file path=ppt/slides/slide5.xml><?xml version="1.0" encoding="utf-8"?>
+<p:sld xmlns:a="http://schemas.openxmlformats.org/drawingml/2006/main" xmlns:r="http://schemas.openxmlformats.org/officeDocument/2006/relationships" xmlns:p="http://schemas.openxmlformats.org/presentationml/2006/main">
+  <p:cSld>
+    <p:spTree>
+      <p:nvGrpSpPr>
+        <p:cNvPr id="1" name=""/>
+        <p:cNvGrpSpPr/>
+        <p:nvPr/>
+      </p:nvGrpSpPr>
+      <p:grpSpPr/>
+      <p:sp>
+        <p:nvSpPr>
+          <p:cNvPr id="27" name="Text Box 26"/>
+          <p:cNvSpPr txBox="1"/>
+          <p:nvPr/>
+        </p:nvSpPr>
+        <p:spPr>
+          <a:xfrm>
+            <a:off x="2158365" y="1460500"/>
+            <a:ext cx="7335520" cy="737235"/>
+          </a:xfrm>
+          <a:prstGeom prst="rect">
+            <a:avLst/>
+          </a:prstGeom>
+          <a:noFill/>
+        </p:spPr>
+        <p:txBody>
+          <a:bodyPr wrap="square" rtlCol="0">
+            <a:spAutoFit/>
+          </a:bodyPr>
+          <a:p>
+            <a:pPr lvl="0" indent="0" algn="ctr">
+              <a:lnSpc>
+                <a:spcPct val="150000"/>
+              </a:lnSpc>
+              <a:buFont typeface="Arial" panose="020B0604020202020204" pitchFamily="34" charset="0"/>
+              <a:buNone/>
+            </a:pPr>
+            <a:r>
+              <a:rPr lang="pt-PT" sz="2800" b="1">
+                <a:sym typeface="+mn-ea"/>
+              </a:rPr>
+              <a:t>Versões real2</a:t>
+            </a:r>
+            <a:endParaRPr lang="pt-PT" sz="2800" b="1">
+              <a:sym typeface="+mn-ea"/>
+            </a:endParaRPr>
+          </a:p>
+        </p:txBody>
+      </p:sp>
+      <p:cxnSp>
+        <p:nvCxnSpPr>
+          <p:cNvPr id="4" name="Straight Connector 3"/>
+          <p:cNvCxnSpPr/>
+          <p:nvPr/>
+        </p:nvCxnSpPr>
+        <p:spPr>
+          <a:xfrm flipV="1">
+            <a:off x="3632200" y="2197735"/>
+            <a:ext cx="4657090" cy="14605"/>
+          </a:xfrm>
+          <a:prstGeom prst="line">
+            <a:avLst/>
+          </a:prstGeom>
+          <a:ln w="38100"/>
+        </p:spPr>
+        <p:style>
+          <a:lnRef idx="1">
+            <a:schemeClr val="accent2"/>
+          </a:lnRef>
+          <a:fillRef idx="0">
+            <a:schemeClr val="accent2"/>
+          </a:fillRef>
+          <a:effectRef idx="0">
+            <a:schemeClr val="accent2"/>
+          </a:effectRef>
+          <a:fontRef idx="minor">
+            <a:schemeClr val="tx1"/>
+          </a:fontRef>
+        </p:style>
+      </p:cxnSp>
+      <p:sp>
+        <p:nvSpPr>
+          <p:cNvPr id="5" name="Text Box 4"/>
+          <p:cNvSpPr txBox="1"/>
+          <p:nvPr/>
+        </p:nvSpPr>
+        <p:spPr>
+          <a:xfrm>
+            <a:off x="2158365" y="3195320"/>
+            <a:ext cx="8247380" cy="2999740"/>
+          </a:xfrm>
+          <a:prstGeom prst="rect">
+            <a:avLst/>
+          </a:prstGeom>
+          <a:noFill/>
+        </p:spPr>
+        <p:txBody>
+          <a:bodyPr wrap="square" rtlCol="0" anchor="t">
+            <a:spAutoFit/>
+          </a:bodyPr>
+          <a:p>
+            <a:pPr marL="285750" indent="-285750">
+              <a:lnSpc>
+                <a:spcPct val="150000"/>
+              </a:lnSpc>
+              <a:buFont typeface="Arial" panose="020B0604020202020204" pitchFamily="34" charset="0"/>
+              <a:buChar char="•"/>
+            </a:pPr>
+            <a:r>
+              <a:rPr lang="pt-PT" altLang="en-US">
+                <a:sym typeface="+mn-ea"/>
+              </a:rPr>
+              <a:t>O parâmetro livre do algoritmo era o p1</a:t>
+            </a:r>
+            <a:endParaRPr lang="pt-PT" altLang="en-US"/>
+          </a:p>
+          <a:p>
+            <a:pPr marL="285750" indent="-285750">
+              <a:lnSpc>
+                <a:spcPct val="150000"/>
+              </a:lnSpc>
+              <a:buFont typeface="Arial" panose="020B0604020202020204" pitchFamily="34" charset="0"/>
+              <a:buChar char="•"/>
+            </a:pPr>
+            <a:r>
+              <a:rPr lang="pt-PT" altLang="en-US">
+                <a:sym typeface="+mn-ea"/>
+              </a:rPr>
+              <a:t>p1 significa a porcentagem inicial. Como a porcentagem vai sendo dividida durante as P perturbações, valores interessantes estão entre 10 e 100.</a:t>
+            </a:r>
+            <a:endParaRPr lang="pt-PT" altLang="en-US">
+              <a:sym typeface="+mn-ea"/>
+            </a:endParaRPr>
+          </a:p>
+          <a:p>
+            <a:pPr marL="285750" indent="-285750">
+              <a:lnSpc>
+                <a:spcPct val="150000"/>
+              </a:lnSpc>
+              <a:buFont typeface="Arial" panose="020B0604020202020204" pitchFamily="34" charset="0"/>
+              <a:buChar char="•"/>
+            </a:pPr>
+            <a:r>
+              <a:rPr lang="pt-PT" altLang="en-US">
+                <a:sym typeface="+mn-ea"/>
+              </a:rPr>
+              <a:t>Nas versões real2, cada variável possui P adaptabilidades</a:t>
+            </a:r>
+            <a:endParaRPr lang="pt-PT" altLang="en-US"/>
+          </a:p>
+          <a:p>
+            <a:pPr marL="285750" indent="-285750">
+              <a:lnSpc>
+                <a:spcPct val="150000"/>
+              </a:lnSpc>
+              <a:buFont typeface="Arial" panose="020B0604020202020204" pitchFamily="34" charset="0"/>
+              <a:buChar char="•"/>
+            </a:pPr>
+            <a:r>
+              <a:rPr lang="pt-PT" altLang="en-US">
+                <a:sym typeface="+mn-ea"/>
+              </a:rPr>
+              <a:t>p1 terá P adaptabilidades. Cada uma pode ser dada ao perturbar todas as N variáveis com o mesmo p durante as P perturbações e calcular fx. Com isso, ao fim, haverá P perturbações que foram geradas a partir de um p1’ inicial.</a:t>
+            </a:r>
+            <a:endParaRPr lang="en-US"/>
+          </a:p>
+        </p:txBody>
+      </p:sp>
+    </p:spTree>
+  </p:cSld>
+  <p:clrMapOvr>
+    <a:masterClrMapping/>
+  </p:clrMapOvr>
+</p:sld>
+</file>
+
+<file path=ppt/slides/slide6.xml><?xml version="1.0" encoding="utf-8"?>
+<p:sld xmlns:a="http://schemas.openxmlformats.org/drawingml/2006/main" xmlns:r="http://schemas.openxmlformats.org/officeDocument/2006/relationships" xmlns:p="http://schemas.openxmlformats.org/presentationml/2006/main">
+  <p:cSld>
+    <p:spTree>
+      <p:nvGrpSpPr>
+        <p:cNvPr id="1" name=""/>
+        <p:cNvGrpSpPr/>
+        <p:nvPr/>
+      </p:nvGrpSpPr>
+      <p:grpSpPr/>
+      <mc:AlternateContent xmlns:mc="http://schemas.openxmlformats.org/markup-compatibility/2006">
+        <mc:Choice xmlns:a14="http://schemas.microsoft.com/office/drawing/2010/main" Requires="a14">
+          <p:sp>
+            <p:nvSpPr>
+              <p:cNvPr id="27" name="Text Box 26"/>
+              <p:cNvSpPr txBox="1"/>
+              <p:nvPr/>
+            </p:nvSpPr>
+            <p:spPr>
+              <a:xfrm>
+                <a:off x="1142365" y="942340"/>
+                <a:ext cx="7335520" cy="4682490"/>
+              </a:xfrm>
+              <a:prstGeom prst="rect">
+                <a:avLst/>
+              </a:prstGeom>
+              <a:noFill/>
+            </p:spPr>
+            <p:txBody>
+              <a:bodyPr wrap="square" rtlCol="0">
+                <a:spAutoFit/>
+              </a:bodyPr>
               <a:p>
                 <a:pPr marL="285750" lvl="0" indent="-285750" algn="just">
                   <a:lnSpc>
@@ -8235,8 +6869,404 @@
                     </a:solidFill>
                     <a:sym typeface="+mn-ea"/>
                   </a:rPr>
+                  <a:t>Inicializa a porcentagem </a:t>
+                </a:r>
+                <a14:m>
+                  <m:oMath xmlns:m="http://schemas.openxmlformats.org/officeDocument/2006/math">
+                    <m:r>
+                      <a:rPr lang="en-US" sz="1600" i="1">
+                        <a:solidFill>
+                          <a:schemeClr val="accent5"/>
+                        </a:solidFill>
+                        <a:latin typeface="DejaVu Math TeX Gyre" panose="02000503000000000000" charset="0"/>
+                        <a:cs typeface="DejaVu Math TeX Gyre" panose="02000503000000000000" charset="0"/>
+                      </a:rPr>
+                      <m:t>𝜌</m:t>
+                    </m:r>
+                    <m:r>
+                      <a:rPr lang="en-US" sz="1600" i="1">
+                        <a:solidFill>
+                          <a:schemeClr val="accent5"/>
+                        </a:solidFill>
+                        <a:latin typeface="DejaVu Math TeX Gyre" panose="02000503000000000000" charset="0"/>
+                        <a:cs typeface="DejaVu Math TeX Gyre" panose="02000503000000000000" charset="0"/>
+                      </a:rPr>
+                      <m:t>=</m:t>
+                    </m:r>
+                    <m:r>
+                      <a:rPr lang="en-US" sz="1600" i="1">
+                        <a:solidFill>
+                          <a:schemeClr val="accent5"/>
+                        </a:solidFill>
+                        <a:latin typeface="DejaVu Math TeX Gyre" panose="02000503000000000000" charset="0"/>
+                        <a:cs typeface="DejaVu Math TeX Gyre" panose="02000503000000000000" charset="0"/>
+                      </a:rPr>
+                      <m:t>𝐿𝑜𝑔𝑁𝑜𝑟𝑚𝑎𝑙</m:t>
+                    </m:r>
+                    <m:r>
+                      <a:rPr lang="en-US" sz="1600" i="1">
+                        <a:solidFill>
+                          <a:schemeClr val="accent5"/>
+                        </a:solidFill>
+                        <a:latin typeface="DejaVu Math TeX Gyre" panose="02000503000000000000" charset="0"/>
+                        <a:cs typeface="DejaVu Math TeX Gyre" panose="02000503000000000000" charset="0"/>
+                      </a:rPr>
+                      <m:t>(</m:t>
+                    </m:r>
+                    <m:r>
+                      <a:rPr lang="en-US" sz="1600" i="1">
+                        <a:solidFill>
+                          <a:schemeClr val="accent5"/>
+                        </a:solidFill>
+                        <a:latin typeface="DejaVu Math TeX Gyre" panose="02000503000000000000" charset="0"/>
+                        <a:cs typeface="DejaVu Math TeX Gyre" panose="02000503000000000000" charset="0"/>
+                      </a:rPr>
+                      <m:t>1</m:t>
+                    </m:r>
+                    <m:r>
+                      <a:rPr lang="en-US" sz="1600" i="1">
+                        <a:solidFill>
+                          <a:schemeClr val="accent5"/>
+                        </a:solidFill>
+                        <a:latin typeface="DejaVu Math TeX Gyre" panose="02000503000000000000" charset="0"/>
+                        <a:cs typeface="DejaVu Math TeX Gyre" panose="02000503000000000000" charset="0"/>
+                      </a:rPr>
+                      <m:t>, </m:t>
+                    </m:r>
+                    <m:r>
+                      <a:rPr lang="en-US" sz="1600" i="1">
+                        <a:solidFill>
+                          <a:schemeClr val="accent5"/>
+                        </a:solidFill>
+                        <a:latin typeface="DejaVu Math TeX Gyre" panose="02000503000000000000" charset="0"/>
+                        <a:cs typeface="DejaVu Math TeX Gyre" panose="02000503000000000000" charset="0"/>
+                      </a:rPr>
+                      <m:t>0</m:t>
+                    </m:r>
+                    <m:r>
+                      <a:rPr lang="en-US" sz="1600" i="1">
+                        <a:solidFill>
+                          <a:schemeClr val="accent5"/>
+                        </a:solidFill>
+                        <a:latin typeface="DejaVu Math TeX Gyre" panose="02000503000000000000" charset="0"/>
+                        <a:cs typeface="DejaVu Math TeX Gyre" panose="02000503000000000000" charset="0"/>
+                      </a:rPr>
+                      <m:t>,</m:t>
+                    </m:r>
+                    <m:r>
+                      <a:rPr lang="en-US" sz="1600" i="1">
+                        <a:solidFill>
+                          <a:schemeClr val="accent5"/>
+                        </a:solidFill>
+                        <a:latin typeface="DejaVu Math TeX Gyre" panose="02000503000000000000" charset="0"/>
+                        <a:cs typeface="DejaVu Math TeX Gyre" panose="02000503000000000000" charset="0"/>
+                      </a:rPr>
+                      <m:t>67</m:t>
+                    </m:r>
+                    <m:r>
+                      <a:rPr lang="en-US" sz="1600" i="1">
+                        <a:solidFill>
+                          <a:schemeClr val="accent5"/>
+                        </a:solidFill>
+                        <a:latin typeface="DejaVu Math TeX Gyre" panose="02000503000000000000" charset="0"/>
+                        <a:ea typeface="MS Mincho" charset="0"/>
+                        <a:cs typeface="DejaVu Math TeX Gyre" panose="02000503000000000000" charset="0"/>
+                      </a:rPr>
+                      <m:t>)</m:t>
+                    </m:r>
+                  </m:oMath>
+                </a14:m>
+                <a:r>
+                  <a:rPr lang="pt-PT" altLang="en-US" sz="1600">
+                    <a:solidFill>
+                      <a:schemeClr val="accent5"/>
+                    </a:solidFill>
+                    <a:latin typeface="DejaVu Math TeX Gyre" panose="02000503000000000000" charset="0"/>
+                    <a:ea typeface="MS Mincho" charset="0"/>
+                    <a:cs typeface="DejaVu Math TeX Gyre" panose="02000503000000000000" charset="0"/>
+                  </a:rPr>
+                  <a:t>/100</a:t>
+                </a:r>
+                <a:endParaRPr lang="pt-PT" altLang="en-US" sz="1600">
+                  <a:solidFill>
+                    <a:schemeClr val="accent5"/>
+                  </a:solidFill>
+                  <a:sym typeface="+mn-ea"/>
+                </a:endParaRPr>
+              </a:p>
+              <a:p>
+                <a:pPr marL="285750" lvl="0" indent="-285750" algn="just">
+                  <a:lnSpc>
+                    <a:spcPct val="150000"/>
+                  </a:lnSpc>
+                  <a:buFont typeface="Arial" panose="020B0604020202020204" pitchFamily="34" charset="0"/>
+                  <a:buChar char="•"/>
+                </a:pPr>
+                <a:r>
+                  <a:rPr lang="pt-PT" altLang="en-US" sz="1600"/>
+                  <a:t>FOR cada variável:</a:t>
+                </a:r>
+                <a:endParaRPr lang="pt-PT" altLang="en-US" sz="1600"/>
+              </a:p>
+              <a:p>
+                <a:pPr marL="742950" lvl="1" indent="-285750" algn="just">
+                  <a:lnSpc>
+                    <a:spcPct val="150000"/>
+                  </a:lnSpc>
+                  <a:buFont typeface="Arial" panose="020B0604020202020204" pitchFamily="34" charset="0"/>
+                  <a:buChar char="•"/>
+                </a:pPr>
+                <a:r>
+                  <a:rPr lang="pt-PT" altLang="en-US" sz="1600">
+                    <a:sym typeface="+mn-ea"/>
+                  </a:rPr>
+                  <a:t>Perturba com </a:t>
+                </a:r>
+                <a14:m>
+                  <m:oMath xmlns:m="http://schemas.openxmlformats.org/officeDocument/2006/math">
+                    <m:sSubSup>
+                      <m:sSubSupPr>
+                        <m:ctrlPr>
+                          <a:rPr lang="en-US" sz="1600" i="1">
+                            <a:latin typeface="DejaVu Math TeX Gyre" panose="02000503000000000000" charset="0"/>
+                            <a:cs typeface="DejaVu Math TeX Gyre" panose="02000503000000000000" charset="0"/>
+                          </a:rPr>
+                        </m:ctrlPr>
+                      </m:sSubSupPr>
+                      <m:e>
+                        <m:r>
+                          <a:rPr lang="en-US" sz="1600" i="1">
+                            <a:latin typeface="DejaVu Math TeX Gyre" panose="02000503000000000000" charset="0"/>
+                            <a:cs typeface="DejaVu Math TeX Gyre" panose="02000503000000000000" charset="0"/>
+                          </a:rPr>
+                          <m:t>𝑥</m:t>
+                        </m:r>
+                      </m:e>
+                      <m:sub>
+                        <m:r>
+                          <a:rPr lang="en-US" sz="1600" i="1">
+                            <a:latin typeface="DejaVu Math TeX Gyre" panose="02000503000000000000" charset="0"/>
+                            <a:cs typeface="DejaVu Math TeX Gyre" panose="02000503000000000000" charset="0"/>
+                          </a:rPr>
+                          <m:t>𝑖</m:t>
+                        </m:r>
+                      </m:sub>
+                      <m:sup>
+                        <m:r>
+                          <a:rPr lang="en-US" sz="1600" i="1">
+                            <a:latin typeface="DejaVu Math TeX Gyre" panose="02000503000000000000" charset="0"/>
+                            <a:cs typeface="DejaVu Math TeX Gyre" panose="02000503000000000000" charset="0"/>
+                          </a:rPr>
+                          <m:t>’</m:t>
+                        </m:r>
+                      </m:sup>
+                    </m:sSubSup>
+                    <m:r>
+                      <a:rPr lang="en-US" sz="1600" i="1">
+                        <a:latin typeface="DejaVu Math TeX Gyre" panose="02000503000000000000" charset="0"/>
+                        <a:cs typeface="DejaVu Math TeX Gyre" panose="02000503000000000000" charset="0"/>
+                      </a:rPr>
+                      <m:t>=</m:t>
+                    </m:r>
+                    <m:sSub>
+                      <m:sSubPr>
+                        <m:ctrlPr>
+                          <a:rPr lang="en-US" sz="1600" i="1">
+                            <a:latin typeface="DejaVu Math TeX Gyre" panose="02000503000000000000" charset="0"/>
+                            <a:cs typeface="DejaVu Math TeX Gyre" panose="02000503000000000000" charset="0"/>
+                          </a:rPr>
+                        </m:ctrlPr>
+                      </m:sSubPr>
+                      <m:e>
+                        <m:r>
+                          <a:rPr lang="en-US" sz="1600" i="1">
+                            <a:latin typeface="DejaVu Math TeX Gyre" panose="02000503000000000000" charset="0"/>
+                            <a:cs typeface="DejaVu Math TeX Gyre" panose="02000503000000000000" charset="0"/>
+                          </a:rPr>
+                          <m:t>𝑥</m:t>
+                        </m:r>
+                      </m:e>
+                      <m:sub>
+                        <m:r>
+                          <a:rPr lang="en-US" sz="1600" i="1">
+                            <a:latin typeface="DejaVu Math TeX Gyre" panose="02000503000000000000" charset="0"/>
+                            <a:cs typeface="DejaVu Math TeX Gyre" panose="02000503000000000000" charset="0"/>
+                          </a:rPr>
+                          <m:t>𝑖</m:t>
+                        </m:r>
+                      </m:sub>
+                    </m:sSub>
+                    <m:r>
+                      <a:rPr lang="en-US" sz="1600" i="1">
+                        <a:latin typeface="DejaVu Math TeX Gyre" panose="02000503000000000000" charset="0"/>
+                        <a:cs typeface="DejaVu Math TeX Gyre" panose="02000503000000000000" charset="0"/>
+                      </a:rPr>
+                      <m:t>+</m:t>
+                    </m:r>
+                    <m:r>
+                      <a:rPr lang="en-US" sz="1600" i="1">
+                        <a:latin typeface="DejaVu Math TeX Gyre" panose="02000503000000000000" charset="0"/>
+                        <a:cs typeface="DejaVu Math TeX Gyre" panose="02000503000000000000" charset="0"/>
+                      </a:rPr>
+                      <m:t>𝑁</m:t>
+                    </m:r>
+                    <m:r>
+                      <a:rPr lang="en-US" sz="1600" i="1">
+                        <a:latin typeface="DejaVu Math TeX Gyre" panose="02000503000000000000" charset="0"/>
+                        <a:cs typeface="DejaVu Math TeX Gyre" panose="02000503000000000000" charset="0"/>
+                      </a:rPr>
+                      <m:t>(</m:t>
+                    </m:r>
+                    <m:r>
+                      <a:rPr lang="en-US" sz="1600" i="1">
+                        <a:latin typeface="DejaVu Math TeX Gyre" panose="02000503000000000000" charset="0"/>
+                        <a:cs typeface="DejaVu Math TeX Gyre" panose="02000503000000000000" charset="0"/>
+                      </a:rPr>
+                      <m:t>0</m:t>
+                    </m:r>
+                    <m:r>
+                      <a:rPr lang="en-US" sz="1600" i="1">
+                        <a:latin typeface="DejaVu Math TeX Gyre" panose="02000503000000000000" charset="0"/>
+                        <a:cs typeface="DejaVu Math TeX Gyre" panose="02000503000000000000" charset="0"/>
+                      </a:rPr>
+                      <m:t>,</m:t>
+                    </m:r>
+                    <m:r>
+                      <a:rPr lang="en-US" sz="1600" i="1">
+                        <a:latin typeface="DejaVu Math TeX Gyre" panose="02000503000000000000" charset="0"/>
+                        <a:cs typeface="DejaVu Math TeX Gyre" panose="02000503000000000000" charset="0"/>
+                      </a:rPr>
+                      <m:t>𝜎</m:t>
+                    </m:r>
+                    <m:r>
+                      <a:rPr lang="en-US" sz="1600" i="1">
+                        <a:latin typeface="DejaVu Math TeX Gyre" panose="02000503000000000000" charset="0"/>
+                        <a:cs typeface="DejaVu Math TeX Gyre" panose="02000503000000000000" charset="0"/>
+                      </a:rPr>
+                      <m:t>)</m:t>
+                    </m:r>
+                  </m:oMath>
+                </a14:m>
+                <a:r>
+                  <a:rPr lang="pt-PT" altLang="en-US" sz="1600">
+                    <a:latin typeface="DejaVu Math TeX Gyre" panose="02000503000000000000" charset="0"/>
+                    <a:cs typeface="DejaVu Math TeX Gyre" panose="02000503000000000000" charset="0"/>
+                  </a:rPr>
+                  <a:t>, </a:t>
+                </a:r>
+                <a:r>
+                  <a:rPr lang="pt-PT" altLang="en-US" sz="1600">
+                    <a:sym typeface="+mn-ea"/>
+                  </a:rPr>
+                  <a:t>onde </a:t>
+                </a:r>
+                <a14:m>
+                  <m:oMath xmlns:m="http://schemas.openxmlformats.org/officeDocument/2006/math">
+                    <m:r>
+                      <a:rPr lang="en-US" altLang="pt-PT" sz="1600" i="1">
+                        <a:latin typeface="DejaVu Math TeX Gyre" panose="02000503000000000000" charset="0"/>
+                        <a:cs typeface="DejaVu Math TeX Gyre" panose="02000503000000000000" charset="0"/>
+                        <a:sym typeface="+mn-ea"/>
+                      </a:rPr>
+                      <m:t>𝜎</m:t>
+                    </m:r>
+                    <m:r>
+                      <a:rPr lang="en-US" altLang="pt-PT" sz="1600" i="1">
+                        <a:latin typeface="DejaVu Math TeX Gyre" panose="02000503000000000000" charset="0"/>
+                        <a:cs typeface="DejaVu Math TeX Gyre" panose="02000503000000000000" charset="0"/>
+                        <a:sym typeface="+mn-ea"/>
+                      </a:rPr>
+                      <m:t>=</m:t>
+                    </m:r>
+                    <m:r>
+                      <a:rPr lang="en-US" altLang="pt-PT" sz="1600" i="1">
+                        <a:latin typeface="DejaVu Math TeX Gyre" panose="02000503000000000000" charset="0"/>
+                        <a:cs typeface="DejaVu Math TeX Gyre" panose="02000503000000000000" charset="0"/>
+                        <a:sym typeface="+mn-ea"/>
+                      </a:rPr>
+                      <m:t>𝜌</m:t>
+                    </m:r>
+                    <m:r>
+                      <a:rPr lang="en-US" altLang="pt-PT" sz="1600" i="1">
+                        <a:latin typeface="DejaVu Math TeX Gyre" panose="02000503000000000000" charset="0"/>
+                        <a:cs typeface="DejaVu Math TeX Gyre" panose="02000503000000000000" charset="0"/>
+                        <a:sym typeface="+mn-ea"/>
+                      </a:rPr>
+                      <m:t>∙∆</m:t>
+                    </m:r>
+                    <m:r>
+                      <a:rPr lang="en-US" altLang="pt-PT" sz="1600" i="1">
+                        <a:latin typeface="DejaVu Math TeX Gyre" panose="02000503000000000000" charset="0"/>
+                        <a:cs typeface="DejaVu Math TeX Gyre" panose="02000503000000000000" charset="0"/>
+                        <a:sym typeface="+mn-ea"/>
+                      </a:rPr>
+                      <m:t>𝑥</m:t>
+                    </m:r>
+                    <m:r>
+                      <a:rPr lang="en-US" altLang="pt-PT" sz="1600" i="1" baseline="-25000">
+                        <a:latin typeface="DejaVu Math TeX Gyre" panose="02000503000000000000" charset="0"/>
+                        <a:cs typeface="DejaVu Math TeX Gyre" panose="02000503000000000000" charset="0"/>
+                        <a:sym typeface="+mn-ea"/>
+                      </a:rPr>
+                      <m:t>𝑖</m:t>
+                    </m:r>
+                  </m:oMath>
+                </a14:m>
+                <a:r>
+                  <a:rPr lang="pt-PT" altLang="en-US" sz="1600">
+                    <a:latin typeface="DejaVu Math TeX Gyre" panose="02000503000000000000" charset="0"/>
+                    <a:cs typeface="DejaVu Math TeX Gyre" panose="02000503000000000000" charset="0"/>
+                  </a:rPr>
                   <a:t> </a:t>
                 </a:r>
+                <a:endParaRPr lang="pt-PT" altLang="en-US" sz="1600">
+                  <a:sym typeface="+mn-ea"/>
+                </a:endParaRPr>
+              </a:p>
+              <a:p>
+                <a:pPr marL="742950" lvl="1" indent="-285750" algn="just">
+                  <a:lnSpc>
+                    <a:spcPct val="150000"/>
+                  </a:lnSpc>
+                  <a:buFont typeface="Arial" panose="020B0604020202020204" pitchFamily="34" charset="0"/>
+                  <a:buChar char="•"/>
+                </a:pPr>
+                <a:r>
+                  <a:rPr lang="pt-PT" altLang="en-US" sz="1600">
+                    <a:sym typeface="+mn-ea"/>
+                  </a:rPr>
+                  <a:t>Calcula o valor de f(x) da população só com essa variável perturbada. Esse será o valor da adaptabilidade dessa variável.</a:t>
+                </a:r>
+                <a:endParaRPr lang="pt-PT" altLang="en-US" sz="1600">
+                  <a:sym typeface="+mn-ea"/>
+                </a:endParaRPr>
+              </a:p>
+              <a:p>
+                <a:pPr marL="285750" lvl="0" indent="-285750" algn="just">
+                  <a:lnSpc>
+                    <a:spcPct val="150000"/>
+                  </a:lnSpc>
+                  <a:buFont typeface="Arial" panose="020B0604020202020204" pitchFamily="34" charset="0"/>
+                  <a:buChar char="•"/>
+                </a:pPr>
+                <a:r>
+                  <a:rPr lang="pt-PT" altLang="en-US" sz="1600">
+                    <a:sym typeface="+mn-ea"/>
+                  </a:rPr>
+                  <a:t>ENDFOR</a:t>
+                </a:r>
+                <a:endParaRPr lang="pt-PT" altLang="en-US" sz="1600">
+                  <a:sym typeface="+mn-ea"/>
+                </a:endParaRPr>
+              </a:p>
+              <a:p>
+                <a:pPr marL="285750" lvl="0" indent="-285750" algn="just">
+                  <a:lnSpc>
+                    <a:spcPct val="150000"/>
+                  </a:lnSpc>
+                  <a:buFont typeface="Arial" panose="020B0604020202020204" pitchFamily="34" charset="0"/>
+                  <a:buChar char="•"/>
+                </a:pPr>
                 <a:r>
                   <a:rPr lang="pt-PT" altLang="en-US" sz="1600">
                     <a:solidFill>
@@ -8244,7 +7274,7 @@
                     </a:solidFill>
                     <a:sym typeface="+mn-ea"/>
                   </a:rPr>
-                  <a:t>Perturba cada variável por vez com o </a:t>
+                  <a:t>Perturba a porcentagem com </a:t>
                 </a:r>
                 <a14:m>
                   <m:oMath xmlns:m="http://schemas.openxmlformats.org/officeDocument/2006/math">
@@ -8269,7 +7299,7 @@
                             <a:latin typeface="DejaVu Math TeX Gyre" panose="02000503000000000000" charset="0"/>
                             <a:cs typeface="DejaVu Math TeX Gyre" panose="02000503000000000000" charset="0"/>
                           </a:rPr>
-                          <m:t>𝜎</m:t>
+                          <m:t>𝜌</m:t>
                         </m:r>
                       </m:e>
                       <m:sup>
@@ -8285,6 +7315,97 @@
                         </m:r>
                       </m:sup>
                     </m:sSup>
+                    <m:r>
+                      <a:rPr lang="en-US" sz="1600" i="1">
+                        <a:solidFill>
+                          <a:srgbClr val="FF0000"/>
+                        </a:solidFill>
+                        <a:latin typeface="DejaVu Math TeX Gyre" panose="02000503000000000000" charset="0"/>
+                        <a:cs typeface="DejaVu Math TeX Gyre" panose="02000503000000000000" charset="0"/>
+                      </a:rPr>
+                      <m:t>=</m:t>
+                    </m:r>
+                    <m:r>
+                      <a:rPr lang="en-US" sz="1600" i="1">
+                        <a:solidFill>
+                          <a:srgbClr val="FF0000"/>
+                        </a:solidFill>
+                        <a:latin typeface="DejaVu Math TeX Gyre" panose="02000503000000000000" charset="0"/>
+                        <a:cs typeface="DejaVu Math TeX Gyre" panose="02000503000000000000" charset="0"/>
+                      </a:rPr>
+                      <m:t>𝐿𝑜𝑔𝑁𝑜𝑟𝑚𝑎𝑙</m:t>
+                    </m:r>
+                    <m:r>
+                      <a:rPr lang="en-US" sz="1600" i="1">
+                        <a:solidFill>
+                          <a:srgbClr val="FF0000"/>
+                        </a:solidFill>
+                        <a:latin typeface="DejaVu Math TeX Gyre" panose="02000503000000000000" charset="0"/>
+                        <a:cs typeface="DejaVu Math TeX Gyre" panose="02000503000000000000" charset="0"/>
+                      </a:rPr>
+                      <m:t>(</m:t>
+                    </m:r>
+                    <m:r>
+                      <a:rPr lang="en-US" sz="1600" i="1">
+                        <a:solidFill>
+                          <a:srgbClr val="FF0000"/>
+                        </a:solidFill>
+                        <a:latin typeface="DejaVu Math TeX Gyre" panose="02000503000000000000" charset="0"/>
+                        <a:cs typeface="DejaVu Math TeX Gyre" panose="02000503000000000000" charset="0"/>
+                      </a:rPr>
+                      <m:t>1</m:t>
+                    </m:r>
+                    <m:r>
+                      <a:rPr lang="en-US" sz="1600" i="1">
+                        <a:solidFill>
+                          <a:srgbClr val="FF0000"/>
+                        </a:solidFill>
+                        <a:latin typeface="DejaVu Math TeX Gyre" panose="02000503000000000000" charset="0"/>
+                        <a:cs typeface="DejaVu Math TeX Gyre" panose="02000503000000000000" charset="0"/>
+                      </a:rPr>
+                      <m:t>, </m:t>
+                    </m:r>
+                    <m:r>
+                      <a:rPr lang="en-US" sz="1600" i="1">
+                        <a:solidFill>
+                          <a:srgbClr val="FF0000"/>
+                        </a:solidFill>
+                        <a:latin typeface="DejaVu Math TeX Gyre" panose="02000503000000000000" charset="0"/>
+                        <a:cs typeface="DejaVu Math TeX Gyre" panose="02000503000000000000" charset="0"/>
+                      </a:rPr>
+                      <m:t>0</m:t>
+                    </m:r>
+                    <m:r>
+                      <a:rPr lang="en-US" sz="1600" i="1">
+                        <a:solidFill>
+                          <a:srgbClr val="FF0000"/>
+                        </a:solidFill>
+                        <a:latin typeface="DejaVu Math TeX Gyre" panose="02000503000000000000" charset="0"/>
+                        <a:cs typeface="DejaVu Math TeX Gyre" panose="02000503000000000000" charset="0"/>
+                      </a:rPr>
+                      <m:t>,</m:t>
+                    </m:r>
+                    <m:r>
+                      <a:rPr lang="en-US" sz="1600" i="1">
+                        <a:solidFill>
+                          <a:srgbClr val="FF0000"/>
+                        </a:solidFill>
+                        <a:latin typeface="DejaVu Math TeX Gyre" panose="02000503000000000000" charset="0"/>
+                        <a:cs typeface="DejaVu Math TeX Gyre" panose="02000503000000000000" charset="0"/>
+                      </a:rPr>
+                      <m:t>67</m:t>
+                    </m:r>
+                    <m:r>
+                      <a:rPr lang="en-US" sz="1600" i="1">
+                        <a:solidFill>
+                          <a:srgbClr val="FF0000"/>
+                        </a:solidFill>
+                        <a:latin typeface="DejaVu Math TeX Gyre" panose="02000503000000000000" charset="0"/>
+                        <a:ea typeface="MS Mincho" charset="0"/>
+                        <a:cs typeface="DejaVu Math TeX Gyre" panose="02000503000000000000" charset="0"/>
+                      </a:rPr>
+                      <m:t>)</m:t>
+                    </m:r>
                   </m:oMath>
                 </a14:m>
                 <a:r>
@@ -8292,32 +7413,32 @@
                     <a:solidFill>
                       <a:srgbClr val="FF0000"/>
                     </a:solidFill>
-                    <a:sym typeface="+mn-ea"/>
+                    <a:latin typeface="DejaVu Math TeX Gyre" panose="02000503000000000000" charset="0"/>
+                    <a:ea typeface="MS Mincho" charset="0"/>
+                    <a:cs typeface="DejaVu Math TeX Gyre" panose="02000503000000000000" charset="0"/>
                   </a:rPr>
-                  <a:t> e calcula a adaptabilidade delas de novo. Então cada variável terá 2 adaptabailidades, uma com </a:t>
+                  <a:t>/100</a:t>
                 </a:r>
-                <a14:m>
-                  <m:oMath xmlns:m="http://schemas.openxmlformats.org/officeDocument/2006/math">
-                    <m:r>
-                      <a:rPr lang="en-US" sz="1600" i="1">
-                        <a:solidFill>
-                          <a:srgbClr val="FF0000"/>
-                        </a:solidFill>
-                        <a:latin typeface="DejaVu Math TeX Gyre" panose="02000503000000000000" charset="0"/>
-                        <a:cs typeface="DejaVu Math TeX Gyre" panose="02000503000000000000" charset="0"/>
-                      </a:rPr>
-                      <m:t>𝜎</m:t>
-                    </m:r>
-                  </m:oMath>
-                </a14:m>
+                <a:endParaRPr lang="pt-PT" altLang="en-US" sz="1600">
+                  <a:sym typeface="+mn-ea"/>
+                </a:endParaRPr>
+              </a:p>
+              <a:p>
+                <a:pPr marL="285750" lvl="0" indent="-285750" algn="just">
+                  <a:lnSpc>
+                    <a:spcPct val="150000"/>
+                  </a:lnSpc>
+                  <a:buFont typeface="Arial" panose="020B0604020202020204" pitchFamily="34" charset="0"/>
+                  <a:buChar char="•"/>
+                </a:pPr>
                 <a:r>
                   <a:rPr lang="pt-PT" altLang="en-US" sz="1600">
                     <a:solidFill>
-                      <a:srgbClr val="FF0000"/>
+                      <a:schemeClr val="accent5"/>
                     </a:solidFill>
                     <a:sym typeface="+mn-ea"/>
                   </a:rPr>
-                  <a:t> e outra com </a:t>
+                  <a:t> Para calcular a adaptabilidade do </a:t>
                 </a:r>
                 <a14:m>
                   <m:oMath xmlns:m="http://schemas.openxmlformats.org/officeDocument/2006/math">
@@ -8326,7 +7447,7 @@
                         <m:ctrlPr>
                           <a:rPr lang="en-US" sz="1600" i="1">
                             <a:solidFill>
-                              <a:srgbClr val="FF0000"/>
+                              <a:schemeClr val="accent5"/>
                             </a:solidFill>
                             <a:latin typeface="DejaVu Math TeX Gyre" panose="02000503000000000000" charset="0"/>
                             <a:cs typeface="DejaVu Math TeX Gyre" panose="02000503000000000000" charset="0"/>
@@ -8337,19 +7458,19 @@
                         <m:r>
                           <a:rPr lang="en-US" sz="1600" i="1">
                             <a:solidFill>
-                              <a:srgbClr val="FF0000"/>
+                              <a:schemeClr val="accent5"/>
                             </a:solidFill>
                             <a:latin typeface="DejaVu Math TeX Gyre" panose="02000503000000000000" charset="0"/>
                             <a:cs typeface="DejaVu Math TeX Gyre" panose="02000503000000000000" charset="0"/>
                           </a:rPr>
-                          <m:t>𝜎</m:t>
+                          <m:t>𝜌</m:t>
                         </m:r>
                       </m:e>
                       <m:sup>
                         <m:r>
                           <a:rPr lang="en-US" sz="1600" i="1">
                             <a:solidFill>
-                              <a:srgbClr val="FF0000"/>
+                              <a:schemeClr val="accent5"/>
                             </a:solidFill>
                             <a:latin typeface="DejaVu Math TeX Gyre" panose="02000503000000000000" charset="0"/>
                             <a:cs typeface="DejaVu Math TeX Gyre" panose="02000503000000000000" charset="0"/>
@@ -8363,15 +7484,285 @@
                 <a:r>
                   <a:rPr lang="pt-PT" altLang="en-US" sz="1600">
                     <a:solidFill>
-                      <a:srgbClr val="FF0000"/>
+                      <a:schemeClr val="accent5"/>
                     </a:solidFill>
                     <a:sym typeface="+mn-ea"/>
                   </a:rPr>
-                  <a:t>. </a:t>
+                  <a:t>, perturba todas as variáveis de uma só vez com </a:t>
+                </a:r>
+                <a14:m>
+                  <m:oMath xmlns:m="http://schemas.openxmlformats.org/officeDocument/2006/math">
+                    <m:sSubSup>
+                      <m:sSubSupPr>
+                        <m:ctrlPr>
+                          <a:rPr lang="en-US" sz="1600" i="1">
+                            <a:solidFill>
+                              <a:schemeClr val="accent5"/>
+                            </a:solidFill>
+                            <a:latin typeface="DejaVu Math TeX Gyre" panose="02000503000000000000" charset="0"/>
+                            <a:cs typeface="DejaVu Math TeX Gyre" panose="02000503000000000000" charset="0"/>
+                          </a:rPr>
+                        </m:ctrlPr>
+                      </m:sSubSupPr>
+                      <m:e>
+                        <m:r>
+                          <a:rPr lang="en-US" sz="1600" i="1">
+                            <a:solidFill>
+                              <a:schemeClr val="accent5"/>
+                            </a:solidFill>
+                            <a:latin typeface="DejaVu Math TeX Gyre" panose="02000503000000000000" charset="0"/>
+                            <a:cs typeface="DejaVu Math TeX Gyre" panose="02000503000000000000" charset="0"/>
+                          </a:rPr>
+                          <m:t>𝑥</m:t>
+                        </m:r>
+                      </m:e>
+                      <m:sub>
+                        <m:r>
+                          <a:rPr lang="en-US" sz="1600" i="1">
+                            <a:solidFill>
+                              <a:schemeClr val="accent5"/>
+                            </a:solidFill>
+                            <a:latin typeface="DejaVu Math TeX Gyre" panose="02000503000000000000" charset="0"/>
+                            <a:cs typeface="DejaVu Math TeX Gyre" panose="02000503000000000000" charset="0"/>
+                          </a:rPr>
+                          <m:t>𝑖</m:t>
+                        </m:r>
+                      </m:sub>
+                      <m:sup>
+                        <m:r>
+                          <a:rPr lang="en-US" sz="1600" i="1">
+                            <a:solidFill>
+                              <a:schemeClr val="accent5"/>
+                            </a:solidFill>
+                            <a:latin typeface="DejaVu Math TeX Gyre" panose="02000503000000000000" charset="0"/>
+                            <a:cs typeface="DejaVu Math TeX Gyre" panose="02000503000000000000" charset="0"/>
+                          </a:rPr>
+                          <m:t>’</m:t>
+                        </m:r>
+                      </m:sup>
+                    </m:sSubSup>
+                    <m:r>
+                      <a:rPr lang="en-US" sz="1600" i="1">
+                        <a:solidFill>
+                          <a:schemeClr val="accent5"/>
+                        </a:solidFill>
+                        <a:latin typeface="DejaVu Math TeX Gyre" panose="02000503000000000000" charset="0"/>
+                        <a:cs typeface="DejaVu Math TeX Gyre" panose="02000503000000000000" charset="0"/>
+                      </a:rPr>
+                      <m:t>=</m:t>
+                    </m:r>
+                    <m:sSub>
+                      <m:sSubPr>
+                        <m:ctrlPr>
+                          <a:rPr lang="en-US" sz="1600" i="1">
+                            <a:solidFill>
+                              <a:schemeClr val="accent5"/>
+                            </a:solidFill>
+                            <a:latin typeface="DejaVu Math TeX Gyre" panose="02000503000000000000" charset="0"/>
+                            <a:cs typeface="DejaVu Math TeX Gyre" panose="02000503000000000000" charset="0"/>
+                          </a:rPr>
+                        </m:ctrlPr>
+                      </m:sSubPr>
+                      <m:e>
+                        <m:r>
+                          <a:rPr lang="en-US" sz="1600" i="1">
+                            <a:solidFill>
+                              <a:schemeClr val="accent5"/>
+                            </a:solidFill>
+                            <a:latin typeface="DejaVu Math TeX Gyre" panose="02000503000000000000" charset="0"/>
+                            <a:cs typeface="DejaVu Math TeX Gyre" panose="02000503000000000000" charset="0"/>
+                          </a:rPr>
+                          <m:t>𝑥</m:t>
+                        </m:r>
+                      </m:e>
+                      <m:sub>
+                        <m:r>
+                          <a:rPr lang="en-US" sz="1600" i="1">
+                            <a:solidFill>
+                              <a:schemeClr val="accent5"/>
+                            </a:solidFill>
+                            <a:latin typeface="DejaVu Math TeX Gyre" panose="02000503000000000000" charset="0"/>
+                            <a:cs typeface="DejaVu Math TeX Gyre" panose="02000503000000000000" charset="0"/>
+                          </a:rPr>
+                          <m:t>𝑖</m:t>
+                        </m:r>
+                      </m:sub>
+                    </m:sSub>
+                    <m:r>
+                      <a:rPr lang="en-US" sz="1600" i="1">
+                        <a:solidFill>
+                          <a:schemeClr val="accent5"/>
+                        </a:solidFill>
+                        <a:latin typeface="DejaVu Math TeX Gyre" panose="02000503000000000000" charset="0"/>
+                        <a:cs typeface="DejaVu Math TeX Gyre" panose="02000503000000000000" charset="0"/>
+                      </a:rPr>
+                      <m:t>+</m:t>
+                    </m:r>
+                    <m:r>
+                      <a:rPr lang="en-US" sz="1600" i="1">
+                        <a:solidFill>
+                          <a:schemeClr val="accent5"/>
+                        </a:solidFill>
+                        <a:latin typeface="DejaVu Math TeX Gyre" panose="02000503000000000000" charset="0"/>
+                        <a:cs typeface="DejaVu Math TeX Gyre" panose="02000503000000000000" charset="0"/>
+                      </a:rPr>
+                      <m:t>𝑁</m:t>
+                    </m:r>
+                    <m:r>
+                      <a:rPr lang="en-US" sz="1600" i="1">
+                        <a:solidFill>
+                          <a:schemeClr val="accent5"/>
+                        </a:solidFill>
+                        <a:latin typeface="DejaVu Math TeX Gyre" panose="02000503000000000000" charset="0"/>
+                        <a:cs typeface="DejaVu Math TeX Gyre" panose="02000503000000000000" charset="0"/>
+                      </a:rPr>
+                      <m:t>(</m:t>
+                    </m:r>
+                    <m:r>
+                      <a:rPr lang="en-US" sz="1600" i="1">
+                        <a:solidFill>
+                          <a:schemeClr val="accent5"/>
+                        </a:solidFill>
+                        <a:latin typeface="DejaVu Math TeX Gyre" panose="02000503000000000000" charset="0"/>
+                        <a:cs typeface="DejaVu Math TeX Gyre" panose="02000503000000000000" charset="0"/>
+                      </a:rPr>
+                      <m:t>0</m:t>
+                    </m:r>
+                    <m:r>
+                      <a:rPr lang="en-US" sz="1600" i="1">
+                        <a:solidFill>
+                          <a:schemeClr val="accent5"/>
+                        </a:solidFill>
+                        <a:latin typeface="DejaVu Math TeX Gyre" panose="02000503000000000000" charset="0"/>
+                        <a:cs typeface="DejaVu Math TeX Gyre" panose="02000503000000000000" charset="0"/>
+                      </a:rPr>
+                      <m:t>,</m:t>
+                    </m:r>
+                    <m:r>
+                      <a:rPr lang="en-US" sz="1600" i="1">
+                        <a:solidFill>
+                          <a:schemeClr val="accent5"/>
+                        </a:solidFill>
+                        <a:latin typeface="DejaVu Math TeX Gyre" panose="02000503000000000000" charset="0"/>
+                        <a:cs typeface="DejaVu Math TeX Gyre" panose="02000503000000000000" charset="0"/>
+                      </a:rPr>
+                      <m:t>𝜎</m:t>
+                    </m:r>
+                    <m:r>
+                      <a:rPr lang="en-US" sz="1600" i="1">
+                        <a:solidFill>
+                          <a:schemeClr val="accent5"/>
+                        </a:solidFill>
+                        <a:latin typeface="DejaVu Math TeX Gyre" panose="02000503000000000000" charset="0"/>
+                        <a:ea typeface="MS Mincho" charset="0"/>
+                        <a:cs typeface="DejaVu Math TeX Gyre" panose="02000503000000000000" charset="0"/>
+                      </a:rPr>
+                      <m:t>)</m:t>
+                    </m:r>
+                  </m:oMath>
+                </a14:m>
+                <a:r>
+                  <a:rPr lang="pt-PT" altLang="en-US" sz="1600">
+                    <a:solidFill>
+                      <a:schemeClr val="accent5"/>
+                    </a:solidFill>
+                    <a:latin typeface="DejaVu Math TeX Gyre" panose="02000503000000000000" charset="0"/>
+                    <a:ea typeface="MS Mincho" charset="0"/>
+                    <a:cs typeface="DejaVu Math TeX Gyre" panose="02000503000000000000" charset="0"/>
+                  </a:rPr>
+                  <a:t>, </a:t>
+                </a:r>
+                <a:r>
+                  <a:rPr lang="pt-PT" altLang="en-US" sz="1600">
+                    <a:solidFill>
+                      <a:schemeClr val="accent5"/>
+                    </a:solidFill>
+                    <a:sym typeface="+mn-ea"/>
+                  </a:rPr>
+                  <a:t>onde </a:t>
+                </a:r>
+                <a14:m>
+                  <m:oMath xmlns:m="http://schemas.openxmlformats.org/officeDocument/2006/math">
+                    <m:r>
+                      <a:rPr lang="en-US" altLang="pt-PT" sz="1600" i="1">
+                        <a:solidFill>
+                          <a:schemeClr val="accent5"/>
+                        </a:solidFill>
+                        <a:latin typeface="DejaVu Math TeX Gyre" panose="02000503000000000000" charset="0"/>
+                        <a:cs typeface="DejaVu Math TeX Gyre" panose="02000503000000000000" charset="0"/>
+                        <a:sym typeface="+mn-ea"/>
+                      </a:rPr>
+                      <m:t>𝜎</m:t>
+                    </m:r>
+                    <m:r>
+                      <a:rPr lang="en-US" altLang="pt-PT" sz="1600" i="1">
+                        <a:solidFill>
+                          <a:schemeClr val="accent5"/>
+                        </a:solidFill>
+                        <a:latin typeface="DejaVu Math TeX Gyre" panose="02000503000000000000" charset="0"/>
+                        <a:cs typeface="DejaVu Math TeX Gyre" panose="02000503000000000000" charset="0"/>
+                        <a:sym typeface="+mn-ea"/>
+                      </a:rPr>
+                      <m:t>=</m:t>
+                    </m:r>
+                    <m:r>
+                      <a:rPr lang="en-US" altLang="pt-PT" sz="1600" i="1">
+                        <a:solidFill>
+                          <a:schemeClr val="accent5"/>
+                        </a:solidFill>
+                        <a:latin typeface="DejaVu Math TeX Gyre" panose="02000503000000000000" charset="0"/>
+                        <a:cs typeface="DejaVu Math TeX Gyre" panose="02000503000000000000" charset="0"/>
+                        <a:sym typeface="+mn-ea"/>
+                      </a:rPr>
+                      <m:t>𝜌</m:t>
+                    </m:r>
+                    <m:r>
+                      <a:rPr lang="en-US" altLang="pt-PT" sz="1600" i="1">
+                        <a:solidFill>
+                          <a:schemeClr val="accent5"/>
+                        </a:solidFill>
+                        <a:latin typeface="DejaVu Math TeX Gyre" panose="02000503000000000000" charset="0"/>
+                        <a:cs typeface="DejaVu Math TeX Gyre" panose="02000503000000000000" charset="0"/>
+                        <a:sym typeface="+mn-ea"/>
+                      </a:rPr>
+                      <m:t>’∙∆</m:t>
+                    </m:r>
+                    <m:r>
+                      <a:rPr lang="en-US" altLang="pt-PT" sz="1600" i="1">
+                        <a:solidFill>
+                          <a:schemeClr val="accent5"/>
+                        </a:solidFill>
+                        <a:latin typeface="DejaVu Math TeX Gyre" panose="02000503000000000000" charset="0"/>
+                        <a:cs typeface="DejaVu Math TeX Gyre" panose="02000503000000000000" charset="0"/>
+                        <a:sym typeface="+mn-ea"/>
+                      </a:rPr>
+                      <m:t>𝑥</m:t>
+                    </m:r>
+                    <m:r>
+                      <a:rPr lang="en-US" altLang="pt-PT" sz="1600" i="1" baseline="-25000">
+                        <a:solidFill>
+                          <a:schemeClr val="accent5"/>
+                        </a:solidFill>
+                        <a:latin typeface="DejaVu Math TeX Gyre" panose="02000503000000000000" charset="0"/>
+                        <a:cs typeface="DejaVu Math TeX Gyre" panose="02000503000000000000" charset="0"/>
+                        <a:sym typeface="+mn-ea"/>
+                      </a:rPr>
+                      <m:t>𝑖</m:t>
+                    </m:r>
+                  </m:oMath>
+                </a14:m>
+                <a:r>
+                  <a:rPr lang="pt-PT" altLang="en-US" sz="1600">
+                    <a:solidFill>
+                      <a:schemeClr val="accent5"/>
+                    </a:solidFill>
+                    <a:sym typeface="+mn-ea"/>
+                  </a:rPr>
+                  <a:t>, e calcula o valor de f(x).</a:t>
                 </a:r>
                 <a:endParaRPr lang="pt-PT" altLang="en-US" sz="1600">
                   <a:solidFill>
-                    <a:srgbClr val="FF0000"/>
+                    <a:schemeClr val="accent5"/>
                   </a:solidFill>
                   <a:sym typeface="+mn-ea"/>
                 </a:endParaRPr>
@@ -8386,22 +7777,29 @@
                 </a:pPr>
                 <a:r>
                   <a:rPr lang="pt-PT" altLang="en-US" sz="1600">
+                    <a:sym typeface="+mn-ea"/>
+                  </a:rPr>
+                  <a:t>Foram geradas</a:t>
+                </a:r>
+                <a:r>
+                  <a:rPr lang="pt-PT" altLang="en-US" sz="1600">
                     <a:solidFill>
-                      <a:srgbClr val="FF0000"/>
+                      <a:schemeClr val="accent5"/>
                     </a:solidFill>
                     <a:sym typeface="+mn-ea"/>
                   </a:rPr>
-                  <a:t>Foram geradas 2N+1 perturbações</a:t>
+                  <a:t> N+1 </a:t>
                 </a:r>
-                <a:endParaRPr lang="pt-PT" altLang="en-US" sz="1600">
-                  <a:solidFill>
-                    <a:srgbClr val="FF0000"/>
-                  </a:solidFill>
-                  <a:sym typeface="+mn-ea"/>
-                </a:endParaRPr>
+                <a:r>
+                  <a:rPr lang="pt-PT" altLang="en-US" sz="1600">
+                    <a:sym typeface="+mn-ea"/>
+                  </a:rPr>
+                  <a:t>perturbações para serem escolhidas.</a:t>
+                </a:r>
+                <a:endParaRPr lang="pt-PT" altLang="en-US" sz="1600"/>
               </a:p>
               <a:p>
-                <a:pPr marL="285750" lvl="0" indent="-285750" algn="just">
+                <a:pPr marL="285750" indent="-285750" algn="just">
                   <a:lnSpc>
                     <a:spcPct val="150000"/>
                   </a:lnSpc>
@@ -8410,117 +7808,29 @@
                 </a:pPr>
                 <a:r>
                   <a:rPr lang="pt-PT" altLang="en-US" sz="1600">
-                    <a:solidFill>
-                      <a:srgbClr val="FF0000"/>
-                    </a:solidFill>
                     <a:sym typeface="+mn-ea"/>
                   </a:rPr>
-                  <a:t>Na hora de ordenar pelo f(x) e escolher uma perturbação, se a perturbação que utilizou o </a:t>
+                  <a:t>Ordena pelo f(x) e escolhe uma perturbação para ser confirmada.</a:t>
                 </a:r>
-                <a14:m>
-                  <m:oMath xmlns:m="http://schemas.openxmlformats.org/officeDocument/2006/math">
-                    <m:sSup>
-                      <m:sSupPr>
-                        <m:ctrlPr>
-                          <a:rPr lang="en-US" sz="1600" i="1">
-                            <a:solidFill>
-                              <a:srgbClr val="FF0000"/>
-                            </a:solidFill>
-                            <a:latin typeface="DejaVu Math TeX Gyre" panose="02000503000000000000" charset="0"/>
-                            <a:cs typeface="DejaVu Math TeX Gyre" panose="02000503000000000000" charset="0"/>
-                          </a:rPr>
-                        </m:ctrlPr>
-                      </m:sSupPr>
-                      <m:e>
-                        <m:r>
-                          <a:rPr lang="en-US" sz="1600" i="1">
-                            <a:solidFill>
-                              <a:srgbClr val="FF0000"/>
-                            </a:solidFill>
-                            <a:latin typeface="DejaVu Math TeX Gyre" panose="02000503000000000000" charset="0"/>
-                            <a:cs typeface="DejaVu Math TeX Gyre" panose="02000503000000000000" charset="0"/>
-                          </a:rPr>
-                          <m:t>𝜎</m:t>
-                        </m:r>
-                      </m:e>
-                      <m:sup>
-                        <m:r>
-                          <a:rPr lang="en-US" sz="1600" i="1">
-                            <a:solidFill>
-                              <a:srgbClr val="FF0000"/>
-                            </a:solidFill>
-                            <a:latin typeface="DejaVu Math TeX Gyre" panose="02000503000000000000" charset="0"/>
-                            <a:cs typeface="DejaVu Math TeX Gyre" panose="02000503000000000000" charset="0"/>
-                          </a:rPr>
-                          <m:t>’</m:t>
-                        </m:r>
-                      </m:sup>
-                    </m:sSup>
-                  </m:oMath>
-                </a14:m>
+                <a:endParaRPr lang="pt-PT" altLang="en-US" sz="1600">
+                  <a:sym typeface="+mn-ea"/>
+                </a:endParaRPr>
+              </a:p>
+              <a:p>
+                <a:pPr marL="285750" indent="-285750" algn="just">
+                  <a:lnSpc>
+                    <a:spcPct val="150000"/>
+                  </a:lnSpc>
+                  <a:buFont typeface="Arial" panose="020B0604020202020204" pitchFamily="34" charset="0"/>
+                  <a:buChar char="•"/>
+                </a:pPr>
                 <a:r>
                   <a:rPr lang="pt-PT" altLang="en-US" sz="1600">
-                    <a:solidFill>
-                      <a:srgbClr val="FF0000"/>
-                    </a:solidFill>
                     <a:sym typeface="+mn-ea"/>
                   </a:rPr>
-                  <a:t> for a escolhida, confirma o </a:t>
-                </a:r>
-                <a14:m>
-                  <m:oMath xmlns:m="http://schemas.openxmlformats.org/officeDocument/2006/math">
-                    <m:sSup>
-                      <m:sSupPr>
-                        <m:ctrlPr>
-                          <a:rPr lang="en-US" sz="1600" i="1">
-                            <a:solidFill>
-                              <a:srgbClr val="FF0000"/>
-                            </a:solidFill>
-                            <a:latin typeface="DejaVu Math TeX Gyre" panose="02000503000000000000" charset="0"/>
-                            <a:cs typeface="DejaVu Math TeX Gyre" panose="02000503000000000000" charset="0"/>
-                          </a:rPr>
-                        </m:ctrlPr>
-                      </m:sSupPr>
-                      <m:e>
-                        <m:r>
-                          <a:rPr lang="en-US" sz="1600" i="1">
-                            <a:solidFill>
-                              <a:srgbClr val="FF0000"/>
-                            </a:solidFill>
-                            <a:latin typeface="DejaVu Math TeX Gyre" panose="02000503000000000000" charset="0"/>
-                            <a:cs typeface="DejaVu Math TeX Gyre" panose="02000503000000000000" charset="0"/>
-                          </a:rPr>
-                          <m:t>𝜎</m:t>
-                        </m:r>
-                      </m:e>
-                      <m:sup>
-                        <m:r>
-                          <a:rPr lang="en-US" sz="1600" i="1">
-                            <a:solidFill>
-                              <a:srgbClr val="FF0000"/>
-                            </a:solidFill>
-                            <a:latin typeface="DejaVu Math TeX Gyre" panose="02000503000000000000" charset="0"/>
-                            <a:cs typeface="DejaVu Math TeX Gyre" panose="02000503000000000000" charset="0"/>
-                          </a:rPr>
-                          <m:t>’</m:t>
-                        </m:r>
-                      </m:sup>
-                    </m:sSup>
-                  </m:oMath>
-                </a14:m>
-                <a:r>
-                  <a:rPr lang="pt-PT" altLang="en-US" sz="1600">
-                    <a:solidFill>
-                      <a:srgbClr val="FF0000"/>
-                    </a:solidFill>
-                    <a:sym typeface="+mn-ea"/>
-                  </a:rPr>
-                  <a:t> junto para ser alterado.</a:t>
+                  <a:t>Ao confirmar uma variável, confirma toda a população que gerou aquele f(x)</a:t>
                 </a:r>
                 <a:endParaRPr lang="pt-PT" altLang="en-US" sz="1600">
-                  <a:solidFill>
-                    <a:srgbClr val="FF0000"/>
-                  </a:solidFill>
                   <a:sym typeface="+mn-ea"/>
                 </a:endParaRPr>
               </a:p>
@@ -8538,8 +7848,8 @@
             </p:nvSpPr>
             <p:spPr>
               <a:xfrm>
-                <a:off x="2606675" y="705485"/>
-                <a:ext cx="6978650" cy="5447665"/>
+                <a:off x="1142365" y="942340"/>
+                <a:ext cx="7335520" cy="4682490"/>
               </a:xfrm>
               <a:prstGeom prst="rect">
                 <a:avLst/>
@@ -8574,8 +7884,380 @@
         </p:nvSpPr>
         <p:spPr>
           <a:xfrm>
-            <a:off x="485775" y="27940"/>
-            <a:ext cx="11220450" cy="414020"/>
+            <a:off x="2295525" y="241300"/>
+            <a:ext cx="7600315" cy="414020"/>
+          </a:xfrm>
+          <a:prstGeom prst="rect">
+            <a:avLst/>
+          </a:prstGeom>
+          <a:noFill/>
+        </p:spPr>
+        <p:txBody>
+          <a:bodyPr wrap="square" rtlCol="0">
+            <a:spAutoFit/>
+          </a:bodyPr>
+          <a:p>
+            <a:pPr lvl="0" indent="0" algn="ctr">
+              <a:lnSpc>
+                <a:spcPct val="150000"/>
+              </a:lnSpc>
+              <a:buFont typeface="Arial" panose="020B0604020202020204" pitchFamily="34" charset="0"/>
+              <a:buNone/>
+            </a:pPr>
+            <a:r>
+              <a:rPr lang="pt-PT" altLang="en-US" sz="1400" b="1">
+                <a:solidFill>
+                  <a:schemeClr val="accent2"/>
+                </a:solidFill>
+                <a:sym typeface="+mn-ea"/>
+              </a:rPr>
+              <a:t>REAL2 p1: Só faz mais perturbações por variável</a:t>
+            </a:r>
+            <a:endParaRPr lang="pt-PT" altLang="en-US" sz="1400" b="1">
+              <a:solidFill>
+                <a:schemeClr val="accent2"/>
+              </a:solidFill>
+              <a:sym typeface="+mn-ea"/>
+            </a:endParaRPr>
+          </a:p>
+        </p:txBody>
+      </p:sp>
+      <p:pic>
+        <p:nvPicPr>
+          <p:cNvPr id="3" name="Picture 2"/>
+          <p:cNvPicPr>
+            <a:picLocks noChangeAspect="1"/>
+          </p:cNvPicPr>
+          <p:nvPr/>
+        </p:nvPicPr>
+        <p:blipFill>
+          <a:blip r:embed="rId2"/>
+          <a:stretch>
+            <a:fillRect/>
+          </a:stretch>
+        </p:blipFill>
+        <p:spPr>
+          <a:xfrm>
+            <a:off x="7523480" y="2562225"/>
+            <a:ext cx="3489960" cy="1132205"/>
+          </a:xfrm>
+          <a:prstGeom prst="rect">
+            <a:avLst/>
+          </a:prstGeom>
+        </p:spPr>
+      </p:pic>
+      <p:grpSp>
+        <p:nvGrpSpPr>
+          <p:cNvPr id="6" name="Group 5"/>
+          <p:cNvGrpSpPr/>
+          <p:nvPr/>
+        </p:nvGrpSpPr>
+        <p:grpSpPr>
+          <a:xfrm>
+            <a:off x="247015" y="1434465"/>
+            <a:ext cx="1140460" cy="3137535"/>
+            <a:chOff x="367" y="2728"/>
+            <a:chExt cx="1796" cy="4941"/>
+          </a:xfrm>
+        </p:grpSpPr>
+        <p:sp>
+          <p:nvSpPr>
+            <p:cNvPr id="4" name="Left Brace 3"/>
+            <p:cNvSpPr/>
+            <p:nvPr/>
+          </p:nvSpPr>
+          <p:spPr>
+            <a:xfrm>
+              <a:off x="1583" y="2728"/>
+              <a:ext cx="580" cy="4941"/>
+            </a:xfrm>
+            <a:prstGeom prst="leftBrace">
+              <a:avLst/>
+            </a:prstGeom>
+          </p:spPr>
+          <p:style>
+            <a:lnRef idx="1">
+              <a:schemeClr val="dk1"/>
+            </a:lnRef>
+            <a:fillRef idx="0">
+              <a:schemeClr val="dk1"/>
+            </a:fillRef>
+            <a:effectRef idx="0">
+              <a:schemeClr val="dk1"/>
+            </a:effectRef>
+            <a:fontRef idx="minor">
+              <a:schemeClr val="tx1"/>
+            </a:fontRef>
+          </p:style>
+          <p:txBody>
+            <a:bodyPr rtlCol="0" anchor="ctr"/>
+            <a:p>
+              <a:pPr algn="ctr"/>
+              <a:endParaRPr lang="en-US">
+                <a:solidFill>
+                  <a:schemeClr val="tx1"/>
+                </a:solidFill>
+              </a:endParaRPr>
+            </a:p>
+          </p:txBody>
+        </p:sp>
+        <p:sp>
+          <p:nvSpPr>
+            <p:cNvPr id="5" name="Text Box 4"/>
+            <p:cNvSpPr txBox="1"/>
+            <p:nvPr/>
+          </p:nvSpPr>
+          <p:spPr>
+            <a:xfrm>
+              <a:off x="367" y="4570"/>
+              <a:ext cx="1216" cy="1161"/>
+            </a:xfrm>
+            <a:prstGeom prst="rect">
+              <a:avLst/>
+            </a:prstGeom>
+            <a:noFill/>
+          </p:spPr>
+          <p:txBody>
+            <a:bodyPr wrap="square" rtlCol="0">
+              <a:spAutoFit/>
+            </a:bodyPr>
+            <a:p>
+              <a:pPr lvl="0" indent="0" algn="ctr">
+                <a:lnSpc>
+                  <a:spcPct val="150000"/>
+                </a:lnSpc>
+                <a:buFont typeface="Arial" panose="020B0604020202020204" pitchFamily="34" charset="0"/>
+                <a:buNone/>
+              </a:pPr>
+              <a:r>
+                <a:rPr lang="pt-PT" altLang="en-US" sz="1400" b="1">
+                  <a:solidFill>
+                    <a:schemeClr val="tx1"/>
+                  </a:solidFill>
+                  <a:sym typeface="+mn-ea"/>
+                </a:rPr>
+                <a:t>P vezes</a:t>
+              </a:r>
+              <a:endParaRPr lang="pt-PT" altLang="en-US" sz="1400" b="1">
+                <a:solidFill>
+                  <a:schemeClr val="tx1"/>
+                </a:solidFill>
+                <a:sym typeface="+mn-ea"/>
+              </a:endParaRPr>
+            </a:p>
+          </p:txBody>
+        </p:sp>
+      </p:grpSp>
+    </p:spTree>
+  </p:cSld>
+  <p:clrMapOvr>
+    <a:masterClrMapping/>
+  </p:clrMapOvr>
+</p:sld>
+</file>
+
+<file path=ppt/slides/slide7.xml><?xml version="1.0" encoding="utf-8"?>
+<p:sld xmlns:a="http://schemas.openxmlformats.org/drawingml/2006/main" xmlns:r="http://schemas.openxmlformats.org/officeDocument/2006/relationships" xmlns:p="http://schemas.openxmlformats.org/presentationml/2006/main">
+  <p:cSld>
+    <p:spTree>
+      <p:nvGrpSpPr>
+        <p:cNvPr id="1" name=""/>
+        <p:cNvGrpSpPr/>
+        <p:nvPr/>
+      </p:nvGrpSpPr>
+      <p:grpSpPr/>
+      <p:sp>
+        <p:nvSpPr>
+          <p:cNvPr id="3" name="Text Box 2"/>
+          <p:cNvSpPr txBox="1"/>
+          <p:nvPr/>
+        </p:nvSpPr>
+        <p:spPr>
+          <a:xfrm>
+            <a:off x="2201545" y="2229485"/>
+            <a:ext cx="7789545" cy="2399665"/>
+          </a:xfrm>
+          <a:prstGeom prst="rect">
+            <a:avLst/>
+          </a:prstGeom>
+          <a:noFill/>
+        </p:spPr>
+        <p:txBody>
+          <a:bodyPr wrap="square" rtlCol="0">
+            <a:spAutoFit/>
+          </a:bodyPr>
+          <a:p>
+            <a:pPr lvl="0" indent="0" algn="just">
+              <a:lnSpc>
+                <a:spcPct val="150000"/>
+              </a:lnSpc>
+              <a:buFont typeface="Arial" panose="020B0604020202020204" pitchFamily="34" charset="0"/>
+              <a:buNone/>
+            </a:pPr>
+            <a:r>
+              <a:rPr lang="pt-PT" sz="2000">
+                <a:sym typeface="+mn-ea"/>
+              </a:rPr>
+              <a:t>Porém, o que precisa ser auto-adaptativo teria que ser o parâmetro livre, correto? que no caso do real2 seria o p1 (porcentagem inicial). </a:t>
+            </a:r>
+            <a:endParaRPr lang="pt-PT" sz="2000">
+              <a:sym typeface="+mn-ea"/>
+            </a:endParaRPr>
+          </a:p>
+          <a:p>
+            <a:pPr lvl="0" indent="0" algn="just">
+              <a:lnSpc>
+                <a:spcPct val="150000"/>
+              </a:lnSpc>
+              <a:buFont typeface="Arial" panose="020B0604020202020204" pitchFamily="34" charset="0"/>
+              <a:buNone/>
+            </a:pPr>
+            <a:endParaRPr lang="pt-PT" sz="2000">
+              <a:sym typeface="+mn-ea"/>
+            </a:endParaRPr>
+          </a:p>
+          <a:p>
+            <a:pPr lvl="0" indent="0" algn="just">
+              <a:lnSpc>
+                <a:spcPct val="150000"/>
+              </a:lnSpc>
+              <a:buFont typeface="Arial" panose="020B0604020202020204" pitchFamily="34" charset="0"/>
+              <a:buNone/>
+            </a:pPr>
+            <a:r>
+              <a:rPr lang="pt-PT" sz="2000">
+                <a:sym typeface="+mn-ea"/>
+              </a:rPr>
+              <a:t>Nas versões GEOreal2, essa porcentagem inicial p1 é alterada ao ser dividida por s (métodos testados na dissertação, como o DS).</a:t>
+            </a:r>
+            <a:endParaRPr lang="pt-PT" sz="2000">
+              <a:sym typeface="+mn-ea"/>
+            </a:endParaRPr>
+          </a:p>
+        </p:txBody>
+      </p:sp>
+    </p:spTree>
+  </p:cSld>
+  <p:clrMapOvr>
+    <a:masterClrMapping/>
+  </p:clrMapOvr>
+</p:sld>
+</file>
+
+<file path=ppt/slides/slide8.xml><?xml version="1.0" encoding="utf-8"?>
+<p:sld xmlns:a="http://schemas.openxmlformats.org/drawingml/2006/main" xmlns:r="http://schemas.openxmlformats.org/officeDocument/2006/relationships" xmlns:p="http://schemas.openxmlformats.org/presentationml/2006/main">
+  <p:cSld>
+    <p:spTree>
+      <p:nvGrpSpPr>
+        <p:cNvPr id="1" name=""/>
+        <p:cNvGrpSpPr/>
+        <p:nvPr/>
+      </p:nvGrpSpPr>
+      <p:grpSpPr/>
+      <p:sp>
+        <p:nvSpPr>
+          <p:cNvPr id="3" name="Text Box 2"/>
+          <p:cNvSpPr txBox="1"/>
+          <p:nvPr/>
+        </p:nvSpPr>
+        <p:spPr>
+          <a:xfrm>
+            <a:off x="554355" y="1998345"/>
+            <a:ext cx="11266805" cy="2861310"/>
+          </a:xfrm>
+          <a:prstGeom prst="rect">
+            <a:avLst/>
+          </a:prstGeom>
+          <a:noFill/>
+        </p:spPr>
+        <p:txBody>
+          <a:bodyPr wrap="square" rtlCol="0">
+            <a:spAutoFit/>
+          </a:bodyPr>
+          <a:p>
+            <a:pPr lvl="0" indent="0" algn="just">
+              <a:lnSpc>
+                <a:spcPct val="300000"/>
+              </a:lnSpc>
+              <a:buFont typeface="Arial" panose="020B0604020202020204" pitchFamily="34" charset="0"/>
+              <a:buNone/>
+            </a:pPr>
+            <a:r>
+              <a:rPr lang="pt-PT" sz="2000">
+                <a:sym typeface="+mn-ea"/>
+              </a:rPr>
+              <a:t>A-GEO2real1_P_AA		= real1 + Perturbação porcentagem</a:t>
+            </a:r>
+            <a:endParaRPr lang="pt-PT" sz="2000">
+              <a:sym typeface="+mn-ea"/>
+            </a:endParaRPr>
+          </a:p>
+          <a:p>
+            <a:pPr lvl="0" indent="0" algn="just">
+              <a:lnSpc>
+                <a:spcPct val="300000"/>
+              </a:lnSpc>
+              <a:buFont typeface="Arial" panose="020B0604020202020204" pitchFamily="34" charset="0"/>
+              <a:buNone/>
+            </a:pPr>
+            <a:r>
+              <a:rPr lang="pt-PT" sz="2000">
+                <a:sym typeface="+mn-ea"/>
+              </a:rPr>
+              <a:t>A-GEO2real2_P_AA_p1		= real2 + Perturbação porcentagem + versão 1 (adapta p)</a:t>
+            </a:r>
+            <a:endParaRPr lang="pt-PT" sz="2000">
+              <a:sym typeface="+mn-ea"/>
+            </a:endParaRPr>
+          </a:p>
+          <a:p>
+            <a:pPr lvl="0" indent="0" algn="just">
+              <a:lnSpc>
+                <a:spcPct val="300000"/>
+              </a:lnSpc>
+              <a:buFont typeface="Arial" panose="020B0604020202020204" pitchFamily="34" charset="0"/>
+              <a:buNone/>
+            </a:pPr>
+            <a:r>
+              <a:rPr lang="pt-PT" sz="2000">
+                <a:sym typeface="+mn-ea"/>
+              </a:rPr>
+              <a:t>A-GEO2real2_P_AA_p2		= real2 + Perturbação porcentagem + versão 2 (adapta p1)</a:t>
+            </a:r>
+            <a:endParaRPr lang="pt-PT" sz="2000">
+              <a:sym typeface="+mn-ea"/>
+            </a:endParaRPr>
+          </a:p>
+        </p:txBody>
+      </p:sp>
+    </p:spTree>
+  </p:cSld>
+  <p:clrMapOvr>
+    <a:masterClrMapping/>
+  </p:clrMapOvr>
+</p:sld>
+</file>
+
+<file path=ppt/slides/slide9.xml><?xml version="1.0" encoding="utf-8"?>
+<p:sld xmlns:a="http://schemas.openxmlformats.org/drawingml/2006/main" xmlns:r="http://schemas.openxmlformats.org/officeDocument/2006/relationships" xmlns:p="http://schemas.openxmlformats.org/presentationml/2006/main">
+  <p:cSld>
+    <p:spTree>
+      <p:nvGrpSpPr>
+        <p:cNvPr id="1" name=""/>
+        <p:cNvGrpSpPr/>
+        <p:nvPr/>
+      </p:nvGrpSpPr>
+      <p:grpSpPr/>
+      <p:sp>
+        <p:nvSpPr>
+          <p:cNvPr id="2" name="Text Box 1"/>
+          <p:cNvSpPr txBox="1"/>
+          <p:nvPr/>
+        </p:nvSpPr>
+        <p:spPr>
+          <a:xfrm>
+            <a:off x="2295525" y="241300"/>
+            <a:ext cx="7600315" cy="414020"/>
           </a:xfrm>
           <a:prstGeom prst="rect">
             <a:avLst/>
@@ -8600,12 +8282,1000 @@
                   <a:schemeClr val="accent2"/>
                 </a:solidFill>
               </a:rPr>
-              <a:t>ALTERNATIVA 2</a:t>
+              <a:t>real2 p2</a:t>
             </a:r>
             <a:endParaRPr lang="pt-PT" sz="1400" b="1">
               <a:solidFill>
                 <a:schemeClr val="accent2"/>
               </a:solidFill>
+            </a:endParaRPr>
+          </a:p>
+        </p:txBody>
+      </p:sp>
+      <mc:AlternateContent xmlns:mc="http://schemas.openxmlformats.org/markup-compatibility/2006">
+        <mc:Choice xmlns:a14="http://schemas.microsoft.com/office/drawing/2010/main" Requires="a14">
+          <p:sp>
+            <p:nvSpPr>
+              <p:cNvPr id="3" name="Text Box 2"/>
+              <p:cNvSpPr txBox="1"/>
+              <p:nvPr/>
+            </p:nvSpPr>
+            <p:spPr>
+              <a:xfrm>
+                <a:off x="888365" y="748030"/>
+                <a:ext cx="10415905" cy="5361305"/>
+              </a:xfrm>
+              <a:prstGeom prst="rect">
+                <a:avLst/>
+              </a:prstGeom>
+              <a:noFill/>
+            </p:spPr>
+            <p:txBody>
+              <a:bodyPr wrap="square" rtlCol="0">
+                <a:spAutoFit/>
+              </a:bodyPr>
+              <a:p>
+                <a:pPr lvl="0" indent="0" algn="just">
+                  <a:lnSpc>
+                    <a:spcPct val="150000"/>
+                  </a:lnSpc>
+                  <a:buFont typeface="Arial" panose="020B0604020202020204" pitchFamily="34" charset="0"/>
+                  <a:buNone/>
+                </a:pPr>
+                <a:r>
+                  <a:rPr lang="pt-PT" altLang="en-US" sz="1400">
+                    <a:solidFill>
+                      <a:schemeClr val="accent5"/>
+                    </a:solidFill>
+                    <a:sym typeface="+mn-ea"/>
+                  </a:rPr>
+                  <a:t>Inicializa </a:t>
+                </a:r>
+                <a14:m>
+                  <m:oMath xmlns:m="http://schemas.openxmlformats.org/officeDocument/2006/math">
+                    <m:r>
+                      <a:rPr lang="en-US" sz="1400" i="1">
+                        <a:solidFill>
+                          <a:schemeClr val="accent5"/>
+                        </a:solidFill>
+                        <a:latin typeface="DejaVu Math TeX Gyre" panose="02000503000000000000" charset="0"/>
+                        <a:cs typeface="DejaVu Math TeX Gyre" panose="02000503000000000000" charset="0"/>
+                      </a:rPr>
+                      <m:t>𝜌</m:t>
+                    </m:r>
+                    <m:r>
+                      <a:rPr lang="en-US" sz="1400" i="1">
+                        <a:solidFill>
+                          <a:schemeClr val="accent5"/>
+                        </a:solidFill>
+                        <a:latin typeface="DejaVu Math TeX Gyre" panose="02000503000000000000" charset="0"/>
+                        <a:cs typeface="DejaVu Math TeX Gyre" panose="02000503000000000000" charset="0"/>
+                      </a:rPr>
+                      <m:t>1</m:t>
+                    </m:r>
+                  </m:oMath>
+                </a14:m>
+                <a:r>
+                  <a:rPr lang="pt-PT" altLang="en-US" sz="1400">
+                    <a:solidFill>
+                      <a:schemeClr val="accent5"/>
+                    </a:solidFill>
+                    <a:sym typeface="+mn-ea"/>
+                  </a:rPr>
+                  <a:t> como </a:t>
+                </a:r>
+                <a14:m>
+                  <m:oMath xmlns:m="http://schemas.openxmlformats.org/officeDocument/2006/math">
+                    <m:r>
+                      <a:rPr lang="en-US" sz="1400" i="1">
+                        <a:solidFill>
+                          <a:schemeClr val="accent5"/>
+                        </a:solidFill>
+                        <a:latin typeface="DejaVu Math TeX Gyre" panose="02000503000000000000" charset="0"/>
+                        <a:cs typeface="DejaVu Math TeX Gyre" panose="02000503000000000000" charset="0"/>
+                      </a:rPr>
+                      <m:t>𝜌</m:t>
+                    </m:r>
+                    <m:r>
+                      <a:rPr lang="en-US" sz="1400" i="1">
+                        <a:solidFill>
+                          <a:schemeClr val="accent5"/>
+                        </a:solidFill>
+                        <a:latin typeface="DejaVu Math TeX Gyre" panose="02000503000000000000" charset="0"/>
+                        <a:cs typeface="DejaVu Math TeX Gyre" panose="02000503000000000000" charset="0"/>
+                      </a:rPr>
+                      <m:t>1</m:t>
+                    </m:r>
+                    <m:r>
+                      <a:rPr lang="en-US" sz="1400" i="1">
+                        <a:solidFill>
+                          <a:schemeClr val="accent5"/>
+                        </a:solidFill>
+                        <a:latin typeface="DejaVu Math TeX Gyre" panose="02000503000000000000" charset="0"/>
+                        <a:cs typeface="DejaVu Math TeX Gyre" panose="02000503000000000000" charset="0"/>
+                      </a:rPr>
+                      <m:t>=</m:t>
+                    </m:r>
+                    <m:r>
+                      <a:rPr lang="en-US" sz="1400" i="1">
+                        <a:solidFill>
+                          <a:schemeClr val="accent5"/>
+                        </a:solidFill>
+                        <a:latin typeface="DejaVu Math TeX Gyre" panose="02000503000000000000" charset="0"/>
+                        <a:cs typeface="DejaVu Math TeX Gyre" panose="02000503000000000000" charset="0"/>
+                      </a:rPr>
+                      <m:t>𝐿𝑜𝑔𝑁𝑜𝑟𝑚𝑎𝑙</m:t>
+                    </m:r>
+                    <m:r>
+                      <a:rPr lang="en-US" sz="1400" i="1">
+                        <a:solidFill>
+                          <a:schemeClr val="accent5"/>
+                        </a:solidFill>
+                        <a:latin typeface="DejaVu Math TeX Gyre" panose="02000503000000000000" charset="0"/>
+                        <a:cs typeface="DejaVu Math TeX Gyre" panose="02000503000000000000" charset="0"/>
+                      </a:rPr>
+                      <m:t>(</m:t>
+                    </m:r>
+                    <m:r>
+                      <a:rPr lang="en-US" sz="1400" i="1">
+                        <a:solidFill>
+                          <a:schemeClr val="accent5"/>
+                        </a:solidFill>
+                        <a:latin typeface="DejaVu Math TeX Gyre" panose="02000503000000000000" charset="0"/>
+                        <a:cs typeface="DejaVu Math TeX Gyre" panose="02000503000000000000" charset="0"/>
+                      </a:rPr>
+                      <m:t>4</m:t>
+                    </m:r>
+                    <m:r>
+                      <a:rPr lang="en-US" sz="1400" i="1">
+                        <a:solidFill>
+                          <a:schemeClr val="accent5"/>
+                        </a:solidFill>
+                        <a:latin typeface="DejaVu Math TeX Gyre" panose="02000503000000000000" charset="0"/>
+                        <a:cs typeface="DejaVu Math TeX Gyre" panose="02000503000000000000" charset="0"/>
+                      </a:rPr>
+                      <m:t>, </m:t>
+                    </m:r>
+                    <m:r>
+                      <a:rPr lang="en-US" sz="1400" i="1">
+                        <a:solidFill>
+                          <a:schemeClr val="accent5"/>
+                        </a:solidFill>
+                        <a:latin typeface="DejaVu Math TeX Gyre" panose="02000503000000000000" charset="0"/>
+                        <a:cs typeface="DejaVu Math TeX Gyre" panose="02000503000000000000" charset="0"/>
+                      </a:rPr>
+                      <m:t>0</m:t>
+                    </m:r>
+                    <m:r>
+                      <a:rPr lang="en-US" sz="1400" i="1">
+                        <a:solidFill>
+                          <a:schemeClr val="accent5"/>
+                        </a:solidFill>
+                        <a:latin typeface="DejaVu Math TeX Gyre" panose="02000503000000000000" charset="0"/>
+                        <a:cs typeface="DejaVu Math TeX Gyre" panose="02000503000000000000" charset="0"/>
+                      </a:rPr>
+                      <m:t>.</m:t>
+                    </m:r>
+                    <m:r>
+                      <a:rPr lang="en-US" sz="1400" i="1">
+                        <a:solidFill>
+                          <a:schemeClr val="accent5"/>
+                        </a:solidFill>
+                        <a:latin typeface="DejaVu Math TeX Gyre" panose="02000503000000000000" charset="0"/>
+                        <a:cs typeface="DejaVu Math TeX Gyre" panose="02000503000000000000" charset="0"/>
+                      </a:rPr>
+                      <m:t>2</m:t>
+                    </m:r>
+                    <m:r>
+                      <a:rPr lang="en-US" sz="1400" i="1">
+                        <a:solidFill>
+                          <a:schemeClr val="accent5"/>
+                        </a:solidFill>
+                        <a:latin typeface="DejaVu Math TeX Gyre" panose="02000503000000000000" charset="0"/>
+                        <a:ea typeface="MS Mincho" charset="0"/>
+                        <a:cs typeface="DejaVu Math TeX Gyre" panose="02000503000000000000" charset="0"/>
+                      </a:rPr>
+                      <m:t>)</m:t>
+                    </m:r>
+                  </m:oMath>
+                </a14:m>
+                <a:r>
+                  <a:rPr lang="pt-PT" altLang="en-US" sz="1400">
+                    <a:solidFill>
+                      <a:schemeClr val="accent5"/>
+                    </a:solidFill>
+                    <a:latin typeface="DejaVu Math TeX Gyre" panose="02000503000000000000" charset="0"/>
+                    <a:ea typeface="MS Mincho" charset="0"/>
+                    <a:cs typeface="DejaVu Math TeX Gyre" panose="02000503000000000000" charset="0"/>
+                  </a:rPr>
+                  <a:t>/100</a:t>
+                </a:r>
+                <a:endParaRPr lang="pt-PT" altLang="en-US" sz="1400">
+                  <a:solidFill>
+                    <a:schemeClr val="accent5"/>
+                  </a:solidFill>
+                  <a:sym typeface="+mn-ea"/>
+                </a:endParaRPr>
+              </a:p>
+              <a:p>
+                <a:pPr marL="0" lvl="1" indent="-285750" algn="just">
+                  <a:lnSpc>
+                    <a:spcPct val="150000"/>
+                  </a:lnSpc>
+                  <a:buFont typeface="Arial" panose="020B0604020202020204" pitchFamily="34" charset="0"/>
+                  <a:buChar char="•"/>
+                </a:pPr>
+                <a:r>
+                  <a:rPr lang="pt-PT" altLang="en-US" sz="1400">
+                    <a:sym typeface="+mn-ea"/>
+                  </a:rPr>
+                  <a:t>FOR cada variável:</a:t>
+                </a:r>
+                <a:endParaRPr lang="pt-PT" altLang="en-US" sz="1400"/>
+              </a:p>
+              <a:p>
+                <a:pPr marL="742950" lvl="1" indent="-285750" algn="just">
+                  <a:lnSpc>
+                    <a:spcPct val="150000"/>
+                  </a:lnSpc>
+                  <a:buFont typeface="Arial" panose="020B0604020202020204" pitchFamily="34" charset="0"/>
+                  <a:buChar char="•"/>
+                </a:pPr>
+                <a:r>
+                  <a:rPr lang="pt-PT" altLang="en-US" sz="1400">
+                    <a:sym typeface="+mn-ea"/>
+                  </a:rPr>
+                  <a:t>p = p1</a:t>
+                </a:r>
+                <a:endParaRPr lang="pt-PT" altLang="en-US" sz="1400">
+                  <a:sym typeface="+mn-ea"/>
+                </a:endParaRPr>
+              </a:p>
+              <a:p>
+                <a:pPr marL="742950" lvl="1" indent="-285750" algn="just">
+                  <a:lnSpc>
+                    <a:spcPct val="150000"/>
+                  </a:lnSpc>
+                  <a:buFont typeface="Arial" panose="020B0604020202020204" pitchFamily="34" charset="0"/>
+                  <a:buChar char="•"/>
+                </a:pPr>
+                <a:r>
+                  <a:rPr lang="pt-PT" altLang="en-US" sz="1400">
+                    <a:sym typeface="+mn-ea"/>
+                  </a:rPr>
+                  <a:t>FOR P vezes:</a:t>
+                </a:r>
+                <a:endParaRPr lang="pt-PT" altLang="en-US" sz="1400">
+                  <a:solidFill>
+                    <a:srgbClr val="FF0000"/>
+                  </a:solidFill>
+                  <a:sym typeface="+mn-ea"/>
+                </a:endParaRPr>
+              </a:p>
+              <a:p>
+                <a:pPr marL="1200150" lvl="2" indent="-285750" algn="just">
+                  <a:lnSpc>
+                    <a:spcPct val="150000"/>
+                  </a:lnSpc>
+                  <a:buFont typeface="Arial" panose="020B0604020202020204" pitchFamily="34" charset="0"/>
+                  <a:buChar char="•"/>
+                </a:pPr>
+                <a:r>
+                  <a:rPr lang="pt-PT" altLang="en-US" sz="1400">
+                    <a:sym typeface="+mn-ea"/>
+                  </a:rPr>
+                  <a:t>Perturba com </a:t>
+                </a:r>
+                <a14:m>
+                  <m:oMath xmlns:m="http://schemas.openxmlformats.org/officeDocument/2006/math">
+                    <m:sSubSup>
+                      <m:sSubSupPr>
+                        <m:ctrlPr>
+                          <a:rPr lang="en-US" sz="1400" i="1">
+                            <a:latin typeface="DejaVu Math TeX Gyre" panose="02000503000000000000" charset="0"/>
+                            <a:cs typeface="DejaVu Math TeX Gyre" panose="02000503000000000000" charset="0"/>
+                          </a:rPr>
+                        </m:ctrlPr>
+                      </m:sSubSupPr>
+                      <m:e>
+                        <m:r>
+                          <a:rPr lang="en-US" sz="1400" i="1">
+                            <a:latin typeface="DejaVu Math TeX Gyre" panose="02000503000000000000" charset="0"/>
+                            <a:cs typeface="DejaVu Math TeX Gyre" panose="02000503000000000000" charset="0"/>
+                          </a:rPr>
+                          <m:t>𝑥</m:t>
+                        </m:r>
+                      </m:e>
+                      <m:sub>
+                        <m:r>
+                          <a:rPr lang="en-US" sz="1400" i="1">
+                            <a:latin typeface="DejaVu Math TeX Gyre" panose="02000503000000000000" charset="0"/>
+                            <a:cs typeface="DejaVu Math TeX Gyre" panose="02000503000000000000" charset="0"/>
+                          </a:rPr>
+                          <m:t>𝑖</m:t>
+                        </m:r>
+                      </m:sub>
+                      <m:sup>
+                        <m:r>
+                          <a:rPr lang="en-US" sz="1400" i="1">
+                            <a:latin typeface="DejaVu Math TeX Gyre" panose="02000503000000000000" charset="0"/>
+                            <a:cs typeface="DejaVu Math TeX Gyre" panose="02000503000000000000" charset="0"/>
+                          </a:rPr>
+                          <m:t>’</m:t>
+                        </m:r>
+                      </m:sup>
+                    </m:sSubSup>
+                    <m:r>
+                      <a:rPr lang="en-US" sz="1400" i="1">
+                        <a:latin typeface="DejaVu Math TeX Gyre" panose="02000503000000000000" charset="0"/>
+                        <a:cs typeface="DejaVu Math TeX Gyre" panose="02000503000000000000" charset="0"/>
+                      </a:rPr>
+                      <m:t>=</m:t>
+                    </m:r>
+                    <m:sSub>
+                      <m:sSubPr>
+                        <m:ctrlPr>
+                          <a:rPr lang="en-US" sz="1400" i="1">
+                            <a:latin typeface="DejaVu Math TeX Gyre" panose="02000503000000000000" charset="0"/>
+                            <a:cs typeface="DejaVu Math TeX Gyre" panose="02000503000000000000" charset="0"/>
+                          </a:rPr>
+                        </m:ctrlPr>
+                      </m:sSubPr>
+                      <m:e>
+                        <m:r>
+                          <a:rPr lang="en-US" sz="1400" i="1">
+                            <a:latin typeface="DejaVu Math TeX Gyre" panose="02000503000000000000" charset="0"/>
+                            <a:cs typeface="DejaVu Math TeX Gyre" panose="02000503000000000000" charset="0"/>
+                          </a:rPr>
+                          <m:t>𝑥</m:t>
+                        </m:r>
+                      </m:e>
+                      <m:sub>
+                        <m:r>
+                          <a:rPr lang="en-US" sz="1400" i="1">
+                            <a:latin typeface="DejaVu Math TeX Gyre" panose="02000503000000000000" charset="0"/>
+                            <a:cs typeface="DejaVu Math TeX Gyre" panose="02000503000000000000" charset="0"/>
+                          </a:rPr>
+                          <m:t>𝑖</m:t>
+                        </m:r>
+                      </m:sub>
+                    </m:sSub>
+                    <m:r>
+                      <a:rPr lang="en-US" sz="1400" i="1">
+                        <a:latin typeface="DejaVu Math TeX Gyre" panose="02000503000000000000" charset="0"/>
+                        <a:cs typeface="DejaVu Math TeX Gyre" panose="02000503000000000000" charset="0"/>
+                      </a:rPr>
+                      <m:t>+</m:t>
+                    </m:r>
+                    <m:r>
+                      <a:rPr lang="en-US" sz="1400" i="1">
+                        <a:latin typeface="DejaVu Math TeX Gyre" panose="02000503000000000000" charset="0"/>
+                        <a:cs typeface="DejaVu Math TeX Gyre" panose="02000503000000000000" charset="0"/>
+                      </a:rPr>
+                      <m:t>𝑁</m:t>
+                    </m:r>
+                    <m:r>
+                      <a:rPr lang="en-US" sz="1400" i="1">
+                        <a:latin typeface="DejaVu Math TeX Gyre" panose="02000503000000000000" charset="0"/>
+                        <a:cs typeface="DejaVu Math TeX Gyre" panose="02000503000000000000" charset="0"/>
+                      </a:rPr>
+                      <m:t>(</m:t>
+                    </m:r>
+                    <m:r>
+                      <a:rPr lang="en-US" sz="1400" i="1">
+                        <a:latin typeface="DejaVu Math TeX Gyre" panose="02000503000000000000" charset="0"/>
+                        <a:cs typeface="DejaVu Math TeX Gyre" panose="02000503000000000000" charset="0"/>
+                      </a:rPr>
+                      <m:t>0</m:t>
+                    </m:r>
+                    <m:r>
+                      <a:rPr lang="en-US" sz="1400" i="1">
+                        <a:latin typeface="DejaVu Math TeX Gyre" panose="02000503000000000000" charset="0"/>
+                        <a:cs typeface="DejaVu Math TeX Gyre" panose="02000503000000000000" charset="0"/>
+                      </a:rPr>
+                      <m:t>,</m:t>
+                    </m:r>
+                    <m:r>
+                      <a:rPr lang="en-US" sz="1400" i="1">
+                        <a:latin typeface="DejaVu Math TeX Gyre" panose="02000503000000000000" charset="0"/>
+                        <a:cs typeface="DejaVu Math TeX Gyre" panose="02000503000000000000" charset="0"/>
+                      </a:rPr>
+                      <m:t>𝜎</m:t>
+                    </m:r>
+                    <m:r>
+                      <a:rPr lang="en-US" sz="1400" i="1">
+                        <a:latin typeface="DejaVu Math TeX Gyre" panose="02000503000000000000" charset="0"/>
+                        <a:cs typeface="DejaVu Math TeX Gyre" panose="02000503000000000000" charset="0"/>
+                      </a:rPr>
+                      <m:t>)</m:t>
+                    </m:r>
+                  </m:oMath>
+                </a14:m>
+                <a:r>
+                  <a:rPr lang="pt-PT" altLang="en-US" sz="1400">
+                    <a:latin typeface="DejaVu Math TeX Gyre" panose="02000503000000000000" charset="0"/>
+                    <a:cs typeface="DejaVu Math TeX Gyre" panose="02000503000000000000" charset="0"/>
+                    <a:sym typeface="+mn-ea"/>
+                  </a:rPr>
+                  <a:t>, </a:t>
+                </a:r>
+                <a:r>
+                  <a:rPr lang="pt-PT" altLang="en-US" sz="1400">
+                    <a:sym typeface="+mn-ea"/>
+                  </a:rPr>
+                  <a:t>onde </a:t>
+                </a:r>
+                <a14:m>
+                  <m:oMath xmlns:m="http://schemas.openxmlformats.org/officeDocument/2006/math">
+                    <m:r>
+                      <a:rPr lang="en-US" altLang="pt-PT" sz="1400" i="1">
+                        <a:latin typeface="DejaVu Math TeX Gyre" panose="02000503000000000000" charset="0"/>
+                        <a:cs typeface="DejaVu Math TeX Gyre" panose="02000503000000000000" charset="0"/>
+                        <a:sym typeface="+mn-ea"/>
+                      </a:rPr>
+                      <m:t>𝜎</m:t>
+                    </m:r>
+                    <m:r>
+                      <a:rPr lang="en-US" altLang="pt-PT" sz="1400" i="1">
+                        <a:latin typeface="DejaVu Math TeX Gyre" panose="02000503000000000000" charset="0"/>
+                        <a:cs typeface="DejaVu Math TeX Gyre" panose="02000503000000000000" charset="0"/>
+                        <a:sym typeface="+mn-ea"/>
+                      </a:rPr>
+                      <m:t>=</m:t>
+                    </m:r>
+                    <m:r>
+                      <a:rPr lang="en-US" altLang="pt-PT" sz="1400" i="1">
+                        <a:latin typeface="DejaVu Math TeX Gyre" panose="02000503000000000000" charset="0"/>
+                        <a:cs typeface="DejaVu Math TeX Gyre" panose="02000503000000000000" charset="0"/>
+                        <a:sym typeface="+mn-ea"/>
+                      </a:rPr>
+                      <m:t>𝜌</m:t>
+                    </m:r>
+                    <m:r>
+                      <a:rPr lang="en-US" altLang="pt-PT" sz="1400" i="1">
+                        <a:latin typeface="DejaVu Math TeX Gyre" panose="02000503000000000000" charset="0"/>
+                        <a:cs typeface="DejaVu Math TeX Gyre" panose="02000503000000000000" charset="0"/>
+                        <a:sym typeface="+mn-ea"/>
+                      </a:rPr>
+                      <m:t>∙∆</m:t>
+                    </m:r>
+                    <m:r>
+                      <a:rPr lang="en-US" altLang="pt-PT" sz="1400" i="1">
+                        <a:latin typeface="DejaVu Math TeX Gyre" panose="02000503000000000000" charset="0"/>
+                        <a:cs typeface="DejaVu Math TeX Gyre" panose="02000503000000000000" charset="0"/>
+                        <a:sym typeface="+mn-ea"/>
+                      </a:rPr>
+                      <m:t>𝑥</m:t>
+                    </m:r>
+                    <m:r>
+                      <a:rPr lang="en-US" altLang="pt-PT" sz="1400" i="1" baseline="-25000">
+                        <a:latin typeface="DejaVu Math TeX Gyre" panose="02000503000000000000" charset="0"/>
+                        <a:cs typeface="DejaVu Math TeX Gyre" panose="02000503000000000000" charset="0"/>
+                        <a:sym typeface="+mn-ea"/>
+                      </a:rPr>
+                      <m:t>𝑖</m:t>
+                    </m:r>
+                  </m:oMath>
+                </a14:m>
+                <a:r>
+                  <a:rPr lang="pt-PT" altLang="en-US" sz="1400">
+                    <a:latin typeface="DejaVu Math TeX Gyre" panose="02000503000000000000" charset="0"/>
+                    <a:cs typeface="DejaVu Math TeX Gyre" panose="02000503000000000000" charset="0"/>
+                    <a:sym typeface="+mn-ea"/>
+                  </a:rPr>
+                  <a:t> </a:t>
+                </a:r>
+                <a:endParaRPr lang="pt-PT" altLang="en-US" sz="1400">
+                  <a:latin typeface="DejaVu Math TeX Gyre" panose="02000503000000000000" charset="0"/>
+                  <a:cs typeface="DejaVu Math TeX Gyre" panose="02000503000000000000" charset="0"/>
+                  <a:sym typeface="+mn-ea"/>
+                </a:endParaRPr>
+              </a:p>
+              <a:p>
+                <a:pPr marL="1200150" lvl="2" indent="-285750" algn="just">
+                  <a:lnSpc>
+                    <a:spcPct val="150000"/>
+                  </a:lnSpc>
+                  <a:buFont typeface="Arial" panose="020B0604020202020204" pitchFamily="34" charset="0"/>
+                  <a:buChar char="•"/>
+                </a:pPr>
+                <a:r>
+                  <a:rPr lang="pt-PT" altLang="en-US" sz="1400">
+                    <a:sym typeface="+mn-ea"/>
+                  </a:rPr>
+                  <a:t>Calcula o valor de f(x) da população só com essa variável perturbada. Esse será o valor da adaptabilidade dessa variável.</a:t>
+                </a:r>
+                <a:endParaRPr lang="pt-PT" altLang="en-US" sz="1400">
+                  <a:sym typeface="+mn-ea"/>
+                </a:endParaRPr>
+              </a:p>
+              <a:p>
+                <a:pPr marL="1200150" lvl="2" indent="-285750" algn="just">
+                  <a:lnSpc>
+                    <a:spcPct val="150000"/>
+                  </a:lnSpc>
+                  <a:buFont typeface="Arial" panose="020B0604020202020204" pitchFamily="34" charset="0"/>
+                  <a:buChar char="•"/>
+                </a:pPr>
+                <a:r>
+                  <a:rPr lang="pt-PT" altLang="en-US" sz="1400">
+                    <a:sym typeface="+mn-ea"/>
+                  </a:rPr>
+                  <a:t>p = p / 10</a:t>
+                </a:r>
+                <a:endParaRPr lang="pt-PT" altLang="en-US" sz="1400">
+                  <a:sym typeface="+mn-ea"/>
+                </a:endParaRPr>
+              </a:p>
+              <a:p>
+                <a:pPr marL="742950" lvl="1" indent="-285750" algn="just">
+                  <a:lnSpc>
+                    <a:spcPct val="150000"/>
+                  </a:lnSpc>
+                  <a:buFont typeface="Arial" panose="020B0604020202020204" pitchFamily="34" charset="0"/>
+                  <a:buChar char="•"/>
+                </a:pPr>
+                <a:r>
+                  <a:rPr lang="pt-PT" altLang="en-US" sz="1400">
+                    <a:sym typeface="+mn-ea"/>
+                  </a:rPr>
+                  <a:t>ENDFOR</a:t>
+                </a:r>
+                <a:endParaRPr lang="pt-PT" altLang="en-US" sz="1400">
+                  <a:sym typeface="+mn-ea"/>
+                </a:endParaRPr>
+              </a:p>
+              <a:p>
+                <a:pPr marL="285750" lvl="0" indent="-285750" algn="just">
+                  <a:lnSpc>
+                    <a:spcPct val="150000"/>
+                  </a:lnSpc>
+                  <a:buFont typeface="Arial" panose="020B0604020202020204" pitchFamily="34" charset="0"/>
+                  <a:buChar char="•"/>
+                </a:pPr>
+                <a:r>
+                  <a:rPr lang="pt-PT" altLang="en-US" sz="1400">
+                    <a:sym typeface="+mn-ea"/>
+                  </a:rPr>
+                  <a:t>ENDFOR	</a:t>
+                </a:r>
+                <a:endParaRPr lang="pt-PT" altLang="en-US" sz="1400">
+                  <a:sym typeface="+mn-ea"/>
+                </a:endParaRPr>
+              </a:p>
+              <a:p>
+                <a:pPr marL="285750" lvl="0" indent="-285750" algn="just">
+                  <a:lnSpc>
+                    <a:spcPct val="150000"/>
+                  </a:lnSpc>
+                  <a:buFont typeface="Arial" panose="020B0604020202020204" pitchFamily="34" charset="0"/>
+                  <a:buChar char="•"/>
+                </a:pPr>
+                <a:r>
+                  <a:rPr lang="pt-PT" altLang="en-US" sz="1400">
+                    <a:solidFill>
+                      <a:schemeClr val="accent5"/>
+                    </a:solidFill>
+                    <a:sym typeface="+mn-ea"/>
+                  </a:rPr>
+                  <a:t>Perturba a porcentagem p1 com</a:t>
+                </a:r>
+                <a:r>
+                  <a:rPr lang="pt-PT" altLang="en-US" sz="1400" i="1">
+                    <a:solidFill>
+                      <a:schemeClr val="accent5"/>
+                    </a:solidFill>
+                    <a:latin typeface="DejaVu Math TeX Gyre" panose="02000503000000000000" charset="0"/>
+                    <a:cs typeface="DejaVu Math TeX Gyre" panose="02000503000000000000" charset="0"/>
+                    <a:sym typeface="+mn-ea"/>
+                  </a:rPr>
+                  <a:t> </a:t>
+                </a:r>
+                <a14:m>
+                  <m:oMath xmlns:m="http://schemas.openxmlformats.org/officeDocument/2006/math">
+                    <m:sSup>
+                      <m:sSupPr>
+                        <m:ctrlPr>
+                          <a:rPr lang="en-US" sz="1400" i="1">
+                            <a:solidFill>
+                              <a:schemeClr val="accent5"/>
+                            </a:solidFill>
+                            <a:latin typeface="DejaVu Math TeX Gyre" panose="02000503000000000000" charset="0"/>
+                            <a:cs typeface="DejaVu Math TeX Gyre" panose="02000503000000000000" charset="0"/>
+                          </a:rPr>
+                        </m:ctrlPr>
+                      </m:sSupPr>
+                      <m:e>
+                        <m:r>
+                          <a:rPr lang="en-US" sz="1400" i="1">
+                            <a:solidFill>
+                              <a:schemeClr val="accent5"/>
+                            </a:solidFill>
+                            <a:latin typeface="DejaVu Math TeX Gyre" panose="02000503000000000000" charset="0"/>
+                            <a:cs typeface="DejaVu Math TeX Gyre" panose="02000503000000000000" charset="0"/>
+                          </a:rPr>
+                          <m:t>𝜌</m:t>
+                        </m:r>
+                        <m:r>
+                          <a:rPr lang="en-US" sz="1400" i="1">
+                            <a:solidFill>
+                              <a:schemeClr val="accent5"/>
+                            </a:solidFill>
+                            <a:latin typeface="DejaVu Math TeX Gyre" panose="02000503000000000000" charset="0"/>
+                            <a:cs typeface="DejaVu Math TeX Gyre" panose="02000503000000000000" charset="0"/>
+                          </a:rPr>
+                          <m:t>1</m:t>
+                        </m:r>
+                      </m:e>
+                      <m:sup>
+                        <m:r>
+                          <a:rPr lang="en-US" sz="1400" i="1">
+                            <a:solidFill>
+                              <a:schemeClr val="accent5"/>
+                            </a:solidFill>
+                            <a:latin typeface="DejaVu Math TeX Gyre" panose="02000503000000000000" charset="0"/>
+                            <a:cs typeface="DejaVu Math TeX Gyre" panose="02000503000000000000" charset="0"/>
+                          </a:rPr>
+                          <m:t>’</m:t>
+                        </m:r>
+                      </m:sup>
+                    </m:sSup>
+                    <m:r>
+                      <a:rPr lang="en-US" sz="1400" i="1">
+                        <a:solidFill>
+                          <a:schemeClr val="accent5"/>
+                        </a:solidFill>
+                        <a:latin typeface="DejaVu Math TeX Gyre" panose="02000503000000000000" charset="0"/>
+                        <a:cs typeface="DejaVu Math TeX Gyre" panose="02000503000000000000" charset="0"/>
+                      </a:rPr>
+                      <m:t>=</m:t>
+                    </m:r>
+                    <m:r>
+                      <a:rPr lang="en-US" sz="1400" i="1">
+                        <a:solidFill>
+                          <a:schemeClr val="accent5"/>
+                        </a:solidFill>
+                        <a:latin typeface="DejaVu Math TeX Gyre" panose="02000503000000000000" charset="0"/>
+                        <a:cs typeface="DejaVu Math TeX Gyre" panose="02000503000000000000" charset="0"/>
+                      </a:rPr>
+                      <m:t>𝐿𝑜𝑔𝑁𝑜𝑟𝑚𝑎𝑙</m:t>
+                    </m:r>
+                    <m:r>
+                      <a:rPr lang="en-US" sz="1400" i="1">
+                        <a:solidFill>
+                          <a:schemeClr val="accent5"/>
+                        </a:solidFill>
+                        <a:latin typeface="DejaVu Math TeX Gyre" panose="02000503000000000000" charset="0"/>
+                        <a:cs typeface="DejaVu Math TeX Gyre" panose="02000503000000000000" charset="0"/>
+                      </a:rPr>
+                      <m:t>(</m:t>
+                    </m:r>
+                    <m:r>
+                      <a:rPr lang="en-US" sz="1400" i="1">
+                        <a:solidFill>
+                          <a:schemeClr val="accent5"/>
+                        </a:solidFill>
+                        <a:latin typeface="DejaVu Math TeX Gyre" panose="02000503000000000000" charset="0"/>
+                        <a:cs typeface="DejaVu Math TeX Gyre" panose="02000503000000000000" charset="0"/>
+                      </a:rPr>
+                      <m:t>4</m:t>
+                    </m:r>
+                    <m:r>
+                      <a:rPr lang="en-US" sz="1400" i="1">
+                        <a:solidFill>
+                          <a:schemeClr val="accent5"/>
+                        </a:solidFill>
+                        <a:latin typeface="DejaVu Math TeX Gyre" panose="02000503000000000000" charset="0"/>
+                        <a:cs typeface="DejaVu Math TeX Gyre" panose="02000503000000000000" charset="0"/>
+                      </a:rPr>
+                      <m:t>, </m:t>
+                    </m:r>
+                    <m:r>
+                      <a:rPr lang="en-US" sz="1400" i="1">
+                        <a:solidFill>
+                          <a:schemeClr val="accent5"/>
+                        </a:solidFill>
+                        <a:latin typeface="DejaVu Math TeX Gyre" panose="02000503000000000000" charset="0"/>
+                        <a:cs typeface="DejaVu Math TeX Gyre" panose="02000503000000000000" charset="0"/>
+                      </a:rPr>
+                      <m:t>0</m:t>
+                    </m:r>
+                    <m:r>
+                      <a:rPr lang="en-US" sz="1400" i="1">
+                        <a:solidFill>
+                          <a:schemeClr val="accent5"/>
+                        </a:solidFill>
+                        <a:latin typeface="DejaVu Math TeX Gyre" panose="02000503000000000000" charset="0"/>
+                        <a:cs typeface="DejaVu Math TeX Gyre" panose="02000503000000000000" charset="0"/>
+                      </a:rPr>
+                      <m:t>.</m:t>
+                    </m:r>
+                    <m:r>
+                      <a:rPr lang="en-US" sz="1400" i="1">
+                        <a:solidFill>
+                          <a:schemeClr val="accent5"/>
+                        </a:solidFill>
+                        <a:latin typeface="DejaVu Math TeX Gyre" panose="02000503000000000000" charset="0"/>
+                        <a:cs typeface="DejaVu Math TeX Gyre" panose="02000503000000000000" charset="0"/>
+                      </a:rPr>
+                      <m:t>2</m:t>
+                    </m:r>
+                    <m:r>
+                      <a:rPr lang="en-US" sz="1400" i="1">
+                        <a:solidFill>
+                          <a:schemeClr val="accent5"/>
+                        </a:solidFill>
+                        <a:latin typeface="DejaVu Math TeX Gyre" panose="02000503000000000000" charset="0"/>
+                        <a:ea typeface="MS Mincho" charset="0"/>
+                        <a:cs typeface="DejaVu Math TeX Gyre" panose="02000503000000000000" charset="0"/>
+                      </a:rPr>
+                      <m:t>)/</m:t>
+                    </m:r>
+                    <m:r>
+                      <a:rPr lang="en-US" sz="1400" i="1">
+                        <a:solidFill>
+                          <a:schemeClr val="accent5"/>
+                        </a:solidFill>
+                        <a:latin typeface="DejaVu Math TeX Gyre" panose="02000503000000000000" charset="0"/>
+                        <a:ea typeface="MS Mincho" charset="0"/>
+                        <a:cs typeface="DejaVu Math TeX Gyre" panose="02000503000000000000" charset="0"/>
+                      </a:rPr>
+                      <m:t>100</m:t>
+                    </m:r>
+                  </m:oMath>
+                </a14:m>
+                <a:endParaRPr lang="en-US" sz="1400" i="1">
+                  <a:solidFill>
+                    <a:schemeClr val="accent5"/>
+                  </a:solidFill>
+                  <a:latin typeface="DejaVu Math TeX Gyre" panose="02000503000000000000" charset="0"/>
+                  <a:ea typeface="MS Mincho" charset="0"/>
+                  <a:cs typeface="DejaVu Math TeX Gyre" panose="02000503000000000000" charset="0"/>
+                </a:endParaRPr>
+              </a:p>
+              <a:p>
+                <a:pPr marL="285750" lvl="0" indent="-285750" algn="just">
+                  <a:lnSpc>
+                    <a:spcPct val="150000"/>
+                  </a:lnSpc>
+                  <a:buFont typeface="Arial" panose="020B0604020202020204" pitchFamily="34" charset="0"/>
+                  <a:buChar char="•"/>
+                </a:pPr>
+                <a:r>
+                  <a:rPr lang="pt-PT" altLang="en-US" sz="1400">
+                    <a:solidFill>
+                      <a:schemeClr val="accent5"/>
+                    </a:solidFill>
+                    <a:sym typeface="+mn-ea"/>
+                  </a:rPr>
+                  <a:t>Para calcular a adaptabilidade do </a:t>
+                </a:r>
+                <a14:m>
+                  <m:oMath xmlns:m="http://schemas.openxmlformats.org/officeDocument/2006/math">
+                    <m:sSup>
+                      <m:sSupPr>
+                        <m:ctrlPr>
+                          <a:rPr lang="en-US" sz="1400" i="1">
+                            <a:solidFill>
+                              <a:schemeClr val="accent5"/>
+                            </a:solidFill>
+                            <a:latin typeface="DejaVu Math TeX Gyre" panose="02000503000000000000" charset="0"/>
+                            <a:cs typeface="DejaVu Math TeX Gyre" panose="02000503000000000000" charset="0"/>
+                          </a:rPr>
+                        </m:ctrlPr>
+                      </m:sSupPr>
+                      <m:e>
+                        <m:r>
+                          <a:rPr lang="en-US" sz="1400" i="1">
+                            <a:solidFill>
+                              <a:schemeClr val="accent5"/>
+                            </a:solidFill>
+                            <a:latin typeface="DejaVu Math TeX Gyre" panose="02000503000000000000" charset="0"/>
+                            <a:cs typeface="DejaVu Math TeX Gyre" panose="02000503000000000000" charset="0"/>
+                          </a:rPr>
+                          <m:t>𝜌</m:t>
+                        </m:r>
+                        <m:r>
+                          <a:rPr lang="en-US" sz="1400" i="1">
+                            <a:solidFill>
+                              <a:schemeClr val="accent5"/>
+                            </a:solidFill>
+                            <a:latin typeface="DejaVu Math TeX Gyre" panose="02000503000000000000" charset="0"/>
+                            <a:cs typeface="DejaVu Math TeX Gyre" panose="02000503000000000000" charset="0"/>
+                          </a:rPr>
+                          <m:t>1</m:t>
+                        </m:r>
+                      </m:e>
+                      <m:sup>
+                        <m:r>
+                          <a:rPr lang="en-US" sz="1400" i="1">
+                            <a:solidFill>
+                              <a:schemeClr val="accent5"/>
+                            </a:solidFill>
+                            <a:latin typeface="DejaVu Math TeX Gyre" panose="02000503000000000000" charset="0"/>
+                            <a:cs typeface="DejaVu Math TeX Gyre" panose="02000503000000000000" charset="0"/>
+                          </a:rPr>
+                          <m:t>’</m:t>
+                        </m:r>
+                      </m:sup>
+                    </m:sSup>
+                  </m:oMath>
+                </a14:m>
+                <a:r>
+                  <a:rPr lang="pt-PT" altLang="en-US" sz="1400">
+                    <a:solidFill>
+                      <a:schemeClr val="accent5"/>
+                    </a:solidFill>
+                    <a:sym typeface="+mn-ea"/>
+                  </a:rPr>
+                  <a:t>, perturba todas as variáveis de uma vez p1 e calcula fx, depois perturba todas de uma vez com p1/10, depois p1/100, depois p1/1000 até completar P perturbações. Essas serão as P adaptabilidades de p1.</a:t>
+                </a:r>
+                <a:endParaRPr lang="pt-PT" altLang="en-US" sz="1400">
+                  <a:solidFill>
+                    <a:schemeClr val="accent5"/>
+                  </a:solidFill>
+                  <a:sym typeface="+mn-ea"/>
+                </a:endParaRPr>
+              </a:p>
+              <a:p>
+                <a:pPr marL="285750" lvl="0" indent="-285750" algn="just">
+                  <a:lnSpc>
+                    <a:spcPct val="150000"/>
+                  </a:lnSpc>
+                  <a:buFont typeface="Arial" panose="020B0604020202020204" pitchFamily="34" charset="0"/>
+                  <a:buChar char="•"/>
+                </a:pPr>
+                <a:r>
+                  <a:rPr lang="pt-PT" altLang="en-US" sz="1400">
+                    <a:sym typeface="+mn-ea"/>
+                  </a:rPr>
+                  <a:t>Foram gerada</a:t>
+                </a:r>
+                <a:r>
+                  <a:rPr lang="pt-PT" altLang="en-US" sz="1400">
+                    <a:solidFill>
+                      <a:schemeClr val="tx1"/>
+                    </a:solidFill>
+                    <a:sym typeface="+mn-ea"/>
+                  </a:rPr>
+                  <a:t>s P*(N+1) pert</a:t>
+                </a:r>
+                <a:r>
+                  <a:rPr lang="pt-PT" altLang="en-US" sz="1400">
+                    <a:sym typeface="+mn-ea"/>
+                  </a:rPr>
+                  <a:t>urbações para serem escolhidas.</a:t>
+                </a:r>
+                <a:endParaRPr lang="pt-PT" altLang="en-US" sz="1400">
+                  <a:sym typeface="+mn-ea"/>
+                </a:endParaRPr>
+              </a:p>
+              <a:p>
+                <a:pPr marL="285750" lvl="0" indent="-285750" algn="just">
+                  <a:lnSpc>
+                    <a:spcPct val="150000"/>
+                  </a:lnSpc>
+                  <a:buFont typeface="Arial" panose="020B0604020202020204" pitchFamily="34" charset="0"/>
+                  <a:buChar char="•"/>
+                </a:pPr>
+                <a:r>
+                  <a:rPr lang="pt-PT" altLang="en-US" sz="1400">
+                    <a:sym typeface="+mn-ea"/>
+                  </a:rPr>
+                  <a:t>Para cada variável, ordena as perturbações e confirma uma das P perturbações. Mas na variável p1, sempre será confirmado p1’?</a:t>
+                </a:r>
+                <a:endParaRPr lang="pt-PT" altLang="en-US" sz="1400">
+                  <a:sym typeface="+mn-ea"/>
+                </a:endParaRPr>
+              </a:p>
+            </p:txBody>
+          </p:sp>
+        </mc:Choice>
+        <mc:Fallback>
+          <p:sp>
+            <p:nvSpPr>
+              <p:cNvPr id="3" name="Text Box 2"/>
+              <p:cNvSpPr txBox="1">
+                <a:spLocks noRot="1" noChangeAspect="1" noMove="1" noResize="1" noEditPoints="1" noAdjustHandles="1" noChangeArrowheads="1" noChangeShapeType="1" noTextEdit="1"/>
+              </p:cNvSpPr>
+              <p:nvPr/>
+            </p:nvSpPr>
+            <p:spPr>
+              <a:xfrm>
+                <a:off x="888365" y="748030"/>
+                <a:ext cx="10415905" cy="5361305"/>
+              </a:xfrm>
+              <a:prstGeom prst="rect">
+                <a:avLst/>
+              </a:prstGeom>
+              <a:blipFill rotWithShape="1">
+                <a:blip r:embed="rId1"/>
+                <a:stretch>
+                  <a:fillRect/>
+                </a:stretch>
+              </a:blipFill>
+            </p:spPr>
+            <p:txBody>
+              <a:bodyPr/>
+              <a:lstStyle/>
+              <a:p>
+                <a:r>
+                  <a:rPr lang="en-US" altLang="en-US">
+                    <a:noFill/>
+                  </a:rPr>
+                  <a:t> </a:t>
+                </a:r>
+              </a:p>
+            </p:txBody>
+          </p:sp>
+        </mc:Fallback>
+      </mc:AlternateContent>
+      <p:pic>
+        <p:nvPicPr>
+          <p:cNvPr id="6" name="Picture 5"/>
+          <p:cNvPicPr>
+            <a:picLocks noChangeAspect="1"/>
+          </p:cNvPicPr>
+          <p:nvPr/>
+        </p:nvPicPr>
+        <p:blipFill>
+          <a:blip r:embed="rId2"/>
+          <a:stretch>
+            <a:fillRect/>
+          </a:stretch>
+        </p:blipFill>
+        <p:spPr>
+          <a:xfrm>
+            <a:off x="7609205" y="241300"/>
+            <a:ext cx="4073525" cy="1275715"/>
+          </a:xfrm>
+          <a:prstGeom prst="rect">
+            <a:avLst/>
+          </a:prstGeom>
+        </p:spPr>
+      </p:pic>
+      <p:sp>
+        <p:nvSpPr>
+          <p:cNvPr id="5" name="Text Box 4"/>
+          <p:cNvSpPr txBox="1"/>
+          <p:nvPr/>
+        </p:nvSpPr>
+        <p:spPr>
+          <a:xfrm>
+            <a:off x="1583690" y="6266180"/>
+            <a:ext cx="10188575" cy="414020"/>
+          </a:xfrm>
+          <a:prstGeom prst="rect">
+            <a:avLst/>
+          </a:prstGeom>
+          <a:noFill/>
+        </p:spPr>
+        <p:txBody>
+          <a:bodyPr wrap="square" rtlCol="0">
+            <a:spAutoFit/>
+          </a:bodyPr>
+          <a:p>
+            <a:pPr lvl="0" indent="0" algn="just">
+              <a:lnSpc>
+                <a:spcPct val="150000"/>
+              </a:lnSpc>
+              <a:buFont typeface="Arial" panose="020B0604020202020204" pitchFamily="34" charset="0"/>
+              <a:buNone/>
+            </a:pPr>
+            <a:r>
+              <a:rPr lang="pt-PT" sz="1400" b="1">
+                <a:solidFill>
+                  <a:srgbClr val="C00000"/>
+                </a:solidFill>
+                <a:sym typeface="+mn-ea"/>
+              </a:rPr>
+              <a:t>Problema: Como confirma uma perturbação de cada variável a cada iteração, sempre vai mudar p1 para p1’</a:t>
+            </a:r>
+            <a:endParaRPr lang="pt-PT" sz="1400" b="1">
+              <a:solidFill>
+                <a:srgbClr val="C00000"/>
+              </a:solidFill>
+              <a:sym typeface="+mn-ea"/>
             </a:endParaRPr>
           </a:p>
         </p:txBody>
